--- a/TCC/versões/imagens/imagens.pptx
+++ b/TCC/versões/imagens/imagens.pptx
@@ -5,10 +5,13 @@
     <p:sldMasterId id="2147483660" r:id="rId1"/>
   </p:sldMasterIdLst>
   <p:notesMasterIdLst>
-    <p:notesMasterId r:id="rId3"/>
+    <p:notesMasterId r:id="rId6"/>
   </p:notesMasterIdLst>
   <p:sldIdLst>
     <p:sldId id="256" r:id="rId2"/>
+    <p:sldId id="257" r:id="rId3"/>
+    <p:sldId id="258" r:id="rId4"/>
+    <p:sldId id="259" r:id="rId5"/>
   </p:sldIdLst>
   <p:sldSz cx="12192000" cy="6858000"/>
   <p:notesSz cx="6858000" cy="9144000"/>
@@ -208,7 +211,7 @@
           <a:p>
             <a:fld id="{55688CA0-5F4B-48A2-9AC3-C8861425B993}" type="datetimeFigureOut">
               <a:rPr lang="pt-BR" smtClean="0"/>
-              <a:t>01/11/2019</a:t>
+              <a:t>04/11/2019</a:t>
             </a:fld>
             <a:endParaRPr lang="pt-BR"/>
           </a:p>
@@ -691,7 +694,7 @@
           <a:p>
             <a:fld id="{1EC0D891-8AD6-48DD-B95C-ECA6CD1B7C86}" type="datetimeFigureOut">
               <a:rPr lang="pt-BR" smtClean="0"/>
-              <a:t>01/11/2019</a:t>
+              <a:t>04/11/2019</a:t>
             </a:fld>
             <a:endParaRPr lang="pt-BR"/>
           </a:p>
@@ -861,7 +864,7 @@
           <a:p>
             <a:fld id="{1EC0D891-8AD6-48DD-B95C-ECA6CD1B7C86}" type="datetimeFigureOut">
               <a:rPr lang="pt-BR" smtClean="0"/>
-              <a:t>01/11/2019</a:t>
+              <a:t>04/11/2019</a:t>
             </a:fld>
             <a:endParaRPr lang="pt-BR"/>
           </a:p>
@@ -1041,7 +1044,7 @@
           <a:p>
             <a:fld id="{1EC0D891-8AD6-48DD-B95C-ECA6CD1B7C86}" type="datetimeFigureOut">
               <a:rPr lang="pt-BR" smtClean="0"/>
-              <a:t>01/11/2019</a:t>
+              <a:t>04/11/2019</a:t>
             </a:fld>
             <a:endParaRPr lang="pt-BR"/>
           </a:p>
@@ -1211,7 +1214,7 @@
           <a:p>
             <a:fld id="{1EC0D891-8AD6-48DD-B95C-ECA6CD1B7C86}" type="datetimeFigureOut">
               <a:rPr lang="pt-BR" smtClean="0"/>
-              <a:t>01/11/2019</a:t>
+              <a:t>04/11/2019</a:t>
             </a:fld>
             <a:endParaRPr lang="pt-BR"/>
           </a:p>
@@ -1457,7 +1460,7 @@
           <a:p>
             <a:fld id="{1EC0D891-8AD6-48DD-B95C-ECA6CD1B7C86}" type="datetimeFigureOut">
               <a:rPr lang="pt-BR" smtClean="0"/>
-              <a:t>01/11/2019</a:t>
+              <a:t>04/11/2019</a:t>
             </a:fld>
             <a:endParaRPr lang="pt-BR"/>
           </a:p>
@@ -1689,7 +1692,7 @@
           <a:p>
             <a:fld id="{1EC0D891-8AD6-48DD-B95C-ECA6CD1B7C86}" type="datetimeFigureOut">
               <a:rPr lang="pt-BR" smtClean="0"/>
-              <a:t>01/11/2019</a:t>
+              <a:t>04/11/2019</a:t>
             </a:fld>
             <a:endParaRPr lang="pt-BR"/>
           </a:p>
@@ -2056,7 +2059,7 @@
           <a:p>
             <a:fld id="{1EC0D891-8AD6-48DD-B95C-ECA6CD1B7C86}" type="datetimeFigureOut">
               <a:rPr lang="pt-BR" smtClean="0"/>
-              <a:t>01/11/2019</a:t>
+              <a:t>04/11/2019</a:t>
             </a:fld>
             <a:endParaRPr lang="pt-BR"/>
           </a:p>
@@ -2174,7 +2177,7 @@
           <a:p>
             <a:fld id="{1EC0D891-8AD6-48DD-B95C-ECA6CD1B7C86}" type="datetimeFigureOut">
               <a:rPr lang="pt-BR" smtClean="0"/>
-              <a:t>01/11/2019</a:t>
+              <a:t>04/11/2019</a:t>
             </a:fld>
             <a:endParaRPr lang="pt-BR"/>
           </a:p>
@@ -2269,7 +2272,7 @@
           <a:p>
             <a:fld id="{1EC0D891-8AD6-48DD-B95C-ECA6CD1B7C86}" type="datetimeFigureOut">
               <a:rPr lang="pt-BR" smtClean="0"/>
-              <a:t>01/11/2019</a:t>
+              <a:t>04/11/2019</a:t>
             </a:fld>
             <a:endParaRPr lang="pt-BR"/>
           </a:p>
@@ -2546,7 +2549,7 @@
           <a:p>
             <a:fld id="{1EC0D891-8AD6-48DD-B95C-ECA6CD1B7C86}" type="datetimeFigureOut">
               <a:rPr lang="pt-BR" smtClean="0"/>
-              <a:t>01/11/2019</a:t>
+              <a:t>04/11/2019</a:t>
             </a:fld>
             <a:endParaRPr lang="pt-BR"/>
           </a:p>
@@ -2803,7 +2806,7 @@
           <a:p>
             <a:fld id="{1EC0D891-8AD6-48DD-B95C-ECA6CD1B7C86}" type="datetimeFigureOut">
               <a:rPr lang="pt-BR" smtClean="0"/>
-              <a:t>01/11/2019</a:t>
+              <a:t>04/11/2019</a:t>
             </a:fld>
             <a:endParaRPr lang="pt-BR"/>
           </a:p>
@@ -3016,7 +3019,7 @@
           <a:p>
             <a:fld id="{1EC0D891-8AD6-48DD-B95C-ECA6CD1B7C86}" type="datetimeFigureOut">
               <a:rPr lang="pt-BR" smtClean="0"/>
-              <a:t>01/11/2019</a:t>
+              <a:t>04/11/2019</a:t>
             </a:fld>
             <a:endParaRPr lang="pt-BR"/>
           </a:p>
@@ -3421,29 +3424,941 @@
           <a:chExt cx="0" cy="0"/>
         </a:xfrm>
       </p:grpSpPr>
+      <p:grpSp>
+        <p:nvGrpSpPr>
+          <p:cNvPr id="2" name="Agrupar 1"/>
+          <p:cNvGrpSpPr/>
+          <p:nvPr/>
+        </p:nvGrpSpPr>
+        <p:grpSpPr>
+          <a:xfrm>
+            <a:off x="-557568" y="863220"/>
+            <a:ext cx="13715998" cy="2565781"/>
+            <a:chOff x="-557568" y="863220"/>
+            <a:chExt cx="13715998" cy="2565781"/>
+          </a:xfrm>
+        </p:grpSpPr>
+        <p:sp>
+          <p:nvSpPr>
+            <p:cNvPr id="6" name="Retângulo Arredondado 5"/>
+            <p:cNvSpPr/>
+            <p:nvPr/>
+          </p:nvSpPr>
+          <p:spPr>
+            <a:xfrm>
+              <a:off x="-557568" y="863222"/>
+              <a:ext cx="1965278" cy="2565779"/>
+            </a:xfrm>
+            <a:prstGeom prst="roundRect">
+              <a:avLst>
+                <a:gd name="adj" fmla="val 0"/>
+              </a:avLst>
+            </a:prstGeom>
+            <a:solidFill>
+              <a:srgbClr val="1D9A78"/>
+            </a:solidFill>
+            <a:ln>
+              <a:solidFill>
+                <a:schemeClr val="accent1">
+                  <a:lumMod val="50000"/>
+                </a:schemeClr>
+              </a:solidFill>
+            </a:ln>
+          </p:spPr>
+          <p:style>
+            <a:lnRef idx="2">
+              <a:schemeClr val="accent1">
+                <a:shade val="50000"/>
+              </a:schemeClr>
+            </a:lnRef>
+            <a:fillRef idx="1">
+              <a:schemeClr val="accent1"/>
+            </a:fillRef>
+            <a:effectRef idx="0">
+              <a:schemeClr val="accent1"/>
+            </a:effectRef>
+            <a:fontRef idx="minor">
+              <a:schemeClr val="lt1"/>
+            </a:fontRef>
+          </p:style>
+          <p:txBody>
+            <a:bodyPr rtlCol="0" anchor="ctr"/>
+            <a:lstStyle/>
+            <a:p>
+              <a:pPr algn="ctr"/>
+              <a:r>
+                <a:rPr lang="pt-BR" sz="2400" dirty="0" smtClean="0"/>
+                <a:t>Seleção dos dados que participaram do processo</a:t>
+              </a:r>
+              <a:endParaRPr lang="pt-BR" sz="2400" dirty="0"/>
+            </a:p>
+          </p:txBody>
+        </p:sp>
+        <p:sp>
+          <p:nvSpPr>
+            <p:cNvPr id="7" name="Retângulo Arredondado 6"/>
+            <p:cNvSpPr/>
+            <p:nvPr/>
+          </p:nvSpPr>
+          <p:spPr>
+            <a:xfrm>
+              <a:off x="2024133" y="863221"/>
+              <a:ext cx="2536210" cy="2565779"/>
+            </a:xfrm>
+            <a:prstGeom prst="roundRect">
+              <a:avLst>
+                <a:gd name="adj" fmla="val 0"/>
+              </a:avLst>
+            </a:prstGeom>
+            <a:solidFill>
+              <a:srgbClr val="1D9A78"/>
+            </a:solidFill>
+            <a:ln>
+              <a:solidFill>
+                <a:schemeClr val="accent1">
+                  <a:lumMod val="50000"/>
+                </a:schemeClr>
+              </a:solidFill>
+            </a:ln>
+          </p:spPr>
+          <p:style>
+            <a:lnRef idx="2">
+              <a:schemeClr val="accent1">
+                <a:shade val="50000"/>
+              </a:schemeClr>
+            </a:lnRef>
+            <a:fillRef idx="1">
+              <a:schemeClr val="accent1"/>
+            </a:fillRef>
+            <a:effectRef idx="0">
+              <a:schemeClr val="accent1"/>
+            </a:effectRef>
+            <a:fontRef idx="minor">
+              <a:schemeClr val="lt1"/>
+            </a:fontRef>
+          </p:style>
+          <p:txBody>
+            <a:bodyPr rtlCol="0" anchor="ctr"/>
+            <a:lstStyle/>
+            <a:p>
+              <a:pPr algn="ctr"/>
+              <a:r>
+                <a:rPr lang="pt-BR" sz="2400" dirty="0" smtClean="0"/>
+                <a:t>Pré-processamento dos dados</a:t>
+              </a:r>
+              <a:endParaRPr lang="pt-BR" sz="2400" dirty="0"/>
+            </a:p>
+          </p:txBody>
+        </p:sp>
+        <p:sp>
+          <p:nvSpPr>
+            <p:cNvPr id="8" name="Retângulo Arredondado 7"/>
+            <p:cNvSpPr/>
+            <p:nvPr/>
+          </p:nvSpPr>
+          <p:spPr>
+            <a:xfrm>
+              <a:off x="5176766" y="863221"/>
+              <a:ext cx="2249606" cy="2565779"/>
+            </a:xfrm>
+            <a:prstGeom prst="roundRect">
+              <a:avLst>
+                <a:gd name="adj" fmla="val 0"/>
+              </a:avLst>
+            </a:prstGeom>
+            <a:solidFill>
+              <a:srgbClr val="1D9A78"/>
+            </a:solidFill>
+            <a:ln>
+              <a:solidFill>
+                <a:schemeClr val="accent1">
+                  <a:lumMod val="50000"/>
+                </a:schemeClr>
+              </a:solidFill>
+            </a:ln>
+          </p:spPr>
+          <p:style>
+            <a:lnRef idx="2">
+              <a:schemeClr val="accent1">
+                <a:shade val="50000"/>
+              </a:schemeClr>
+            </a:lnRef>
+            <a:fillRef idx="1">
+              <a:schemeClr val="accent1"/>
+            </a:fillRef>
+            <a:effectRef idx="0">
+              <a:schemeClr val="accent1"/>
+            </a:effectRef>
+            <a:fontRef idx="minor">
+              <a:schemeClr val="lt1"/>
+            </a:fontRef>
+          </p:style>
+          <p:txBody>
+            <a:bodyPr rtlCol="0" anchor="ctr"/>
+            <a:lstStyle/>
+            <a:p>
+              <a:pPr algn="ctr"/>
+              <a:r>
+                <a:rPr lang="pt-BR" sz="2400" dirty="0" smtClean="0"/>
+                <a:t>Transformação dos dados</a:t>
+              </a:r>
+              <a:endParaRPr lang="pt-BR" sz="2400" dirty="0"/>
+            </a:p>
+          </p:txBody>
+        </p:sp>
+        <p:sp>
+          <p:nvSpPr>
+            <p:cNvPr id="9" name="Retângulo Arredondado 8"/>
+            <p:cNvSpPr/>
+            <p:nvPr/>
+          </p:nvSpPr>
+          <p:spPr>
+            <a:xfrm>
+              <a:off x="8042795" y="863221"/>
+              <a:ext cx="2249606" cy="2565779"/>
+            </a:xfrm>
+            <a:prstGeom prst="roundRect">
+              <a:avLst>
+                <a:gd name="adj" fmla="val 0"/>
+              </a:avLst>
+            </a:prstGeom>
+            <a:solidFill>
+              <a:srgbClr val="1D9A78"/>
+            </a:solidFill>
+            <a:ln>
+              <a:solidFill>
+                <a:schemeClr val="accent1">
+                  <a:lumMod val="50000"/>
+                </a:schemeClr>
+              </a:solidFill>
+            </a:ln>
+          </p:spPr>
+          <p:style>
+            <a:lnRef idx="2">
+              <a:schemeClr val="accent1">
+                <a:shade val="50000"/>
+              </a:schemeClr>
+            </a:lnRef>
+            <a:fillRef idx="1">
+              <a:schemeClr val="accent1"/>
+            </a:fillRef>
+            <a:effectRef idx="0">
+              <a:schemeClr val="accent1"/>
+            </a:effectRef>
+            <a:fontRef idx="minor">
+              <a:schemeClr val="lt1"/>
+            </a:fontRef>
+          </p:style>
+          <p:txBody>
+            <a:bodyPr rtlCol="0" anchor="ctr"/>
+            <a:lstStyle/>
+            <a:p>
+              <a:pPr algn="ctr"/>
+              <a:r>
+                <a:rPr lang="pt-BR" sz="2400" dirty="0" smtClean="0"/>
+                <a:t>Mineração dos dados</a:t>
+              </a:r>
+              <a:endParaRPr lang="pt-BR" sz="2400" dirty="0"/>
+            </a:p>
+          </p:txBody>
+        </p:sp>
+        <p:sp>
+          <p:nvSpPr>
+            <p:cNvPr id="10" name="Retângulo Arredondado 9"/>
+            <p:cNvSpPr/>
+            <p:nvPr/>
+          </p:nvSpPr>
+          <p:spPr>
+            <a:xfrm>
+              <a:off x="10908824" y="863220"/>
+              <a:ext cx="2249606" cy="2565779"/>
+            </a:xfrm>
+            <a:prstGeom prst="roundRect">
+              <a:avLst>
+                <a:gd name="adj" fmla="val 0"/>
+              </a:avLst>
+            </a:prstGeom>
+            <a:solidFill>
+              <a:srgbClr val="1D9A78"/>
+            </a:solidFill>
+            <a:ln>
+              <a:solidFill>
+                <a:schemeClr val="accent1">
+                  <a:lumMod val="50000"/>
+                </a:schemeClr>
+              </a:solidFill>
+            </a:ln>
+          </p:spPr>
+          <p:style>
+            <a:lnRef idx="2">
+              <a:schemeClr val="accent1">
+                <a:shade val="50000"/>
+              </a:schemeClr>
+            </a:lnRef>
+            <a:fillRef idx="1">
+              <a:schemeClr val="accent1"/>
+            </a:fillRef>
+            <a:effectRef idx="0">
+              <a:schemeClr val="accent1"/>
+            </a:effectRef>
+            <a:fontRef idx="minor">
+              <a:schemeClr val="lt1"/>
+            </a:fontRef>
+          </p:style>
+          <p:txBody>
+            <a:bodyPr rtlCol="0" anchor="ctr"/>
+            <a:lstStyle/>
+            <a:p>
+              <a:pPr algn="ctr"/>
+              <a:r>
+                <a:rPr lang="pt-BR" sz="2400" dirty="0" smtClean="0"/>
+                <a:t>Interpretação e avaliação dos resultados</a:t>
+              </a:r>
+              <a:endParaRPr lang="pt-BR" sz="2400" dirty="0"/>
+            </a:p>
+          </p:txBody>
+        </p:sp>
+        <p:sp>
+          <p:nvSpPr>
+            <p:cNvPr id="12" name="Seta para a Direita 11"/>
+            <p:cNvSpPr/>
+            <p:nvPr/>
+          </p:nvSpPr>
+          <p:spPr>
+            <a:xfrm>
+              <a:off x="1407710" y="1795865"/>
+              <a:ext cx="616423" cy="700488"/>
+            </a:xfrm>
+            <a:prstGeom prst="rightArrow">
+              <a:avLst>
+                <a:gd name="adj1" fmla="val 50000"/>
+                <a:gd name="adj2" fmla="val 65834"/>
+              </a:avLst>
+            </a:prstGeom>
+            <a:solidFill>
+              <a:schemeClr val="accent2"/>
+            </a:solidFill>
+            <a:ln>
+              <a:solidFill>
+                <a:schemeClr val="accent2">
+                  <a:lumMod val="50000"/>
+                </a:schemeClr>
+              </a:solidFill>
+            </a:ln>
+          </p:spPr>
+          <p:style>
+            <a:lnRef idx="2">
+              <a:schemeClr val="accent1">
+                <a:shade val="50000"/>
+              </a:schemeClr>
+            </a:lnRef>
+            <a:fillRef idx="1">
+              <a:schemeClr val="accent1"/>
+            </a:fillRef>
+            <a:effectRef idx="0">
+              <a:schemeClr val="accent1"/>
+            </a:effectRef>
+            <a:fontRef idx="minor">
+              <a:schemeClr val="lt1"/>
+            </a:fontRef>
+          </p:style>
+          <p:txBody>
+            <a:bodyPr rtlCol="0" anchor="ctr"/>
+            <a:lstStyle/>
+            <a:p>
+              <a:pPr algn="ctr"/>
+              <a:endParaRPr lang="pt-BR"/>
+            </a:p>
+          </p:txBody>
+        </p:sp>
+        <p:sp>
+          <p:nvSpPr>
+            <p:cNvPr id="13" name="Seta para a Direita 12"/>
+            <p:cNvSpPr/>
+            <p:nvPr/>
+          </p:nvSpPr>
+          <p:spPr>
+            <a:xfrm>
+              <a:off x="4561086" y="1795865"/>
+              <a:ext cx="616423" cy="700488"/>
+            </a:xfrm>
+            <a:prstGeom prst="rightArrow">
+              <a:avLst>
+                <a:gd name="adj1" fmla="val 50000"/>
+                <a:gd name="adj2" fmla="val 65834"/>
+              </a:avLst>
+            </a:prstGeom>
+            <a:solidFill>
+              <a:schemeClr val="accent2"/>
+            </a:solidFill>
+            <a:ln>
+              <a:solidFill>
+                <a:schemeClr val="accent2">
+                  <a:lumMod val="50000"/>
+                </a:schemeClr>
+              </a:solidFill>
+            </a:ln>
+          </p:spPr>
+          <p:style>
+            <a:lnRef idx="2">
+              <a:schemeClr val="accent1">
+                <a:shade val="50000"/>
+              </a:schemeClr>
+            </a:lnRef>
+            <a:fillRef idx="1">
+              <a:schemeClr val="accent1"/>
+            </a:fillRef>
+            <a:effectRef idx="0">
+              <a:schemeClr val="accent1"/>
+            </a:effectRef>
+            <a:fontRef idx="minor">
+              <a:schemeClr val="lt1"/>
+            </a:fontRef>
+          </p:style>
+          <p:txBody>
+            <a:bodyPr rtlCol="0" anchor="ctr"/>
+            <a:lstStyle/>
+            <a:p>
+              <a:pPr algn="ctr"/>
+              <a:endParaRPr lang="pt-BR"/>
+            </a:p>
+          </p:txBody>
+        </p:sp>
+        <p:sp>
+          <p:nvSpPr>
+            <p:cNvPr id="14" name="Seta para a Direita 13"/>
+            <p:cNvSpPr/>
+            <p:nvPr/>
+          </p:nvSpPr>
+          <p:spPr>
+            <a:xfrm>
+              <a:off x="7428929" y="1795865"/>
+              <a:ext cx="616423" cy="700488"/>
+            </a:xfrm>
+            <a:prstGeom prst="rightArrow">
+              <a:avLst>
+                <a:gd name="adj1" fmla="val 50000"/>
+                <a:gd name="adj2" fmla="val 65834"/>
+              </a:avLst>
+            </a:prstGeom>
+            <a:solidFill>
+              <a:schemeClr val="accent2"/>
+            </a:solidFill>
+            <a:ln>
+              <a:solidFill>
+                <a:schemeClr val="accent2">
+                  <a:lumMod val="50000"/>
+                </a:schemeClr>
+              </a:solidFill>
+            </a:ln>
+          </p:spPr>
+          <p:style>
+            <a:lnRef idx="2">
+              <a:schemeClr val="accent1">
+                <a:shade val="50000"/>
+              </a:schemeClr>
+            </a:lnRef>
+            <a:fillRef idx="1">
+              <a:schemeClr val="accent1"/>
+            </a:fillRef>
+            <a:effectRef idx="0">
+              <a:schemeClr val="accent1"/>
+            </a:effectRef>
+            <a:fontRef idx="minor">
+              <a:schemeClr val="lt1"/>
+            </a:fontRef>
+          </p:style>
+          <p:txBody>
+            <a:bodyPr rtlCol="0" anchor="ctr"/>
+            <a:lstStyle/>
+            <a:p>
+              <a:pPr algn="ctr"/>
+              <a:endParaRPr lang="pt-BR"/>
+            </a:p>
+          </p:txBody>
+        </p:sp>
+        <p:sp>
+          <p:nvSpPr>
+            <p:cNvPr id="15" name="Seta para a Direita 14"/>
+            <p:cNvSpPr/>
+            <p:nvPr/>
+          </p:nvSpPr>
+          <p:spPr>
+            <a:xfrm>
+              <a:off x="10289938" y="1795865"/>
+              <a:ext cx="616423" cy="700488"/>
+            </a:xfrm>
+            <a:prstGeom prst="rightArrow">
+              <a:avLst>
+                <a:gd name="adj1" fmla="val 50000"/>
+                <a:gd name="adj2" fmla="val 65834"/>
+              </a:avLst>
+            </a:prstGeom>
+            <a:solidFill>
+              <a:schemeClr val="accent2"/>
+            </a:solidFill>
+            <a:ln>
+              <a:solidFill>
+                <a:schemeClr val="accent2">
+                  <a:lumMod val="50000"/>
+                </a:schemeClr>
+              </a:solidFill>
+            </a:ln>
+          </p:spPr>
+          <p:style>
+            <a:lnRef idx="2">
+              <a:schemeClr val="accent1">
+                <a:shade val="50000"/>
+              </a:schemeClr>
+            </a:lnRef>
+            <a:fillRef idx="1">
+              <a:schemeClr val="accent1"/>
+            </a:fillRef>
+            <a:effectRef idx="0">
+              <a:schemeClr val="accent1"/>
+            </a:effectRef>
+            <a:fontRef idx="minor">
+              <a:schemeClr val="lt1"/>
+            </a:fontRef>
+          </p:style>
+          <p:txBody>
+            <a:bodyPr rtlCol="0" anchor="ctr"/>
+            <a:lstStyle/>
+            <a:p>
+              <a:pPr algn="ctr"/>
+              <a:endParaRPr lang="pt-BR"/>
+            </a:p>
+          </p:txBody>
+        </p:sp>
+      </p:grpSp>
+    </p:spTree>
+    <p:extLst>
+      <p:ext uri="{BB962C8B-B14F-4D97-AF65-F5344CB8AC3E}">
+        <p14:creationId xmlns:p14="http://schemas.microsoft.com/office/powerpoint/2010/main" val="296841696"/>
+      </p:ext>
+    </p:extLst>
+  </p:cSld>
+  <p:clrMapOvr>
+    <a:masterClrMapping/>
+  </p:clrMapOvr>
+</p:sld>
+</file>
+
+<file path=ppt/slides/slide2.xml><?xml version="1.0" encoding="utf-8"?>
+<p:sld xmlns:a="http://schemas.openxmlformats.org/drawingml/2006/main" xmlns:r="http://schemas.openxmlformats.org/officeDocument/2006/relationships" xmlns:p="http://schemas.openxmlformats.org/presentationml/2006/main">
+  <p:cSld>
+    <p:spTree>
+      <p:nvGrpSpPr>
+        <p:cNvPr id="1" name=""/>
+        <p:cNvGrpSpPr/>
+        <p:nvPr/>
+      </p:nvGrpSpPr>
+      <p:grpSpPr>
+        <a:xfrm>
+          <a:off x="0" y="0"/>
+          <a:ext cx="0" cy="0"/>
+          <a:chOff x="0" y="0"/>
+          <a:chExt cx="0" cy="0"/>
+        </a:xfrm>
+      </p:grpSpPr>
       <p:sp>
         <p:nvSpPr>
-          <p:cNvPr id="6" name="Retângulo Arredondado 5"/>
+          <p:cNvPr id="90" name="Cilindro 89"/>
           <p:cNvSpPr/>
           <p:nvPr/>
         </p:nvSpPr>
         <p:spPr>
           <a:xfrm>
-            <a:off x="1023582" y="1214651"/>
-            <a:ext cx="1965278" cy="2565779"/>
+            <a:off x="4433887" y="3429000"/>
+            <a:ext cx="3324225" cy="1618801"/>
           </a:xfrm>
-          <a:prstGeom prst="roundRect">
+          <a:prstGeom prst="can">
+            <a:avLst>
+              <a:gd name="adj" fmla="val 50000"/>
+            </a:avLst>
+          </a:prstGeom>
+          <a:ln w="57150"/>
+        </p:spPr>
+        <p:style>
+          <a:lnRef idx="2">
+            <a:schemeClr val="accent4">
+              <a:shade val="50000"/>
+            </a:schemeClr>
+          </a:lnRef>
+          <a:fillRef idx="1">
+            <a:schemeClr val="accent4"/>
+          </a:fillRef>
+          <a:effectRef idx="0">
+            <a:schemeClr val="accent4"/>
+          </a:effectRef>
+          <a:fontRef idx="minor">
+            <a:schemeClr val="lt1"/>
+          </a:fontRef>
+        </p:style>
+        <p:txBody>
+          <a:bodyPr rtlCol="0" anchor="ctr"/>
+          <a:lstStyle/>
+          <a:p>
+            <a:pPr algn="ctr"/>
+            <a:endParaRPr lang="pt-BR"/>
+          </a:p>
+        </p:txBody>
+      </p:sp>
+      <p:grpSp>
+        <p:nvGrpSpPr>
+          <p:cNvPr id="99" name="Agrupar 98"/>
+          <p:cNvGrpSpPr/>
+          <p:nvPr/>
+        </p:nvGrpSpPr>
+        <p:grpSpPr>
+          <a:xfrm>
+            <a:off x="1595252" y="2375817"/>
+            <a:ext cx="1260000" cy="1835077"/>
+            <a:chOff x="2331379" y="2184473"/>
+            <a:chExt cx="1260000" cy="1835077"/>
+          </a:xfrm>
+        </p:grpSpPr>
+        <p:sp>
+          <p:nvSpPr>
+            <p:cNvPr id="91" name="Corda 90"/>
+            <p:cNvSpPr/>
+            <p:nvPr/>
+          </p:nvSpPr>
+          <p:spPr>
+            <a:xfrm rot="10800000" flipV="1">
+              <a:off x="2331379" y="2759550"/>
+              <a:ext cx="1260000" cy="1260000"/>
+            </a:xfrm>
+            <a:prstGeom prst="chord">
+              <a:avLst>
+                <a:gd name="adj1" fmla="val 10330544"/>
+                <a:gd name="adj2" fmla="val 472351"/>
+              </a:avLst>
+            </a:prstGeom>
+            <a:ln w="57150"/>
+          </p:spPr>
+          <p:style>
+            <a:lnRef idx="2">
+              <a:schemeClr val="accent1">
+                <a:shade val="50000"/>
+              </a:schemeClr>
+            </a:lnRef>
+            <a:fillRef idx="1">
+              <a:schemeClr val="accent1"/>
+            </a:fillRef>
+            <a:effectRef idx="0">
+              <a:schemeClr val="accent1"/>
+            </a:effectRef>
+            <a:fontRef idx="minor">
+              <a:schemeClr val="lt1"/>
+            </a:fontRef>
+          </p:style>
+          <p:txBody>
+            <a:bodyPr rtlCol="0" anchor="ctr"/>
+            <a:lstStyle/>
+            <a:p>
+              <a:pPr algn="ctr"/>
+              <a:endParaRPr lang="pt-BR"/>
+            </a:p>
+          </p:txBody>
+        </p:sp>
+        <p:sp>
+          <p:nvSpPr>
+            <p:cNvPr id="92" name="Elipse 91"/>
+            <p:cNvSpPr/>
+            <p:nvPr/>
+          </p:nvSpPr>
+          <p:spPr>
+            <a:xfrm>
+              <a:off x="2601378" y="2184473"/>
+              <a:ext cx="720000" cy="720000"/>
+            </a:xfrm>
+            <a:prstGeom prst="ellipse">
+              <a:avLst/>
+            </a:prstGeom>
+            <a:ln w="57150"/>
+          </p:spPr>
+          <p:style>
+            <a:lnRef idx="2">
+              <a:schemeClr val="accent1">
+                <a:shade val="50000"/>
+              </a:schemeClr>
+            </a:lnRef>
+            <a:fillRef idx="1">
+              <a:schemeClr val="accent1"/>
+            </a:fillRef>
+            <a:effectRef idx="0">
+              <a:schemeClr val="accent1"/>
+            </a:effectRef>
+            <a:fontRef idx="minor">
+              <a:schemeClr val="lt1"/>
+            </a:fontRef>
+          </p:style>
+          <p:txBody>
+            <a:bodyPr rtlCol="0" anchor="ctr"/>
+            <a:lstStyle/>
+            <a:p>
+              <a:pPr algn="ctr"/>
+              <a:endParaRPr lang="pt-BR"/>
+            </a:p>
+          </p:txBody>
+        </p:sp>
+      </p:grpSp>
+      <p:grpSp>
+        <p:nvGrpSpPr>
+          <p:cNvPr id="97" name="Agrupar 96"/>
+          <p:cNvGrpSpPr/>
+          <p:nvPr/>
+        </p:nvGrpSpPr>
+        <p:grpSpPr>
+          <a:xfrm>
+            <a:off x="5465999" y="1115817"/>
+            <a:ext cx="1260000" cy="1835077"/>
+            <a:chOff x="5176179" y="1018596"/>
+            <a:chExt cx="1260000" cy="1835077"/>
+          </a:xfrm>
+        </p:grpSpPr>
+        <p:sp>
+          <p:nvSpPr>
+            <p:cNvPr id="93" name="Corda 92"/>
+            <p:cNvSpPr/>
+            <p:nvPr/>
+          </p:nvSpPr>
+          <p:spPr>
+            <a:xfrm rot="10800000" flipV="1">
+              <a:off x="5176179" y="1593673"/>
+              <a:ext cx="1260000" cy="1260000"/>
+            </a:xfrm>
+            <a:prstGeom prst="chord">
+              <a:avLst>
+                <a:gd name="adj1" fmla="val 10330544"/>
+                <a:gd name="adj2" fmla="val 472351"/>
+              </a:avLst>
+            </a:prstGeom>
+            <a:ln w="57150"/>
+          </p:spPr>
+          <p:style>
+            <a:lnRef idx="2">
+              <a:schemeClr val="accent1">
+                <a:shade val="50000"/>
+              </a:schemeClr>
+            </a:lnRef>
+            <a:fillRef idx="1">
+              <a:schemeClr val="accent1"/>
+            </a:fillRef>
+            <a:effectRef idx="0">
+              <a:schemeClr val="accent1"/>
+            </a:effectRef>
+            <a:fontRef idx="minor">
+              <a:schemeClr val="lt1"/>
+            </a:fontRef>
+          </p:style>
+          <p:txBody>
+            <a:bodyPr rtlCol="0" anchor="ctr"/>
+            <a:lstStyle/>
+            <a:p>
+              <a:pPr algn="ctr"/>
+              <a:endParaRPr lang="pt-BR"/>
+            </a:p>
+          </p:txBody>
+        </p:sp>
+        <p:sp>
+          <p:nvSpPr>
+            <p:cNvPr id="94" name="Elipse 93"/>
+            <p:cNvSpPr/>
+            <p:nvPr/>
+          </p:nvSpPr>
+          <p:spPr>
+            <a:xfrm>
+              <a:off x="5446178" y="1018596"/>
+              <a:ext cx="720000" cy="720000"/>
+            </a:xfrm>
+            <a:prstGeom prst="ellipse">
+              <a:avLst/>
+            </a:prstGeom>
+            <a:ln w="57150"/>
+          </p:spPr>
+          <p:style>
+            <a:lnRef idx="2">
+              <a:schemeClr val="accent1">
+                <a:shade val="50000"/>
+              </a:schemeClr>
+            </a:lnRef>
+            <a:fillRef idx="1">
+              <a:schemeClr val="accent1"/>
+            </a:fillRef>
+            <a:effectRef idx="0">
+              <a:schemeClr val="accent1"/>
+            </a:effectRef>
+            <a:fontRef idx="minor">
+              <a:schemeClr val="lt1"/>
+            </a:fontRef>
+          </p:style>
+          <p:txBody>
+            <a:bodyPr rtlCol="0" anchor="ctr"/>
+            <a:lstStyle/>
+            <a:p>
+              <a:pPr algn="ctr"/>
+              <a:endParaRPr lang="pt-BR"/>
+            </a:p>
+          </p:txBody>
+        </p:sp>
+      </p:grpSp>
+      <p:grpSp>
+        <p:nvGrpSpPr>
+          <p:cNvPr id="98" name="Agrupar 97"/>
+          <p:cNvGrpSpPr/>
+          <p:nvPr/>
+        </p:nvGrpSpPr>
+        <p:grpSpPr>
+          <a:xfrm>
+            <a:off x="9336746" y="2375817"/>
+            <a:ext cx="1260000" cy="1835077"/>
+            <a:chOff x="8357346" y="2278596"/>
+            <a:chExt cx="1260000" cy="1835077"/>
+          </a:xfrm>
+        </p:grpSpPr>
+        <p:sp>
+          <p:nvSpPr>
+            <p:cNvPr id="95" name="Corda 94"/>
+            <p:cNvSpPr/>
+            <p:nvPr/>
+          </p:nvSpPr>
+          <p:spPr>
+            <a:xfrm rot="10800000" flipV="1">
+              <a:off x="8357346" y="2853673"/>
+              <a:ext cx="1260000" cy="1260000"/>
+            </a:xfrm>
+            <a:prstGeom prst="chord">
+              <a:avLst>
+                <a:gd name="adj1" fmla="val 10330544"/>
+                <a:gd name="adj2" fmla="val 472351"/>
+              </a:avLst>
+            </a:prstGeom>
+            <a:ln w="57150"/>
+          </p:spPr>
+          <p:style>
+            <a:lnRef idx="2">
+              <a:schemeClr val="accent1">
+                <a:shade val="50000"/>
+              </a:schemeClr>
+            </a:lnRef>
+            <a:fillRef idx="1">
+              <a:schemeClr val="accent1"/>
+            </a:fillRef>
+            <a:effectRef idx="0">
+              <a:schemeClr val="accent1"/>
+            </a:effectRef>
+            <a:fontRef idx="minor">
+              <a:schemeClr val="lt1"/>
+            </a:fontRef>
+          </p:style>
+          <p:txBody>
+            <a:bodyPr rtlCol="0" anchor="ctr"/>
+            <a:lstStyle/>
+            <a:p>
+              <a:pPr algn="ctr"/>
+              <a:endParaRPr lang="pt-BR"/>
+            </a:p>
+          </p:txBody>
+        </p:sp>
+        <p:sp>
+          <p:nvSpPr>
+            <p:cNvPr id="96" name="Elipse 95"/>
+            <p:cNvSpPr/>
+            <p:nvPr/>
+          </p:nvSpPr>
+          <p:spPr>
+            <a:xfrm>
+              <a:off x="8627345" y="2278596"/>
+              <a:ext cx="720000" cy="720000"/>
+            </a:xfrm>
+            <a:prstGeom prst="ellipse">
+              <a:avLst/>
+            </a:prstGeom>
+            <a:ln w="57150"/>
+          </p:spPr>
+          <p:style>
+            <a:lnRef idx="2">
+              <a:schemeClr val="accent1">
+                <a:shade val="50000"/>
+              </a:schemeClr>
+            </a:lnRef>
+            <a:fillRef idx="1">
+              <a:schemeClr val="accent1"/>
+            </a:fillRef>
+            <a:effectRef idx="0">
+              <a:schemeClr val="accent1"/>
+            </a:effectRef>
+            <a:fontRef idx="minor">
+              <a:schemeClr val="lt1"/>
+            </a:fontRef>
+          </p:style>
+          <p:txBody>
+            <a:bodyPr rtlCol="0" anchor="ctr"/>
+            <a:lstStyle/>
+            <a:p>
+              <a:pPr algn="ctr"/>
+              <a:endParaRPr lang="pt-BR"/>
+            </a:p>
+          </p:txBody>
+        </p:sp>
+      </p:grpSp>
+      <p:cxnSp>
+        <p:nvCxnSpPr>
+          <p:cNvPr id="107" name="Conector de Seta Reta 106"/>
+          <p:cNvCxnSpPr/>
+          <p:nvPr/>
+        </p:nvCxnSpPr>
+        <p:spPr>
+          <a:xfrm>
+            <a:off x="6096000" y="2540000"/>
+            <a:ext cx="10436" cy="753356"/>
+          </a:xfrm>
+          <a:prstGeom prst="straightConnector1">
+            <a:avLst/>
+          </a:prstGeom>
+          <a:ln w="76200">
+            <a:headEnd type="triangle"/>
+            <a:tailEnd type="triangle"/>
+          </a:ln>
+        </p:spPr>
+        <p:style>
+          <a:lnRef idx="1">
+            <a:schemeClr val="accent1"/>
+          </a:lnRef>
+          <a:fillRef idx="0">
+            <a:schemeClr val="accent1"/>
+          </a:fillRef>
+          <a:effectRef idx="0">
+            <a:schemeClr val="accent1"/>
+          </a:effectRef>
+          <a:fontRef idx="minor">
+            <a:schemeClr val="tx1"/>
+          </a:fontRef>
+        </p:style>
+      </p:cxnSp>
+      <p:sp>
+        <p:nvSpPr>
+          <p:cNvPr id="115" name="Retângulo 114"/>
+          <p:cNvSpPr/>
+          <p:nvPr/>
+        </p:nvSpPr>
+        <p:spPr>
+          <a:xfrm>
+            <a:off x="8741280" y="1690893"/>
+            <a:ext cx="2450930" cy="528744"/>
+          </a:xfrm>
+          <a:prstGeom prst="rect">
             <a:avLst/>
           </a:prstGeom>
           <a:solidFill>
-            <a:srgbClr val="1D9A78"/>
+            <a:schemeClr val="bg2">
+              <a:lumMod val="90000"/>
+            </a:schemeClr>
           </a:solidFill>
           <a:ln>
-            <a:solidFill>
-              <a:schemeClr val="accent1">
-                <a:lumMod val="50000"/>
-              </a:schemeClr>
-            </a:solidFill>
+            <a:noFill/>
           </a:ln>
         </p:spPr>
         <p:style>
@@ -3468,36 +4383,50 @@
           <a:p>
             <a:pPr algn="ctr"/>
             <a:r>
-              <a:rPr lang="pt-BR" sz="2400" dirty="0" smtClean="0"/>
-              <a:t>Seleção dos dados que participaram do processo</a:t>
+              <a:rPr lang="pt-BR" sz="2400" dirty="0" smtClean="0">
+                <a:solidFill>
+                  <a:schemeClr val="bg2">
+                    <a:lumMod val="10000"/>
+                  </a:schemeClr>
+                </a:solidFill>
+                <a:latin typeface="Arial" panose="020B0604020202020204" pitchFamily="34" charset="0"/>
+                <a:cs typeface="Arial" panose="020B0604020202020204" pitchFamily="34" charset="0"/>
+              </a:rPr>
+              <a:t>Desenvolvedor</a:t>
             </a:r>
-            <a:endParaRPr lang="pt-BR" sz="2400" dirty="0"/>
+            <a:endParaRPr lang="pt-BR" sz="2400" dirty="0">
+              <a:solidFill>
+                <a:schemeClr val="bg2">
+                  <a:lumMod val="10000"/>
+                </a:schemeClr>
+              </a:solidFill>
+              <a:latin typeface="Arial" panose="020B0604020202020204" pitchFamily="34" charset="0"/>
+              <a:cs typeface="Arial" panose="020B0604020202020204" pitchFamily="34" charset="0"/>
+            </a:endParaRPr>
           </a:p>
         </p:txBody>
       </p:sp>
       <p:sp>
         <p:nvSpPr>
-          <p:cNvPr id="7" name="Retângulo Arredondado 6"/>
+          <p:cNvPr id="118" name="Retângulo 117"/>
           <p:cNvSpPr/>
           <p:nvPr/>
         </p:nvSpPr>
         <p:spPr>
           <a:xfrm>
-            <a:off x="3605283" y="1214650"/>
-            <a:ext cx="2536210" cy="2565779"/>
+            <a:off x="4125912" y="5250039"/>
+            <a:ext cx="3940176" cy="551735"/>
           </a:xfrm>
-          <a:prstGeom prst="roundRect">
+          <a:prstGeom prst="rect">
             <a:avLst/>
           </a:prstGeom>
           <a:solidFill>
-            <a:srgbClr val="1D9A78"/>
+            <a:schemeClr val="bg2">
+              <a:lumMod val="90000"/>
+            </a:schemeClr>
           </a:solidFill>
           <a:ln>
-            <a:solidFill>
-              <a:schemeClr val="accent1">
-                <a:lumMod val="50000"/>
-              </a:schemeClr>
-            </a:solidFill>
+            <a:noFill/>
           </a:ln>
         </p:spPr>
         <p:style>
@@ -3522,36 +4451,118 @@
           <a:p>
             <a:pPr algn="ctr"/>
             <a:r>
-              <a:rPr lang="pt-BR" sz="2400" dirty="0" smtClean="0"/>
-              <a:t>Pré-processamento dos dados</a:t>
+              <a:rPr lang="pt-BR" sz="2400" dirty="0" smtClean="0">
+                <a:solidFill>
+                  <a:schemeClr val="bg2">
+                    <a:lumMod val="10000"/>
+                  </a:schemeClr>
+                </a:solidFill>
+                <a:latin typeface="Arial" panose="020B0604020202020204" pitchFamily="34" charset="0"/>
+                <a:cs typeface="Arial" panose="020B0604020202020204" pitchFamily="34" charset="0"/>
+              </a:rPr>
+              <a:t>Repositório compartilhado</a:t>
             </a:r>
-            <a:endParaRPr lang="pt-BR" sz="2400" dirty="0"/>
+            <a:endParaRPr lang="pt-BR" sz="2400" dirty="0">
+              <a:solidFill>
+                <a:schemeClr val="bg2">
+                  <a:lumMod val="10000"/>
+                </a:schemeClr>
+              </a:solidFill>
+              <a:latin typeface="Arial" panose="020B0604020202020204" pitchFamily="34" charset="0"/>
+              <a:cs typeface="Arial" panose="020B0604020202020204" pitchFamily="34" charset="0"/>
+            </a:endParaRPr>
           </a:p>
         </p:txBody>
       </p:sp>
+      <p:cxnSp>
+        <p:nvCxnSpPr>
+          <p:cNvPr id="122" name="Conector de Seta Reta 121"/>
+          <p:cNvCxnSpPr/>
+          <p:nvPr/>
+        </p:nvCxnSpPr>
+        <p:spPr>
+          <a:xfrm>
+            <a:off x="2985034" y="3429000"/>
+            <a:ext cx="1325709" cy="342462"/>
+          </a:xfrm>
+          <a:prstGeom prst="straightConnector1">
+            <a:avLst/>
+          </a:prstGeom>
+          <a:ln w="76200">
+            <a:headEnd type="triangle"/>
+            <a:tailEnd type="triangle"/>
+          </a:ln>
+        </p:spPr>
+        <p:style>
+          <a:lnRef idx="1">
+            <a:schemeClr val="accent1"/>
+          </a:lnRef>
+          <a:fillRef idx="0">
+            <a:schemeClr val="accent1"/>
+          </a:fillRef>
+          <a:effectRef idx="0">
+            <a:schemeClr val="accent1"/>
+          </a:effectRef>
+          <a:fontRef idx="minor">
+            <a:schemeClr val="tx1"/>
+          </a:fontRef>
+        </p:style>
+      </p:cxnSp>
+      <p:cxnSp>
+        <p:nvCxnSpPr>
+          <p:cNvPr id="125" name="Conector de Seta Reta 124"/>
+          <p:cNvCxnSpPr/>
+          <p:nvPr/>
+        </p:nvCxnSpPr>
+        <p:spPr>
+          <a:xfrm flipH="1">
+            <a:off x="7881255" y="3429000"/>
+            <a:ext cx="1312013" cy="342462"/>
+          </a:xfrm>
+          <a:prstGeom prst="straightConnector1">
+            <a:avLst/>
+          </a:prstGeom>
+          <a:ln w="76200">
+            <a:headEnd type="triangle"/>
+            <a:tailEnd type="triangle"/>
+          </a:ln>
+        </p:spPr>
+        <p:style>
+          <a:lnRef idx="1">
+            <a:schemeClr val="accent1"/>
+          </a:lnRef>
+          <a:fillRef idx="0">
+            <a:schemeClr val="accent1"/>
+          </a:fillRef>
+          <a:effectRef idx="0">
+            <a:schemeClr val="accent1"/>
+          </a:effectRef>
+          <a:fontRef idx="minor">
+            <a:schemeClr val="tx1"/>
+          </a:fontRef>
+        </p:style>
+      </p:cxnSp>
       <p:sp>
         <p:nvSpPr>
-          <p:cNvPr id="8" name="Retângulo Arredondado 7"/>
+          <p:cNvPr id="128" name="Retângulo 127"/>
           <p:cNvSpPr/>
           <p:nvPr/>
         </p:nvSpPr>
         <p:spPr>
           <a:xfrm>
-            <a:off x="6757916" y="1214650"/>
-            <a:ext cx="2249606" cy="2565779"/>
+            <a:off x="4880971" y="431962"/>
+            <a:ext cx="2450930" cy="528744"/>
           </a:xfrm>
-          <a:prstGeom prst="roundRect">
+          <a:prstGeom prst="rect">
             <a:avLst/>
           </a:prstGeom>
           <a:solidFill>
-            <a:srgbClr val="1D9A78"/>
+            <a:schemeClr val="bg2">
+              <a:lumMod val="90000"/>
+            </a:schemeClr>
           </a:solidFill>
           <a:ln>
-            <a:solidFill>
-              <a:schemeClr val="accent1">
-                <a:lumMod val="50000"/>
-              </a:schemeClr>
-            </a:solidFill>
+            <a:noFill/>
           </a:ln>
         </p:spPr>
         <p:style>
@@ -3576,36 +4587,50 @@
           <a:p>
             <a:pPr algn="ctr"/>
             <a:r>
-              <a:rPr lang="pt-BR" sz="2400" dirty="0" smtClean="0"/>
-              <a:t>Transformação dos dados</a:t>
+              <a:rPr lang="pt-BR" sz="2400" dirty="0" smtClean="0">
+                <a:solidFill>
+                  <a:schemeClr val="bg2">
+                    <a:lumMod val="10000"/>
+                  </a:schemeClr>
+                </a:solidFill>
+                <a:latin typeface="Arial" panose="020B0604020202020204" pitchFamily="34" charset="0"/>
+                <a:cs typeface="Arial" panose="020B0604020202020204" pitchFamily="34" charset="0"/>
+              </a:rPr>
+              <a:t>Desenvolvedor</a:t>
             </a:r>
-            <a:endParaRPr lang="pt-BR" sz="2400" dirty="0"/>
+            <a:endParaRPr lang="pt-BR" sz="2400" dirty="0">
+              <a:solidFill>
+                <a:schemeClr val="bg2">
+                  <a:lumMod val="10000"/>
+                </a:schemeClr>
+              </a:solidFill>
+              <a:latin typeface="Arial" panose="020B0604020202020204" pitchFamily="34" charset="0"/>
+              <a:cs typeface="Arial" panose="020B0604020202020204" pitchFamily="34" charset="0"/>
+            </a:endParaRPr>
           </a:p>
         </p:txBody>
       </p:sp>
       <p:sp>
         <p:nvSpPr>
-          <p:cNvPr id="9" name="Retângulo Arredondado 8"/>
+          <p:cNvPr id="129" name="Retângulo 128"/>
           <p:cNvSpPr/>
           <p:nvPr/>
         </p:nvSpPr>
         <p:spPr>
           <a:xfrm>
-            <a:off x="9623945" y="1214650"/>
-            <a:ext cx="2249606" cy="2565779"/>
+            <a:off x="999786" y="1690893"/>
+            <a:ext cx="2450930" cy="528744"/>
           </a:xfrm>
-          <a:prstGeom prst="roundRect">
+          <a:prstGeom prst="rect">
             <a:avLst/>
           </a:prstGeom>
           <a:solidFill>
-            <a:srgbClr val="1D9A78"/>
+            <a:schemeClr val="bg2">
+              <a:lumMod val="90000"/>
+            </a:schemeClr>
           </a:solidFill>
           <a:ln>
-            <a:solidFill>
-              <a:schemeClr val="accent1">
-                <a:lumMod val="50000"/>
-              </a:schemeClr>
-            </a:solidFill>
+            <a:noFill/>
           </a:ln>
         </p:spPr>
         <p:style>
@@ -3630,283 +4655,3383 @@
           <a:p>
             <a:pPr algn="ctr"/>
             <a:r>
-              <a:rPr lang="pt-BR" sz="2400" dirty="0" smtClean="0"/>
-              <a:t>Mineração dos dados</a:t>
+              <a:rPr lang="pt-BR" sz="2400" dirty="0" smtClean="0">
+                <a:solidFill>
+                  <a:schemeClr val="bg2">
+                    <a:lumMod val="10000"/>
+                  </a:schemeClr>
+                </a:solidFill>
+                <a:latin typeface="Arial" panose="020B0604020202020204" pitchFamily="34" charset="0"/>
+                <a:cs typeface="Arial" panose="020B0604020202020204" pitchFamily="34" charset="0"/>
+              </a:rPr>
+              <a:t>Desenvolvedor</a:t>
             </a:r>
-            <a:endParaRPr lang="pt-BR" sz="2400" dirty="0"/>
-          </a:p>
-        </p:txBody>
-      </p:sp>
-      <p:sp>
-        <p:nvSpPr>
-          <p:cNvPr id="10" name="Retângulo Arredondado 9"/>
-          <p:cNvSpPr/>
-          <p:nvPr/>
-        </p:nvSpPr>
-        <p:spPr>
-          <a:xfrm>
-            <a:off x="12489974" y="1214649"/>
-            <a:ext cx="2249606" cy="2565779"/>
-          </a:xfrm>
-          <a:prstGeom prst="roundRect">
-            <a:avLst/>
-          </a:prstGeom>
-          <a:solidFill>
-            <a:srgbClr val="1D9A78"/>
-          </a:solidFill>
-          <a:ln>
-            <a:solidFill>
-              <a:schemeClr val="accent1">
-                <a:lumMod val="50000"/>
-              </a:schemeClr>
-            </a:solidFill>
-          </a:ln>
-        </p:spPr>
-        <p:style>
-          <a:lnRef idx="2">
-            <a:schemeClr val="accent1">
-              <a:shade val="50000"/>
-            </a:schemeClr>
-          </a:lnRef>
-          <a:fillRef idx="1">
-            <a:schemeClr val="accent1"/>
-          </a:fillRef>
-          <a:effectRef idx="0">
-            <a:schemeClr val="accent1"/>
-          </a:effectRef>
-          <a:fontRef idx="minor">
-            <a:schemeClr val="lt1"/>
-          </a:fontRef>
-        </p:style>
-        <p:txBody>
-          <a:bodyPr rtlCol="0" anchor="ctr"/>
-          <a:lstStyle/>
-          <a:p>
-            <a:pPr algn="ctr"/>
-            <a:r>
-              <a:rPr lang="pt-BR" sz="2400" dirty="0" smtClean="0"/>
-              <a:t>Interpretação e avaliação dos resultados</a:t>
-            </a:r>
-            <a:endParaRPr lang="pt-BR" sz="2400" dirty="0"/>
-          </a:p>
-        </p:txBody>
-      </p:sp>
-      <p:sp>
-        <p:nvSpPr>
-          <p:cNvPr id="12" name="Seta para a Direita 11"/>
-          <p:cNvSpPr/>
-          <p:nvPr/>
-        </p:nvSpPr>
-        <p:spPr>
-          <a:xfrm>
-            <a:off x="2988860" y="2147294"/>
-            <a:ext cx="616423" cy="700488"/>
-          </a:xfrm>
-          <a:prstGeom prst="rightArrow">
-            <a:avLst>
-              <a:gd name="adj1" fmla="val 50000"/>
-              <a:gd name="adj2" fmla="val 65834"/>
-            </a:avLst>
-          </a:prstGeom>
-          <a:solidFill>
-            <a:schemeClr val="accent2"/>
-          </a:solidFill>
-          <a:ln>
-            <a:solidFill>
-              <a:schemeClr val="accent2">
-                <a:lumMod val="50000"/>
-              </a:schemeClr>
-            </a:solidFill>
-          </a:ln>
-        </p:spPr>
-        <p:style>
-          <a:lnRef idx="2">
-            <a:schemeClr val="accent1">
-              <a:shade val="50000"/>
-            </a:schemeClr>
-          </a:lnRef>
-          <a:fillRef idx="1">
-            <a:schemeClr val="accent1"/>
-          </a:fillRef>
-          <a:effectRef idx="0">
-            <a:schemeClr val="accent1"/>
-          </a:effectRef>
-          <a:fontRef idx="minor">
-            <a:schemeClr val="lt1"/>
-          </a:fontRef>
-        </p:style>
-        <p:txBody>
-          <a:bodyPr rtlCol="0" anchor="ctr"/>
-          <a:lstStyle/>
-          <a:p>
-            <a:pPr algn="ctr"/>
-            <a:endParaRPr lang="pt-BR"/>
-          </a:p>
-        </p:txBody>
-      </p:sp>
-      <p:sp>
-        <p:nvSpPr>
-          <p:cNvPr id="13" name="Seta para a Direita 12"/>
-          <p:cNvSpPr/>
-          <p:nvPr/>
-        </p:nvSpPr>
-        <p:spPr>
-          <a:xfrm>
-            <a:off x="6142236" y="2147294"/>
-            <a:ext cx="616423" cy="700488"/>
-          </a:xfrm>
-          <a:prstGeom prst="rightArrow">
-            <a:avLst>
-              <a:gd name="adj1" fmla="val 50000"/>
-              <a:gd name="adj2" fmla="val 65834"/>
-            </a:avLst>
-          </a:prstGeom>
-          <a:solidFill>
-            <a:schemeClr val="accent2"/>
-          </a:solidFill>
-          <a:ln>
-            <a:solidFill>
-              <a:schemeClr val="accent2">
-                <a:lumMod val="50000"/>
-              </a:schemeClr>
-            </a:solidFill>
-          </a:ln>
-        </p:spPr>
-        <p:style>
-          <a:lnRef idx="2">
-            <a:schemeClr val="accent1">
-              <a:shade val="50000"/>
-            </a:schemeClr>
-          </a:lnRef>
-          <a:fillRef idx="1">
-            <a:schemeClr val="accent1"/>
-          </a:fillRef>
-          <a:effectRef idx="0">
-            <a:schemeClr val="accent1"/>
-          </a:effectRef>
-          <a:fontRef idx="minor">
-            <a:schemeClr val="lt1"/>
-          </a:fontRef>
-        </p:style>
-        <p:txBody>
-          <a:bodyPr rtlCol="0" anchor="ctr"/>
-          <a:lstStyle/>
-          <a:p>
-            <a:pPr algn="ctr"/>
-            <a:endParaRPr lang="pt-BR"/>
-          </a:p>
-        </p:txBody>
-      </p:sp>
-      <p:sp>
-        <p:nvSpPr>
-          <p:cNvPr id="14" name="Seta para a Direita 13"/>
-          <p:cNvSpPr/>
-          <p:nvPr/>
-        </p:nvSpPr>
-        <p:spPr>
-          <a:xfrm>
-            <a:off x="9010079" y="2147294"/>
-            <a:ext cx="616423" cy="700488"/>
-          </a:xfrm>
-          <a:prstGeom prst="rightArrow">
-            <a:avLst>
-              <a:gd name="adj1" fmla="val 50000"/>
-              <a:gd name="adj2" fmla="val 65834"/>
-            </a:avLst>
-          </a:prstGeom>
-          <a:solidFill>
-            <a:schemeClr val="accent2"/>
-          </a:solidFill>
-          <a:ln>
-            <a:solidFill>
-              <a:schemeClr val="accent2">
-                <a:lumMod val="50000"/>
-              </a:schemeClr>
-            </a:solidFill>
-          </a:ln>
-        </p:spPr>
-        <p:style>
-          <a:lnRef idx="2">
-            <a:schemeClr val="accent1">
-              <a:shade val="50000"/>
-            </a:schemeClr>
-          </a:lnRef>
-          <a:fillRef idx="1">
-            <a:schemeClr val="accent1"/>
-          </a:fillRef>
-          <a:effectRef idx="0">
-            <a:schemeClr val="accent1"/>
-          </a:effectRef>
-          <a:fontRef idx="minor">
-            <a:schemeClr val="lt1"/>
-          </a:fontRef>
-        </p:style>
-        <p:txBody>
-          <a:bodyPr rtlCol="0" anchor="ctr"/>
-          <a:lstStyle/>
-          <a:p>
-            <a:pPr algn="ctr"/>
-            <a:endParaRPr lang="pt-BR"/>
-          </a:p>
-        </p:txBody>
-      </p:sp>
-      <p:sp>
-        <p:nvSpPr>
-          <p:cNvPr id="15" name="Seta para a Direita 14"/>
-          <p:cNvSpPr/>
-          <p:nvPr/>
-        </p:nvSpPr>
-        <p:spPr>
-          <a:xfrm>
-            <a:off x="11871088" y="2147294"/>
-            <a:ext cx="616423" cy="700488"/>
-          </a:xfrm>
-          <a:prstGeom prst="rightArrow">
-            <a:avLst>
-              <a:gd name="adj1" fmla="val 50000"/>
-              <a:gd name="adj2" fmla="val 65834"/>
-            </a:avLst>
-          </a:prstGeom>
-          <a:solidFill>
-            <a:schemeClr val="accent2"/>
-          </a:solidFill>
-          <a:ln>
-            <a:solidFill>
-              <a:schemeClr val="accent2">
-                <a:lumMod val="50000"/>
-              </a:schemeClr>
-            </a:solidFill>
-          </a:ln>
-        </p:spPr>
-        <p:style>
-          <a:lnRef idx="2">
-            <a:schemeClr val="accent1">
-              <a:shade val="50000"/>
-            </a:schemeClr>
-          </a:lnRef>
-          <a:fillRef idx="1">
-            <a:schemeClr val="accent1"/>
-          </a:fillRef>
-          <a:effectRef idx="0">
-            <a:schemeClr val="accent1"/>
-          </a:effectRef>
-          <a:fontRef idx="minor">
-            <a:schemeClr val="lt1"/>
-          </a:fontRef>
-        </p:style>
-        <p:txBody>
-          <a:bodyPr rtlCol="0" anchor="ctr"/>
-          <a:lstStyle/>
-          <a:p>
-            <a:pPr algn="ctr"/>
-            <a:endParaRPr lang="pt-BR"/>
+            <a:endParaRPr lang="pt-BR" sz="2400" dirty="0">
+              <a:solidFill>
+                <a:schemeClr val="bg2">
+                  <a:lumMod val="10000"/>
+                </a:schemeClr>
+              </a:solidFill>
+              <a:latin typeface="Arial" panose="020B0604020202020204" pitchFamily="34" charset="0"/>
+              <a:cs typeface="Arial" panose="020B0604020202020204" pitchFamily="34" charset="0"/>
+            </a:endParaRPr>
           </a:p>
         </p:txBody>
       </p:sp>
     </p:spTree>
     <p:extLst>
       <p:ext uri="{BB962C8B-B14F-4D97-AF65-F5344CB8AC3E}">
-        <p14:creationId xmlns:p14="http://schemas.microsoft.com/office/powerpoint/2010/main" val="296841696"/>
+        <p14:creationId xmlns:p14="http://schemas.microsoft.com/office/powerpoint/2010/main" val="3309111227"/>
+      </p:ext>
+    </p:extLst>
+  </p:cSld>
+  <p:clrMapOvr>
+    <a:masterClrMapping/>
+  </p:clrMapOvr>
+</p:sld>
+</file>
+
+<file path=ppt/slides/slide3.xml><?xml version="1.0" encoding="utf-8"?>
+<p:sld xmlns:a="http://schemas.openxmlformats.org/drawingml/2006/main" xmlns:r="http://schemas.openxmlformats.org/officeDocument/2006/relationships" xmlns:p="http://schemas.openxmlformats.org/presentationml/2006/main">
+  <p:cSld>
+    <p:spTree>
+      <p:nvGrpSpPr>
+        <p:cNvPr id="1" name=""/>
+        <p:cNvGrpSpPr/>
+        <p:nvPr/>
+      </p:nvGrpSpPr>
+      <p:grpSpPr>
+        <a:xfrm>
+          <a:off x="0" y="0"/>
+          <a:ext cx="0" cy="0"/>
+          <a:chOff x="0" y="0"/>
+          <a:chExt cx="0" cy="0"/>
+        </a:xfrm>
+      </p:grpSpPr>
+      <p:pic>
+        <p:nvPicPr>
+          <p:cNvPr id="4" name="Imagem 3"/>
+          <p:cNvPicPr>
+            <a:picLocks noChangeAspect="1"/>
+          </p:cNvPicPr>
+          <p:nvPr/>
+        </p:nvPicPr>
+        <p:blipFill>
+          <a:blip r:embed="rId2">
+            <a:extLst>
+              <a:ext uri="{28A0092B-C50C-407E-A947-70E740481C1C}">
+                <a14:useLocalDpi xmlns:a14="http://schemas.microsoft.com/office/drawing/2010/main" val="0"/>
+              </a:ext>
+            </a:extLst>
+          </a:blip>
+          <a:stretch>
+            <a:fillRect/>
+          </a:stretch>
+        </p:blipFill>
+        <p:spPr>
+          <a:xfrm>
+            <a:off x="730962" y="784515"/>
+            <a:ext cx="4725059" cy="1276528"/>
+          </a:xfrm>
+          <a:prstGeom prst="rect">
+            <a:avLst/>
+          </a:prstGeom>
+        </p:spPr>
+      </p:pic>
+    </p:spTree>
+    <p:extLst>
+      <p:ext uri="{BB962C8B-B14F-4D97-AF65-F5344CB8AC3E}">
+        <p14:creationId xmlns:p14="http://schemas.microsoft.com/office/powerpoint/2010/main" val="666603160"/>
+      </p:ext>
+    </p:extLst>
+  </p:cSld>
+  <p:clrMapOvr>
+    <a:masterClrMapping/>
+  </p:clrMapOvr>
+</p:sld>
+</file>
+
+<file path=ppt/slides/slide4.xml><?xml version="1.0" encoding="utf-8"?>
+<p:sld xmlns:a="http://schemas.openxmlformats.org/drawingml/2006/main" xmlns:r="http://schemas.openxmlformats.org/officeDocument/2006/relationships" xmlns:p="http://schemas.openxmlformats.org/presentationml/2006/main">
+  <p:cSld>
+    <p:spTree>
+      <p:nvGrpSpPr>
+        <p:cNvPr id="1" name=""/>
+        <p:cNvGrpSpPr/>
+        <p:nvPr/>
+      </p:nvGrpSpPr>
+      <p:grpSpPr>
+        <a:xfrm>
+          <a:off x="0" y="0"/>
+          <a:ext cx="0" cy="0"/>
+          <a:chOff x="0" y="0"/>
+          <a:chExt cx="0" cy="0"/>
+        </a:xfrm>
+      </p:grpSpPr>
+      <p:grpSp>
+        <p:nvGrpSpPr>
+          <p:cNvPr id="4" name="Agrupar 3"/>
+          <p:cNvGrpSpPr/>
+          <p:nvPr/>
+        </p:nvGrpSpPr>
+        <p:grpSpPr>
+          <a:xfrm>
+            <a:off x="698832" y="723815"/>
+            <a:ext cx="12102768" cy="5996535"/>
+            <a:chOff x="595223" y="1714415"/>
+            <a:chExt cx="7263070" cy="3094298"/>
+          </a:xfrm>
+        </p:grpSpPr>
+        <p:grpSp>
+          <p:nvGrpSpPr>
+            <p:cNvPr id="5" name="Agrupar 4"/>
+            <p:cNvGrpSpPr/>
+            <p:nvPr/>
+          </p:nvGrpSpPr>
+          <p:grpSpPr>
+            <a:xfrm>
+              <a:off x="661296" y="4233739"/>
+              <a:ext cx="874513" cy="337458"/>
+              <a:chOff x="644044" y="4121601"/>
+              <a:chExt cx="874513" cy="337458"/>
+            </a:xfrm>
+          </p:grpSpPr>
+          <p:sp>
+            <p:nvSpPr>
+              <p:cNvPr id="82" name="Cilindro 81"/>
+              <p:cNvSpPr/>
+              <p:nvPr/>
+            </p:nvSpPr>
+            <p:spPr>
+              <a:xfrm>
+                <a:off x="1175657" y="4234542"/>
+                <a:ext cx="342900" cy="149678"/>
+              </a:xfrm>
+              <a:prstGeom prst="can">
+                <a:avLst>
+                  <a:gd name="adj" fmla="val 50000"/>
+                </a:avLst>
+              </a:prstGeom>
+            </p:spPr>
+            <p:style>
+              <a:lnRef idx="2">
+                <a:schemeClr val="accent3">
+                  <a:shade val="50000"/>
+                </a:schemeClr>
+              </a:lnRef>
+              <a:fillRef idx="1">
+                <a:schemeClr val="accent3"/>
+              </a:fillRef>
+              <a:effectRef idx="0">
+                <a:schemeClr val="accent3"/>
+              </a:effectRef>
+              <a:fontRef idx="minor">
+                <a:schemeClr val="lt1"/>
+              </a:fontRef>
+            </p:style>
+            <p:txBody>
+              <a:bodyPr rtlCol="0" anchor="ctr"/>
+              <a:lstStyle/>
+              <a:p>
+                <a:pPr algn="ctr"/>
+                <a:endParaRPr lang="pt-BR">
+                  <a:latin typeface="Arial" panose="020B0604020202020204" pitchFamily="34" charset="0"/>
+                  <a:cs typeface="Arial" panose="020B0604020202020204" pitchFamily="34" charset="0"/>
+                </a:endParaRPr>
+              </a:p>
+            </p:txBody>
+          </p:sp>
+          <p:sp>
+            <p:nvSpPr>
+              <p:cNvPr id="83" name="Cilindro 82"/>
+              <p:cNvSpPr/>
+              <p:nvPr/>
+            </p:nvSpPr>
+            <p:spPr>
+              <a:xfrm>
+                <a:off x="644044" y="4276378"/>
+                <a:ext cx="342900" cy="149678"/>
+              </a:xfrm>
+              <a:prstGeom prst="can">
+                <a:avLst>
+                  <a:gd name="adj" fmla="val 50000"/>
+                </a:avLst>
+              </a:prstGeom>
+            </p:spPr>
+            <p:style>
+              <a:lnRef idx="2">
+                <a:schemeClr val="accent4">
+                  <a:shade val="50000"/>
+                </a:schemeClr>
+              </a:lnRef>
+              <a:fillRef idx="1">
+                <a:schemeClr val="accent4"/>
+              </a:fillRef>
+              <a:effectRef idx="0">
+                <a:schemeClr val="accent4"/>
+              </a:effectRef>
+              <a:fontRef idx="minor">
+                <a:schemeClr val="lt1"/>
+              </a:fontRef>
+            </p:style>
+            <p:txBody>
+              <a:bodyPr rtlCol="0" anchor="ctr"/>
+              <a:lstStyle/>
+              <a:p>
+                <a:pPr algn="ctr"/>
+                <a:endParaRPr lang="pt-BR">
+                  <a:latin typeface="Arial" panose="020B0604020202020204" pitchFamily="34" charset="0"/>
+                  <a:cs typeface="Arial" panose="020B0604020202020204" pitchFamily="34" charset="0"/>
+                </a:endParaRPr>
+              </a:p>
+            </p:txBody>
+          </p:sp>
+          <p:sp>
+            <p:nvSpPr>
+              <p:cNvPr id="84" name="Cilindro 83"/>
+              <p:cNvSpPr/>
+              <p:nvPr/>
+            </p:nvSpPr>
+            <p:spPr>
+              <a:xfrm>
+                <a:off x="928007" y="4121601"/>
+                <a:ext cx="342900" cy="149678"/>
+              </a:xfrm>
+              <a:prstGeom prst="can">
+                <a:avLst>
+                  <a:gd name="adj" fmla="val 50000"/>
+                </a:avLst>
+              </a:prstGeom>
+            </p:spPr>
+            <p:style>
+              <a:lnRef idx="2">
+                <a:schemeClr val="accent6">
+                  <a:shade val="50000"/>
+                </a:schemeClr>
+              </a:lnRef>
+              <a:fillRef idx="1">
+                <a:schemeClr val="accent6"/>
+              </a:fillRef>
+              <a:effectRef idx="0">
+                <a:schemeClr val="accent6"/>
+              </a:effectRef>
+              <a:fontRef idx="minor">
+                <a:schemeClr val="lt1"/>
+              </a:fontRef>
+            </p:style>
+            <p:txBody>
+              <a:bodyPr rtlCol="0" anchor="ctr"/>
+              <a:lstStyle/>
+              <a:p>
+                <a:pPr algn="ctr"/>
+                <a:endParaRPr lang="pt-BR">
+                  <a:latin typeface="Arial" panose="020B0604020202020204" pitchFamily="34" charset="0"/>
+                  <a:cs typeface="Arial" panose="020B0604020202020204" pitchFamily="34" charset="0"/>
+                </a:endParaRPr>
+              </a:p>
+            </p:txBody>
+          </p:sp>
+          <p:sp>
+            <p:nvSpPr>
+              <p:cNvPr id="85" name="Cilindro 84"/>
+              <p:cNvSpPr/>
+              <p:nvPr/>
+            </p:nvSpPr>
+            <p:spPr>
+              <a:xfrm>
+                <a:off x="971889" y="4309381"/>
+                <a:ext cx="342900" cy="149678"/>
+              </a:xfrm>
+              <a:prstGeom prst="can">
+                <a:avLst>
+                  <a:gd name="adj" fmla="val 50000"/>
+                </a:avLst>
+              </a:prstGeom>
+            </p:spPr>
+            <p:style>
+              <a:lnRef idx="2">
+                <a:schemeClr val="accent6">
+                  <a:shade val="50000"/>
+                </a:schemeClr>
+              </a:lnRef>
+              <a:fillRef idx="1">
+                <a:schemeClr val="accent6"/>
+              </a:fillRef>
+              <a:effectRef idx="0">
+                <a:schemeClr val="accent6"/>
+              </a:effectRef>
+              <a:fontRef idx="minor">
+                <a:schemeClr val="lt1"/>
+              </a:fontRef>
+            </p:style>
+            <p:txBody>
+              <a:bodyPr rtlCol="0" anchor="ctr"/>
+              <a:lstStyle/>
+              <a:p>
+                <a:pPr algn="ctr"/>
+                <a:endParaRPr lang="pt-BR">
+                  <a:latin typeface="Arial" panose="020B0604020202020204" pitchFamily="34" charset="0"/>
+                  <a:cs typeface="Arial" panose="020B0604020202020204" pitchFamily="34" charset="0"/>
+                </a:endParaRPr>
+              </a:p>
+            </p:txBody>
+          </p:sp>
+          <p:sp>
+            <p:nvSpPr>
+              <p:cNvPr id="86" name="Cilindro 85"/>
+              <p:cNvSpPr/>
+              <p:nvPr/>
+            </p:nvSpPr>
+            <p:spPr>
+              <a:xfrm>
+                <a:off x="1099457" y="4196440"/>
+                <a:ext cx="342900" cy="149678"/>
+              </a:xfrm>
+              <a:prstGeom prst="can">
+                <a:avLst>
+                  <a:gd name="adj" fmla="val 50000"/>
+                </a:avLst>
+              </a:prstGeom>
+            </p:spPr>
+            <p:style>
+              <a:lnRef idx="2">
+                <a:schemeClr val="accent5">
+                  <a:shade val="50000"/>
+                </a:schemeClr>
+              </a:lnRef>
+              <a:fillRef idx="1">
+                <a:schemeClr val="accent5"/>
+              </a:fillRef>
+              <a:effectRef idx="0">
+                <a:schemeClr val="accent5"/>
+              </a:effectRef>
+              <a:fontRef idx="minor">
+                <a:schemeClr val="lt1"/>
+              </a:fontRef>
+            </p:style>
+            <p:txBody>
+              <a:bodyPr rtlCol="0" anchor="ctr"/>
+              <a:lstStyle/>
+              <a:p>
+                <a:pPr algn="ctr"/>
+                <a:endParaRPr lang="pt-BR">
+                  <a:latin typeface="Arial" panose="020B0604020202020204" pitchFamily="34" charset="0"/>
+                  <a:cs typeface="Arial" panose="020B0604020202020204" pitchFamily="34" charset="0"/>
+                </a:endParaRPr>
+              </a:p>
+            </p:txBody>
+          </p:sp>
+          <p:sp>
+            <p:nvSpPr>
+              <p:cNvPr id="87" name="Cilindro 86"/>
+              <p:cNvSpPr/>
+              <p:nvPr/>
+            </p:nvSpPr>
+            <p:spPr>
+              <a:xfrm>
+                <a:off x="746862" y="4196440"/>
+                <a:ext cx="342900" cy="149678"/>
+              </a:xfrm>
+              <a:prstGeom prst="can">
+                <a:avLst>
+                  <a:gd name="adj" fmla="val 50000"/>
+                </a:avLst>
+              </a:prstGeom>
+            </p:spPr>
+            <p:style>
+              <a:lnRef idx="2">
+                <a:schemeClr val="accent3">
+                  <a:shade val="50000"/>
+                </a:schemeClr>
+              </a:lnRef>
+              <a:fillRef idx="1">
+                <a:schemeClr val="accent3"/>
+              </a:fillRef>
+              <a:effectRef idx="0">
+                <a:schemeClr val="accent3"/>
+              </a:effectRef>
+              <a:fontRef idx="minor">
+                <a:schemeClr val="lt1"/>
+              </a:fontRef>
+            </p:style>
+            <p:txBody>
+              <a:bodyPr rtlCol="0" anchor="ctr"/>
+              <a:lstStyle/>
+              <a:p>
+                <a:pPr algn="ctr"/>
+                <a:endParaRPr lang="pt-BR">
+                  <a:latin typeface="Arial" panose="020B0604020202020204" pitchFamily="34" charset="0"/>
+                  <a:cs typeface="Arial" panose="020B0604020202020204" pitchFamily="34" charset="0"/>
+                </a:endParaRPr>
+              </a:p>
+            </p:txBody>
+          </p:sp>
+        </p:grpSp>
+        <p:grpSp>
+          <p:nvGrpSpPr>
+            <p:cNvPr id="6" name="Agrupar 5"/>
+            <p:cNvGrpSpPr/>
+            <p:nvPr/>
+          </p:nvGrpSpPr>
+          <p:grpSpPr>
+            <a:xfrm>
+              <a:off x="2080532" y="3719765"/>
+              <a:ext cx="622300" cy="410481"/>
+              <a:chOff x="2080532" y="3685261"/>
+              <a:chExt cx="622300" cy="410481"/>
+            </a:xfrm>
+          </p:grpSpPr>
+          <p:sp>
+            <p:nvSpPr>
+              <p:cNvPr id="76" name="Cilindro 75"/>
+              <p:cNvSpPr/>
+              <p:nvPr/>
+            </p:nvSpPr>
+            <p:spPr>
+              <a:xfrm>
+                <a:off x="2359932" y="3760100"/>
+                <a:ext cx="342900" cy="149678"/>
+              </a:xfrm>
+              <a:prstGeom prst="can">
+                <a:avLst>
+                  <a:gd name="adj" fmla="val 50000"/>
+                </a:avLst>
+              </a:prstGeom>
+            </p:spPr>
+            <p:style>
+              <a:lnRef idx="2">
+                <a:schemeClr val="accent3">
+                  <a:shade val="50000"/>
+                </a:schemeClr>
+              </a:lnRef>
+              <a:fillRef idx="1">
+                <a:schemeClr val="accent3"/>
+              </a:fillRef>
+              <a:effectRef idx="0">
+                <a:schemeClr val="accent3"/>
+              </a:effectRef>
+              <a:fontRef idx="minor">
+                <a:schemeClr val="lt1"/>
+              </a:fontRef>
+            </p:style>
+            <p:txBody>
+              <a:bodyPr rtlCol="0" anchor="ctr"/>
+              <a:lstStyle/>
+              <a:p>
+                <a:pPr algn="ctr"/>
+                <a:endParaRPr lang="pt-BR">
+                  <a:latin typeface="Arial" panose="020B0604020202020204" pitchFamily="34" charset="0"/>
+                  <a:cs typeface="Arial" panose="020B0604020202020204" pitchFamily="34" charset="0"/>
+                </a:endParaRPr>
+              </a:p>
+            </p:txBody>
+          </p:sp>
+          <p:sp>
+            <p:nvSpPr>
+              <p:cNvPr id="77" name="Cilindro 76"/>
+              <p:cNvSpPr/>
+              <p:nvPr/>
+            </p:nvSpPr>
+            <p:spPr>
+              <a:xfrm>
+                <a:off x="2080532" y="3826775"/>
+                <a:ext cx="342900" cy="149678"/>
+              </a:xfrm>
+              <a:prstGeom prst="can">
+                <a:avLst>
+                  <a:gd name="adj" fmla="val 50000"/>
+                </a:avLst>
+              </a:prstGeom>
+            </p:spPr>
+            <p:style>
+              <a:lnRef idx="2">
+                <a:schemeClr val="accent6">
+                  <a:shade val="50000"/>
+                </a:schemeClr>
+              </a:lnRef>
+              <a:fillRef idx="1">
+                <a:schemeClr val="accent6"/>
+              </a:fillRef>
+              <a:effectRef idx="0">
+                <a:schemeClr val="accent6"/>
+              </a:effectRef>
+              <a:fontRef idx="minor">
+                <a:schemeClr val="lt1"/>
+              </a:fontRef>
+            </p:style>
+            <p:txBody>
+              <a:bodyPr rtlCol="0" anchor="ctr"/>
+              <a:lstStyle/>
+              <a:p>
+                <a:pPr algn="ctr"/>
+                <a:endParaRPr lang="pt-BR">
+                  <a:latin typeface="Arial" panose="020B0604020202020204" pitchFamily="34" charset="0"/>
+                  <a:cs typeface="Arial" panose="020B0604020202020204" pitchFamily="34" charset="0"/>
+                </a:endParaRPr>
+              </a:p>
+            </p:txBody>
+          </p:sp>
+          <p:sp>
+            <p:nvSpPr>
+              <p:cNvPr id="78" name="Cilindro 77"/>
+              <p:cNvSpPr/>
+              <p:nvPr/>
+            </p:nvSpPr>
+            <p:spPr>
+              <a:xfrm>
+                <a:off x="2359932" y="3685261"/>
+                <a:ext cx="342900" cy="149678"/>
+              </a:xfrm>
+              <a:prstGeom prst="can">
+                <a:avLst>
+                  <a:gd name="adj" fmla="val 50000"/>
+                </a:avLst>
+              </a:prstGeom>
+            </p:spPr>
+            <p:style>
+              <a:lnRef idx="2">
+                <a:schemeClr val="accent3">
+                  <a:shade val="50000"/>
+                </a:schemeClr>
+              </a:lnRef>
+              <a:fillRef idx="1">
+                <a:schemeClr val="accent3"/>
+              </a:fillRef>
+              <a:effectRef idx="0">
+                <a:schemeClr val="accent3"/>
+              </a:effectRef>
+              <a:fontRef idx="minor">
+                <a:schemeClr val="lt1"/>
+              </a:fontRef>
+            </p:style>
+            <p:txBody>
+              <a:bodyPr rtlCol="0" anchor="ctr"/>
+              <a:lstStyle/>
+              <a:p>
+                <a:pPr algn="ctr"/>
+                <a:endParaRPr lang="pt-BR">
+                  <a:latin typeface="Arial" panose="020B0604020202020204" pitchFamily="34" charset="0"/>
+                  <a:cs typeface="Arial" panose="020B0604020202020204" pitchFamily="34" charset="0"/>
+                </a:endParaRPr>
+              </a:p>
+            </p:txBody>
+          </p:sp>
+          <p:sp>
+            <p:nvSpPr>
+              <p:cNvPr id="79" name="Cilindro 78"/>
+              <p:cNvSpPr/>
+              <p:nvPr/>
+            </p:nvSpPr>
+            <p:spPr>
+              <a:xfrm>
+                <a:off x="2080532" y="3759649"/>
+                <a:ext cx="342900" cy="149678"/>
+              </a:xfrm>
+              <a:prstGeom prst="can">
+                <a:avLst>
+                  <a:gd name="adj" fmla="val 50000"/>
+                </a:avLst>
+              </a:prstGeom>
+            </p:spPr>
+            <p:style>
+              <a:lnRef idx="2">
+                <a:schemeClr val="accent6">
+                  <a:shade val="50000"/>
+                </a:schemeClr>
+              </a:lnRef>
+              <a:fillRef idx="1">
+                <a:schemeClr val="accent6"/>
+              </a:fillRef>
+              <a:effectRef idx="0">
+                <a:schemeClr val="accent6"/>
+              </a:effectRef>
+              <a:fontRef idx="minor">
+                <a:schemeClr val="lt1"/>
+              </a:fontRef>
+            </p:style>
+            <p:txBody>
+              <a:bodyPr rtlCol="0" anchor="ctr"/>
+              <a:lstStyle/>
+              <a:p>
+                <a:pPr algn="ctr"/>
+                <a:endParaRPr lang="pt-BR">
+                  <a:latin typeface="Arial" panose="020B0604020202020204" pitchFamily="34" charset="0"/>
+                  <a:cs typeface="Arial" panose="020B0604020202020204" pitchFamily="34" charset="0"/>
+                </a:endParaRPr>
+              </a:p>
+            </p:txBody>
+          </p:sp>
+          <p:sp>
+            <p:nvSpPr>
+              <p:cNvPr id="80" name="Cilindro 79"/>
+              <p:cNvSpPr/>
+              <p:nvPr/>
+            </p:nvSpPr>
+            <p:spPr>
+              <a:xfrm>
+                <a:off x="2293257" y="3946064"/>
+                <a:ext cx="342900" cy="149678"/>
+              </a:xfrm>
+              <a:prstGeom prst="can">
+                <a:avLst>
+                  <a:gd name="adj" fmla="val 50000"/>
+                </a:avLst>
+              </a:prstGeom>
+            </p:spPr>
+            <p:style>
+              <a:lnRef idx="2">
+                <a:schemeClr val="accent4">
+                  <a:shade val="50000"/>
+                </a:schemeClr>
+              </a:lnRef>
+              <a:fillRef idx="1">
+                <a:schemeClr val="accent4"/>
+              </a:fillRef>
+              <a:effectRef idx="0">
+                <a:schemeClr val="accent4"/>
+              </a:effectRef>
+              <a:fontRef idx="minor">
+                <a:schemeClr val="lt1"/>
+              </a:fontRef>
+            </p:style>
+            <p:txBody>
+              <a:bodyPr rtlCol="0" anchor="ctr"/>
+              <a:lstStyle/>
+              <a:p>
+                <a:pPr algn="ctr"/>
+                <a:endParaRPr lang="pt-BR">
+                  <a:latin typeface="Arial" panose="020B0604020202020204" pitchFamily="34" charset="0"/>
+                  <a:cs typeface="Arial" panose="020B0604020202020204" pitchFamily="34" charset="0"/>
+                </a:endParaRPr>
+              </a:p>
+            </p:txBody>
+          </p:sp>
+          <p:sp>
+            <p:nvSpPr>
+              <p:cNvPr id="81" name="Cilindro 80"/>
+              <p:cNvSpPr/>
+              <p:nvPr/>
+            </p:nvSpPr>
+            <p:spPr>
+              <a:xfrm>
+                <a:off x="2293257" y="3871225"/>
+                <a:ext cx="342900" cy="149678"/>
+              </a:xfrm>
+              <a:prstGeom prst="can">
+                <a:avLst>
+                  <a:gd name="adj" fmla="val 50000"/>
+                </a:avLst>
+              </a:prstGeom>
+            </p:spPr>
+            <p:style>
+              <a:lnRef idx="2">
+                <a:schemeClr val="accent4">
+                  <a:shade val="50000"/>
+                </a:schemeClr>
+              </a:lnRef>
+              <a:fillRef idx="1">
+                <a:schemeClr val="accent4"/>
+              </a:fillRef>
+              <a:effectRef idx="0">
+                <a:schemeClr val="accent4"/>
+              </a:effectRef>
+              <a:fontRef idx="minor">
+                <a:schemeClr val="lt1"/>
+              </a:fontRef>
+            </p:style>
+            <p:txBody>
+              <a:bodyPr rtlCol="0" anchor="ctr"/>
+              <a:lstStyle/>
+              <a:p>
+                <a:pPr algn="ctr"/>
+                <a:endParaRPr lang="pt-BR">
+                  <a:latin typeface="Arial" panose="020B0604020202020204" pitchFamily="34" charset="0"/>
+                  <a:cs typeface="Arial" panose="020B0604020202020204" pitchFamily="34" charset="0"/>
+                </a:endParaRPr>
+              </a:p>
+            </p:txBody>
+          </p:sp>
+        </p:grpSp>
+        <p:grpSp>
+          <p:nvGrpSpPr>
+            <p:cNvPr id="7" name="Agrupar 6"/>
+            <p:cNvGrpSpPr/>
+            <p:nvPr/>
+          </p:nvGrpSpPr>
+          <p:grpSpPr>
+            <a:xfrm>
+              <a:off x="3325129" y="3262931"/>
+              <a:ext cx="622300" cy="410481"/>
+              <a:chOff x="3353707" y="3304261"/>
+              <a:chExt cx="622300" cy="410481"/>
+            </a:xfrm>
+          </p:grpSpPr>
+          <p:sp>
+            <p:nvSpPr>
+              <p:cNvPr id="70" name="Cilindro 69"/>
+              <p:cNvSpPr/>
+              <p:nvPr/>
+            </p:nvSpPr>
+            <p:spPr>
+              <a:xfrm>
+                <a:off x="3633107" y="3379100"/>
+                <a:ext cx="342900" cy="149678"/>
+              </a:xfrm>
+              <a:prstGeom prst="can">
+                <a:avLst>
+                  <a:gd name="adj" fmla="val 50000"/>
+                </a:avLst>
+              </a:prstGeom>
+            </p:spPr>
+            <p:style>
+              <a:lnRef idx="2">
+                <a:schemeClr val="accent1">
+                  <a:shade val="50000"/>
+                </a:schemeClr>
+              </a:lnRef>
+              <a:fillRef idx="1">
+                <a:schemeClr val="accent1"/>
+              </a:fillRef>
+              <a:effectRef idx="0">
+                <a:schemeClr val="accent1"/>
+              </a:effectRef>
+              <a:fontRef idx="minor">
+                <a:schemeClr val="lt1"/>
+              </a:fontRef>
+            </p:style>
+            <p:txBody>
+              <a:bodyPr rtlCol="0" anchor="ctr"/>
+              <a:lstStyle/>
+              <a:p>
+                <a:pPr algn="ctr"/>
+                <a:endParaRPr lang="pt-BR">
+                  <a:latin typeface="Arial" panose="020B0604020202020204" pitchFamily="34" charset="0"/>
+                  <a:cs typeface="Arial" panose="020B0604020202020204" pitchFamily="34" charset="0"/>
+                </a:endParaRPr>
+              </a:p>
+            </p:txBody>
+          </p:sp>
+          <p:sp>
+            <p:nvSpPr>
+              <p:cNvPr id="71" name="Cilindro 70"/>
+              <p:cNvSpPr/>
+              <p:nvPr/>
+            </p:nvSpPr>
+            <p:spPr>
+              <a:xfrm>
+                <a:off x="3353707" y="3445775"/>
+                <a:ext cx="342900" cy="149678"/>
+              </a:xfrm>
+              <a:prstGeom prst="can">
+                <a:avLst>
+                  <a:gd name="adj" fmla="val 50000"/>
+                </a:avLst>
+              </a:prstGeom>
+            </p:spPr>
+            <p:style>
+              <a:lnRef idx="2">
+                <a:schemeClr val="accent1">
+                  <a:shade val="50000"/>
+                </a:schemeClr>
+              </a:lnRef>
+              <a:fillRef idx="1">
+                <a:schemeClr val="accent1"/>
+              </a:fillRef>
+              <a:effectRef idx="0">
+                <a:schemeClr val="accent1"/>
+              </a:effectRef>
+              <a:fontRef idx="minor">
+                <a:schemeClr val="lt1"/>
+              </a:fontRef>
+            </p:style>
+            <p:txBody>
+              <a:bodyPr rtlCol="0" anchor="ctr"/>
+              <a:lstStyle/>
+              <a:p>
+                <a:pPr algn="ctr"/>
+                <a:endParaRPr lang="pt-BR">
+                  <a:latin typeface="Arial" panose="020B0604020202020204" pitchFamily="34" charset="0"/>
+                  <a:cs typeface="Arial" panose="020B0604020202020204" pitchFamily="34" charset="0"/>
+                </a:endParaRPr>
+              </a:p>
+            </p:txBody>
+          </p:sp>
+          <p:sp>
+            <p:nvSpPr>
+              <p:cNvPr id="72" name="Cilindro 71"/>
+              <p:cNvSpPr/>
+              <p:nvPr/>
+            </p:nvSpPr>
+            <p:spPr>
+              <a:xfrm>
+                <a:off x="3633107" y="3304261"/>
+                <a:ext cx="342900" cy="149678"/>
+              </a:xfrm>
+              <a:prstGeom prst="can">
+                <a:avLst>
+                  <a:gd name="adj" fmla="val 50000"/>
+                </a:avLst>
+              </a:prstGeom>
+            </p:spPr>
+            <p:style>
+              <a:lnRef idx="2">
+                <a:schemeClr val="accent1">
+                  <a:shade val="50000"/>
+                </a:schemeClr>
+              </a:lnRef>
+              <a:fillRef idx="1">
+                <a:schemeClr val="accent1"/>
+              </a:fillRef>
+              <a:effectRef idx="0">
+                <a:schemeClr val="accent1"/>
+              </a:effectRef>
+              <a:fontRef idx="minor">
+                <a:schemeClr val="lt1"/>
+              </a:fontRef>
+            </p:style>
+            <p:txBody>
+              <a:bodyPr rtlCol="0" anchor="ctr"/>
+              <a:lstStyle/>
+              <a:p>
+                <a:pPr algn="ctr"/>
+                <a:endParaRPr lang="pt-BR">
+                  <a:latin typeface="Arial" panose="020B0604020202020204" pitchFamily="34" charset="0"/>
+                  <a:cs typeface="Arial" panose="020B0604020202020204" pitchFamily="34" charset="0"/>
+                </a:endParaRPr>
+              </a:p>
+            </p:txBody>
+          </p:sp>
+          <p:sp>
+            <p:nvSpPr>
+              <p:cNvPr id="73" name="Cilindro 72"/>
+              <p:cNvSpPr/>
+              <p:nvPr/>
+            </p:nvSpPr>
+            <p:spPr>
+              <a:xfrm>
+                <a:off x="3353707" y="3378649"/>
+                <a:ext cx="342900" cy="149678"/>
+              </a:xfrm>
+              <a:prstGeom prst="can">
+                <a:avLst>
+                  <a:gd name="adj" fmla="val 50000"/>
+                </a:avLst>
+              </a:prstGeom>
+            </p:spPr>
+            <p:style>
+              <a:lnRef idx="2">
+                <a:schemeClr val="accent1">
+                  <a:shade val="50000"/>
+                </a:schemeClr>
+              </a:lnRef>
+              <a:fillRef idx="1">
+                <a:schemeClr val="accent1"/>
+              </a:fillRef>
+              <a:effectRef idx="0">
+                <a:schemeClr val="accent1"/>
+              </a:effectRef>
+              <a:fontRef idx="minor">
+                <a:schemeClr val="lt1"/>
+              </a:fontRef>
+            </p:style>
+            <p:txBody>
+              <a:bodyPr rtlCol="0" anchor="ctr"/>
+              <a:lstStyle/>
+              <a:p>
+                <a:pPr algn="ctr"/>
+                <a:endParaRPr lang="pt-BR">
+                  <a:latin typeface="Arial" panose="020B0604020202020204" pitchFamily="34" charset="0"/>
+                  <a:cs typeface="Arial" panose="020B0604020202020204" pitchFamily="34" charset="0"/>
+                </a:endParaRPr>
+              </a:p>
+            </p:txBody>
+          </p:sp>
+          <p:sp>
+            <p:nvSpPr>
+              <p:cNvPr id="74" name="Cilindro 73"/>
+              <p:cNvSpPr/>
+              <p:nvPr/>
+            </p:nvSpPr>
+            <p:spPr>
+              <a:xfrm>
+                <a:off x="3566432" y="3565064"/>
+                <a:ext cx="342900" cy="149678"/>
+              </a:xfrm>
+              <a:prstGeom prst="can">
+                <a:avLst>
+                  <a:gd name="adj" fmla="val 50000"/>
+                </a:avLst>
+              </a:prstGeom>
+            </p:spPr>
+            <p:style>
+              <a:lnRef idx="2">
+                <a:schemeClr val="accent1">
+                  <a:shade val="50000"/>
+                </a:schemeClr>
+              </a:lnRef>
+              <a:fillRef idx="1">
+                <a:schemeClr val="accent1"/>
+              </a:fillRef>
+              <a:effectRef idx="0">
+                <a:schemeClr val="accent1"/>
+              </a:effectRef>
+              <a:fontRef idx="minor">
+                <a:schemeClr val="lt1"/>
+              </a:fontRef>
+            </p:style>
+            <p:txBody>
+              <a:bodyPr rtlCol="0" anchor="ctr"/>
+              <a:lstStyle/>
+              <a:p>
+                <a:pPr algn="ctr"/>
+                <a:endParaRPr lang="pt-BR">
+                  <a:latin typeface="Arial" panose="020B0604020202020204" pitchFamily="34" charset="0"/>
+                  <a:cs typeface="Arial" panose="020B0604020202020204" pitchFamily="34" charset="0"/>
+                </a:endParaRPr>
+              </a:p>
+            </p:txBody>
+          </p:sp>
+          <p:sp>
+            <p:nvSpPr>
+              <p:cNvPr id="75" name="Cilindro 74"/>
+              <p:cNvSpPr/>
+              <p:nvPr/>
+            </p:nvSpPr>
+            <p:spPr>
+              <a:xfrm>
+                <a:off x="3566432" y="3492261"/>
+                <a:ext cx="342900" cy="149678"/>
+              </a:xfrm>
+              <a:prstGeom prst="can">
+                <a:avLst>
+                  <a:gd name="adj" fmla="val 50000"/>
+                </a:avLst>
+              </a:prstGeom>
+            </p:spPr>
+            <p:style>
+              <a:lnRef idx="2">
+                <a:schemeClr val="accent1">
+                  <a:shade val="50000"/>
+                </a:schemeClr>
+              </a:lnRef>
+              <a:fillRef idx="1">
+                <a:schemeClr val="accent1"/>
+              </a:fillRef>
+              <a:effectRef idx="0">
+                <a:schemeClr val="accent1"/>
+              </a:effectRef>
+              <a:fontRef idx="minor">
+                <a:schemeClr val="lt1"/>
+              </a:fontRef>
+            </p:style>
+            <p:txBody>
+              <a:bodyPr rtlCol="0" anchor="ctr"/>
+              <a:lstStyle/>
+              <a:p>
+                <a:pPr algn="ctr"/>
+                <a:endParaRPr lang="pt-BR">
+                  <a:latin typeface="Arial" panose="020B0604020202020204" pitchFamily="34" charset="0"/>
+                  <a:cs typeface="Arial" panose="020B0604020202020204" pitchFamily="34" charset="0"/>
+                </a:endParaRPr>
+              </a:p>
+            </p:txBody>
+          </p:sp>
+        </p:grpSp>
+        <p:grpSp>
+          <p:nvGrpSpPr>
+            <p:cNvPr id="8" name="Agrupar 7"/>
+            <p:cNvGrpSpPr/>
+            <p:nvPr/>
+          </p:nvGrpSpPr>
+          <p:grpSpPr>
+            <a:xfrm>
+              <a:off x="4615200" y="2738725"/>
+              <a:ext cx="342900" cy="514124"/>
+              <a:chOff x="4606574" y="2781855"/>
+              <a:chExt cx="342900" cy="514124"/>
+            </a:xfrm>
+          </p:grpSpPr>
+          <p:sp>
+            <p:nvSpPr>
+              <p:cNvPr id="64" name="Cilindro 63"/>
+              <p:cNvSpPr/>
+              <p:nvPr/>
+            </p:nvSpPr>
+            <p:spPr>
+              <a:xfrm>
+                <a:off x="4606574" y="3146301"/>
+                <a:ext cx="342900" cy="149678"/>
+              </a:xfrm>
+              <a:prstGeom prst="can">
+                <a:avLst>
+                  <a:gd name="adj" fmla="val 50000"/>
+                </a:avLst>
+              </a:prstGeom>
+            </p:spPr>
+            <p:style>
+              <a:lnRef idx="2">
+                <a:schemeClr val="accent1">
+                  <a:shade val="50000"/>
+                </a:schemeClr>
+              </a:lnRef>
+              <a:fillRef idx="1">
+                <a:schemeClr val="accent1"/>
+              </a:fillRef>
+              <a:effectRef idx="0">
+                <a:schemeClr val="accent1"/>
+              </a:effectRef>
+              <a:fontRef idx="minor">
+                <a:schemeClr val="lt1"/>
+              </a:fontRef>
+            </p:style>
+            <p:txBody>
+              <a:bodyPr rtlCol="0" anchor="ctr"/>
+              <a:lstStyle/>
+              <a:p>
+                <a:pPr algn="ctr"/>
+                <a:endParaRPr lang="pt-BR">
+                  <a:latin typeface="Arial" panose="020B0604020202020204" pitchFamily="34" charset="0"/>
+                  <a:cs typeface="Arial" panose="020B0604020202020204" pitchFamily="34" charset="0"/>
+                </a:endParaRPr>
+              </a:p>
+            </p:txBody>
+          </p:sp>
+          <p:sp>
+            <p:nvSpPr>
+              <p:cNvPr id="65" name="Cilindro 64"/>
+              <p:cNvSpPr/>
+              <p:nvPr/>
+            </p:nvSpPr>
+            <p:spPr>
+              <a:xfrm>
+                <a:off x="4606574" y="3071462"/>
+                <a:ext cx="342900" cy="149678"/>
+              </a:xfrm>
+              <a:prstGeom prst="can">
+                <a:avLst>
+                  <a:gd name="adj" fmla="val 50000"/>
+                </a:avLst>
+              </a:prstGeom>
+            </p:spPr>
+            <p:style>
+              <a:lnRef idx="2">
+                <a:schemeClr val="accent1">
+                  <a:shade val="50000"/>
+                </a:schemeClr>
+              </a:lnRef>
+              <a:fillRef idx="1">
+                <a:schemeClr val="accent1"/>
+              </a:fillRef>
+              <a:effectRef idx="0">
+                <a:schemeClr val="accent1"/>
+              </a:effectRef>
+              <a:fontRef idx="minor">
+                <a:schemeClr val="lt1"/>
+              </a:fontRef>
+            </p:style>
+            <p:txBody>
+              <a:bodyPr rtlCol="0" anchor="ctr"/>
+              <a:lstStyle/>
+              <a:p>
+                <a:pPr algn="ctr"/>
+                <a:endParaRPr lang="pt-BR">
+                  <a:latin typeface="Arial" panose="020B0604020202020204" pitchFamily="34" charset="0"/>
+                  <a:cs typeface="Arial" panose="020B0604020202020204" pitchFamily="34" charset="0"/>
+                </a:endParaRPr>
+              </a:p>
+            </p:txBody>
+          </p:sp>
+          <p:sp>
+            <p:nvSpPr>
+              <p:cNvPr id="66" name="Cilindro 65"/>
+              <p:cNvSpPr/>
+              <p:nvPr/>
+            </p:nvSpPr>
+            <p:spPr>
+              <a:xfrm>
+                <a:off x="4606574" y="2996623"/>
+                <a:ext cx="342900" cy="149678"/>
+              </a:xfrm>
+              <a:prstGeom prst="can">
+                <a:avLst>
+                  <a:gd name="adj" fmla="val 50000"/>
+                </a:avLst>
+              </a:prstGeom>
+            </p:spPr>
+            <p:style>
+              <a:lnRef idx="2">
+                <a:schemeClr val="accent1">
+                  <a:shade val="50000"/>
+                </a:schemeClr>
+              </a:lnRef>
+              <a:fillRef idx="1">
+                <a:schemeClr val="accent1"/>
+              </a:fillRef>
+              <a:effectRef idx="0">
+                <a:schemeClr val="accent1"/>
+              </a:effectRef>
+              <a:fontRef idx="minor">
+                <a:schemeClr val="lt1"/>
+              </a:fontRef>
+            </p:style>
+            <p:txBody>
+              <a:bodyPr rtlCol="0" anchor="ctr"/>
+              <a:lstStyle/>
+              <a:p>
+                <a:pPr algn="ctr"/>
+                <a:endParaRPr lang="pt-BR">
+                  <a:latin typeface="Arial" panose="020B0604020202020204" pitchFamily="34" charset="0"/>
+                  <a:cs typeface="Arial" panose="020B0604020202020204" pitchFamily="34" charset="0"/>
+                </a:endParaRPr>
+              </a:p>
+            </p:txBody>
+          </p:sp>
+          <p:sp>
+            <p:nvSpPr>
+              <p:cNvPr id="67" name="Cilindro 66"/>
+              <p:cNvSpPr/>
+              <p:nvPr/>
+            </p:nvSpPr>
+            <p:spPr>
+              <a:xfrm>
+                <a:off x="4606574" y="2929497"/>
+                <a:ext cx="342900" cy="149678"/>
+              </a:xfrm>
+              <a:prstGeom prst="can">
+                <a:avLst>
+                  <a:gd name="adj" fmla="val 50000"/>
+                </a:avLst>
+              </a:prstGeom>
+            </p:spPr>
+            <p:style>
+              <a:lnRef idx="2">
+                <a:schemeClr val="accent1">
+                  <a:shade val="50000"/>
+                </a:schemeClr>
+              </a:lnRef>
+              <a:fillRef idx="1">
+                <a:schemeClr val="accent1"/>
+              </a:fillRef>
+              <a:effectRef idx="0">
+                <a:schemeClr val="accent1"/>
+              </a:effectRef>
+              <a:fontRef idx="minor">
+                <a:schemeClr val="lt1"/>
+              </a:fontRef>
+            </p:style>
+            <p:txBody>
+              <a:bodyPr rtlCol="0" anchor="ctr"/>
+              <a:lstStyle/>
+              <a:p>
+                <a:pPr algn="ctr"/>
+                <a:endParaRPr lang="pt-BR">
+                  <a:latin typeface="Arial" panose="020B0604020202020204" pitchFamily="34" charset="0"/>
+                  <a:cs typeface="Arial" panose="020B0604020202020204" pitchFamily="34" charset="0"/>
+                </a:endParaRPr>
+              </a:p>
+            </p:txBody>
+          </p:sp>
+          <p:sp>
+            <p:nvSpPr>
+              <p:cNvPr id="68" name="Cilindro 67"/>
+              <p:cNvSpPr/>
+              <p:nvPr/>
+            </p:nvSpPr>
+            <p:spPr>
+              <a:xfrm>
+                <a:off x="4606574" y="2854658"/>
+                <a:ext cx="342900" cy="149678"/>
+              </a:xfrm>
+              <a:prstGeom prst="can">
+                <a:avLst>
+                  <a:gd name="adj" fmla="val 50000"/>
+                </a:avLst>
+              </a:prstGeom>
+            </p:spPr>
+            <p:style>
+              <a:lnRef idx="2">
+                <a:schemeClr val="accent1">
+                  <a:shade val="50000"/>
+                </a:schemeClr>
+              </a:lnRef>
+              <a:fillRef idx="1">
+                <a:schemeClr val="accent1"/>
+              </a:fillRef>
+              <a:effectRef idx="0">
+                <a:schemeClr val="accent1"/>
+              </a:effectRef>
+              <a:fontRef idx="minor">
+                <a:schemeClr val="lt1"/>
+              </a:fontRef>
+            </p:style>
+            <p:txBody>
+              <a:bodyPr rtlCol="0" anchor="ctr"/>
+              <a:lstStyle/>
+              <a:p>
+                <a:pPr algn="ctr"/>
+                <a:endParaRPr lang="pt-BR">
+                  <a:latin typeface="Arial" panose="020B0604020202020204" pitchFamily="34" charset="0"/>
+                  <a:cs typeface="Arial" panose="020B0604020202020204" pitchFamily="34" charset="0"/>
+                </a:endParaRPr>
+              </a:p>
+            </p:txBody>
+          </p:sp>
+          <p:sp>
+            <p:nvSpPr>
+              <p:cNvPr id="69" name="Cilindro 68"/>
+              <p:cNvSpPr/>
+              <p:nvPr/>
+            </p:nvSpPr>
+            <p:spPr>
+              <a:xfrm>
+                <a:off x="4606574" y="2781855"/>
+                <a:ext cx="342900" cy="149678"/>
+              </a:xfrm>
+              <a:prstGeom prst="can">
+                <a:avLst>
+                  <a:gd name="adj" fmla="val 50000"/>
+                </a:avLst>
+              </a:prstGeom>
+            </p:spPr>
+            <p:style>
+              <a:lnRef idx="2">
+                <a:schemeClr val="accent1">
+                  <a:shade val="50000"/>
+                </a:schemeClr>
+              </a:lnRef>
+              <a:fillRef idx="1">
+                <a:schemeClr val="accent1"/>
+              </a:fillRef>
+              <a:effectRef idx="0">
+                <a:schemeClr val="accent1"/>
+              </a:effectRef>
+              <a:fontRef idx="minor">
+                <a:schemeClr val="lt1"/>
+              </a:fontRef>
+            </p:style>
+            <p:txBody>
+              <a:bodyPr rtlCol="0" anchor="ctr"/>
+              <a:lstStyle/>
+              <a:p>
+                <a:pPr algn="ctr"/>
+                <a:endParaRPr lang="pt-BR">
+                  <a:latin typeface="Arial" panose="020B0604020202020204" pitchFamily="34" charset="0"/>
+                  <a:cs typeface="Arial" panose="020B0604020202020204" pitchFamily="34" charset="0"/>
+                </a:endParaRPr>
+              </a:p>
+            </p:txBody>
+          </p:sp>
+        </p:grpSp>
+        <p:grpSp>
+          <p:nvGrpSpPr>
+            <p:cNvPr id="9" name="Agrupar 8"/>
+            <p:cNvGrpSpPr/>
+            <p:nvPr/>
+          </p:nvGrpSpPr>
+          <p:grpSpPr>
+            <a:xfrm>
+              <a:off x="6736341" y="1751605"/>
+              <a:ext cx="810884" cy="664955"/>
+              <a:chOff x="7082288" y="1825257"/>
+              <a:chExt cx="810884" cy="664955"/>
+            </a:xfrm>
+          </p:grpSpPr>
+          <p:sp>
+            <p:nvSpPr>
+              <p:cNvPr id="61" name="Rolagem Vertical 60"/>
+              <p:cNvSpPr/>
+              <p:nvPr/>
+            </p:nvSpPr>
+            <p:spPr>
+              <a:xfrm>
+                <a:off x="7082288" y="1825258"/>
+                <a:ext cx="405442" cy="521127"/>
+              </a:xfrm>
+              <a:prstGeom prst="verticalScroll">
+                <a:avLst/>
+              </a:prstGeom>
+              <a:solidFill>
+                <a:schemeClr val="bg2">
+                  <a:lumMod val="90000"/>
+                </a:schemeClr>
+              </a:solidFill>
+              <a:ln>
+                <a:solidFill>
+                  <a:schemeClr val="bg2">
+                    <a:lumMod val="10000"/>
+                  </a:schemeClr>
+                </a:solidFill>
+              </a:ln>
+            </p:spPr>
+            <p:style>
+              <a:lnRef idx="2">
+                <a:schemeClr val="accent1">
+                  <a:shade val="50000"/>
+                </a:schemeClr>
+              </a:lnRef>
+              <a:fillRef idx="1">
+                <a:schemeClr val="accent1"/>
+              </a:fillRef>
+              <a:effectRef idx="0">
+                <a:schemeClr val="accent1"/>
+              </a:effectRef>
+              <a:fontRef idx="minor">
+                <a:schemeClr val="lt1"/>
+              </a:fontRef>
+            </p:style>
+            <p:txBody>
+              <a:bodyPr rtlCol="0" anchor="ctr"/>
+              <a:lstStyle/>
+              <a:p>
+                <a:pPr algn="ctr"/>
+                <a:endParaRPr lang="pt-BR">
+                  <a:latin typeface="Arial" panose="020B0604020202020204" pitchFamily="34" charset="0"/>
+                  <a:cs typeface="Arial" panose="020B0604020202020204" pitchFamily="34" charset="0"/>
+                </a:endParaRPr>
+              </a:p>
+            </p:txBody>
+          </p:sp>
+          <p:sp>
+            <p:nvSpPr>
+              <p:cNvPr id="62" name="Rolagem Vertical 61"/>
+              <p:cNvSpPr/>
+              <p:nvPr/>
+            </p:nvSpPr>
+            <p:spPr>
+              <a:xfrm>
+                <a:off x="7487730" y="1825257"/>
+                <a:ext cx="405442" cy="521127"/>
+              </a:xfrm>
+              <a:prstGeom prst="verticalScroll">
+                <a:avLst/>
+              </a:prstGeom>
+              <a:solidFill>
+                <a:schemeClr val="bg2">
+                  <a:lumMod val="90000"/>
+                </a:schemeClr>
+              </a:solidFill>
+              <a:ln>
+                <a:solidFill>
+                  <a:schemeClr val="bg2">
+                    <a:lumMod val="10000"/>
+                  </a:schemeClr>
+                </a:solidFill>
+              </a:ln>
+            </p:spPr>
+            <p:style>
+              <a:lnRef idx="2">
+                <a:schemeClr val="accent1">
+                  <a:shade val="50000"/>
+                </a:schemeClr>
+              </a:lnRef>
+              <a:fillRef idx="1">
+                <a:schemeClr val="accent1"/>
+              </a:fillRef>
+              <a:effectRef idx="0">
+                <a:schemeClr val="accent1"/>
+              </a:effectRef>
+              <a:fontRef idx="minor">
+                <a:schemeClr val="lt1"/>
+              </a:fontRef>
+            </p:style>
+            <p:txBody>
+              <a:bodyPr rtlCol="0" anchor="ctr"/>
+              <a:lstStyle/>
+              <a:p>
+                <a:pPr algn="ctr"/>
+                <a:endParaRPr lang="pt-BR">
+                  <a:latin typeface="Arial" panose="020B0604020202020204" pitchFamily="34" charset="0"/>
+                  <a:cs typeface="Arial" panose="020B0604020202020204" pitchFamily="34" charset="0"/>
+                </a:endParaRPr>
+              </a:p>
+            </p:txBody>
+          </p:sp>
+          <p:sp>
+            <p:nvSpPr>
+              <p:cNvPr id="63" name="Rolagem Vertical 62"/>
+              <p:cNvSpPr/>
+              <p:nvPr/>
+            </p:nvSpPr>
+            <p:spPr>
+              <a:xfrm>
+                <a:off x="7285009" y="1969085"/>
+                <a:ext cx="405442" cy="521127"/>
+              </a:xfrm>
+              <a:prstGeom prst="verticalScroll">
+                <a:avLst/>
+              </a:prstGeom>
+              <a:solidFill>
+                <a:schemeClr val="bg2">
+                  <a:lumMod val="90000"/>
+                </a:schemeClr>
+              </a:solidFill>
+              <a:ln>
+                <a:solidFill>
+                  <a:schemeClr val="bg2">
+                    <a:lumMod val="10000"/>
+                  </a:schemeClr>
+                </a:solidFill>
+              </a:ln>
+            </p:spPr>
+            <p:style>
+              <a:lnRef idx="2">
+                <a:schemeClr val="accent1">
+                  <a:shade val="50000"/>
+                </a:schemeClr>
+              </a:lnRef>
+              <a:fillRef idx="1">
+                <a:schemeClr val="accent1"/>
+              </a:fillRef>
+              <a:effectRef idx="0">
+                <a:schemeClr val="accent1"/>
+              </a:effectRef>
+              <a:fontRef idx="minor">
+                <a:schemeClr val="lt1"/>
+              </a:fontRef>
+            </p:style>
+            <p:txBody>
+              <a:bodyPr rtlCol="0" anchor="ctr"/>
+              <a:lstStyle/>
+              <a:p>
+                <a:pPr algn="ctr"/>
+                <a:endParaRPr lang="pt-BR">
+                  <a:latin typeface="Arial" panose="020B0604020202020204" pitchFamily="34" charset="0"/>
+                  <a:cs typeface="Arial" panose="020B0604020202020204" pitchFamily="34" charset="0"/>
+                </a:endParaRPr>
+              </a:p>
+            </p:txBody>
+          </p:sp>
+        </p:grpSp>
+        <p:cxnSp>
+          <p:nvCxnSpPr>
+            <p:cNvPr id="10" name="Conector reto 9"/>
+            <p:cNvCxnSpPr>
+              <a:stCxn id="15" idx="3"/>
+            </p:cNvCxnSpPr>
+            <p:nvPr/>
+          </p:nvCxnSpPr>
+          <p:spPr>
+            <a:xfrm>
+              <a:off x="1387702" y="3577900"/>
+              <a:ext cx="411329" cy="589286"/>
+            </a:xfrm>
+            <a:prstGeom prst="line">
+              <a:avLst/>
+            </a:prstGeom>
+            <a:ln w="38100"/>
+          </p:spPr>
+          <p:style>
+            <a:lnRef idx="1">
+              <a:schemeClr val="accent1"/>
+            </a:lnRef>
+            <a:fillRef idx="0">
+              <a:schemeClr val="accent1"/>
+            </a:fillRef>
+            <a:effectRef idx="0">
+              <a:schemeClr val="accent1"/>
+            </a:effectRef>
+            <a:fontRef idx="minor">
+              <a:schemeClr val="tx1"/>
+            </a:fontRef>
+          </p:style>
+        </p:cxnSp>
+        <p:cxnSp>
+          <p:nvCxnSpPr>
+            <p:cNvPr id="11" name="Conector reto 10"/>
+            <p:cNvCxnSpPr>
+              <a:stCxn id="16" idx="3"/>
+            </p:cNvCxnSpPr>
+            <p:nvPr/>
+          </p:nvCxnSpPr>
+          <p:spPr>
+            <a:xfrm>
+              <a:off x="2735103" y="3164327"/>
+              <a:ext cx="248376" cy="543631"/>
+            </a:xfrm>
+            <a:prstGeom prst="line">
+              <a:avLst/>
+            </a:prstGeom>
+            <a:ln w="38100"/>
+          </p:spPr>
+          <p:style>
+            <a:lnRef idx="1">
+              <a:schemeClr val="accent1"/>
+            </a:lnRef>
+            <a:fillRef idx="0">
+              <a:schemeClr val="accent1"/>
+            </a:fillRef>
+            <a:effectRef idx="0">
+              <a:schemeClr val="accent1"/>
+            </a:effectRef>
+            <a:fontRef idx="minor">
+              <a:schemeClr val="tx1"/>
+            </a:fontRef>
+          </p:style>
+        </p:cxnSp>
+        <p:cxnSp>
+          <p:nvCxnSpPr>
+            <p:cNvPr id="12" name="Conector reto 11"/>
+            <p:cNvCxnSpPr>
+              <a:stCxn id="17" idx="3"/>
+            </p:cNvCxnSpPr>
+            <p:nvPr/>
+          </p:nvCxnSpPr>
+          <p:spPr>
+            <a:xfrm>
+              <a:off x="3796186" y="2686007"/>
+              <a:ext cx="425006" cy="519550"/>
+            </a:xfrm>
+            <a:prstGeom prst="line">
+              <a:avLst/>
+            </a:prstGeom>
+            <a:ln w="38100"/>
+          </p:spPr>
+          <p:style>
+            <a:lnRef idx="1">
+              <a:schemeClr val="accent1"/>
+            </a:lnRef>
+            <a:fillRef idx="0">
+              <a:schemeClr val="accent1"/>
+            </a:fillRef>
+            <a:effectRef idx="0">
+              <a:schemeClr val="accent1"/>
+            </a:effectRef>
+            <a:fontRef idx="minor">
+              <a:schemeClr val="tx1"/>
+            </a:fontRef>
+          </p:style>
+        </p:cxnSp>
+        <p:cxnSp>
+          <p:nvCxnSpPr>
+            <p:cNvPr id="13" name="Conector reto 12"/>
+            <p:cNvCxnSpPr>
+              <a:stCxn id="19" idx="3"/>
+            </p:cNvCxnSpPr>
+            <p:nvPr/>
+          </p:nvCxnSpPr>
+          <p:spPr>
+            <a:xfrm>
+              <a:off x="4978397" y="2251166"/>
+              <a:ext cx="288539" cy="593371"/>
+            </a:xfrm>
+            <a:prstGeom prst="line">
+              <a:avLst/>
+            </a:prstGeom>
+            <a:ln w="38100"/>
+          </p:spPr>
+          <p:style>
+            <a:lnRef idx="1">
+              <a:schemeClr val="accent1"/>
+            </a:lnRef>
+            <a:fillRef idx="0">
+              <a:schemeClr val="accent1"/>
+            </a:fillRef>
+            <a:effectRef idx="0">
+              <a:schemeClr val="accent1"/>
+            </a:effectRef>
+            <a:fontRef idx="minor">
+              <a:schemeClr val="tx1"/>
+            </a:fontRef>
+          </p:style>
+        </p:cxnSp>
+        <p:cxnSp>
+          <p:nvCxnSpPr>
+            <p:cNvPr id="14" name="Conector reto 13"/>
+            <p:cNvCxnSpPr>
+              <a:stCxn id="18" idx="3"/>
+            </p:cNvCxnSpPr>
+            <p:nvPr/>
+          </p:nvCxnSpPr>
+          <p:spPr>
+            <a:xfrm>
+              <a:off x="6096000" y="1816012"/>
+              <a:ext cx="368300" cy="641820"/>
+            </a:xfrm>
+            <a:prstGeom prst="line">
+              <a:avLst/>
+            </a:prstGeom>
+            <a:ln w="38100"/>
+          </p:spPr>
+          <p:style>
+            <a:lnRef idx="1">
+              <a:schemeClr val="accent1"/>
+            </a:lnRef>
+            <a:fillRef idx="0">
+              <a:schemeClr val="accent1"/>
+            </a:fillRef>
+            <a:effectRef idx="0">
+              <a:schemeClr val="accent1"/>
+            </a:effectRef>
+            <a:fontRef idx="minor">
+              <a:schemeClr val="tx1"/>
+            </a:fontRef>
+          </p:style>
+        </p:cxnSp>
+        <p:sp>
+          <p:nvSpPr>
+            <p:cNvPr id="15" name="Retângulo 14"/>
+            <p:cNvSpPr/>
+            <p:nvPr/>
+          </p:nvSpPr>
+          <p:spPr>
+            <a:xfrm>
+              <a:off x="595223" y="3464758"/>
+              <a:ext cx="792479" cy="226284"/>
+            </a:xfrm>
+            <a:prstGeom prst="rect">
+              <a:avLst/>
+            </a:prstGeom>
+            <a:solidFill>
+              <a:schemeClr val="bg2">
+                <a:lumMod val="90000"/>
+              </a:schemeClr>
+            </a:solidFill>
+            <a:ln>
+              <a:noFill/>
+            </a:ln>
+          </p:spPr>
+          <p:style>
+            <a:lnRef idx="2">
+              <a:schemeClr val="accent1">
+                <a:shade val="50000"/>
+              </a:schemeClr>
+            </a:lnRef>
+            <a:fillRef idx="1">
+              <a:schemeClr val="accent1"/>
+            </a:fillRef>
+            <a:effectRef idx="0">
+              <a:schemeClr val="accent1"/>
+            </a:effectRef>
+            <a:fontRef idx="minor">
+              <a:schemeClr val="lt1"/>
+            </a:fontRef>
+          </p:style>
+          <p:txBody>
+            <a:bodyPr rtlCol="0" anchor="ctr"/>
+            <a:lstStyle/>
+            <a:p>
+              <a:pPr algn="ctr"/>
+              <a:r>
+                <a:rPr lang="pt-BR" dirty="0" smtClean="0">
+                  <a:solidFill>
+                    <a:schemeClr val="bg2">
+                      <a:lumMod val="10000"/>
+                    </a:schemeClr>
+                  </a:solidFill>
+                  <a:latin typeface="Arial" panose="020B0604020202020204" pitchFamily="34" charset="0"/>
+                  <a:cs typeface="Arial" panose="020B0604020202020204" pitchFamily="34" charset="0"/>
+                </a:rPr>
+                <a:t>Seleção</a:t>
+              </a:r>
+              <a:endParaRPr lang="pt-BR" dirty="0">
+                <a:solidFill>
+                  <a:schemeClr val="bg2">
+                    <a:lumMod val="10000"/>
+                  </a:schemeClr>
+                </a:solidFill>
+                <a:latin typeface="Arial" panose="020B0604020202020204" pitchFamily="34" charset="0"/>
+                <a:cs typeface="Arial" panose="020B0604020202020204" pitchFamily="34" charset="0"/>
+              </a:endParaRPr>
+            </a:p>
+          </p:txBody>
+        </p:sp>
+        <p:sp>
+          <p:nvSpPr>
+            <p:cNvPr id="16" name="Retângulo 15"/>
+            <p:cNvSpPr/>
+            <p:nvPr/>
+          </p:nvSpPr>
+          <p:spPr>
+            <a:xfrm>
+              <a:off x="1219201" y="3062672"/>
+              <a:ext cx="1515902" cy="203309"/>
+            </a:xfrm>
+            <a:prstGeom prst="rect">
+              <a:avLst/>
+            </a:prstGeom>
+            <a:solidFill>
+              <a:schemeClr val="bg2">
+                <a:lumMod val="90000"/>
+              </a:schemeClr>
+            </a:solidFill>
+            <a:ln>
+              <a:noFill/>
+            </a:ln>
+          </p:spPr>
+          <p:style>
+            <a:lnRef idx="2">
+              <a:schemeClr val="accent1">
+                <a:shade val="50000"/>
+              </a:schemeClr>
+            </a:lnRef>
+            <a:fillRef idx="1">
+              <a:schemeClr val="accent1"/>
+            </a:fillRef>
+            <a:effectRef idx="0">
+              <a:schemeClr val="accent1"/>
+            </a:effectRef>
+            <a:fontRef idx="minor">
+              <a:schemeClr val="lt1"/>
+            </a:fontRef>
+          </p:style>
+          <p:txBody>
+            <a:bodyPr rtlCol="0" anchor="ctr"/>
+            <a:lstStyle/>
+            <a:p>
+              <a:pPr algn="ctr"/>
+              <a:r>
+                <a:rPr lang="pt-BR" dirty="0" smtClean="0">
+                  <a:solidFill>
+                    <a:schemeClr val="bg2">
+                      <a:lumMod val="10000"/>
+                    </a:schemeClr>
+                  </a:solidFill>
+                  <a:latin typeface="Arial" panose="020B0604020202020204" pitchFamily="34" charset="0"/>
+                  <a:cs typeface="Arial" panose="020B0604020202020204" pitchFamily="34" charset="0"/>
+                </a:rPr>
+                <a:t>Pré-processamento</a:t>
+              </a:r>
+              <a:endParaRPr lang="pt-BR" dirty="0">
+                <a:solidFill>
+                  <a:schemeClr val="bg2">
+                    <a:lumMod val="10000"/>
+                  </a:schemeClr>
+                </a:solidFill>
+                <a:latin typeface="Arial" panose="020B0604020202020204" pitchFamily="34" charset="0"/>
+                <a:cs typeface="Arial" panose="020B0604020202020204" pitchFamily="34" charset="0"/>
+              </a:endParaRPr>
+            </a:p>
+          </p:txBody>
+        </p:sp>
+        <p:sp>
+          <p:nvSpPr>
+            <p:cNvPr id="17" name="Retângulo 16"/>
+            <p:cNvSpPr/>
+            <p:nvPr/>
+          </p:nvSpPr>
+          <p:spPr>
+            <a:xfrm>
+              <a:off x="2540794" y="2584352"/>
+              <a:ext cx="1255392" cy="203309"/>
+            </a:xfrm>
+            <a:prstGeom prst="rect">
+              <a:avLst/>
+            </a:prstGeom>
+            <a:solidFill>
+              <a:schemeClr val="bg2">
+                <a:lumMod val="90000"/>
+              </a:schemeClr>
+            </a:solidFill>
+            <a:ln>
+              <a:noFill/>
+            </a:ln>
+          </p:spPr>
+          <p:style>
+            <a:lnRef idx="2">
+              <a:schemeClr val="accent1">
+                <a:shade val="50000"/>
+              </a:schemeClr>
+            </a:lnRef>
+            <a:fillRef idx="1">
+              <a:schemeClr val="accent1"/>
+            </a:fillRef>
+            <a:effectRef idx="0">
+              <a:schemeClr val="accent1"/>
+            </a:effectRef>
+            <a:fontRef idx="minor">
+              <a:schemeClr val="lt1"/>
+            </a:fontRef>
+          </p:style>
+          <p:txBody>
+            <a:bodyPr rtlCol="0" anchor="ctr"/>
+            <a:lstStyle/>
+            <a:p>
+              <a:pPr algn="ctr"/>
+              <a:r>
+                <a:rPr lang="pt-BR" dirty="0" smtClean="0">
+                  <a:solidFill>
+                    <a:schemeClr val="bg2">
+                      <a:lumMod val="10000"/>
+                    </a:schemeClr>
+                  </a:solidFill>
+                  <a:latin typeface="Arial" panose="020B0604020202020204" pitchFamily="34" charset="0"/>
+                  <a:cs typeface="Arial" panose="020B0604020202020204" pitchFamily="34" charset="0"/>
+                </a:rPr>
+                <a:t>Transformação</a:t>
+              </a:r>
+              <a:endParaRPr lang="pt-BR" dirty="0">
+                <a:solidFill>
+                  <a:schemeClr val="bg2">
+                    <a:lumMod val="10000"/>
+                  </a:schemeClr>
+                </a:solidFill>
+                <a:latin typeface="Arial" panose="020B0604020202020204" pitchFamily="34" charset="0"/>
+                <a:cs typeface="Arial" panose="020B0604020202020204" pitchFamily="34" charset="0"/>
+              </a:endParaRPr>
+            </a:p>
+          </p:txBody>
+        </p:sp>
+        <p:sp>
+          <p:nvSpPr>
+            <p:cNvPr id="18" name="Retângulo 17"/>
+            <p:cNvSpPr/>
+            <p:nvPr/>
+          </p:nvSpPr>
+          <p:spPr>
+            <a:xfrm>
+              <a:off x="4191630" y="1714415"/>
+              <a:ext cx="1904370" cy="203194"/>
+            </a:xfrm>
+            <a:prstGeom prst="rect">
+              <a:avLst/>
+            </a:prstGeom>
+            <a:solidFill>
+              <a:schemeClr val="bg2">
+                <a:lumMod val="90000"/>
+              </a:schemeClr>
+            </a:solidFill>
+            <a:ln>
+              <a:noFill/>
+            </a:ln>
+          </p:spPr>
+          <p:style>
+            <a:lnRef idx="2">
+              <a:schemeClr val="accent1">
+                <a:shade val="50000"/>
+              </a:schemeClr>
+            </a:lnRef>
+            <a:fillRef idx="1">
+              <a:schemeClr val="accent1"/>
+            </a:fillRef>
+            <a:effectRef idx="0">
+              <a:schemeClr val="accent1"/>
+            </a:effectRef>
+            <a:fontRef idx="minor">
+              <a:schemeClr val="lt1"/>
+            </a:fontRef>
+          </p:style>
+          <p:txBody>
+            <a:bodyPr rtlCol="0" anchor="ctr"/>
+            <a:lstStyle/>
+            <a:p>
+              <a:pPr algn="ctr"/>
+              <a:r>
+                <a:rPr lang="pt-BR" dirty="0" smtClean="0">
+                  <a:solidFill>
+                    <a:schemeClr val="bg2">
+                      <a:lumMod val="10000"/>
+                    </a:schemeClr>
+                  </a:solidFill>
+                  <a:latin typeface="Arial" panose="020B0604020202020204" pitchFamily="34" charset="0"/>
+                  <a:cs typeface="Arial" panose="020B0604020202020204" pitchFamily="34" charset="0"/>
+                </a:rPr>
+                <a:t>Interpretação e avaliação</a:t>
+              </a:r>
+              <a:endParaRPr lang="pt-BR" dirty="0">
+                <a:solidFill>
+                  <a:schemeClr val="bg2">
+                    <a:lumMod val="10000"/>
+                  </a:schemeClr>
+                </a:solidFill>
+                <a:latin typeface="Arial" panose="020B0604020202020204" pitchFamily="34" charset="0"/>
+                <a:cs typeface="Arial" panose="020B0604020202020204" pitchFamily="34" charset="0"/>
+              </a:endParaRPr>
+            </a:p>
+          </p:txBody>
+        </p:sp>
+        <p:sp>
+          <p:nvSpPr>
+            <p:cNvPr id="19" name="Retângulo 18"/>
+            <p:cNvSpPr/>
+            <p:nvPr/>
+          </p:nvSpPr>
+          <p:spPr>
+            <a:xfrm>
+              <a:off x="3398044" y="2149569"/>
+              <a:ext cx="1580353" cy="203194"/>
+            </a:xfrm>
+            <a:prstGeom prst="rect">
+              <a:avLst/>
+            </a:prstGeom>
+            <a:solidFill>
+              <a:schemeClr val="bg2">
+                <a:lumMod val="90000"/>
+              </a:schemeClr>
+            </a:solidFill>
+            <a:ln>
+              <a:noFill/>
+            </a:ln>
+          </p:spPr>
+          <p:style>
+            <a:lnRef idx="2">
+              <a:schemeClr val="accent1">
+                <a:shade val="50000"/>
+              </a:schemeClr>
+            </a:lnRef>
+            <a:fillRef idx="1">
+              <a:schemeClr val="accent1"/>
+            </a:fillRef>
+            <a:effectRef idx="0">
+              <a:schemeClr val="accent1"/>
+            </a:effectRef>
+            <a:fontRef idx="minor">
+              <a:schemeClr val="lt1"/>
+            </a:fontRef>
+          </p:style>
+          <p:txBody>
+            <a:bodyPr rtlCol="0" anchor="ctr"/>
+            <a:lstStyle/>
+            <a:p>
+              <a:pPr algn="ctr"/>
+              <a:r>
+                <a:rPr lang="pt-BR" dirty="0" smtClean="0">
+                  <a:solidFill>
+                    <a:schemeClr val="bg2">
+                      <a:lumMod val="10000"/>
+                    </a:schemeClr>
+                  </a:solidFill>
+                  <a:latin typeface="Arial" panose="020B0604020202020204" pitchFamily="34" charset="0"/>
+                  <a:cs typeface="Arial" panose="020B0604020202020204" pitchFamily="34" charset="0"/>
+                </a:rPr>
+                <a:t>Mineração de dados</a:t>
+              </a:r>
+              <a:endParaRPr lang="pt-BR" dirty="0">
+                <a:solidFill>
+                  <a:schemeClr val="bg2">
+                    <a:lumMod val="10000"/>
+                  </a:schemeClr>
+                </a:solidFill>
+                <a:latin typeface="Arial" panose="020B0604020202020204" pitchFamily="34" charset="0"/>
+                <a:cs typeface="Arial" panose="020B0604020202020204" pitchFamily="34" charset="0"/>
+              </a:endParaRPr>
+            </a:p>
+          </p:txBody>
+        </p:sp>
+        <p:cxnSp>
+          <p:nvCxnSpPr>
+            <p:cNvPr id="20" name="Conector de Seta Reta 19"/>
+            <p:cNvCxnSpPr/>
+            <p:nvPr/>
+          </p:nvCxnSpPr>
+          <p:spPr>
+            <a:xfrm flipV="1">
+              <a:off x="2795635" y="3586348"/>
+              <a:ext cx="482771" cy="187780"/>
+            </a:xfrm>
+            <a:prstGeom prst="straightConnector1">
+              <a:avLst/>
+            </a:prstGeom>
+            <a:ln w="38100">
+              <a:solidFill>
+                <a:schemeClr val="bg2">
+                  <a:lumMod val="10000"/>
+                </a:schemeClr>
+              </a:solidFill>
+              <a:prstDash val="sysDash"/>
+              <a:tailEnd type="triangle"/>
+            </a:ln>
+          </p:spPr>
+          <p:style>
+            <a:lnRef idx="1">
+              <a:schemeClr val="accent1"/>
+            </a:lnRef>
+            <a:fillRef idx="0">
+              <a:schemeClr val="accent1"/>
+            </a:fillRef>
+            <a:effectRef idx="0">
+              <a:schemeClr val="accent1"/>
+            </a:effectRef>
+            <a:fontRef idx="minor">
+              <a:schemeClr val="tx1"/>
+            </a:fontRef>
+          </p:style>
+        </p:cxnSp>
+        <p:cxnSp>
+          <p:nvCxnSpPr>
+            <p:cNvPr id="21" name="Conector de Seta Reta 20"/>
+            <p:cNvCxnSpPr/>
+            <p:nvPr/>
+          </p:nvCxnSpPr>
+          <p:spPr>
+            <a:xfrm flipV="1">
+              <a:off x="4031273" y="3101372"/>
+              <a:ext cx="482771" cy="187780"/>
+            </a:xfrm>
+            <a:prstGeom prst="straightConnector1">
+              <a:avLst/>
+            </a:prstGeom>
+            <a:ln w="38100">
+              <a:solidFill>
+                <a:schemeClr val="bg2">
+                  <a:lumMod val="10000"/>
+                </a:schemeClr>
+              </a:solidFill>
+              <a:prstDash val="sysDash"/>
+              <a:tailEnd type="triangle"/>
+            </a:ln>
+          </p:spPr>
+          <p:style>
+            <a:lnRef idx="1">
+              <a:schemeClr val="accent1"/>
+            </a:lnRef>
+            <a:fillRef idx="0">
+              <a:schemeClr val="accent1"/>
+            </a:fillRef>
+            <a:effectRef idx="0">
+              <a:schemeClr val="accent1"/>
+            </a:effectRef>
+            <a:fontRef idx="minor">
+              <a:schemeClr val="tx1"/>
+            </a:fontRef>
+          </p:style>
+        </p:cxnSp>
+        <p:cxnSp>
+          <p:nvCxnSpPr>
+            <p:cNvPr id="22" name="Conector de Seta Reta 21"/>
+            <p:cNvCxnSpPr/>
+            <p:nvPr/>
+          </p:nvCxnSpPr>
+          <p:spPr>
+            <a:xfrm flipV="1">
+              <a:off x="5078954" y="2736659"/>
+              <a:ext cx="482771" cy="187780"/>
+            </a:xfrm>
+            <a:prstGeom prst="straightConnector1">
+              <a:avLst/>
+            </a:prstGeom>
+            <a:ln w="38100">
+              <a:solidFill>
+                <a:schemeClr val="bg2">
+                  <a:lumMod val="10000"/>
+                </a:schemeClr>
+              </a:solidFill>
+              <a:prstDash val="sysDash"/>
+              <a:tailEnd type="triangle"/>
+            </a:ln>
+          </p:spPr>
+          <p:style>
+            <a:lnRef idx="1">
+              <a:schemeClr val="accent1"/>
+            </a:lnRef>
+            <a:fillRef idx="0">
+              <a:schemeClr val="accent1"/>
+            </a:fillRef>
+            <a:effectRef idx="0">
+              <a:schemeClr val="accent1"/>
+            </a:effectRef>
+            <a:fontRef idx="minor">
+              <a:schemeClr val="tx1"/>
+            </a:fontRef>
+          </p:style>
+        </p:cxnSp>
+        <p:cxnSp>
+          <p:nvCxnSpPr>
+            <p:cNvPr id="23" name="Conector de Seta Reta 22"/>
+            <p:cNvCxnSpPr/>
+            <p:nvPr/>
+          </p:nvCxnSpPr>
+          <p:spPr>
+            <a:xfrm flipV="1">
+              <a:off x="6275830" y="2350742"/>
+              <a:ext cx="482771" cy="187780"/>
+            </a:xfrm>
+            <a:prstGeom prst="straightConnector1">
+              <a:avLst/>
+            </a:prstGeom>
+            <a:ln w="38100">
+              <a:solidFill>
+                <a:schemeClr val="bg2">
+                  <a:lumMod val="10000"/>
+                </a:schemeClr>
+              </a:solidFill>
+              <a:prstDash val="sysDash"/>
+              <a:tailEnd type="triangle"/>
+            </a:ln>
+          </p:spPr>
+          <p:style>
+            <a:lnRef idx="1">
+              <a:schemeClr val="accent1"/>
+            </a:lnRef>
+            <a:fillRef idx="0">
+              <a:schemeClr val="accent1"/>
+            </a:fillRef>
+            <a:effectRef idx="0">
+              <a:schemeClr val="accent1"/>
+            </a:effectRef>
+            <a:fontRef idx="minor">
+              <a:schemeClr val="tx1"/>
+            </a:fontRef>
+          </p:style>
+        </p:cxnSp>
+        <p:cxnSp>
+          <p:nvCxnSpPr>
+            <p:cNvPr id="24" name="Conector Angulado 23"/>
+            <p:cNvCxnSpPr/>
+            <p:nvPr/>
+          </p:nvCxnSpPr>
+          <p:spPr>
+            <a:xfrm rot="10800000" flipV="1">
+              <a:off x="1863312" y="2466256"/>
+              <a:ext cx="4600988" cy="2228875"/>
+            </a:xfrm>
+            <a:prstGeom prst="bentConnector3">
+              <a:avLst>
+                <a:gd name="adj1" fmla="val -375"/>
+              </a:avLst>
+            </a:prstGeom>
+            <a:ln w="38100">
+              <a:solidFill>
+                <a:schemeClr val="bg2">
+                  <a:lumMod val="10000"/>
+                </a:schemeClr>
+              </a:solidFill>
+              <a:prstDash val="sysDash"/>
+            </a:ln>
+          </p:spPr>
+          <p:style>
+            <a:lnRef idx="1">
+              <a:schemeClr val="accent1"/>
+            </a:lnRef>
+            <a:fillRef idx="0">
+              <a:schemeClr val="accent1"/>
+            </a:fillRef>
+            <a:effectRef idx="0">
+              <a:schemeClr val="accent1"/>
+            </a:effectRef>
+            <a:fontRef idx="minor">
+              <a:schemeClr val="tx1"/>
+            </a:fontRef>
+          </p:style>
+        </p:cxnSp>
+        <p:cxnSp>
+          <p:nvCxnSpPr>
+            <p:cNvPr id="25" name="Conector de Seta Reta 24"/>
+            <p:cNvCxnSpPr/>
+            <p:nvPr/>
+          </p:nvCxnSpPr>
+          <p:spPr>
+            <a:xfrm flipV="1">
+              <a:off x="1863306" y="4205288"/>
+              <a:ext cx="0" cy="489848"/>
+            </a:xfrm>
+            <a:prstGeom prst="straightConnector1">
+              <a:avLst/>
+            </a:prstGeom>
+            <a:ln w="38100">
+              <a:solidFill>
+                <a:schemeClr val="bg2">
+                  <a:lumMod val="10000"/>
+                </a:schemeClr>
+              </a:solidFill>
+              <a:prstDash val="sysDash"/>
+              <a:tailEnd type="triangle"/>
+            </a:ln>
+          </p:spPr>
+          <p:style>
+            <a:lnRef idx="1">
+              <a:schemeClr val="accent1"/>
+            </a:lnRef>
+            <a:fillRef idx="0">
+              <a:schemeClr val="accent1"/>
+            </a:fillRef>
+            <a:effectRef idx="0">
+              <a:schemeClr val="accent1"/>
+            </a:effectRef>
+            <a:fontRef idx="minor">
+              <a:schemeClr val="tx1"/>
+            </a:fontRef>
+          </p:style>
+        </p:cxnSp>
+        <p:cxnSp>
+          <p:nvCxnSpPr>
+            <p:cNvPr id="26" name="Conector de Seta Reta 25"/>
+            <p:cNvCxnSpPr/>
+            <p:nvPr/>
+          </p:nvCxnSpPr>
+          <p:spPr>
+            <a:xfrm flipH="1" flipV="1">
+              <a:off x="2970715" y="3774128"/>
+              <a:ext cx="1" cy="921008"/>
+            </a:xfrm>
+            <a:prstGeom prst="straightConnector1">
+              <a:avLst/>
+            </a:prstGeom>
+            <a:ln w="38100">
+              <a:solidFill>
+                <a:schemeClr val="bg2">
+                  <a:lumMod val="10000"/>
+                </a:schemeClr>
+              </a:solidFill>
+              <a:prstDash val="sysDash"/>
+              <a:tailEnd type="triangle"/>
+            </a:ln>
+          </p:spPr>
+          <p:style>
+            <a:lnRef idx="1">
+              <a:schemeClr val="accent1"/>
+            </a:lnRef>
+            <a:fillRef idx="0">
+              <a:schemeClr val="accent1"/>
+            </a:fillRef>
+            <a:effectRef idx="0">
+              <a:schemeClr val="accent1"/>
+            </a:effectRef>
+            <a:fontRef idx="minor">
+              <a:schemeClr val="tx1"/>
+            </a:fontRef>
+          </p:style>
+        </p:cxnSp>
+        <p:cxnSp>
+          <p:nvCxnSpPr>
+            <p:cNvPr id="27" name="Conector de Seta Reta 26"/>
+            <p:cNvCxnSpPr/>
+            <p:nvPr/>
+          </p:nvCxnSpPr>
+          <p:spPr>
+            <a:xfrm flipV="1">
+              <a:off x="1597761" y="4050784"/>
+              <a:ext cx="482771" cy="187780"/>
+            </a:xfrm>
+            <a:prstGeom prst="straightConnector1">
+              <a:avLst/>
+            </a:prstGeom>
+            <a:ln w="38100">
+              <a:solidFill>
+                <a:schemeClr val="bg2">
+                  <a:lumMod val="10000"/>
+                </a:schemeClr>
+              </a:solidFill>
+              <a:prstDash val="sysDash"/>
+              <a:tailEnd type="triangle"/>
+            </a:ln>
+          </p:spPr>
+          <p:style>
+            <a:lnRef idx="1">
+              <a:schemeClr val="accent1"/>
+            </a:lnRef>
+            <a:fillRef idx="0">
+              <a:schemeClr val="accent1"/>
+            </a:fillRef>
+            <a:effectRef idx="0">
+              <a:schemeClr val="accent1"/>
+            </a:effectRef>
+            <a:fontRef idx="minor">
+              <a:schemeClr val="tx1"/>
+            </a:fontRef>
+          </p:style>
+        </p:cxnSp>
+        <p:cxnSp>
+          <p:nvCxnSpPr>
+            <p:cNvPr id="28" name="Conector de Seta Reta 27"/>
+            <p:cNvCxnSpPr/>
+            <p:nvPr/>
+          </p:nvCxnSpPr>
+          <p:spPr>
+            <a:xfrm flipV="1">
+              <a:off x="4268819" y="3276600"/>
+              <a:ext cx="0" cy="1418536"/>
+            </a:xfrm>
+            <a:prstGeom prst="straightConnector1">
+              <a:avLst/>
+            </a:prstGeom>
+            <a:ln w="38100">
+              <a:solidFill>
+                <a:schemeClr val="bg2">
+                  <a:lumMod val="10000"/>
+                </a:schemeClr>
+              </a:solidFill>
+              <a:prstDash val="sysDash"/>
+              <a:tailEnd type="triangle"/>
+            </a:ln>
+          </p:spPr>
+          <p:style>
+            <a:lnRef idx="1">
+              <a:schemeClr val="accent1"/>
+            </a:lnRef>
+            <a:fillRef idx="0">
+              <a:schemeClr val="accent1"/>
+            </a:fillRef>
+            <a:effectRef idx="0">
+              <a:schemeClr val="accent1"/>
+            </a:effectRef>
+            <a:fontRef idx="minor">
+              <a:schemeClr val="tx1"/>
+            </a:fontRef>
+          </p:style>
+        </p:cxnSp>
+        <p:cxnSp>
+          <p:nvCxnSpPr>
+            <p:cNvPr id="29" name="Conector de Seta Reta 28"/>
+            <p:cNvCxnSpPr/>
+            <p:nvPr/>
+          </p:nvCxnSpPr>
+          <p:spPr>
+            <a:xfrm flipV="1">
+              <a:off x="5328043" y="2900624"/>
+              <a:ext cx="0" cy="1780223"/>
+            </a:xfrm>
+            <a:prstGeom prst="straightConnector1">
+              <a:avLst/>
+            </a:prstGeom>
+            <a:ln w="38100">
+              <a:solidFill>
+                <a:schemeClr val="bg2">
+                  <a:lumMod val="10000"/>
+                </a:schemeClr>
+              </a:solidFill>
+              <a:prstDash val="sysDash"/>
+              <a:tailEnd type="triangle"/>
+            </a:ln>
+          </p:spPr>
+          <p:style>
+            <a:lnRef idx="1">
+              <a:schemeClr val="accent1"/>
+            </a:lnRef>
+            <a:fillRef idx="0">
+              <a:schemeClr val="accent1"/>
+            </a:fillRef>
+            <a:effectRef idx="0">
+              <a:schemeClr val="accent1"/>
+            </a:effectRef>
+            <a:fontRef idx="minor">
+              <a:schemeClr val="tx1"/>
+            </a:fontRef>
+          </p:style>
+        </p:cxnSp>
+        <p:sp>
+          <p:nvSpPr>
+            <p:cNvPr id="30" name="CaixaDeTexto 29"/>
+            <p:cNvSpPr txBox="1"/>
+            <p:nvPr/>
+          </p:nvSpPr>
+          <p:spPr>
+            <a:xfrm>
+              <a:off x="661296" y="4618132"/>
+              <a:ext cx="874513" cy="190581"/>
+            </a:xfrm>
+            <a:prstGeom prst="rect">
+              <a:avLst/>
+            </a:prstGeom>
+            <a:noFill/>
+          </p:spPr>
+          <p:txBody>
+            <a:bodyPr wrap="square" rtlCol="0">
+              <a:spAutoFit/>
+            </a:bodyPr>
+            <a:lstStyle/>
+            <a:p>
+              <a:pPr algn="ctr"/>
+              <a:r>
+                <a:rPr lang="pt-BR" dirty="0">
+                  <a:latin typeface="Arial" panose="020B0604020202020204" pitchFamily="34" charset="0"/>
+                  <a:cs typeface="Arial" panose="020B0604020202020204" pitchFamily="34" charset="0"/>
+                </a:rPr>
+                <a:t>D</a:t>
+              </a:r>
+              <a:r>
+                <a:rPr lang="pt-BR" dirty="0" smtClean="0">
+                  <a:latin typeface="Arial" panose="020B0604020202020204" pitchFamily="34" charset="0"/>
+                  <a:cs typeface="Arial" panose="020B0604020202020204" pitchFamily="34" charset="0"/>
+                </a:rPr>
+                <a:t>ados</a:t>
+              </a:r>
+              <a:endParaRPr lang="pt-BR" dirty="0">
+                <a:latin typeface="Arial" panose="020B0604020202020204" pitchFamily="34" charset="0"/>
+                <a:cs typeface="Arial" panose="020B0604020202020204" pitchFamily="34" charset="0"/>
+              </a:endParaRPr>
+            </a:p>
+          </p:txBody>
+        </p:sp>
+        <p:sp>
+          <p:nvSpPr>
+            <p:cNvPr id="31" name="CaixaDeTexto 30"/>
+            <p:cNvSpPr txBox="1"/>
+            <p:nvPr/>
+          </p:nvSpPr>
+          <p:spPr>
+            <a:xfrm>
+              <a:off x="1902349" y="4091899"/>
+              <a:ext cx="1120969" cy="333516"/>
+            </a:xfrm>
+            <a:prstGeom prst="rect">
+              <a:avLst/>
+            </a:prstGeom>
+            <a:noFill/>
+          </p:spPr>
+          <p:txBody>
+            <a:bodyPr wrap="square" rtlCol="0">
+              <a:spAutoFit/>
+            </a:bodyPr>
+            <a:lstStyle/>
+            <a:p>
+              <a:pPr algn="ctr"/>
+              <a:r>
+                <a:rPr lang="pt-BR" dirty="0" smtClean="0">
+                  <a:latin typeface="Arial" panose="020B0604020202020204" pitchFamily="34" charset="0"/>
+                  <a:cs typeface="Arial" panose="020B0604020202020204" pitchFamily="34" charset="0"/>
+                </a:rPr>
+                <a:t>Dados selecionados</a:t>
+              </a:r>
+              <a:endParaRPr lang="pt-BR" dirty="0">
+                <a:latin typeface="Arial" panose="020B0604020202020204" pitchFamily="34" charset="0"/>
+                <a:cs typeface="Arial" panose="020B0604020202020204" pitchFamily="34" charset="0"/>
+              </a:endParaRPr>
+            </a:p>
+          </p:txBody>
+        </p:sp>
+        <p:sp>
+          <p:nvSpPr>
+            <p:cNvPr id="32" name="CaixaDeTexto 31"/>
+            <p:cNvSpPr txBox="1"/>
+            <p:nvPr/>
+          </p:nvSpPr>
+          <p:spPr>
+            <a:xfrm>
+              <a:off x="2962994" y="3636011"/>
+              <a:ext cx="1318523" cy="333516"/>
+            </a:xfrm>
+            <a:prstGeom prst="rect">
+              <a:avLst/>
+            </a:prstGeom>
+            <a:noFill/>
+          </p:spPr>
+          <p:txBody>
+            <a:bodyPr wrap="square" rtlCol="0">
+              <a:spAutoFit/>
+            </a:bodyPr>
+            <a:lstStyle/>
+            <a:p>
+              <a:pPr algn="ctr"/>
+              <a:r>
+                <a:rPr lang="pt-BR" dirty="0" smtClean="0">
+                  <a:latin typeface="Arial" panose="020B0604020202020204" pitchFamily="34" charset="0"/>
+                  <a:cs typeface="Arial" panose="020B0604020202020204" pitchFamily="34" charset="0"/>
+                </a:rPr>
+                <a:t>Dados </a:t>
+              </a:r>
+            </a:p>
+            <a:p>
+              <a:pPr algn="ctr"/>
+              <a:r>
+                <a:rPr lang="pt-BR" dirty="0" err="1" smtClean="0">
+                  <a:latin typeface="Arial" panose="020B0604020202020204" pitchFamily="34" charset="0"/>
+                  <a:cs typeface="Arial" panose="020B0604020202020204" pitchFamily="34" charset="0"/>
+                </a:rPr>
+                <a:t>pré</a:t>
+              </a:r>
+              <a:r>
+                <a:rPr lang="pt-BR" dirty="0" smtClean="0">
+                  <a:latin typeface="Arial" panose="020B0604020202020204" pitchFamily="34" charset="0"/>
+                  <a:cs typeface="Arial" panose="020B0604020202020204" pitchFamily="34" charset="0"/>
+                </a:rPr>
+                <a:t>-processados</a:t>
+              </a:r>
+              <a:endParaRPr lang="pt-BR" dirty="0">
+                <a:latin typeface="Arial" panose="020B0604020202020204" pitchFamily="34" charset="0"/>
+                <a:cs typeface="Arial" panose="020B0604020202020204" pitchFamily="34" charset="0"/>
+              </a:endParaRPr>
+            </a:p>
+          </p:txBody>
+        </p:sp>
+        <p:sp>
+          <p:nvSpPr>
+            <p:cNvPr id="33" name="CaixaDeTexto 32"/>
+            <p:cNvSpPr txBox="1"/>
+            <p:nvPr/>
+          </p:nvSpPr>
+          <p:spPr>
+            <a:xfrm>
+              <a:off x="4160518" y="3259447"/>
+              <a:ext cx="1318523" cy="333516"/>
+            </a:xfrm>
+            <a:prstGeom prst="rect">
+              <a:avLst/>
+            </a:prstGeom>
+            <a:noFill/>
+          </p:spPr>
+          <p:txBody>
+            <a:bodyPr wrap="square" rtlCol="0">
+              <a:spAutoFit/>
+            </a:bodyPr>
+            <a:lstStyle/>
+            <a:p>
+              <a:pPr algn="ctr"/>
+              <a:r>
+                <a:rPr lang="pt-BR" dirty="0" smtClean="0">
+                  <a:latin typeface="Arial" panose="020B0604020202020204" pitchFamily="34" charset="0"/>
+                  <a:cs typeface="Arial" panose="020B0604020202020204" pitchFamily="34" charset="0"/>
+                </a:rPr>
+                <a:t>Dados </a:t>
+              </a:r>
+            </a:p>
+            <a:p>
+              <a:pPr algn="ctr"/>
+              <a:r>
+                <a:rPr lang="pt-BR" dirty="0" smtClean="0">
+                  <a:latin typeface="Arial" panose="020B0604020202020204" pitchFamily="34" charset="0"/>
+                  <a:cs typeface="Arial" panose="020B0604020202020204" pitchFamily="34" charset="0"/>
+                </a:rPr>
+                <a:t>transformados</a:t>
+              </a:r>
+              <a:endParaRPr lang="pt-BR" dirty="0">
+                <a:latin typeface="Arial" panose="020B0604020202020204" pitchFamily="34" charset="0"/>
+                <a:cs typeface="Arial" panose="020B0604020202020204" pitchFamily="34" charset="0"/>
+              </a:endParaRPr>
+            </a:p>
+          </p:txBody>
+        </p:sp>
+        <p:sp>
+          <p:nvSpPr>
+            <p:cNvPr id="34" name="CaixaDeTexto 33"/>
+            <p:cNvSpPr txBox="1"/>
+            <p:nvPr/>
+          </p:nvSpPr>
+          <p:spPr>
+            <a:xfrm>
+              <a:off x="5219930" y="2817180"/>
+              <a:ext cx="1318523" cy="190581"/>
+            </a:xfrm>
+            <a:prstGeom prst="rect">
+              <a:avLst/>
+            </a:prstGeom>
+            <a:noFill/>
+          </p:spPr>
+          <p:txBody>
+            <a:bodyPr wrap="square" rtlCol="0">
+              <a:spAutoFit/>
+            </a:bodyPr>
+            <a:lstStyle/>
+            <a:p>
+              <a:pPr algn="ctr"/>
+              <a:r>
+                <a:rPr lang="pt-BR" dirty="0">
+                  <a:latin typeface="Arial" panose="020B0604020202020204" pitchFamily="34" charset="0"/>
+                  <a:cs typeface="Arial" panose="020B0604020202020204" pitchFamily="34" charset="0"/>
+                </a:rPr>
+                <a:t>P</a:t>
+              </a:r>
+              <a:r>
+                <a:rPr lang="pt-BR" dirty="0" smtClean="0">
+                  <a:latin typeface="Arial" panose="020B0604020202020204" pitchFamily="34" charset="0"/>
+                  <a:cs typeface="Arial" panose="020B0604020202020204" pitchFamily="34" charset="0"/>
+                </a:rPr>
+                <a:t>adrões</a:t>
+              </a:r>
+              <a:endParaRPr lang="pt-BR" dirty="0">
+                <a:latin typeface="Arial" panose="020B0604020202020204" pitchFamily="34" charset="0"/>
+                <a:cs typeface="Arial" panose="020B0604020202020204" pitchFamily="34" charset="0"/>
+              </a:endParaRPr>
+            </a:p>
+          </p:txBody>
+        </p:sp>
+        <p:sp>
+          <p:nvSpPr>
+            <p:cNvPr id="35" name="CaixaDeTexto 34"/>
+            <p:cNvSpPr txBox="1"/>
+            <p:nvPr/>
+          </p:nvSpPr>
+          <p:spPr>
+            <a:xfrm>
+              <a:off x="6539770" y="2469523"/>
+              <a:ext cx="1318523" cy="190581"/>
+            </a:xfrm>
+            <a:prstGeom prst="rect">
+              <a:avLst/>
+            </a:prstGeom>
+            <a:noFill/>
+          </p:spPr>
+          <p:txBody>
+            <a:bodyPr wrap="square" rtlCol="0">
+              <a:spAutoFit/>
+            </a:bodyPr>
+            <a:lstStyle/>
+            <a:p>
+              <a:pPr algn="ctr"/>
+              <a:r>
+                <a:rPr lang="pt-BR" dirty="0" smtClean="0">
+                  <a:latin typeface="Arial" panose="020B0604020202020204" pitchFamily="34" charset="0"/>
+                  <a:cs typeface="Arial" panose="020B0604020202020204" pitchFamily="34" charset="0"/>
+                </a:rPr>
+                <a:t>Conhecimento</a:t>
+              </a:r>
+              <a:endParaRPr lang="pt-BR" dirty="0">
+                <a:latin typeface="Arial" panose="020B0604020202020204" pitchFamily="34" charset="0"/>
+                <a:cs typeface="Arial" panose="020B0604020202020204" pitchFamily="34" charset="0"/>
+              </a:endParaRPr>
+            </a:p>
+          </p:txBody>
+        </p:sp>
+        <p:grpSp>
+          <p:nvGrpSpPr>
+            <p:cNvPr id="36" name="Agrupar 35"/>
+            <p:cNvGrpSpPr/>
+            <p:nvPr/>
+          </p:nvGrpSpPr>
+          <p:grpSpPr>
+            <a:xfrm>
+              <a:off x="5602208" y="2357533"/>
+              <a:ext cx="654572" cy="437249"/>
+              <a:chOff x="5665805" y="2321942"/>
+              <a:chExt cx="654572" cy="437249"/>
+            </a:xfrm>
+          </p:grpSpPr>
+          <p:grpSp>
+            <p:nvGrpSpPr>
+              <p:cNvPr id="37" name="Agrupar 36"/>
+              <p:cNvGrpSpPr/>
+              <p:nvPr/>
+            </p:nvGrpSpPr>
+            <p:grpSpPr>
+              <a:xfrm>
+                <a:off x="5734589" y="2361685"/>
+                <a:ext cx="585788" cy="350052"/>
+                <a:chOff x="5815549" y="2356923"/>
+                <a:chExt cx="585788" cy="350052"/>
+              </a:xfrm>
+            </p:grpSpPr>
+            <p:cxnSp>
+              <p:nvCxnSpPr>
+                <p:cNvPr id="45" name="Conector reto 44"/>
+                <p:cNvCxnSpPr/>
+                <p:nvPr/>
+              </p:nvCxnSpPr>
+              <p:spPr>
+                <a:xfrm>
+                  <a:off x="5815549" y="2706975"/>
+                  <a:ext cx="581025" cy="0"/>
+                </a:xfrm>
+                <a:prstGeom prst="line">
+                  <a:avLst/>
+                </a:prstGeom>
+                <a:ln w="28575"/>
+              </p:spPr>
+              <p:style>
+                <a:lnRef idx="1">
+                  <a:schemeClr val="accent1"/>
+                </a:lnRef>
+                <a:fillRef idx="0">
+                  <a:schemeClr val="accent1"/>
+                </a:fillRef>
+                <a:effectRef idx="0">
+                  <a:schemeClr val="accent1"/>
+                </a:effectRef>
+                <a:fontRef idx="minor">
+                  <a:schemeClr val="tx1"/>
+                </a:fontRef>
+              </p:style>
+            </p:cxnSp>
+            <p:grpSp>
+              <p:nvGrpSpPr>
+                <p:cNvPr id="46" name="Agrupar 45"/>
+                <p:cNvGrpSpPr/>
+                <p:nvPr/>
+              </p:nvGrpSpPr>
+              <p:grpSpPr>
+                <a:xfrm>
+                  <a:off x="5815549" y="2356923"/>
+                  <a:ext cx="581025" cy="310032"/>
+                  <a:chOff x="6134100" y="2504606"/>
+                  <a:chExt cx="581025" cy="310032"/>
+                </a:xfrm>
+              </p:grpSpPr>
+              <p:cxnSp>
+                <p:nvCxnSpPr>
+                  <p:cNvPr id="58" name="Conector reto 57"/>
+                  <p:cNvCxnSpPr/>
+                  <p:nvPr/>
+                </p:nvCxnSpPr>
+                <p:spPr>
+                  <a:xfrm flipV="1">
+                    <a:off x="6134100" y="2628900"/>
+                    <a:ext cx="169069" cy="185738"/>
+                  </a:xfrm>
+                  <a:prstGeom prst="line">
+                    <a:avLst/>
+                  </a:prstGeom>
+                </p:spPr>
+                <p:style>
+                  <a:lnRef idx="1">
+                    <a:schemeClr val="accent4"/>
+                  </a:lnRef>
+                  <a:fillRef idx="0">
+                    <a:schemeClr val="accent4"/>
+                  </a:fillRef>
+                  <a:effectRef idx="0">
+                    <a:schemeClr val="accent4"/>
+                  </a:effectRef>
+                  <a:fontRef idx="minor">
+                    <a:schemeClr val="tx1"/>
+                  </a:fontRef>
+                </p:style>
+              </p:cxnSp>
+              <p:cxnSp>
+                <p:nvCxnSpPr>
+                  <p:cNvPr id="59" name="Conector reto 58"/>
+                  <p:cNvCxnSpPr/>
+                  <p:nvPr/>
+                </p:nvCxnSpPr>
+                <p:spPr>
+                  <a:xfrm>
+                    <a:off x="6303169" y="2626519"/>
+                    <a:ext cx="209550" cy="94891"/>
+                  </a:xfrm>
+                  <a:prstGeom prst="line">
+                    <a:avLst/>
+                  </a:prstGeom>
+                </p:spPr>
+                <p:style>
+                  <a:lnRef idx="1">
+                    <a:schemeClr val="accent4"/>
+                  </a:lnRef>
+                  <a:fillRef idx="0">
+                    <a:schemeClr val="accent4"/>
+                  </a:fillRef>
+                  <a:effectRef idx="0">
+                    <a:schemeClr val="accent4"/>
+                  </a:effectRef>
+                  <a:fontRef idx="minor">
+                    <a:schemeClr val="tx1"/>
+                  </a:fontRef>
+                </p:style>
+              </p:cxnSp>
+              <p:cxnSp>
+                <p:nvCxnSpPr>
+                  <p:cNvPr id="60" name="Conector reto 59"/>
+                  <p:cNvCxnSpPr/>
+                  <p:nvPr/>
+                </p:nvCxnSpPr>
+                <p:spPr>
+                  <a:xfrm flipV="1">
+                    <a:off x="6512719" y="2504606"/>
+                    <a:ext cx="202406" cy="216804"/>
+                  </a:xfrm>
+                  <a:prstGeom prst="line">
+                    <a:avLst/>
+                  </a:prstGeom>
+                </p:spPr>
+                <p:style>
+                  <a:lnRef idx="1">
+                    <a:schemeClr val="accent4"/>
+                  </a:lnRef>
+                  <a:fillRef idx="0">
+                    <a:schemeClr val="accent4"/>
+                  </a:fillRef>
+                  <a:effectRef idx="0">
+                    <a:schemeClr val="accent4"/>
+                  </a:effectRef>
+                  <a:fontRef idx="minor">
+                    <a:schemeClr val="tx1"/>
+                  </a:fontRef>
+                </p:style>
+              </p:cxnSp>
+            </p:grpSp>
+            <p:grpSp>
+              <p:nvGrpSpPr>
+                <p:cNvPr id="47" name="Agrupar 46"/>
+                <p:cNvGrpSpPr/>
+                <p:nvPr/>
+              </p:nvGrpSpPr>
+              <p:grpSpPr>
+                <a:xfrm>
+                  <a:off x="5825074" y="2478836"/>
+                  <a:ext cx="571500" cy="169730"/>
+                  <a:chOff x="6143625" y="2626519"/>
+                  <a:chExt cx="571500" cy="169730"/>
+                </a:xfrm>
+              </p:grpSpPr>
+              <p:cxnSp>
+                <p:nvCxnSpPr>
+                  <p:cNvPr id="53" name="Conector reto 52"/>
+                  <p:cNvCxnSpPr/>
+                  <p:nvPr/>
+                </p:nvCxnSpPr>
+                <p:spPr>
+                  <a:xfrm flipH="1">
+                    <a:off x="6367463" y="2646571"/>
+                    <a:ext cx="50006" cy="74839"/>
+                  </a:xfrm>
+                  <a:prstGeom prst="line">
+                    <a:avLst/>
+                  </a:prstGeom>
+                </p:spPr>
+                <p:style>
+                  <a:lnRef idx="1">
+                    <a:schemeClr val="accent5"/>
+                  </a:lnRef>
+                  <a:fillRef idx="0">
+                    <a:schemeClr val="accent5"/>
+                  </a:fillRef>
+                  <a:effectRef idx="0">
+                    <a:schemeClr val="accent5"/>
+                  </a:effectRef>
+                  <a:fontRef idx="minor">
+                    <a:schemeClr val="tx1"/>
+                  </a:fontRef>
+                </p:style>
+              </p:cxnSp>
+              <p:grpSp>
+                <p:nvGrpSpPr>
+                  <p:cNvPr id="54" name="Agrupar 53"/>
+                  <p:cNvGrpSpPr/>
+                  <p:nvPr/>
+                </p:nvGrpSpPr>
+                <p:grpSpPr>
+                  <a:xfrm>
+                    <a:off x="6143625" y="2626519"/>
+                    <a:ext cx="571500" cy="169730"/>
+                    <a:chOff x="6143625" y="2626519"/>
+                    <a:chExt cx="571500" cy="169730"/>
+                  </a:xfrm>
+                </p:grpSpPr>
+                <p:cxnSp>
+                  <p:nvCxnSpPr>
+                    <p:cNvPr id="55" name="Conector reto 54"/>
+                    <p:cNvCxnSpPr/>
+                    <p:nvPr/>
+                  </p:nvCxnSpPr>
+                  <p:spPr>
+                    <a:xfrm flipH="1">
+                      <a:off x="6488906" y="2759869"/>
+                      <a:ext cx="226219" cy="36380"/>
+                    </a:xfrm>
+                    <a:prstGeom prst="line">
+                      <a:avLst/>
+                    </a:prstGeom>
+                  </p:spPr>
+                  <p:style>
+                    <a:lnRef idx="1">
+                      <a:schemeClr val="accent5"/>
+                    </a:lnRef>
+                    <a:fillRef idx="0">
+                      <a:schemeClr val="accent5"/>
+                    </a:fillRef>
+                    <a:effectRef idx="0">
+                      <a:schemeClr val="accent5"/>
+                    </a:effectRef>
+                    <a:fontRef idx="minor">
+                      <a:schemeClr val="tx1"/>
+                    </a:fontRef>
+                  </p:style>
+                </p:cxnSp>
+                <p:cxnSp>
+                  <p:nvCxnSpPr>
+                    <p:cNvPr id="56" name="Conector reto 55"/>
+                    <p:cNvCxnSpPr/>
+                    <p:nvPr/>
+                  </p:nvCxnSpPr>
+                  <p:spPr>
+                    <a:xfrm flipH="1" flipV="1">
+                      <a:off x="6415088" y="2646571"/>
+                      <a:ext cx="73818" cy="149678"/>
+                    </a:xfrm>
+                    <a:prstGeom prst="line">
+                      <a:avLst/>
+                    </a:prstGeom>
+                  </p:spPr>
+                  <p:style>
+                    <a:lnRef idx="1">
+                      <a:schemeClr val="accent5"/>
+                    </a:lnRef>
+                    <a:fillRef idx="0">
+                      <a:schemeClr val="accent5"/>
+                    </a:fillRef>
+                    <a:effectRef idx="0">
+                      <a:schemeClr val="accent5"/>
+                    </a:effectRef>
+                    <a:fontRef idx="minor">
+                      <a:schemeClr val="tx1"/>
+                    </a:fontRef>
+                  </p:style>
+                </p:cxnSp>
+                <p:cxnSp>
+                  <p:nvCxnSpPr>
+                    <p:cNvPr id="57" name="Conector reto 56"/>
+                    <p:cNvCxnSpPr/>
+                    <p:nvPr/>
+                  </p:nvCxnSpPr>
+                  <p:spPr>
+                    <a:xfrm flipH="1" flipV="1">
+                      <a:off x="6143625" y="2626519"/>
+                      <a:ext cx="223838" cy="94892"/>
+                    </a:xfrm>
+                    <a:prstGeom prst="line">
+                      <a:avLst/>
+                    </a:prstGeom>
+                  </p:spPr>
+                  <p:style>
+                    <a:lnRef idx="1">
+                      <a:schemeClr val="accent5"/>
+                    </a:lnRef>
+                    <a:fillRef idx="0">
+                      <a:schemeClr val="accent5"/>
+                    </a:fillRef>
+                    <a:effectRef idx="0">
+                      <a:schemeClr val="accent5"/>
+                    </a:effectRef>
+                    <a:fontRef idx="minor">
+                      <a:schemeClr val="tx1"/>
+                    </a:fontRef>
+                  </p:style>
+                </p:cxnSp>
+              </p:grpSp>
+            </p:grpSp>
+            <p:cxnSp>
+              <p:nvCxnSpPr>
+                <p:cNvPr id="48" name="Conector reto 47"/>
+                <p:cNvCxnSpPr/>
+                <p:nvPr/>
+              </p:nvCxnSpPr>
+              <p:spPr>
+                <a:xfrm>
+                  <a:off x="5815549" y="2634172"/>
+                  <a:ext cx="581025" cy="0"/>
+                </a:xfrm>
+                <a:prstGeom prst="line">
+                  <a:avLst/>
+                </a:prstGeom>
+                <a:ln w="3175">
+                  <a:prstDash val="dash"/>
+                </a:ln>
+              </p:spPr>
+              <p:style>
+                <a:lnRef idx="1">
+                  <a:schemeClr val="dk1"/>
+                </a:lnRef>
+                <a:fillRef idx="0">
+                  <a:schemeClr val="dk1"/>
+                </a:fillRef>
+                <a:effectRef idx="0">
+                  <a:schemeClr val="dk1"/>
+                </a:effectRef>
+                <a:fontRef idx="minor">
+                  <a:schemeClr val="tx1"/>
+                </a:fontRef>
+              </p:style>
+            </p:cxnSp>
+            <p:cxnSp>
+              <p:nvCxnSpPr>
+                <p:cNvPr id="49" name="Conector reto 48"/>
+                <p:cNvCxnSpPr/>
+                <p:nvPr/>
+              </p:nvCxnSpPr>
+              <p:spPr>
+                <a:xfrm>
+                  <a:off x="5815549" y="2573727"/>
+                  <a:ext cx="581025" cy="0"/>
+                </a:xfrm>
+                <a:prstGeom prst="line">
+                  <a:avLst/>
+                </a:prstGeom>
+                <a:ln w="3175">
+                  <a:prstDash val="dash"/>
+                </a:ln>
+              </p:spPr>
+              <p:style>
+                <a:lnRef idx="1">
+                  <a:schemeClr val="dk1"/>
+                </a:lnRef>
+                <a:fillRef idx="0">
+                  <a:schemeClr val="dk1"/>
+                </a:fillRef>
+                <a:effectRef idx="0">
+                  <a:schemeClr val="dk1"/>
+                </a:effectRef>
+                <a:fontRef idx="minor">
+                  <a:schemeClr val="tx1"/>
+                </a:fontRef>
+              </p:style>
+            </p:cxnSp>
+            <p:cxnSp>
+              <p:nvCxnSpPr>
+                <p:cNvPr id="50" name="Conector reto 49"/>
+                <p:cNvCxnSpPr/>
+                <p:nvPr/>
+              </p:nvCxnSpPr>
+              <p:spPr>
+                <a:xfrm>
+                  <a:off x="5817930" y="2511363"/>
+                  <a:ext cx="581025" cy="0"/>
+                </a:xfrm>
+                <a:prstGeom prst="line">
+                  <a:avLst/>
+                </a:prstGeom>
+                <a:ln w="3175">
+                  <a:prstDash val="dash"/>
+                </a:ln>
+              </p:spPr>
+              <p:style>
+                <a:lnRef idx="1">
+                  <a:schemeClr val="dk1"/>
+                </a:lnRef>
+                <a:fillRef idx="0">
+                  <a:schemeClr val="dk1"/>
+                </a:fillRef>
+                <a:effectRef idx="0">
+                  <a:schemeClr val="dk1"/>
+                </a:effectRef>
+                <a:fontRef idx="minor">
+                  <a:schemeClr val="tx1"/>
+                </a:fontRef>
+              </p:style>
+            </p:cxnSp>
+            <p:cxnSp>
+              <p:nvCxnSpPr>
+                <p:cNvPr id="51" name="Conector reto 50"/>
+                <p:cNvCxnSpPr/>
+                <p:nvPr/>
+              </p:nvCxnSpPr>
+              <p:spPr>
+                <a:xfrm>
+                  <a:off x="5817930" y="2450261"/>
+                  <a:ext cx="581025" cy="0"/>
+                </a:xfrm>
+                <a:prstGeom prst="line">
+                  <a:avLst/>
+                </a:prstGeom>
+                <a:ln w="3175">
+                  <a:prstDash val="dash"/>
+                </a:ln>
+              </p:spPr>
+              <p:style>
+                <a:lnRef idx="1">
+                  <a:schemeClr val="dk1"/>
+                </a:lnRef>
+                <a:fillRef idx="0">
+                  <a:schemeClr val="dk1"/>
+                </a:fillRef>
+                <a:effectRef idx="0">
+                  <a:schemeClr val="dk1"/>
+                </a:effectRef>
+                <a:fontRef idx="minor">
+                  <a:schemeClr val="tx1"/>
+                </a:fontRef>
+              </p:style>
+            </p:cxnSp>
+            <p:cxnSp>
+              <p:nvCxnSpPr>
+                <p:cNvPr id="52" name="Conector reto 51"/>
+                <p:cNvCxnSpPr/>
+                <p:nvPr/>
+              </p:nvCxnSpPr>
+              <p:spPr>
+                <a:xfrm>
+                  <a:off x="5820312" y="2386523"/>
+                  <a:ext cx="581025" cy="0"/>
+                </a:xfrm>
+                <a:prstGeom prst="line">
+                  <a:avLst/>
+                </a:prstGeom>
+                <a:ln w="3175">
+                  <a:prstDash val="dash"/>
+                </a:ln>
+              </p:spPr>
+              <p:style>
+                <a:lnRef idx="1">
+                  <a:schemeClr val="dk1"/>
+                </a:lnRef>
+                <a:fillRef idx="0">
+                  <a:schemeClr val="dk1"/>
+                </a:fillRef>
+                <a:effectRef idx="0">
+                  <a:schemeClr val="dk1"/>
+                </a:effectRef>
+                <a:fontRef idx="minor">
+                  <a:schemeClr val="tx1"/>
+                </a:fontRef>
+              </p:style>
+            </p:cxnSp>
+          </p:grpSp>
+          <p:grpSp>
+            <p:nvGrpSpPr>
+              <p:cNvPr id="38" name="Agrupar 37"/>
+              <p:cNvGrpSpPr/>
+              <p:nvPr/>
+            </p:nvGrpSpPr>
+            <p:grpSpPr>
+              <a:xfrm>
+                <a:off x="5665805" y="2321942"/>
+                <a:ext cx="297958" cy="437249"/>
+                <a:chOff x="5820966" y="2417409"/>
+                <a:chExt cx="342900" cy="514124"/>
+              </a:xfrm>
+            </p:grpSpPr>
+            <p:sp>
+              <p:nvSpPr>
+                <p:cNvPr id="39" name="Cilindro 38"/>
+                <p:cNvSpPr/>
+                <p:nvPr/>
+              </p:nvSpPr>
+              <p:spPr>
+                <a:xfrm>
+                  <a:off x="5820966" y="2781855"/>
+                  <a:ext cx="342900" cy="149678"/>
+                </a:xfrm>
+                <a:prstGeom prst="can">
+                  <a:avLst>
+                    <a:gd name="adj" fmla="val 50000"/>
+                  </a:avLst>
+                </a:prstGeom>
+              </p:spPr>
+              <p:style>
+                <a:lnRef idx="2">
+                  <a:schemeClr val="accent1">
+                    <a:shade val="50000"/>
+                  </a:schemeClr>
+                </a:lnRef>
+                <a:fillRef idx="1">
+                  <a:schemeClr val="accent1"/>
+                </a:fillRef>
+                <a:effectRef idx="0">
+                  <a:schemeClr val="accent1"/>
+                </a:effectRef>
+                <a:fontRef idx="minor">
+                  <a:schemeClr val="lt1"/>
+                </a:fontRef>
+              </p:style>
+              <p:txBody>
+                <a:bodyPr rtlCol="0" anchor="ctr"/>
+                <a:lstStyle/>
+                <a:p>
+                  <a:pPr algn="ctr"/>
+                  <a:endParaRPr lang="pt-BR">
+                    <a:latin typeface="Arial" panose="020B0604020202020204" pitchFamily="34" charset="0"/>
+                    <a:cs typeface="Arial" panose="020B0604020202020204" pitchFamily="34" charset="0"/>
+                  </a:endParaRPr>
+                </a:p>
+              </p:txBody>
+            </p:sp>
+            <p:sp>
+              <p:nvSpPr>
+                <p:cNvPr id="40" name="Cilindro 39"/>
+                <p:cNvSpPr/>
+                <p:nvPr/>
+              </p:nvSpPr>
+              <p:spPr>
+                <a:xfrm>
+                  <a:off x="5820966" y="2707016"/>
+                  <a:ext cx="342900" cy="149678"/>
+                </a:xfrm>
+                <a:prstGeom prst="can">
+                  <a:avLst>
+                    <a:gd name="adj" fmla="val 50000"/>
+                  </a:avLst>
+                </a:prstGeom>
+              </p:spPr>
+              <p:style>
+                <a:lnRef idx="2">
+                  <a:schemeClr val="accent1">
+                    <a:shade val="50000"/>
+                  </a:schemeClr>
+                </a:lnRef>
+                <a:fillRef idx="1">
+                  <a:schemeClr val="accent1"/>
+                </a:fillRef>
+                <a:effectRef idx="0">
+                  <a:schemeClr val="accent1"/>
+                </a:effectRef>
+                <a:fontRef idx="minor">
+                  <a:schemeClr val="lt1"/>
+                </a:fontRef>
+              </p:style>
+              <p:txBody>
+                <a:bodyPr rtlCol="0" anchor="ctr"/>
+                <a:lstStyle/>
+                <a:p>
+                  <a:pPr algn="ctr"/>
+                  <a:endParaRPr lang="pt-BR">
+                    <a:latin typeface="Arial" panose="020B0604020202020204" pitchFamily="34" charset="0"/>
+                    <a:cs typeface="Arial" panose="020B0604020202020204" pitchFamily="34" charset="0"/>
+                  </a:endParaRPr>
+                </a:p>
+              </p:txBody>
+            </p:sp>
+            <p:sp>
+              <p:nvSpPr>
+                <p:cNvPr id="41" name="Cilindro 40"/>
+                <p:cNvSpPr/>
+                <p:nvPr/>
+              </p:nvSpPr>
+              <p:spPr>
+                <a:xfrm>
+                  <a:off x="5820966" y="2632177"/>
+                  <a:ext cx="342900" cy="149678"/>
+                </a:xfrm>
+                <a:prstGeom prst="can">
+                  <a:avLst>
+                    <a:gd name="adj" fmla="val 50000"/>
+                  </a:avLst>
+                </a:prstGeom>
+              </p:spPr>
+              <p:style>
+                <a:lnRef idx="2">
+                  <a:schemeClr val="accent1">
+                    <a:shade val="50000"/>
+                  </a:schemeClr>
+                </a:lnRef>
+                <a:fillRef idx="1">
+                  <a:schemeClr val="accent1"/>
+                </a:fillRef>
+                <a:effectRef idx="0">
+                  <a:schemeClr val="accent1"/>
+                </a:effectRef>
+                <a:fontRef idx="minor">
+                  <a:schemeClr val="lt1"/>
+                </a:fontRef>
+              </p:style>
+              <p:txBody>
+                <a:bodyPr rtlCol="0" anchor="ctr"/>
+                <a:lstStyle/>
+                <a:p>
+                  <a:pPr algn="ctr"/>
+                  <a:endParaRPr lang="pt-BR">
+                    <a:latin typeface="Arial" panose="020B0604020202020204" pitchFamily="34" charset="0"/>
+                    <a:cs typeface="Arial" panose="020B0604020202020204" pitchFamily="34" charset="0"/>
+                  </a:endParaRPr>
+                </a:p>
+              </p:txBody>
+            </p:sp>
+            <p:sp>
+              <p:nvSpPr>
+                <p:cNvPr id="42" name="Cilindro 41"/>
+                <p:cNvSpPr/>
+                <p:nvPr/>
+              </p:nvSpPr>
+              <p:spPr>
+                <a:xfrm>
+                  <a:off x="5820966" y="2565051"/>
+                  <a:ext cx="342900" cy="149678"/>
+                </a:xfrm>
+                <a:prstGeom prst="can">
+                  <a:avLst>
+                    <a:gd name="adj" fmla="val 50000"/>
+                  </a:avLst>
+                </a:prstGeom>
+              </p:spPr>
+              <p:style>
+                <a:lnRef idx="2">
+                  <a:schemeClr val="accent1">
+                    <a:shade val="50000"/>
+                  </a:schemeClr>
+                </a:lnRef>
+                <a:fillRef idx="1">
+                  <a:schemeClr val="accent1"/>
+                </a:fillRef>
+                <a:effectRef idx="0">
+                  <a:schemeClr val="accent1"/>
+                </a:effectRef>
+                <a:fontRef idx="minor">
+                  <a:schemeClr val="lt1"/>
+                </a:fontRef>
+              </p:style>
+              <p:txBody>
+                <a:bodyPr rtlCol="0" anchor="ctr"/>
+                <a:lstStyle/>
+                <a:p>
+                  <a:pPr algn="ctr"/>
+                  <a:endParaRPr lang="pt-BR">
+                    <a:latin typeface="Arial" panose="020B0604020202020204" pitchFamily="34" charset="0"/>
+                    <a:cs typeface="Arial" panose="020B0604020202020204" pitchFamily="34" charset="0"/>
+                  </a:endParaRPr>
+                </a:p>
+              </p:txBody>
+            </p:sp>
+            <p:sp>
+              <p:nvSpPr>
+                <p:cNvPr id="43" name="Cilindro 42"/>
+                <p:cNvSpPr/>
+                <p:nvPr/>
+              </p:nvSpPr>
+              <p:spPr>
+                <a:xfrm>
+                  <a:off x="5820966" y="2490212"/>
+                  <a:ext cx="342900" cy="149678"/>
+                </a:xfrm>
+                <a:prstGeom prst="can">
+                  <a:avLst>
+                    <a:gd name="adj" fmla="val 50000"/>
+                  </a:avLst>
+                </a:prstGeom>
+              </p:spPr>
+              <p:style>
+                <a:lnRef idx="2">
+                  <a:schemeClr val="accent1">
+                    <a:shade val="50000"/>
+                  </a:schemeClr>
+                </a:lnRef>
+                <a:fillRef idx="1">
+                  <a:schemeClr val="accent1"/>
+                </a:fillRef>
+                <a:effectRef idx="0">
+                  <a:schemeClr val="accent1"/>
+                </a:effectRef>
+                <a:fontRef idx="minor">
+                  <a:schemeClr val="lt1"/>
+                </a:fontRef>
+              </p:style>
+              <p:txBody>
+                <a:bodyPr rtlCol="0" anchor="ctr"/>
+                <a:lstStyle/>
+                <a:p>
+                  <a:pPr algn="ctr"/>
+                  <a:endParaRPr lang="pt-BR">
+                    <a:latin typeface="Arial" panose="020B0604020202020204" pitchFamily="34" charset="0"/>
+                    <a:cs typeface="Arial" panose="020B0604020202020204" pitchFamily="34" charset="0"/>
+                  </a:endParaRPr>
+                </a:p>
+              </p:txBody>
+            </p:sp>
+            <p:sp>
+              <p:nvSpPr>
+                <p:cNvPr id="44" name="Cilindro 43"/>
+                <p:cNvSpPr/>
+                <p:nvPr/>
+              </p:nvSpPr>
+              <p:spPr>
+                <a:xfrm>
+                  <a:off x="5820966" y="2417409"/>
+                  <a:ext cx="342900" cy="149678"/>
+                </a:xfrm>
+                <a:prstGeom prst="can">
+                  <a:avLst>
+                    <a:gd name="adj" fmla="val 50000"/>
+                  </a:avLst>
+                </a:prstGeom>
+              </p:spPr>
+              <p:style>
+                <a:lnRef idx="2">
+                  <a:schemeClr val="accent1">
+                    <a:shade val="50000"/>
+                  </a:schemeClr>
+                </a:lnRef>
+                <a:fillRef idx="1">
+                  <a:schemeClr val="accent1"/>
+                </a:fillRef>
+                <a:effectRef idx="0">
+                  <a:schemeClr val="accent1"/>
+                </a:effectRef>
+                <a:fontRef idx="minor">
+                  <a:schemeClr val="lt1"/>
+                </a:fontRef>
+              </p:style>
+              <p:txBody>
+                <a:bodyPr rtlCol="0" anchor="ctr"/>
+                <a:lstStyle/>
+                <a:p>
+                  <a:pPr algn="ctr"/>
+                  <a:endParaRPr lang="pt-BR">
+                    <a:latin typeface="Arial" panose="020B0604020202020204" pitchFamily="34" charset="0"/>
+                    <a:cs typeface="Arial" panose="020B0604020202020204" pitchFamily="34" charset="0"/>
+                  </a:endParaRPr>
+                </a:p>
+              </p:txBody>
+            </p:sp>
+          </p:grpSp>
+        </p:grpSp>
+      </p:grpSp>
+    </p:spTree>
+    <p:extLst>
+      <p:ext uri="{BB962C8B-B14F-4D97-AF65-F5344CB8AC3E}">
+        <p14:creationId xmlns:p14="http://schemas.microsoft.com/office/powerpoint/2010/main" val="1420964291"/>
       </p:ext>
     </p:extLst>
   </p:cSld>

--- a/TCC/versões/imagens/imagens.pptx
+++ b/TCC/versões/imagens/imagens.pptx
@@ -5,13 +5,15 @@
     <p:sldMasterId id="2147483660" r:id="rId1"/>
   </p:sldMasterIdLst>
   <p:notesMasterIdLst>
-    <p:notesMasterId r:id="rId6"/>
+    <p:notesMasterId r:id="rId8"/>
   </p:notesMasterIdLst>
   <p:sldIdLst>
     <p:sldId id="256" r:id="rId2"/>
     <p:sldId id="257" r:id="rId3"/>
     <p:sldId id="258" r:id="rId4"/>
-    <p:sldId id="259" r:id="rId5"/>
+    <p:sldId id="260" r:id="rId5"/>
+    <p:sldId id="261" r:id="rId6"/>
+    <p:sldId id="259" r:id="rId7"/>
   </p:sldIdLst>
   <p:sldSz cx="12192000" cy="6858000"/>
   <p:notesSz cx="6858000" cy="9144000"/>
@@ -211,7 +213,7 @@
           <a:p>
             <a:fld id="{55688CA0-5F4B-48A2-9AC3-C8861425B993}" type="datetimeFigureOut">
               <a:rPr lang="pt-BR" smtClean="0"/>
-              <a:t>04/11/2019</a:t>
+              <a:t>09/11/2019</a:t>
             </a:fld>
             <a:endParaRPr lang="pt-BR"/>
           </a:p>
@@ -563,6 +565,90 @@
 </p:notes>
 </file>
 
+<file path=ppt/notesSlides/notesSlide2.xml><?xml version="1.0" encoding="utf-8"?>
+<p:notes xmlns:a="http://schemas.openxmlformats.org/drawingml/2006/main" xmlns:r="http://schemas.openxmlformats.org/officeDocument/2006/relationships" xmlns:p="http://schemas.openxmlformats.org/presentationml/2006/main">
+  <p:cSld>
+    <p:spTree>
+      <p:nvGrpSpPr>
+        <p:cNvPr id="1" name=""/>
+        <p:cNvGrpSpPr/>
+        <p:nvPr/>
+      </p:nvGrpSpPr>
+      <p:grpSpPr>
+        <a:xfrm>
+          <a:off x="0" y="0"/>
+          <a:ext cx="0" cy="0"/>
+          <a:chOff x="0" y="0"/>
+          <a:chExt cx="0" cy="0"/>
+        </a:xfrm>
+      </p:grpSpPr>
+      <p:sp>
+        <p:nvSpPr>
+          <p:cNvPr id="2" name="Espaço Reservado para Imagem de Slide 1"/>
+          <p:cNvSpPr>
+            <a:spLocks noGrp="1" noRot="1" noChangeAspect="1"/>
+          </p:cNvSpPr>
+          <p:nvPr>
+            <p:ph type="sldImg"/>
+          </p:nvPr>
+        </p:nvSpPr>
+        <p:spPr/>
+      </p:sp>
+      <p:sp>
+        <p:nvSpPr>
+          <p:cNvPr id="3" name="Espaço Reservado para Anotações 2"/>
+          <p:cNvSpPr>
+            <a:spLocks noGrp="1"/>
+          </p:cNvSpPr>
+          <p:nvPr>
+            <p:ph type="body" idx="1"/>
+          </p:nvPr>
+        </p:nvSpPr>
+        <p:spPr/>
+        <p:txBody>
+          <a:bodyPr/>
+          <a:lstStyle/>
+          <a:p>
+            <a:endParaRPr lang="pt-BR" dirty="0"/>
+          </a:p>
+        </p:txBody>
+      </p:sp>
+      <p:sp>
+        <p:nvSpPr>
+          <p:cNvPr id="4" name="Espaço Reservado para Número de Slide 3"/>
+          <p:cNvSpPr>
+            <a:spLocks noGrp="1"/>
+          </p:cNvSpPr>
+          <p:nvPr>
+            <p:ph type="sldNum" sz="quarter" idx="10"/>
+          </p:nvPr>
+        </p:nvSpPr>
+        <p:spPr/>
+        <p:txBody>
+          <a:bodyPr/>
+          <a:lstStyle/>
+          <a:p>
+            <a:fld id="{52F7F9D3-C4C1-4EAA-9C20-82D525FD906E}" type="slidenum">
+              <a:rPr lang="pt-BR" smtClean="0"/>
+              <a:t>3</a:t>
+            </a:fld>
+            <a:endParaRPr lang="pt-BR"/>
+          </a:p>
+        </p:txBody>
+      </p:sp>
+    </p:spTree>
+    <p:extLst>
+      <p:ext uri="{BB962C8B-B14F-4D97-AF65-F5344CB8AC3E}">
+        <p14:creationId xmlns:p14="http://schemas.microsoft.com/office/powerpoint/2010/main" val="919096686"/>
+      </p:ext>
+    </p:extLst>
+  </p:cSld>
+  <p:clrMapOvr>
+    <a:masterClrMapping/>
+  </p:clrMapOvr>
+</p:notes>
+</file>
+
 <file path=ppt/slideLayouts/slideLayout1.xml><?xml version="1.0" encoding="utf-8"?>
 <p:sldLayout xmlns:a="http://schemas.openxmlformats.org/drawingml/2006/main" xmlns:r="http://schemas.openxmlformats.org/officeDocument/2006/relationships" xmlns:p="http://schemas.openxmlformats.org/presentationml/2006/main" type="title" preserve="1">
   <p:cSld name="Slide de Título">
@@ -694,7 +780,7 @@
           <a:p>
             <a:fld id="{1EC0D891-8AD6-48DD-B95C-ECA6CD1B7C86}" type="datetimeFigureOut">
               <a:rPr lang="pt-BR" smtClean="0"/>
-              <a:t>04/11/2019</a:t>
+              <a:t>09/11/2019</a:t>
             </a:fld>
             <a:endParaRPr lang="pt-BR"/>
           </a:p>
@@ -864,7 +950,7 @@
           <a:p>
             <a:fld id="{1EC0D891-8AD6-48DD-B95C-ECA6CD1B7C86}" type="datetimeFigureOut">
               <a:rPr lang="pt-BR" smtClean="0"/>
-              <a:t>04/11/2019</a:t>
+              <a:t>09/11/2019</a:t>
             </a:fld>
             <a:endParaRPr lang="pt-BR"/>
           </a:p>
@@ -1044,7 +1130,7 @@
           <a:p>
             <a:fld id="{1EC0D891-8AD6-48DD-B95C-ECA6CD1B7C86}" type="datetimeFigureOut">
               <a:rPr lang="pt-BR" smtClean="0"/>
-              <a:t>04/11/2019</a:t>
+              <a:t>09/11/2019</a:t>
             </a:fld>
             <a:endParaRPr lang="pt-BR"/>
           </a:p>
@@ -1214,7 +1300,7 @@
           <a:p>
             <a:fld id="{1EC0D891-8AD6-48DD-B95C-ECA6CD1B7C86}" type="datetimeFigureOut">
               <a:rPr lang="pt-BR" smtClean="0"/>
-              <a:t>04/11/2019</a:t>
+              <a:t>09/11/2019</a:t>
             </a:fld>
             <a:endParaRPr lang="pt-BR"/>
           </a:p>
@@ -1460,7 +1546,7 @@
           <a:p>
             <a:fld id="{1EC0D891-8AD6-48DD-B95C-ECA6CD1B7C86}" type="datetimeFigureOut">
               <a:rPr lang="pt-BR" smtClean="0"/>
-              <a:t>04/11/2019</a:t>
+              <a:t>09/11/2019</a:t>
             </a:fld>
             <a:endParaRPr lang="pt-BR"/>
           </a:p>
@@ -1692,7 +1778,7 @@
           <a:p>
             <a:fld id="{1EC0D891-8AD6-48DD-B95C-ECA6CD1B7C86}" type="datetimeFigureOut">
               <a:rPr lang="pt-BR" smtClean="0"/>
-              <a:t>04/11/2019</a:t>
+              <a:t>09/11/2019</a:t>
             </a:fld>
             <a:endParaRPr lang="pt-BR"/>
           </a:p>
@@ -2059,7 +2145,7 @@
           <a:p>
             <a:fld id="{1EC0D891-8AD6-48DD-B95C-ECA6CD1B7C86}" type="datetimeFigureOut">
               <a:rPr lang="pt-BR" smtClean="0"/>
-              <a:t>04/11/2019</a:t>
+              <a:t>09/11/2019</a:t>
             </a:fld>
             <a:endParaRPr lang="pt-BR"/>
           </a:p>
@@ -2177,7 +2263,7 @@
           <a:p>
             <a:fld id="{1EC0D891-8AD6-48DD-B95C-ECA6CD1B7C86}" type="datetimeFigureOut">
               <a:rPr lang="pt-BR" smtClean="0"/>
-              <a:t>04/11/2019</a:t>
+              <a:t>09/11/2019</a:t>
             </a:fld>
             <a:endParaRPr lang="pt-BR"/>
           </a:p>
@@ -2272,7 +2358,7 @@
           <a:p>
             <a:fld id="{1EC0D891-8AD6-48DD-B95C-ECA6CD1B7C86}" type="datetimeFigureOut">
               <a:rPr lang="pt-BR" smtClean="0"/>
-              <a:t>04/11/2019</a:t>
+              <a:t>09/11/2019</a:t>
             </a:fld>
             <a:endParaRPr lang="pt-BR"/>
           </a:p>
@@ -2549,7 +2635,7 @@
           <a:p>
             <a:fld id="{1EC0D891-8AD6-48DD-B95C-ECA6CD1B7C86}" type="datetimeFigureOut">
               <a:rPr lang="pt-BR" smtClean="0"/>
-              <a:t>04/11/2019</a:t>
+              <a:t>09/11/2019</a:t>
             </a:fld>
             <a:endParaRPr lang="pt-BR"/>
           </a:p>
@@ -2806,7 +2892,7 @@
           <a:p>
             <a:fld id="{1EC0D891-8AD6-48DD-B95C-ECA6CD1B7C86}" type="datetimeFigureOut">
               <a:rPr lang="pt-BR" smtClean="0"/>
-              <a:t>04/11/2019</a:t>
+              <a:t>09/11/2019</a:t>
             </a:fld>
             <a:endParaRPr lang="pt-BR"/>
           </a:p>
@@ -3019,7 +3105,7 @@
           <a:p>
             <a:fld id="{1EC0D891-8AD6-48DD-B95C-ECA6CD1B7C86}" type="datetimeFigureOut">
               <a:rPr lang="pt-BR" smtClean="0"/>
-              <a:t>04/11/2019</a:t>
+              <a:t>09/11/2019</a:t>
             </a:fld>
             <a:endParaRPr lang="pt-BR"/>
           </a:p>
@@ -3736,14 +3822,10 @@
               </a:avLst>
             </a:prstGeom>
             <a:solidFill>
-              <a:schemeClr val="accent2"/>
+              <a:srgbClr val="0E4D3C"/>
             </a:solidFill>
             <a:ln>
-              <a:solidFill>
-                <a:schemeClr val="accent2">
-                  <a:lumMod val="50000"/>
-                </a:schemeClr>
-              </a:solidFill>
+              <a:noFill/>
             </a:ln>
           </p:spPr>
           <p:style>
@@ -3789,14 +3871,10 @@
               </a:avLst>
             </a:prstGeom>
             <a:solidFill>
-              <a:schemeClr val="accent2"/>
+              <a:srgbClr val="0E4D3C"/>
             </a:solidFill>
             <a:ln>
-              <a:solidFill>
-                <a:schemeClr val="accent2">
-                  <a:lumMod val="50000"/>
-                </a:schemeClr>
-              </a:solidFill>
+              <a:noFill/>
             </a:ln>
           </p:spPr>
           <p:style>
@@ -3842,14 +3920,10 @@
               </a:avLst>
             </a:prstGeom>
             <a:solidFill>
-              <a:schemeClr val="accent2"/>
+              <a:srgbClr val="0E4D3C"/>
             </a:solidFill>
             <a:ln>
-              <a:solidFill>
-                <a:schemeClr val="accent2">
-                  <a:lumMod val="50000"/>
-                </a:schemeClr>
-              </a:solidFill>
+              <a:noFill/>
             </a:ln>
           </p:spPr>
           <p:style>
@@ -3895,14 +3969,10 @@
               </a:avLst>
             </a:prstGeom>
             <a:solidFill>
-              <a:schemeClr val="accent2"/>
+              <a:srgbClr val="0E4D3C"/>
             </a:solidFill>
             <a:ln>
-              <a:solidFill>
-                <a:schemeClr val="accent2">
-                  <a:lumMod val="50000"/>
-                </a:schemeClr>
-              </a:solidFill>
+              <a:noFill/>
             </a:ln>
           </p:spPr>
           <p:style>
@@ -3961,81 +4031,2524 @@
           <a:chExt cx="0" cy="0"/>
         </a:xfrm>
       </p:grpSpPr>
-      <p:sp>
-        <p:nvSpPr>
-          <p:cNvPr id="90" name="Cilindro 89"/>
-          <p:cNvSpPr/>
-          <p:nvPr/>
-        </p:nvSpPr>
-        <p:spPr>
-          <a:xfrm>
-            <a:off x="4433887" y="3429000"/>
-            <a:ext cx="3324225" cy="1618801"/>
-          </a:xfrm>
-          <a:prstGeom prst="can">
-            <a:avLst>
-              <a:gd name="adj" fmla="val 50000"/>
-            </a:avLst>
-          </a:prstGeom>
-          <a:ln w="57150"/>
-        </p:spPr>
-        <p:style>
-          <a:lnRef idx="2">
-            <a:schemeClr val="accent4">
-              <a:shade val="50000"/>
-            </a:schemeClr>
-          </a:lnRef>
-          <a:fillRef idx="1">
-            <a:schemeClr val="accent4"/>
-          </a:fillRef>
-          <a:effectRef idx="0">
-            <a:schemeClr val="accent4"/>
-          </a:effectRef>
-          <a:fontRef idx="minor">
-            <a:schemeClr val="lt1"/>
-          </a:fontRef>
-        </p:style>
-        <p:txBody>
-          <a:bodyPr rtlCol="0" anchor="ctr"/>
-          <a:lstStyle/>
-          <a:p>
-            <a:pPr algn="ctr"/>
-            <a:endParaRPr lang="pt-BR"/>
-          </a:p>
-        </p:txBody>
-      </p:sp>
       <p:grpSp>
         <p:nvGrpSpPr>
-          <p:cNvPr id="99" name="Agrupar 98"/>
+          <p:cNvPr id="3" name="Agrupar 2"/>
           <p:cNvGrpSpPr/>
           <p:nvPr/>
         </p:nvGrpSpPr>
         <p:grpSpPr>
           <a:xfrm>
-            <a:off x="1595252" y="2375817"/>
-            <a:ext cx="1260000" cy="1835077"/>
-            <a:chOff x="2331379" y="2184473"/>
-            <a:chExt cx="1260000" cy="1835077"/>
+            <a:off x="999786" y="431962"/>
+            <a:ext cx="10192424" cy="5369812"/>
+            <a:chOff x="999786" y="431962"/>
+            <a:chExt cx="10192424" cy="5369812"/>
           </a:xfrm>
         </p:grpSpPr>
         <p:sp>
           <p:nvSpPr>
-            <p:cNvPr id="91" name="Corda 90"/>
+            <p:cNvPr id="90" name="Cilindro 89"/>
             <p:cNvSpPr/>
             <p:nvPr/>
           </p:nvSpPr>
           <p:spPr>
-            <a:xfrm rot="10800000" flipV="1">
-              <a:off x="2331379" y="2759550"/>
-              <a:ext cx="1260000" cy="1260000"/>
+            <a:xfrm>
+              <a:off x="4433887" y="3429000"/>
+              <a:ext cx="3324225" cy="1645920"/>
             </a:xfrm>
-            <a:prstGeom prst="chord">
+            <a:prstGeom prst="can">
               <a:avLst>
-                <a:gd name="adj1" fmla="val 10330544"/>
-                <a:gd name="adj2" fmla="val 472351"/>
+                <a:gd name="adj" fmla="val 50000"/>
               </a:avLst>
             </a:prstGeom>
-            <a:ln w="57150"/>
+            <a:solidFill>
+              <a:schemeClr val="accent6"/>
+            </a:solidFill>
+            <a:ln w="57150">
+              <a:solidFill>
+                <a:srgbClr val="BD8835"/>
+              </a:solidFill>
+            </a:ln>
+          </p:spPr>
+          <p:style>
+            <a:lnRef idx="2">
+              <a:schemeClr val="accent4">
+                <a:shade val="50000"/>
+              </a:schemeClr>
+            </a:lnRef>
+            <a:fillRef idx="1">
+              <a:schemeClr val="accent4"/>
+            </a:fillRef>
+            <a:effectRef idx="0">
+              <a:schemeClr val="accent4"/>
+            </a:effectRef>
+            <a:fontRef idx="minor">
+              <a:schemeClr val="lt1"/>
+            </a:fontRef>
+          </p:style>
+          <p:txBody>
+            <a:bodyPr rtlCol="0" anchor="ctr"/>
+            <a:lstStyle/>
+            <a:p>
+              <a:pPr algn="ctr"/>
+              <a:endParaRPr lang="pt-BR">
+                <a:latin typeface="Arial" panose="020B0604020202020204" pitchFamily="34" charset="0"/>
+                <a:cs typeface="Arial" panose="020B0604020202020204" pitchFamily="34" charset="0"/>
+              </a:endParaRPr>
+            </a:p>
+          </p:txBody>
+        </p:sp>
+        <p:grpSp>
+          <p:nvGrpSpPr>
+            <p:cNvPr id="99" name="Agrupar 98"/>
+            <p:cNvGrpSpPr/>
+            <p:nvPr/>
+          </p:nvGrpSpPr>
+          <p:grpSpPr>
+            <a:xfrm>
+              <a:off x="1595252" y="2375817"/>
+              <a:ext cx="1260000" cy="1835077"/>
+              <a:chOff x="2331379" y="2184473"/>
+              <a:chExt cx="1260000" cy="1835077"/>
+            </a:xfrm>
+          </p:grpSpPr>
+          <p:sp>
+            <p:nvSpPr>
+              <p:cNvPr id="91" name="Corda 90"/>
+              <p:cNvSpPr/>
+              <p:nvPr/>
+            </p:nvSpPr>
+            <p:spPr>
+              <a:xfrm rot="10800000" flipV="1">
+                <a:off x="2331379" y="2759550"/>
+                <a:ext cx="1260000" cy="1260000"/>
+              </a:xfrm>
+              <a:prstGeom prst="chord">
+                <a:avLst>
+                  <a:gd name="adj1" fmla="val 10330544"/>
+                  <a:gd name="adj2" fmla="val 472351"/>
+                </a:avLst>
+              </a:prstGeom>
+              <a:ln w="57150"/>
+            </p:spPr>
+            <p:style>
+              <a:lnRef idx="2">
+                <a:schemeClr val="accent1">
+                  <a:shade val="50000"/>
+                </a:schemeClr>
+              </a:lnRef>
+              <a:fillRef idx="1">
+                <a:schemeClr val="accent1"/>
+              </a:fillRef>
+              <a:effectRef idx="0">
+                <a:schemeClr val="accent1"/>
+              </a:effectRef>
+              <a:fontRef idx="minor">
+                <a:schemeClr val="lt1"/>
+              </a:fontRef>
+            </p:style>
+            <p:txBody>
+              <a:bodyPr rtlCol="0" anchor="ctr"/>
+              <a:lstStyle/>
+              <a:p>
+                <a:pPr algn="ctr"/>
+                <a:endParaRPr lang="pt-BR">
+                  <a:latin typeface="Arial" panose="020B0604020202020204" pitchFamily="34" charset="0"/>
+                  <a:cs typeface="Arial" panose="020B0604020202020204" pitchFamily="34" charset="0"/>
+                </a:endParaRPr>
+              </a:p>
+            </p:txBody>
+          </p:sp>
+          <p:sp>
+            <p:nvSpPr>
+              <p:cNvPr id="92" name="Elipse 91"/>
+              <p:cNvSpPr/>
+              <p:nvPr/>
+            </p:nvSpPr>
+            <p:spPr>
+              <a:xfrm>
+                <a:off x="2601378" y="2184473"/>
+                <a:ext cx="720000" cy="720000"/>
+              </a:xfrm>
+              <a:prstGeom prst="ellipse">
+                <a:avLst/>
+              </a:prstGeom>
+              <a:ln w="57150"/>
+            </p:spPr>
+            <p:style>
+              <a:lnRef idx="2">
+                <a:schemeClr val="accent1">
+                  <a:shade val="50000"/>
+                </a:schemeClr>
+              </a:lnRef>
+              <a:fillRef idx="1">
+                <a:schemeClr val="accent1"/>
+              </a:fillRef>
+              <a:effectRef idx="0">
+                <a:schemeClr val="accent1"/>
+              </a:effectRef>
+              <a:fontRef idx="minor">
+                <a:schemeClr val="lt1"/>
+              </a:fontRef>
+            </p:style>
+            <p:txBody>
+              <a:bodyPr rtlCol="0" anchor="ctr"/>
+              <a:lstStyle/>
+              <a:p>
+                <a:pPr algn="ctr"/>
+                <a:endParaRPr lang="pt-BR">
+                  <a:latin typeface="Arial" panose="020B0604020202020204" pitchFamily="34" charset="0"/>
+                  <a:cs typeface="Arial" panose="020B0604020202020204" pitchFamily="34" charset="0"/>
+                </a:endParaRPr>
+              </a:p>
+            </p:txBody>
+          </p:sp>
+        </p:grpSp>
+        <p:grpSp>
+          <p:nvGrpSpPr>
+            <p:cNvPr id="97" name="Agrupar 96"/>
+            <p:cNvGrpSpPr/>
+            <p:nvPr/>
+          </p:nvGrpSpPr>
+          <p:grpSpPr>
+            <a:xfrm>
+              <a:off x="5465999" y="1115817"/>
+              <a:ext cx="1260000" cy="1835077"/>
+              <a:chOff x="5176179" y="1018596"/>
+              <a:chExt cx="1260000" cy="1835077"/>
+            </a:xfrm>
+          </p:grpSpPr>
+          <p:sp>
+            <p:nvSpPr>
+              <p:cNvPr id="93" name="Corda 92"/>
+              <p:cNvSpPr/>
+              <p:nvPr/>
+            </p:nvSpPr>
+            <p:spPr>
+              <a:xfrm rot="10800000" flipV="1">
+                <a:off x="5176179" y="1593673"/>
+                <a:ext cx="1260000" cy="1260000"/>
+              </a:xfrm>
+              <a:prstGeom prst="chord">
+                <a:avLst>
+                  <a:gd name="adj1" fmla="val 10330544"/>
+                  <a:gd name="adj2" fmla="val 472351"/>
+                </a:avLst>
+              </a:prstGeom>
+              <a:ln w="57150"/>
+            </p:spPr>
+            <p:style>
+              <a:lnRef idx="2">
+                <a:schemeClr val="accent5">
+                  <a:shade val="50000"/>
+                </a:schemeClr>
+              </a:lnRef>
+              <a:fillRef idx="1">
+                <a:schemeClr val="accent5"/>
+              </a:fillRef>
+              <a:effectRef idx="0">
+                <a:schemeClr val="accent5"/>
+              </a:effectRef>
+              <a:fontRef idx="minor">
+                <a:schemeClr val="lt1"/>
+              </a:fontRef>
+            </p:style>
+            <p:txBody>
+              <a:bodyPr rtlCol="0" anchor="ctr"/>
+              <a:lstStyle/>
+              <a:p>
+                <a:pPr algn="ctr"/>
+                <a:endParaRPr lang="pt-BR">
+                  <a:latin typeface="Arial" panose="020B0604020202020204" pitchFamily="34" charset="0"/>
+                  <a:cs typeface="Arial" panose="020B0604020202020204" pitchFamily="34" charset="0"/>
+                </a:endParaRPr>
+              </a:p>
+            </p:txBody>
+          </p:sp>
+          <p:sp>
+            <p:nvSpPr>
+              <p:cNvPr id="94" name="Elipse 93"/>
+              <p:cNvSpPr/>
+              <p:nvPr/>
+            </p:nvSpPr>
+            <p:spPr>
+              <a:xfrm>
+                <a:off x="5446178" y="1018596"/>
+                <a:ext cx="720000" cy="720000"/>
+              </a:xfrm>
+              <a:prstGeom prst="ellipse">
+                <a:avLst/>
+              </a:prstGeom>
+              <a:ln w="57150"/>
+            </p:spPr>
+            <p:style>
+              <a:lnRef idx="2">
+                <a:schemeClr val="accent5">
+                  <a:shade val="50000"/>
+                </a:schemeClr>
+              </a:lnRef>
+              <a:fillRef idx="1">
+                <a:schemeClr val="accent5"/>
+              </a:fillRef>
+              <a:effectRef idx="0">
+                <a:schemeClr val="accent5"/>
+              </a:effectRef>
+              <a:fontRef idx="minor">
+                <a:schemeClr val="lt1"/>
+              </a:fontRef>
+            </p:style>
+            <p:txBody>
+              <a:bodyPr rtlCol="0" anchor="ctr"/>
+              <a:lstStyle/>
+              <a:p>
+                <a:pPr algn="ctr"/>
+                <a:endParaRPr lang="pt-BR">
+                  <a:latin typeface="Arial" panose="020B0604020202020204" pitchFamily="34" charset="0"/>
+                  <a:cs typeface="Arial" panose="020B0604020202020204" pitchFamily="34" charset="0"/>
+                </a:endParaRPr>
+              </a:p>
+            </p:txBody>
+          </p:sp>
+        </p:grpSp>
+        <p:grpSp>
+          <p:nvGrpSpPr>
+            <p:cNvPr id="98" name="Agrupar 97"/>
+            <p:cNvGrpSpPr/>
+            <p:nvPr/>
+          </p:nvGrpSpPr>
+          <p:grpSpPr>
+            <a:xfrm>
+              <a:off x="9336746" y="2375817"/>
+              <a:ext cx="1260000" cy="1835077"/>
+              <a:chOff x="8357346" y="2278596"/>
+              <a:chExt cx="1260000" cy="1835077"/>
+            </a:xfrm>
+          </p:grpSpPr>
+          <p:sp>
+            <p:nvSpPr>
+              <p:cNvPr id="95" name="Corda 94"/>
+              <p:cNvSpPr/>
+              <p:nvPr/>
+            </p:nvSpPr>
+            <p:spPr>
+              <a:xfrm rot="10800000" flipV="1">
+                <a:off x="8357346" y="2853673"/>
+                <a:ext cx="1260000" cy="1260000"/>
+              </a:xfrm>
+              <a:prstGeom prst="chord">
+                <a:avLst>
+                  <a:gd name="adj1" fmla="val 10330544"/>
+                  <a:gd name="adj2" fmla="val 472351"/>
+                </a:avLst>
+              </a:prstGeom>
+              <a:ln w="57150"/>
+            </p:spPr>
+            <p:style>
+              <a:lnRef idx="2">
+                <a:schemeClr val="accent4">
+                  <a:shade val="50000"/>
+                </a:schemeClr>
+              </a:lnRef>
+              <a:fillRef idx="1">
+                <a:schemeClr val="accent4"/>
+              </a:fillRef>
+              <a:effectRef idx="0">
+                <a:schemeClr val="accent4"/>
+              </a:effectRef>
+              <a:fontRef idx="minor">
+                <a:schemeClr val="lt1"/>
+              </a:fontRef>
+            </p:style>
+            <p:txBody>
+              <a:bodyPr rtlCol="0" anchor="ctr"/>
+              <a:lstStyle/>
+              <a:p>
+                <a:pPr algn="ctr"/>
+                <a:endParaRPr lang="pt-BR">
+                  <a:latin typeface="Arial" panose="020B0604020202020204" pitchFamily="34" charset="0"/>
+                  <a:cs typeface="Arial" panose="020B0604020202020204" pitchFamily="34" charset="0"/>
+                </a:endParaRPr>
+              </a:p>
+            </p:txBody>
+          </p:sp>
+          <p:sp>
+            <p:nvSpPr>
+              <p:cNvPr id="96" name="Elipse 95"/>
+              <p:cNvSpPr/>
+              <p:nvPr/>
+            </p:nvSpPr>
+            <p:spPr>
+              <a:xfrm>
+                <a:off x="8627345" y="2278596"/>
+                <a:ext cx="720000" cy="720000"/>
+              </a:xfrm>
+              <a:prstGeom prst="ellipse">
+                <a:avLst/>
+              </a:prstGeom>
+              <a:ln w="57150"/>
+            </p:spPr>
+            <p:style>
+              <a:lnRef idx="2">
+                <a:schemeClr val="accent4">
+                  <a:shade val="50000"/>
+                </a:schemeClr>
+              </a:lnRef>
+              <a:fillRef idx="1">
+                <a:schemeClr val="accent4"/>
+              </a:fillRef>
+              <a:effectRef idx="0">
+                <a:schemeClr val="accent4"/>
+              </a:effectRef>
+              <a:fontRef idx="minor">
+                <a:schemeClr val="lt1"/>
+              </a:fontRef>
+            </p:style>
+            <p:txBody>
+              <a:bodyPr rtlCol="0" anchor="ctr"/>
+              <a:lstStyle/>
+              <a:p>
+                <a:pPr algn="ctr"/>
+                <a:endParaRPr lang="pt-BR">
+                  <a:latin typeface="Arial" panose="020B0604020202020204" pitchFamily="34" charset="0"/>
+                  <a:cs typeface="Arial" panose="020B0604020202020204" pitchFamily="34" charset="0"/>
+                </a:endParaRPr>
+              </a:p>
+            </p:txBody>
+          </p:sp>
+        </p:grpSp>
+        <p:cxnSp>
+          <p:nvCxnSpPr>
+            <p:cNvPr id="107" name="Conector de Seta Reta 106"/>
+            <p:cNvCxnSpPr/>
+            <p:nvPr/>
+          </p:nvCxnSpPr>
+          <p:spPr>
+            <a:xfrm>
+              <a:off x="6096000" y="2540000"/>
+              <a:ext cx="0" cy="760413"/>
+            </a:xfrm>
+            <a:prstGeom prst="straightConnector1">
+              <a:avLst/>
+            </a:prstGeom>
+            <a:ln w="76200">
+              <a:solidFill>
+                <a:srgbClr val="BD8835"/>
+              </a:solidFill>
+              <a:headEnd type="triangle"/>
+              <a:tailEnd type="triangle"/>
+            </a:ln>
+          </p:spPr>
+          <p:style>
+            <a:lnRef idx="1">
+              <a:schemeClr val="accent1"/>
+            </a:lnRef>
+            <a:fillRef idx="0">
+              <a:schemeClr val="accent1"/>
+            </a:fillRef>
+            <a:effectRef idx="0">
+              <a:schemeClr val="accent1"/>
+            </a:effectRef>
+            <a:fontRef idx="minor">
+              <a:schemeClr val="tx1"/>
+            </a:fontRef>
+          </p:style>
+        </p:cxnSp>
+        <p:sp>
+          <p:nvSpPr>
+            <p:cNvPr id="115" name="Retângulo 114"/>
+            <p:cNvSpPr/>
+            <p:nvPr/>
+          </p:nvSpPr>
+          <p:spPr>
+            <a:xfrm>
+              <a:off x="8741280" y="1690893"/>
+              <a:ext cx="2450930" cy="528744"/>
+            </a:xfrm>
+            <a:prstGeom prst="rect">
+              <a:avLst/>
+            </a:prstGeom>
+            <a:solidFill>
+              <a:schemeClr val="bg2">
+                <a:lumMod val="90000"/>
+              </a:schemeClr>
+            </a:solidFill>
+            <a:ln>
+              <a:noFill/>
+            </a:ln>
+          </p:spPr>
+          <p:style>
+            <a:lnRef idx="2">
+              <a:schemeClr val="accent1">
+                <a:shade val="50000"/>
+              </a:schemeClr>
+            </a:lnRef>
+            <a:fillRef idx="1">
+              <a:schemeClr val="accent1"/>
+            </a:fillRef>
+            <a:effectRef idx="0">
+              <a:schemeClr val="accent1"/>
+            </a:effectRef>
+            <a:fontRef idx="minor">
+              <a:schemeClr val="lt1"/>
+            </a:fontRef>
+          </p:style>
+          <p:txBody>
+            <a:bodyPr rtlCol="0" anchor="ctr"/>
+            <a:lstStyle/>
+            <a:p>
+              <a:pPr algn="ctr"/>
+              <a:r>
+                <a:rPr lang="pt-BR" sz="2400" dirty="0" smtClean="0">
+                  <a:solidFill>
+                    <a:schemeClr val="bg2">
+                      <a:lumMod val="10000"/>
+                    </a:schemeClr>
+                  </a:solidFill>
+                  <a:latin typeface="Arial" panose="020B0604020202020204" pitchFamily="34" charset="0"/>
+                  <a:cs typeface="Arial" panose="020B0604020202020204" pitchFamily="34" charset="0"/>
+                </a:rPr>
+                <a:t>Desenvolvedor</a:t>
+              </a:r>
+              <a:endParaRPr lang="pt-BR" sz="2400" dirty="0">
+                <a:solidFill>
+                  <a:schemeClr val="bg2">
+                    <a:lumMod val="10000"/>
+                  </a:schemeClr>
+                </a:solidFill>
+                <a:latin typeface="Arial" panose="020B0604020202020204" pitchFamily="34" charset="0"/>
+                <a:cs typeface="Arial" panose="020B0604020202020204" pitchFamily="34" charset="0"/>
+              </a:endParaRPr>
+            </a:p>
+          </p:txBody>
+        </p:sp>
+        <p:sp>
+          <p:nvSpPr>
+            <p:cNvPr id="118" name="Retângulo 117"/>
+            <p:cNvSpPr/>
+            <p:nvPr/>
+          </p:nvSpPr>
+          <p:spPr>
+            <a:xfrm>
+              <a:off x="4125912" y="5250039"/>
+              <a:ext cx="3940176" cy="551735"/>
+            </a:xfrm>
+            <a:prstGeom prst="rect">
+              <a:avLst/>
+            </a:prstGeom>
+            <a:solidFill>
+              <a:schemeClr val="bg2">
+                <a:lumMod val="90000"/>
+              </a:schemeClr>
+            </a:solidFill>
+            <a:ln>
+              <a:noFill/>
+            </a:ln>
+          </p:spPr>
+          <p:style>
+            <a:lnRef idx="2">
+              <a:schemeClr val="accent1">
+                <a:shade val="50000"/>
+              </a:schemeClr>
+            </a:lnRef>
+            <a:fillRef idx="1">
+              <a:schemeClr val="accent1"/>
+            </a:fillRef>
+            <a:effectRef idx="0">
+              <a:schemeClr val="accent1"/>
+            </a:effectRef>
+            <a:fontRef idx="minor">
+              <a:schemeClr val="lt1"/>
+            </a:fontRef>
+          </p:style>
+          <p:txBody>
+            <a:bodyPr rtlCol="0" anchor="ctr"/>
+            <a:lstStyle/>
+            <a:p>
+              <a:pPr algn="ctr"/>
+              <a:r>
+                <a:rPr lang="pt-BR" sz="2400" dirty="0" smtClean="0">
+                  <a:solidFill>
+                    <a:schemeClr val="bg2">
+                      <a:lumMod val="10000"/>
+                    </a:schemeClr>
+                  </a:solidFill>
+                  <a:latin typeface="Arial" panose="020B0604020202020204" pitchFamily="34" charset="0"/>
+                  <a:cs typeface="Arial" panose="020B0604020202020204" pitchFamily="34" charset="0"/>
+                </a:rPr>
+                <a:t>Repositório compartilhado</a:t>
+              </a:r>
+              <a:endParaRPr lang="pt-BR" sz="2400" dirty="0">
+                <a:solidFill>
+                  <a:schemeClr val="bg2">
+                    <a:lumMod val="10000"/>
+                  </a:schemeClr>
+                </a:solidFill>
+                <a:latin typeface="Arial" panose="020B0604020202020204" pitchFamily="34" charset="0"/>
+                <a:cs typeface="Arial" panose="020B0604020202020204" pitchFamily="34" charset="0"/>
+              </a:endParaRPr>
+            </a:p>
+          </p:txBody>
+        </p:sp>
+        <p:cxnSp>
+          <p:nvCxnSpPr>
+            <p:cNvPr id="122" name="Conector de Seta Reta 121"/>
+            <p:cNvCxnSpPr/>
+            <p:nvPr/>
+          </p:nvCxnSpPr>
+          <p:spPr>
+            <a:xfrm>
+              <a:off x="2985034" y="3429000"/>
+              <a:ext cx="1325709" cy="342462"/>
+            </a:xfrm>
+            <a:prstGeom prst="straightConnector1">
+              <a:avLst/>
+            </a:prstGeom>
+            <a:ln w="76200">
+              <a:solidFill>
+                <a:srgbClr val="BD8835"/>
+              </a:solidFill>
+              <a:headEnd type="triangle"/>
+              <a:tailEnd type="triangle"/>
+            </a:ln>
+          </p:spPr>
+          <p:style>
+            <a:lnRef idx="1">
+              <a:schemeClr val="accent1"/>
+            </a:lnRef>
+            <a:fillRef idx="0">
+              <a:schemeClr val="accent1"/>
+            </a:fillRef>
+            <a:effectRef idx="0">
+              <a:schemeClr val="accent1"/>
+            </a:effectRef>
+            <a:fontRef idx="minor">
+              <a:schemeClr val="tx1"/>
+            </a:fontRef>
+          </p:style>
+        </p:cxnSp>
+        <p:cxnSp>
+          <p:nvCxnSpPr>
+            <p:cNvPr id="125" name="Conector de Seta Reta 124"/>
+            <p:cNvCxnSpPr/>
+            <p:nvPr/>
+          </p:nvCxnSpPr>
+          <p:spPr>
+            <a:xfrm flipH="1">
+              <a:off x="7881255" y="3429000"/>
+              <a:ext cx="1312013" cy="342462"/>
+            </a:xfrm>
+            <a:prstGeom prst="straightConnector1">
+              <a:avLst/>
+            </a:prstGeom>
+            <a:ln w="76200">
+              <a:solidFill>
+                <a:srgbClr val="BD8835"/>
+              </a:solidFill>
+              <a:headEnd type="triangle"/>
+              <a:tailEnd type="triangle"/>
+            </a:ln>
+          </p:spPr>
+          <p:style>
+            <a:lnRef idx="1">
+              <a:schemeClr val="accent1"/>
+            </a:lnRef>
+            <a:fillRef idx="0">
+              <a:schemeClr val="accent1"/>
+            </a:fillRef>
+            <a:effectRef idx="0">
+              <a:schemeClr val="accent1"/>
+            </a:effectRef>
+            <a:fontRef idx="minor">
+              <a:schemeClr val="tx1"/>
+            </a:fontRef>
+          </p:style>
+        </p:cxnSp>
+        <p:sp>
+          <p:nvSpPr>
+            <p:cNvPr id="128" name="Retângulo 127"/>
+            <p:cNvSpPr/>
+            <p:nvPr/>
+          </p:nvSpPr>
+          <p:spPr>
+            <a:xfrm>
+              <a:off x="4880971" y="431962"/>
+              <a:ext cx="2450930" cy="528744"/>
+            </a:xfrm>
+            <a:prstGeom prst="rect">
+              <a:avLst/>
+            </a:prstGeom>
+            <a:solidFill>
+              <a:schemeClr val="bg2">
+                <a:lumMod val="90000"/>
+              </a:schemeClr>
+            </a:solidFill>
+            <a:ln>
+              <a:noFill/>
+            </a:ln>
+          </p:spPr>
+          <p:style>
+            <a:lnRef idx="2">
+              <a:schemeClr val="accent1">
+                <a:shade val="50000"/>
+              </a:schemeClr>
+            </a:lnRef>
+            <a:fillRef idx="1">
+              <a:schemeClr val="accent1"/>
+            </a:fillRef>
+            <a:effectRef idx="0">
+              <a:schemeClr val="accent1"/>
+            </a:effectRef>
+            <a:fontRef idx="minor">
+              <a:schemeClr val="lt1"/>
+            </a:fontRef>
+          </p:style>
+          <p:txBody>
+            <a:bodyPr rtlCol="0" anchor="ctr"/>
+            <a:lstStyle/>
+            <a:p>
+              <a:pPr algn="ctr"/>
+              <a:r>
+                <a:rPr lang="pt-BR" sz="2400" dirty="0" smtClean="0">
+                  <a:solidFill>
+                    <a:schemeClr val="bg2">
+                      <a:lumMod val="10000"/>
+                    </a:schemeClr>
+                  </a:solidFill>
+                  <a:latin typeface="Arial" panose="020B0604020202020204" pitchFamily="34" charset="0"/>
+                  <a:cs typeface="Arial" panose="020B0604020202020204" pitchFamily="34" charset="0"/>
+                </a:rPr>
+                <a:t>Desenvolvedor</a:t>
+              </a:r>
+              <a:endParaRPr lang="pt-BR" sz="2400" dirty="0">
+                <a:solidFill>
+                  <a:schemeClr val="bg2">
+                    <a:lumMod val="10000"/>
+                  </a:schemeClr>
+                </a:solidFill>
+                <a:latin typeface="Arial" panose="020B0604020202020204" pitchFamily="34" charset="0"/>
+                <a:cs typeface="Arial" panose="020B0604020202020204" pitchFamily="34" charset="0"/>
+              </a:endParaRPr>
+            </a:p>
+          </p:txBody>
+        </p:sp>
+        <p:sp>
+          <p:nvSpPr>
+            <p:cNvPr id="129" name="Retângulo 128"/>
+            <p:cNvSpPr/>
+            <p:nvPr/>
+          </p:nvSpPr>
+          <p:spPr>
+            <a:xfrm>
+              <a:off x="999786" y="1690893"/>
+              <a:ext cx="2450930" cy="528744"/>
+            </a:xfrm>
+            <a:prstGeom prst="rect">
+              <a:avLst/>
+            </a:prstGeom>
+            <a:solidFill>
+              <a:schemeClr val="bg2">
+                <a:lumMod val="90000"/>
+              </a:schemeClr>
+            </a:solidFill>
+            <a:ln>
+              <a:noFill/>
+            </a:ln>
+          </p:spPr>
+          <p:style>
+            <a:lnRef idx="2">
+              <a:schemeClr val="accent1">
+                <a:shade val="50000"/>
+              </a:schemeClr>
+            </a:lnRef>
+            <a:fillRef idx="1">
+              <a:schemeClr val="accent1"/>
+            </a:fillRef>
+            <a:effectRef idx="0">
+              <a:schemeClr val="accent1"/>
+            </a:effectRef>
+            <a:fontRef idx="minor">
+              <a:schemeClr val="lt1"/>
+            </a:fontRef>
+          </p:style>
+          <p:txBody>
+            <a:bodyPr rtlCol="0" anchor="ctr"/>
+            <a:lstStyle/>
+            <a:p>
+              <a:pPr algn="ctr"/>
+              <a:r>
+                <a:rPr lang="pt-BR" sz="2400" dirty="0" smtClean="0">
+                  <a:solidFill>
+                    <a:schemeClr val="bg2">
+                      <a:lumMod val="10000"/>
+                    </a:schemeClr>
+                  </a:solidFill>
+                  <a:latin typeface="Arial" panose="020B0604020202020204" pitchFamily="34" charset="0"/>
+                  <a:cs typeface="Arial" panose="020B0604020202020204" pitchFamily="34" charset="0"/>
+                </a:rPr>
+                <a:t>Desenvolvedor</a:t>
+              </a:r>
+              <a:endParaRPr lang="pt-BR" sz="2400" dirty="0">
+                <a:solidFill>
+                  <a:schemeClr val="bg2">
+                    <a:lumMod val="10000"/>
+                  </a:schemeClr>
+                </a:solidFill>
+                <a:latin typeface="Arial" panose="020B0604020202020204" pitchFamily="34" charset="0"/>
+                <a:cs typeface="Arial" panose="020B0604020202020204" pitchFamily="34" charset="0"/>
+              </a:endParaRPr>
+            </a:p>
+          </p:txBody>
+        </p:sp>
+      </p:grpSp>
+    </p:spTree>
+    <p:extLst>
+      <p:ext uri="{BB962C8B-B14F-4D97-AF65-F5344CB8AC3E}">
+        <p14:creationId xmlns:p14="http://schemas.microsoft.com/office/powerpoint/2010/main" val="3309111227"/>
+      </p:ext>
+    </p:extLst>
+  </p:cSld>
+  <p:clrMapOvr>
+    <a:masterClrMapping/>
+  </p:clrMapOvr>
+  <p:timing>
+    <p:tnLst>
+      <p:par>
+        <p:cTn id="1" dur="indefinite" restart="never" nodeType="tmRoot"/>
+      </p:par>
+    </p:tnLst>
+  </p:timing>
+</p:sld>
+</file>
+
+<file path=ppt/slides/slide3.xml><?xml version="1.0" encoding="utf-8"?>
+<p:sld xmlns:a="http://schemas.openxmlformats.org/drawingml/2006/main" xmlns:r="http://schemas.openxmlformats.org/officeDocument/2006/relationships" xmlns:p="http://schemas.openxmlformats.org/presentationml/2006/main">
+  <p:cSld>
+    <p:spTree>
+      <p:nvGrpSpPr>
+        <p:cNvPr id="1" name=""/>
+        <p:cNvGrpSpPr/>
+        <p:nvPr/>
+      </p:nvGrpSpPr>
+      <p:grpSpPr>
+        <a:xfrm>
+          <a:off x="0" y="0"/>
+          <a:ext cx="0" cy="0"/>
+          <a:chOff x="0" y="0"/>
+          <a:chExt cx="0" cy="0"/>
+        </a:xfrm>
+      </p:grpSpPr>
+      <p:grpSp>
+        <p:nvGrpSpPr>
+          <p:cNvPr id="95" name="Agrupar 94"/>
+          <p:cNvGrpSpPr/>
+          <p:nvPr/>
+        </p:nvGrpSpPr>
+        <p:grpSpPr>
+          <a:xfrm>
+            <a:off x="0" y="0"/>
+            <a:ext cx="11811000" cy="6858000"/>
+            <a:chOff x="0" y="0"/>
+            <a:chExt cx="11811000" cy="6858000"/>
+          </a:xfrm>
+        </p:grpSpPr>
+        <p:sp>
+          <p:nvSpPr>
+            <p:cNvPr id="275" name="Retângulo 274"/>
+            <p:cNvSpPr/>
+            <p:nvPr/>
+          </p:nvSpPr>
+          <p:spPr>
+            <a:xfrm>
+              <a:off x="791691" y="0"/>
+              <a:ext cx="11019309" cy="3429000"/>
+            </a:xfrm>
+            <a:prstGeom prst="rect">
+              <a:avLst/>
+            </a:prstGeom>
+            <a:solidFill>
+              <a:srgbClr val="D49275"/>
+            </a:solidFill>
+            <a:ln>
+              <a:noFill/>
+            </a:ln>
+          </p:spPr>
+          <p:style>
+            <a:lnRef idx="2">
+              <a:schemeClr val="accent1">
+                <a:shade val="50000"/>
+              </a:schemeClr>
+            </a:lnRef>
+            <a:fillRef idx="1">
+              <a:schemeClr val="accent1"/>
+            </a:fillRef>
+            <a:effectRef idx="0">
+              <a:schemeClr val="accent1"/>
+            </a:effectRef>
+            <a:fontRef idx="minor">
+              <a:schemeClr val="lt1"/>
+            </a:fontRef>
+          </p:style>
+          <p:txBody>
+            <a:bodyPr rtlCol="0" anchor="ctr"/>
+            <a:lstStyle/>
+            <a:p>
+              <a:pPr algn="ctr"/>
+              <a:endParaRPr lang="pt-BR" sz="1600"/>
+            </a:p>
+          </p:txBody>
+        </p:sp>
+        <p:sp>
+          <p:nvSpPr>
+            <p:cNvPr id="276" name="Retângulo 275"/>
+            <p:cNvSpPr/>
+            <p:nvPr/>
+          </p:nvSpPr>
+          <p:spPr>
+            <a:xfrm>
+              <a:off x="791691" y="3429000"/>
+              <a:ext cx="11019309" cy="3429000"/>
+            </a:xfrm>
+            <a:prstGeom prst="rect">
+              <a:avLst/>
+            </a:prstGeom>
+            <a:solidFill>
+              <a:srgbClr val="77C2AE"/>
+            </a:solidFill>
+            <a:ln>
+              <a:noFill/>
+            </a:ln>
+          </p:spPr>
+          <p:style>
+            <a:lnRef idx="2">
+              <a:schemeClr val="accent1">
+                <a:shade val="50000"/>
+              </a:schemeClr>
+            </a:lnRef>
+            <a:fillRef idx="1">
+              <a:schemeClr val="accent1"/>
+            </a:fillRef>
+            <a:effectRef idx="0">
+              <a:schemeClr val="accent1"/>
+            </a:effectRef>
+            <a:fontRef idx="minor">
+              <a:schemeClr val="lt1"/>
+            </a:fontRef>
+          </p:style>
+          <p:txBody>
+            <a:bodyPr rtlCol="0" anchor="ctr"/>
+            <a:lstStyle/>
+            <a:p>
+              <a:pPr algn="ctr"/>
+              <a:endParaRPr lang="pt-BR" sz="1600"/>
+            </a:p>
+          </p:txBody>
+        </p:sp>
+        <p:sp>
+          <p:nvSpPr>
+            <p:cNvPr id="45" name="Retângulo 44"/>
+            <p:cNvSpPr/>
+            <p:nvPr/>
+          </p:nvSpPr>
+          <p:spPr>
+            <a:xfrm>
+              <a:off x="0" y="3429000"/>
+              <a:ext cx="791691" cy="3429000"/>
+            </a:xfrm>
+            <a:prstGeom prst="rect">
+              <a:avLst/>
+            </a:prstGeom>
+            <a:ln>
+              <a:noFill/>
+            </a:ln>
+          </p:spPr>
+          <p:style>
+            <a:lnRef idx="2">
+              <a:schemeClr val="accent1">
+                <a:shade val="50000"/>
+              </a:schemeClr>
+            </a:lnRef>
+            <a:fillRef idx="1">
+              <a:schemeClr val="accent1"/>
+            </a:fillRef>
+            <a:effectRef idx="0">
+              <a:schemeClr val="accent1"/>
+            </a:effectRef>
+            <a:fontRef idx="minor">
+              <a:schemeClr val="lt1"/>
+            </a:fontRef>
+          </p:style>
+          <p:txBody>
+            <a:bodyPr vert="vert270" rtlCol="0" anchor="ctr"/>
+            <a:lstStyle/>
+            <a:p>
+              <a:pPr algn="ctr"/>
+              <a:r>
+                <a:rPr lang="pt-BR" sz="2000" dirty="0" smtClean="0">
+                  <a:latin typeface="Arial" panose="020B0604020202020204" pitchFamily="34" charset="0"/>
+                  <a:cs typeface="Arial" panose="020B0604020202020204" pitchFamily="34" charset="0"/>
+                </a:rPr>
+                <a:t>Integrador</a:t>
+              </a:r>
+              <a:endParaRPr lang="pt-BR" sz="2000" dirty="0">
+                <a:latin typeface="Arial" panose="020B0604020202020204" pitchFamily="34" charset="0"/>
+                <a:cs typeface="Arial" panose="020B0604020202020204" pitchFamily="34" charset="0"/>
+              </a:endParaRPr>
+            </a:p>
+          </p:txBody>
+        </p:sp>
+        <p:sp>
+          <p:nvSpPr>
+            <p:cNvPr id="47" name="Retângulo 46"/>
+            <p:cNvSpPr/>
+            <p:nvPr/>
+          </p:nvSpPr>
+          <p:spPr>
+            <a:xfrm>
+              <a:off x="1881217" y="1395423"/>
+              <a:ext cx="1324026" cy="751481"/>
+            </a:xfrm>
+            <a:prstGeom prst="rect">
+              <a:avLst/>
+            </a:prstGeom>
+          </p:spPr>
+          <p:style>
+            <a:lnRef idx="2">
+              <a:schemeClr val="accent5">
+                <a:shade val="50000"/>
+              </a:schemeClr>
+            </a:lnRef>
+            <a:fillRef idx="1">
+              <a:schemeClr val="accent5"/>
+            </a:fillRef>
+            <a:effectRef idx="0">
+              <a:schemeClr val="accent5"/>
+            </a:effectRef>
+            <a:fontRef idx="minor">
+              <a:schemeClr val="lt1"/>
+            </a:fontRef>
+          </p:style>
+          <p:txBody>
+            <a:bodyPr rtlCol="0" anchor="ctr"/>
+            <a:lstStyle/>
+            <a:p>
+              <a:pPr algn="ctr"/>
+              <a:r>
+                <a:rPr lang="pt-BR" sz="1600" dirty="0" smtClean="0"/>
+                <a:t>Criar cópia </a:t>
+              </a:r>
+              <a:r>
+                <a:rPr lang="pt-BR" sz="1600" dirty="0"/>
+                <a:t>p</a:t>
+              </a:r>
+              <a:r>
+                <a:rPr lang="pt-BR" sz="1600" dirty="0" smtClean="0"/>
+                <a:t>ública (</a:t>
+              </a:r>
+              <a:r>
+                <a:rPr lang="pt-BR" sz="1600" dirty="0" err="1" smtClean="0"/>
+                <a:t>Fork</a:t>
+              </a:r>
+              <a:r>
+                <a:rPr lang="pt-BR" sz="1600" dirty="0" smtClean="0"/>
+                <a:t>)</a:t>
+              </a:r>
+              <a:endParaRPr lang="pt-BR" sz="1600" dirty="0"/>
+            </a:p>
+          </p:txBody>
+        </p:sp>
+        <p:sp>
+          <p:nvSpPr>
+            <p:cNvPr id="48" name="Retângulo 47"/>
+            <p:cNvSpPr/>
+            <p:nvPr/>
+          </p:nvSpPr>
+          <p:spPr>
+            <a:xfrm>
+              <a:off x="3592042" y="1395422"/>
+              <a:ext cx="1255900" cy="752442"/>
+            </a:xfrm>
+            <a:prstGeom prst="rect">
+              <a:avLst/>
+            </a:prstGeom>
+          </p:spPr>
+          <p:style>
+            <a:lnRef idx="2">
+              <a:schemeClr val="accent5">
+                <a:shade val="50000"/>
+              </a:schemeClr>
+            </a:lnRef>
+            <a:fillRef idx="1">
+              <a:schemeClr val="accent5"/>
+            </a:fillRef>
+            <a:effectRef idx="0">
+              <a:schemeClr val="accent5"/>
+            </a:effectRef>
+            <a:fontRef idx="minor">
+              <a:schemeClr val="lt1"/>
+            </a:fontRef>
+          </p:style>
+          <p:txBody>
+            <a:bodyPr rtlCol="0" anchor="ctr"/>
+            <a:lstStyle/>
+            <a:p>
+              <a:pPr algn="ctr"/>
+              <a:r>
+                <a:rPr lang="pt-BR" sz="1600" dirty="0" smtClean="0"/>
+                <a:t>Criar cópia </a:t>
+              </a:r>
+              <a:r>
+                <a:rPr lang="pt-BR" sz="1600" dirty="0"/>
+                <a:t>l</a:t>
+              </a:r>
+              <a:r>
+                <a:rPr lang="pt-BR" sz="1600" dirty="0" smtClean="0"/>
+                <a:t>ocal (Clone)</a:t>
+              </a:r>
+              <a:endParaRPr lang="pt-BR" sz="1600" dirty="0"/>
+            </a:p>
+          </p:txBody>
+        </p:sp>
+        <p:sp>
+          <p:nvSpPr>
+            <p:cNvPr id="49" name="Retângulo 48"/>
+            <p:cNvSpPr/>
+            <p:nvPr/>
+          </p:nvSpPr>
+          <p:spPr>
+            <a:xfrm>
+              <a:off x="5282606" y="1395422"/>
+              <a:ext cx="1365513" cy="752442"/>
+            </a:xfrm>
+            <a:prstGeom prst="rect">
+              <a:avLst/>
+            </a:prstGeom>
+          </p:spPr>
+          <p:style>
+            <a:lnRef idx="2">
+              <a:schemeClr val="accent5">
+                <a:shade val="50000"/>
+              </a:schemeClr>
+            </a:lnRef>
+            <a:fillRef idx="1">
+              <a:schemeClr val="accent5"/>
+            </a:fillRef>
+            <a:effectRef idx="0">
+              <a:schemeClr val="accent5"/>
+            </a:effectRef>
+            <a:fontRef idx="minor">
+              <a:schemeClr val="lt1"/>
+            </a:fontRef>
+          </p:style>
+          <p:txBody>
+            <a:bodyPr rtlCol="0" anchor="ctr"/>
+            <a:lstStyle/>
+            <a:p>
+              <a:pPr algn="ctr"/>
+              <a:r>
+                <a:rPr lang="pt-BR" sz="1600" dirty="0" smtClean="0"/>
+                <a:t>Realizar modificações (</a:t>
+              </a:r>
+              <a:r>
+                <a:rPr lang="pt-BR" sz="1600" dirty="0" err="1" smtClean="0"/>
+                <a:t>Commits</a:t>
+              </a:r>
+              <a:r>
+                <a:rPr lang="pt-BR" sz="1600" dirty="0" smtClean="0"/>
+                <a:t>)</a:t>
+              </a:r>
+              <a:endParaRPr lang="pt-BR" sz="1600" dirty="0"/>
+            </a:p>
+          </p:txBody>
+        </p:sp>
+        <p:sp>
+          <p:nvSpPr>
+            <p:cNvPr id="50" name="Retângulo 49"/>
+            <p:cNvSpPr/>
+            <p:nvPr/>
+          </p:nvSpPr>
+          <p:spPr>
+            <a:xfrm>
+              <a:off x="7082783" y="1395422"/>
+              <a:ext cx="1478900" cy="751482"/>
+            </a:xfrm>
+            <a:prstGeom prst="rect">
+              <a:avLst/>
+            </a:prstGeom>
+          </p:spPr>
+          <p:style>
+            <a:lnRef idx="2">
+              <a:schemeClr val="accent5">
+                <a:shade val="50000"/>
+              </a:schemeClr>
+            </a:lnRef>
+            <a:fillRef idx="1">
+              <a:schemeClr val="accent5"/>
+            </a:fillRef>
+            <a:effectRef idx="0">
+              <a:schemeClr val="accent5"/>
+            </a:effectRef>
+            <a:fontRef idx="minor">
+              <a:schemeClr val="lt1"/>
+            </a:fontRef>
+          </p:style>
+          <p:txBody>
+            <a:bodyPr rtlCol="0" anchor="ctr"/>
+            <a:lstStyle/>
+            <a:p>
+              <a:pPr algn="ctr"/>
+              <a:r>
+                <a:rPr lang="pt-BR" sz="1600" dirty="0" smtClean="0"/>
+                <a:t>Enviar modificações (</a:t>
+              </a:r>
+              <a:r>
+                <a:rPr lang="pt-BR" sz="1600" dirty="0" err="1" smtClean="0"/>
+                <a:t>Push</a:t>
+              </a:r>
+              <a:r>
+                <a:rPr lang="pt-BR" sz="1600" dirty="0" smtClean="0"/>
+                <a:t>)</a:t>
+              </a:r>
+              <a:endParaRPr lang="pt-BR" sz="1600" dirty="0"/>
+            </a:p>
+          </p:txBody>
+        </p:sp>
+        <p:sp>
+          <p:nvSpPr>
+            <p:cNvPr id="51" name="Retângulo 50"/>
+            <p:cNvSpPr/>
+            <p:nvPr/>
+          </p:nvSpPr>
+          <p:spPr>
+            <a:xfrm>
+              <a:off x="9031713" y="1396346"/>
+              <a:ext cx="1385408" cy="750558"/>
+            </a:xfrm>
+            <a:prstGeom prst="rect">
+              <a:avLst/>
+            </a:prstGeom>
+          </p:spPr>
+          <p:style>
+            <a:lnRef idx="2">
+              <a:schemeClr val="accent5">
+                <a:shade val="50000"/>
+              </a:schemeClr>
+            </a:lnRef>
+            <a:fillRef idx="1">
+              <a:schemeClr val="accent5"/>
+            </a:fillRef>
+            <a:effectRef idx="0">
+              <a:schemeClr val="accent5"/>
+            </a:effectRef>
+            <a:fontRef idx="minor">
+              <a:schemeClr val="lt1"/>
+            </a:fontRef>
+          </p:style>
+          <p:txBody>
+            <a:bodyPr rtlCol="0" anchor="ctr"/>
+            <a:lstStyle/>
+            <a:p>
+              <a:pPr algn="ctr"/>
+              <a:r>
+                <a:rPr lang="pt-BR" sz="1600" dirty="0" smtClean="0"/>
+                <a:t>Submeter solicitação (Pull Request)</a:t>
+              </a:r>
+              <a:endParaRPr lang="pt-BR" sz="1600" dirty="0"/>
+            </a:p>
+          </p:txBody>
+        </p:sp>
+        <p:sp>
+          <p:nvSpPr>
+            <p:cNvPr id="52" name="Retângulo 51"/>
+            <p:cNvSpPr/>
+            <p:nvPr/>
+          </p:nvSpPr>
+          <p:spPr>
+            <a:xfrm>
+              <a:off x="9068867" y="3048861"/>
+              <a:ext cx="1311100" cy="751482"/>
+            </a:xfrm>
+            <a:prstGeom prst="rect">
+              <a:avLst/>
+            </a:prstGeom>
+            <a:solidFill>
+              <a:srgbClr val="F19D19"/>
+            </a:solidFill>
+            <a:ln>
+              <a:solidFill>
+                <a:srgbClr val="B1720F"/>
+              </a:solidFill>
+            </a:ln>
+          </p:spPr>
+          <p:style>
+            <a:lnRef idx="2">
+              <a:schemeClr val="accent5">
+                <a:shade val="50000"/>
+              </a:schemeClr>
+            </a:lnRef>
+            <a:fillRef idx="1">
+              <a:schemeClr val="accent5"/>
+            </a:fillRef>
+            <a:effectRef idx="0">
+              <a:schemeClr val="accent5"/>
+            </a:effectRef>
+            <a:fontRef idx="minor">
+              <a:schemeClr val="lt1"/>
+            </a:fontRef>
+          </p:style>
+          <p:txBody>
+            <a:bodyPr rtlCol="0" anchor="ctr"/>
+            <a:lstStyle/>
+            <a:p>
+              <a:pPr algn="ctr"/>
+              <a:r>
+                <a:rPr lang="pt-BR" sz="1600" dirty="0" smtClean="0"/>
+                <a:t>Discutir mudanças</a:t>
+              </a:r>
+              <a:endParaRPr lang="pt-BR" sz="1600" dirty="0"/>
+            </a:p>
+          </p:txBody>
+        </p:sp>
+        <p:cxnSp>
+          <p:nvCxnSpPr>
+            <p:cNvPr id="54" name="Conector de Seta Reta 53"/>
+            <p:cNvCxnSpPr>
+              <a:stCxn id="175" idx="6"/>
+              <a:endCxn id="47" idx="1"/>
+            </p:cNvCxnSpPr>
+            <p:nvPr/>
+          </p:nvCxnSpPr>
+          <p:spPr>
+            <a:xfrm flipV="1">
+              <a:off x="1569877" y="1771164"/>
+              <a:ext cx="311340" cy="479"/>
+            </a:xfrm>
+            <a:prstGeom prst="straightConnector1">
+              <a:avLst/>
+            </a:prstGeom>
+            <a:ln w="57150">
+              <a:solidFill>
+                <a:srgbClr val="86330F"/>
+              </a:solidFill>
+              <a:tailEnd type="triangle"/>
+            </a:ln>
+          </p:spPr>
+          <p:style>
+            <a:lnRef idx="3">
+              <a:schemeClr val="accent5"/>
+            </a:lnRef>
+            <a:fillRef idx="0">
+              <a:schemeClr val="accent5"/>
+            </a:fillRef>
+            <a:effectRef idx="2">
+              <a:schemeClr val="accent5"/>
+            </a:effectRef>
+            <a:fontRef idx="minor">
+              <a:schemeClr val="tx1"/>
+            </a:fontRef>
+          </p:style>
+        </p:cxnSp>
+        <p:cxnSp>
+          <p:nvCxnSpPr>
+            <p:cNvPr id="59" name="Conector de Seta Reta 58"/>
+            <p:cNvCxnSpPr>
+              <a:stCxn id="47" idx="3"/>
+              <a:endCxn id="48" idx="1"/>
+            </p:cNvCxnSpPr>
+            <p:nvPr/>
+          </p:nvCxnSpPr>
+          <p:spPr>
+            <a:xfrm>
+              <a:off x="3205243" y="1771164"/>
+              <a:ext cx="386799" cy="479"/>
+            </a:xfrm>
+            <a:prstGeom prst="straightConnector1">
+              <a:avLst/>
+            </a:prstGeom>
+            <a:ln w="57150">
+              <a:solidFill>
+                <a:srgbClr val="86330F"/>
+              </a:solidFill>
+              <a:tailEnd type="triangle"/>
+            </a:ln>
+          </p:spPr>
+          <p:style>
+            <a:lnRef idx="3">
+              <a:schemeClr val="accent5"/>
+            </a:lnRef>
+            <a:fillRef idx="0">
+              <a:schemeClr val="accent5"/>
+            </a:fillRef>
+            <a:effectRef idx="2">
+              <a:schemeClr val="accent5"/>
+            </a:effectRef>
+            <a:fontRef idx="minor">
+              <a:schemeClr val="tx1"/>
+            </a:fontRef>
+          </p:style>
+        </p:cxnSp>
+        <p:cxnSp>
+          <p:nvCxnSpPr>
+            <p:cNvPr id="63" name="Conector de Seta Reta 62"/>
+            <p:cNvCxnSpPr>
+              <a:stCxn id="48" idx="3"/>
+              <a:endCxn id="49" idx="1"/>
+            </p:cNvCxnSpPr>
+            <p:nvPr/>
+          </p:nvCxnSpPr>
+          <p:spPr>
+            <a:xfrm>
+              <a:off x="4847942" y="1771643"/>
+              <a:ext cx="434664" cy="0"/>
+            </a:xfrm>
+            <a:prstGeom prst="straightConnector1">
+              <a:avLst/>
+            </a:prstGeom>
+            <a:ln w="57150">
+              <a:solidFill>
+                <a:srgbClr val="86330F"/>
+              </a:solidFill>
+              <a:tailEnd type="triangle"/>
+            </a:ln>
+          </p:spPr>
+          <p:style>
+            <a:lnRef idx="3">
+              <a:schemeClr val="accent5"/>
+            </a:lnRef>
+            <a:fillRef idx="0">
+              <a:schemeClr val="accent5"/>
+            </a:fillRef>
+            <a:effectRef idx="2">
+              <a:schemeClr val="accent5"/>
+            </a:effectRef>
+            <a:fontRef idx="minor">
+              <a:schemeClr val="tx1"/>
+            </a:fontRef>
+          </p:style>
+        </p:cxnSp>
+        <p:sp>
+          <p:nvSpPr>
+            <p:cNvPr id="66" name="Cilindro 65"/>
+            <p:cNvSpPr/>
+            <p:nvPr/>
+          </p:nvSpPr>
+          <p:spPr>
+            <a:xfrm>
+              <a:off x="3633108" y="2587753"/>
+              <a:ext cx="1173767" cy="753970"/>
+            </a:xfrm>
+            <a:prstGeom prst="can">
+              <a:avLst>
+                <a:gd name="adj" fmla="val 29127"/>
+              </a:avLst>
+            </a:prstGeom>
+          </p:spPr>
+          <p:style>
+            <a:lnRef idx="2">
+              <a:schemeClr val="accent5">
+                <a:shade val="50000"/>
+              </a:schemeClr>
+            </a:lnRef>
+            <a:fillRef idx="1">
+              <a:schemeClr val="accent5"/>
+            </a:fillRef>
+            <a:effectRef idx="0">
+              <a:schemeClr val="accent5"/>
+            </a:effectRef>
+            <a:fontRef idx="minor">
+              <a:schemeClr val="lt1"/>
+            </a:fontRef>
+          </p:style>
+          <p:txBody>
+            <a:bodyPr rtlCol="0" anchor="ctr"/>
+            <a:lstStyle/>
+            <a:p>
+              <a:pPr algn="ctr"/>
+              <a:r>
+                <a:rPr lang="pt-BR" sz="1600" dirty="0" smtClean="0"/>
+                <a:t>Repositório publico</a:t>
+              </a:r>
+              <a:endParaRPr lang="pt-BR" sz="1600" dirty="0"/>
+            </a:p>
+          </p:txBody>
+        </p:sp>
+        <p:sp>
+          <p:nvSpPr>
+            <p:cNvPr id="94" name="Cilindro 93"/>
+            <p:cNvSpPr/>
+            <p:nvPr/>
+          </p:nvSpPr>
+          <p:spPr>
+            <a:xfrm>
+              <a:off x="4489187" y="265232"/>
+              <a:ext cx="1152174" cy="753970"/>
+            </a:xfrm>
+            <a:prstGeom prst="can">
+              <a:avLst>
+                <a:gd name="adj" fmla="val 29127"/>
+              </a:avLst>
+            </a:prstGeom>
+          </p:spPr>
+          <p:style>
+            <a:lnRef idx="2">
+              <a:schemeClr val="accent5">
+                <a:shade val="50000"/>
+              </a:schemeClr>
+            </a:lnRef>
+            <a:fillRef idx="1">
+              <a:schemeClr val="accent5"/>
+            </a:fillRef>
+            <a:effectRef idx="0">
+              <a:schemeClr val="accent5"/>
+            </a:effectRef>
+            <a:fontRef idx="minor">
+              <a:schemeClr val="lt1"/>
+            </a:fontRef>
+          </p:style>
+          <p:txBody>
+            <a:bodyPr rtlCol="0" anchor="ctr"/>
+            <a:lstStyle/>
+            <a:p>
+              <a:pPr algn="ctr"/>
+              <a:r>
+                <a:rPr lang="pt-BR" sz="1600" dirty="0" smtClean="0"/>
+                <a:t>Repositório local</a:t>
+              </a:r>
+              <a:endParaRPr lang="pt-BR" sz="1600" dirty="0"/>
+            </a:p>
+          </p:txBody>
+        </p:sp>
+        <p:cxnSp>
+          <p:nvCxnSpPr>
+            <p:cNvPr id="103" name="Conector de Seta Reta 102"/>
+            <p:cNvCxnSpPr>
+              <a:stCxn id="51" idx="2"/>
+              <a:endCxn id="52" idx="0"/>
+            </p:cNvCxnSpPr>
+            <p:nvPr/>
+          </p:nvCxnSpPr>
+          <p:spPr>
+            <a:xfrm>
+              <a:off x="9724417" y="2146904"/>
+              <a:ext cx="0" cy="901957"/>
+            </a:xfrm>
+            <a:prstGeom prst="straightConnector1">
+              <a:avLst/>
+            </a:prstGeom>
+            <a:ln w="57150">
+              <a:solidFill>
+                <a:srgbClr val="86330F"/>
+              </a:solidFill>
+              <a:tailEnd type="triangle"/>
+            </a:ln>
+          </p:spPr>
+          <p:style>
+            <a:lnRef idx="3">
+              <a:schemeClr val="accent5"/>
+            </a:lnRef>
+            <a:fillRef idx="0">
+              <a:schemeClr val="accent5"/>
+            </a:fillRef>
+            <a:effectRef idx="2">
+              <a:schemeClr val="accent5"/>
+            </a:effectRef>
+            <a:fontRef idx="minor">
+              <a:schemeClr val="tx1"/>
+            </a:fontRef>
+          </p:style>
+        </p:cxnSp>
+        <p:cxnSp>
+          <p:nvCxnSpPr>
+            <p:cNvPr id="106" name="Conector de Seta Reta 105"/>
+            <p:cNvCxnSpPr>
+              <a:stCxn id="50" idx="3"/>
+              <a:endCxn id="51" idx="1"/>
+            </p:cNvCxnSpPr>
+            <p:nvPr/>
+          </p:nvCxnSpPr>
+          <p:spPr>
+            <a:xfrm>
+              <a:off x="8561683" y="1771163"/>
+              <a:ext cx="470030" cy="462"/>
+            </a:xfrm>
+            <a:prstGeom prst="straightConnector1">
+              <a:avLst/>
+            </a:prstGeom>
+            <a:ln w="57150">
+              <a:solidFill>
+                <a:srgbClr val="86330F"/>
+              </a:solidFill>
+              <a:tailEnd type="triangle"/>
+            </a:ln>
+          </p:spPr>
+          <p:style>
+            <a:lnRef idx="3">
+              <a:schemeClr val="accent5"/>
+            </a:lnRef>
+            <a:fillRef idx="0">
+              <a:schemeClr val="accent5"/>
+            </a:fillRef>
+            <a:effectRef idx="2">
+              <a:schemeClr val="accent5"/>
+            </a:effectRef>
+            <a:fontRef idx="minor">
+              <a:schemeClr val="tx1"/>
+            </a:fontRef>
+          </p:style>
+        </p:cxnSp>
+        <p:cxnSp>
+          <p:nvCxnSpPr>
+            <p:cNvPr id="113" name="Conector Angulado 112"/>
+            <p:cNvCxnSpPr>
+              <a:stCxn id="49" idx="3"/>
+              <a:endCxn id="50" idx="1"/>
+            </p:cNvCxnSpPr>
+            <p:nvPr/>
+          </p:nvCxnSpPr>
+          <p:spPr>
+            <a:xfrm flipV="1">
+              <a:off x="6648119" y="1771163"/>
+              <a:ext cx="434664" cy="480"/>
+            </a:xfrm>
+            <a:prstGeom prst="bentConnector3">
+              <a:avLst>
+                <a:gd name="adj1" fmla="val 50000"/>
+              </a:avLst>
+            </a:prstGeom>
+            <a:ln w="57150">
+              <a:solidFill>
+                <a:srgbClr val="86330F"/>
+              </a:solidFill>
+              <a:tailEnd type="triangle"/>
+            </a:ln>
+          </p:spPr>
+          <p:style>
+            <a:lnRef idx="1">
+              <a:schemeClr val="accent1"/>
+            </a:lnRef>
+            <a:fillRef idx="0">
+              <a:schemeClr val="accent1"/>
+            </a:fillRef>
+            <a:effectRef idx="0">
+              <a:schemeClr val="accent1"/>
+            </a:effectRef>
+            <a:fontRef idx="minor">
+              <a:schemeClr val="tx1"/>
+            </a:fontRef>
+          </p:style>
+        </p:cxnSp>
+        <p:sp>
+          <p:nvSpPr>
+            <p:cNvPr id="167" name="CaixaDeTexto 166"/>
+            <p:cNvSpPr txBox="1"/>
+            <p:nvPr/>
+          </p:nvSpPr>
+          <p:spPr>
+            <a:xfrm>
+              <a:off x="807890" y="964727"/>
+              <a:ext cx="983974" cy="584775"/>
+            </a:xfrm>
+            <a:prstGeom prst="rect">
+              <a:avLst/>
+            </a:prstGeom>
+            <a:noFill/>
+          </p:spPr>
+          <p:txBody>
+            <a:bodyPr wrap="square" rtlCol="0">
+              <a:spAutoFit/>
+            </a:bodyPr>
+            <a:lstStyle/>
+            <a:p>
+              <a:pPr algn="ctr"/>
+              <a:r>
+                <a:rPr lang="pt-BR" sz="1600" dirty="0" smtClean="0">
+                  <a:solidFill>
+                    <a:schemeClr val="bg1"/>
+                  </a:solidFill>
+                </a:rPr>
+                <a:t>Inicio do processo</a:t>
+              </a:r>
+              <a:endParaRPr lang="pt-BR" sz="1600" dirty="0">
+                <a:solidFill>
+                  <a:schemeClr val="bg1"/>
+                </a:solidFill>
+              </a:endParaRPr>
+            </a:p>
+          </p:txBody>
+        </p:sp>
+        <p:sp>
+          <p:nvSpPr>
+            <p:cNvPr id="172" name="Retângulo 171"/>
+            <p:cNvSpPr/>
+            <p:nvPr/>
+          </p:nvSpPr>
+          <p:spPr>
+            <a:xfrm>
+              <a:off x="5202043" y="4940217"/>
+              <a:ext cx="1533525" cy="752441"/>
+            </a:xfrm>
+            <a:prstGeom prst="rect">
+              <a:avLst/>
+            </a:prstGeom>
+          </p:spPr>
+          <p:style>
+            <a:lnRef idx="2">
+              <a:schemeClr val="accent1">
+                <a:shade val="50000"/>
+              </a:schemeClr>
+            </a:lnRef>
+            <a:fillRef idx="1">
+              <a:schemeClr val="accent1"/>
+            </a:fillRef>
+            <a:effectRef idx="0">
+              <a:schemeClr val="accent1"/>
+            </a:effectRef>
+            <a:fontRef idx="minor">
+              <a:schemeClr val="lt1"/>
+            </a:fontRef>
+          </p:style>
+          <p:txBody>
+            <a:bodyPr rtlCol="0" anchor="ctr"/>
+            <a:lstStyle/>
+            <a:p>
+              <a:pPr algn="ctr"/>
+              <a:r>
+                <a:rPr lang="pt-BR" sz="1600" dirty="0" smtClean="0"/>
+                <a:t>Analisar Pull Request</a:t>
+              </a:r>
+              <a:endParaRPr lang="pt-BR" sz="1600" dirty="0"/>
+            </a:p>
+          </p:txBody>
+        </p:sp>
+        <p:sp>
+          <p:nvSpPr>
+            <p:cNvPr id="173" name="Cilindro 172"/>
+            <p:cNvSpPr/>
+            <p:nvPr/>
+          </p:nvSpPr>
+          <p:spPr>
+            <a:xfrm>
+              <a:off x="1630641" y="5106444"/>
+              <a:ext cx="1254859" cy="753970"/>
+            </a:xfrm>
+            <a:prstGeom prst="can">
+              <a:avLst>
+                <a:gd name="adj" fmla="val 29127"/>
+              </a:avLst>
+            </a:prstGeom>
+          </p:spPr>
+          <p:style>
+            <a:lnRef idx="2">
+              <a:schemeClr val="accent1">
+                <a:shade val="50000"/>
+              </a:schemeClr>
+            </a:lnRef>
+            <a:fillRef idx="1">
+              <a:schemeClr val="accent1"/>
+            </a:fillRef>
+            <a:effectRef idx="0">
+              <a:schemeClr val="accent1"/>
+            </a:effectRef>
+            <a:fontRef idx="minor">
+              <a:schemeClr val="lt1"/>
+            </a:fontRef>
+          </p:style>
+          <p:txBody>
+            <a:bodyPr rtlCol="0" anchor="ctr"/>
+            <a:lstStyle/>
+            <a:p>
+              <a:pPr algn="ctr"/>
+              <a:r>
+                <a:rPr lang="pt-BR" sz="1600" dirty="0" smtClean="0"/>
+                <a:t>Repositório principal</a:t>
+              </a:r>
+              <a:endParaRPr lang="pt-BR" sz="1600" dirty="0"/>
+            </a:p>
+          </p:txBody>
+        </p:sp>
+        <p:sp>
+          <p:nvSpPr>
+            <p:cNvPr id="175" name="Elipse 174"/>
+            <p:cNvSpPr/>
+            <p:nvPr/>
+          </p:nvSpPr>
+          <p:spPr>
+            <a:xfrm>
+              <a:off x="1029877" y="1501643"/>
+              <a:ext cx="540000" cy="540000"/>
+            </a:xfrm>
+            <a:prstGeom prst="ellipse">
+              <a:avLst/>
+            </a:prstGeom>
+          </p:spPr>
+          <p:style>
+            <a:lnRef idx="2">
+              <a:schemeClr val="accent5">
+                <a:shade val="50000"/>
+              </a:schemeClr>
+            </a:lnRef>
+            <a:fillRef idx="1">
+              <a:schemeClr val="accent5"/>
+            </a:fillRef>
+            <a:effectRef idx="0">
+              <a:schemeClr val="accent5"/>
+            </a:effectRef>
+            <a:fontRef idx="minor">
+              <a:schemeClr val="lt1"/>
+            </a:fontRef>
+          </p:style>
+          <p:txBody>
+            <a:bodyPr rtlCol="0" anchor="ctr"/>
+            <a:lstStyle/>
+            <a:p>
+              <a:pPr algn="ctr"/>
+              <a:endParaRPr lang="pt-BR" sz="1600"/>
+            </a:p>
+          </p:txBody>
+        </p:sp>
+        <p:sp>
+          <p:nvSpPr>
+            <p:cNvPr id="178" name="Elipse 177"/>
+            <p:cNvSpPr/>
+            <p:nvPr/>
+          </p:nvSpPr>
+          <p:spPr>
+            <a:xfrm>
+              <a:off x="10731366" y="5044675"/>
+              <a:ext cx="540000" cy="540000"/>
+            </a:xfrm>
+            <a:prstGeom prst="ellipse">
+              <a:avLst/>
+            </a:prstGeom>
+          </p:spPr>
+          <p:style>
+            <a:lnRef idx="2">
+              <a:schemeClr val="accent6">
+                <a:shade val="50000"/>
+              </a:schemeClr>
+            </a:lnRef>
+            <a:fillRef idx="1">
+              <a:schemeClr val="accent6"/>
+            </a:fillRef>
+            <a:effectRef idx="0">
+              <a:schemeClr val="accent6"/>
+            </a:effectRef>
+            <a:fontRef idx="minor">
+              <a:schemeClr val="lt1"/>
+            </a:fontRef>
+          </p:style>
+          <p:txBody>
+            <a:bodyPr rtlCol="0" anchor="ctr"/>
+            <a:lstStyle/>
+            <a:p>
+              <a:pPr algn="ctr"/>
+              <a:endParaRPr lang="pt-BR" sz="1600"/>
+            </a:p>
+          </p:txBody>
+        </p:sp>
+        <p:sp>
+          <p:nvSpPr>
+            <p:cNvPr id="179" name="Elipse 178"/>
+            <p:cNvSpPr/>
+            <p:nvPr/>
+          </p:nvSpPr>
+          <p:spPr>
+            <a:xfrm>
+              <a:off x="10739485" y="5955820"/>
+              <a:ext cx="540000" cy="540000"/>
+            </a:xfrm>
+            <a:prstGeom prst="ellipse">
+              <a:avLst/>
+            </a:prstGeom>
+          </p:spPr>
+          <p:style>
+            <a:lnRef idx="2">
+              <a:schemeClr val="accent6">
+                <a:shade val="50000"/>
+              </a:schemeClr>
+            </a:lnRef>
+            <a:fillRef idx="1">
+              <a:schemeClr val="accent6"/>
+            </a:fillRef>
+            <a:effectRef idx="0">
+              <a:schemeClr val="accent6"/>
+            </a:effectRef>
+            <a:fontRef idx="minor">
+              <a:schemeClr val="lt1"/>
+            </a:fontRef>
+          </p:style>
+          <p:txBody>
+            <a:bodyPr rtlCol="0" anchor="ctr"/>
+            <a:lstStyle/>
+            <a:p>
+              <a:pPr algn="ctr"/>
+              <a:endParaRPr lang="pt-BR" sz="1600"/>
+            </a:p>
+          </p:txBody>
+        </p:sp>
+        <p:sp>
+          <p:nvSpPr>
+            <p:cNvPr id="180" name="CaixaDeTexto 179"/>
+            <p:cNvSpPr txBox="1"/>
+            <p:nvPr/>
+          </p:nvSpPr>
+          <p:spPr>
+            <a:xfrm>
+              <a:off x="10581293" y="4661526"/>
+              <a:ext cx="840145" cy="338554"/>
+            </a:xfrm>
+            <a:prstGeom prst="rect">
+              <a:avLst/>
+            </a:prstGeom>
+            <a:noFill/>
+          </p:spPr>
+          <p:txBody>
+            <a:bodyPr wrap="square" rtlCol="0">
+              <a:spAutoFit/>
+            </a:bodyPr>
+            <a:lstStyle/>
+            <a:p>
+              <a:pPr algn="ctr"/>
+              <a:r>
+                <a:rPr lang="pt-BR" sz="1600" dirty="0" err="1" smtClean="0">
+                  <a:solidFill>
+                    <a:schemeClr val="bg1"/>
+                  </a:solidFill>
+                </a:rPr>
+                <a:t>Merged</a:t>
+              </a:r>
+              <a:endParaRPr lang="pt-BR" sz="1600" dirty="0">
+                <a:solidFill>
+                  <a:schemeClr val="bg1"/>
+                </a:solidFill>
+              </a:endParaRPr>
+            </a:p>
+          </p:txBody>
+        </p:sp>
+        <p:sp>
+          <p:nvSpPr>
+            <p:cNvPr id="181" name="CaixaDeTexto 180"/>
+            <p:cNvSpPr txBox="1"/>
+            <p:nvPr/>
+          </p:nvSpPr>
+          <p:spPr>
+            <a:xfrm>
+              <a:off x="10631473" y="5639446"/>
+              <a:ext cx="748045" cy="338554"/>
+            </a:xfrm>
+            <a:prstGeom prst="rect">
+              <a:avLst/>
+            </a:prstGeom>
+            <a:noFill/>
+          </p:spPr>
+          <p:txBody>
+            <a:bodyPr wrap="square" rtlCol="0">
+              <a:spAutoFit/>
+            </a:bodyPr>
+            <a:lstStyle/>
+            <a:p>
+              <a:pPr algn="ctr"/>
+              <a:r>
+                <a:rPr lang="pt-BR" sz="1600" dirty="0" err="1" smtClean="0">
+                  <a:solidFill>
+                    <a:schemeClr val="bg1"/>
+                  </a:solidFill>
+                </a:rPr>
+                <a:t>Closed</a:t>
+              </a:r>
+              <a:endParaRPr lang="pt-BR" sz="1600" dirty="0">
+                <a:solidFill>
+                  <a:schemeClr val="bg1"/>
+                </a:solidFill>
+              </a:endParaRPr>
+            </a:p>
+          </p:txBody>
+        </p:sp>
+        <p:sp>
+          <p:nvSpPr>
+            <p:cNvPr id="182" name="Fluxograma: Decisão 181"/>
+            <p:cNvSpPr/>
+            <p:nvPr/>
+          </p:nvSpPr>
+          <p:spPr>
+            <a:xfrm>
+              <a:off x="8202252" y="4956437"/>
+              <a:ext cx="718862" cy="720000"/>
+            </a:xfrm>
+            <a:prstGeom prst="flowChartDecision">
+              <a:avLst/>
+            </a:prstGeom>
+          </p:spPr>
+          <p:style>
+            <a:lnRef idx="2">
+              <a:schemeClr val="accent1">
+                <a:shade val="50000"/>
+              </a:schemeClr>
+            </a:lnRef>
+            <a:fillRef idx="1">
+              <a:schemeClr val="accent1"/>
+            </a:fillRef>
+            <a:effectRef idx="0">
+              <a:schemeClr val="accent1"/>
+            </a:effectRef>
+            <a:fontRef idx="minor">
+              <a:schemeClr val="lt1"/>
+            </a:fontRef>
+          </p:style>
+          <p:txBody>
+            <a:bodyPr rtlCol="0" anchor="ctr"/>
+            <a:lstStyle/>
+            <a:p>
+              <a:pPr algn="ctr"/>
+              <a:endParaRPr lang="pt-BR" sz="1600" dirty="0"/>
+            </a:p>
+          </p:txBody>
+        </p:sp>
+        <p:cxnSp>
+          <p:nvCxnSpPr>
+            <p:cNvPr id="197" name="Conector Angulado 196"/>
+            <p:cNvCxnSpPr>
+              <a:stCxn id="66" idx="3"/>
+              <a:endCxn id="172" idx="1"/>
+            </p:cNvCxnSpPr>
+            <p:nvPr/>
+          </p:nvCxnSpPr>
+          <p:spPr>
+            <a:xfrm rot="16200000" flipH="1">
+              <a:off x="3723660" y="3838054"/>
+              <a:ext cx="1974715" cy="982051"/>
+            </a:xfrm>
+            <a:prstGeom prst="bentConnector2">
+              <a:avLst/>
+            </a:prstGeom>
+            <a:ln w="57150">
+              <a:solidFill>
+                <a:srgbClr val="127056"/>
+              </a:solidFill>
+              <a:tailEnd type="triangle"/>
+            </a:ln>
+          </p:spPr>
+          <p:style>
+            <a:lnRef idx="1">
+              <a:schemeClr val="accent1"/>
+            </a:lnRef>
+            <a:fillRef idx="0">
+              <a:schemeClr val="accent1"/>
+            </a:fillRef>
+            <a:effectRef idx="0">
+              <a:schemeClr val="accent1"/>
+            </a:effectRef>
+            <a:fontRef idx="minor">
+              <a:schemeClr val="tx1"/>
+            </a:fontRef>
+          </p:style>
+        </p:cxnSp>
+        <p:cxnSp>
+          <p:nvCxnSpPr>
+            <p:cNvPr id="200" name="Conector Angulado 199"/>
+            <p:cNvCxnSpPr>
+              <a:stCxn id="172" idx="3"/>
+              <a:endCxn id="182" idx="1"/>
+            </p:cNvCxnSpPr>
+            <p:nvPr/>
+          </p:nvCxnSpPr>
+          <p:spPr>
+            <a:xfrm flipV="1">
+              <a:off x="6735568" y="5316437"/>
+              <a:ext cx="1466684" cy="1"/>
+            </a:xfrm>
+            <a:prstGeom prst="bentConnector3">
+              <a:avLst>
+                <a:gd name="adj1" fmla="val 50000"/>
+              </a:avLst>
+            </a:prstGeom>
+            <a:ln w="57150">
+              <a:solidFill>
+                <a:srgbClr val="127056"/>
+              </a:solidFill>
+              <a:tailEnd type="triangle"/>
+            </a:ln>
+          </p:spPr>
+          <p:style>
+            <a:lnRef idx="1">
+              <a:schemeClr val="accent1"/>
+            </a:lnRef>
+            <a:fillRef idx="0">
+              <a:schemeClr val="accent1"/>
+            </a:fillRef>
+            <a:effectRef idx="0">
+              <a:schemeClr val="accent1"/>
+            </a:effectRef>
+            <a:fontRef idx="minor">
+              <a:schemeClr val="tx1"/>
+            </a:fontRef>
+          </p:style>
+        </p:cxnSp>
+        <p:cxnSp>
+          <p:nvCxnSpPr>
+            <p:cNvPr id="207" name="Conector Angulado 206"/>
+            <p:cNvCxnSpPr>
+              <a:stCxn id="182" idx="2"/>
+              <a:endCxn id="179" idx="2"/>
+            </p:cNvCxnSpPr>
+            <p:nvPr/>
+          </p:nvCxnSpPr>
+          <p:spPr>
+            <a:xfrm rot="16200000" flipH="1">
+              <a:off x="9375893" y="4862227"/>
+              <a:ext cx="549383" cy="2177802"/>
+            </a:xfrm>
+            <a:prstGeom prst="bentConnector2">
+              <a:avLst/>
+            </a:prstGeom>
+            <a:ln w="57150">
+              <a:solidFill>
+                <a:srgbClr val="127056"/>
+              </a:solidFill>
+              <a:tailEnd type="triangle"/>
+            </a:ln>
+          </p:spPr>
+          <p:style>
+            <a:lnRef idx="1">
+              <a:schemeClr val="accent1"/>
+            </a:lnRef>
+            <a:fillRef idx="0">
+              <a:schemeClr val="accent1"/>
+            </a:fillRef>
+            <a:effectRef idx="0">
+              <a:schemeClr val="accent1"/>
+            </a:effectRef>
+            <a:fontRef idx="minor">
+              <a:schemeClr val="tx1"/>
+            </a:fontRef>
+          </p:style>
+        </p:cxnSp>
+        <p:sp>
+          <p:nvSpPr>
+            <p:cNvPr id="274" name="Retângulo 273"/>
+            <p:cNvSpPr/>
+            <p:nvPr/>
+          </p:nvSpPr>
+          <p:spPr>
+            <a:xfrm>
+              <a:off x="0" y="0"/>
+              <a:ext cx="791691" cy="3429000"/>
+            </a:xfrm>
+            <a:prstGeom prst="rect">
+              <a:avLst/>
+            </a:prstGeom>
+            <a:ln>
+              <a:noFill/>
+            </a:ln>
+          </p:spPr>
+          <p:style>
+            <a:lnRef idx="2">
+              <a:schemeClr val="accent5">
+                <a:shade val="50000"/>
+              </a:schemeClr>
+            </a:lnRef>
+            <a:fillRef idx="1">
+              <a:schemeClr val="accent5"/>
+            </a:fillRef>
+            <a:effectRef idx="0">
+              <a:schemeClr val="accent5"/>
+            </a:effectRef>
+            <a:fontRef idx="minor">
+              <a:schemeClr val="lt1"/>
+            </a:fontRef>
+          </p:style>
+          <p:txBody>
+            <a:bodyPr vert="vert270" rtlCol="0" anchor="ctr"/>
+            <a:lstStyle/>
+            <a:p>
+              <a:pPr algn="ctr"/>
+              <a:r>
+                <a:rPr lang="pt-BR" sz="2000" dirty="0" smtClean="0">
+                  <a:latin typeface="Arial" panose="020B0604020202020204" pitchFamily="34" charset="0"/>
+                  <a:cs typeface="Arial" panose="020B0604020202020204" pitchFamily="34" charset="0"/>
+                </a:rPr>
+                <a:t>Solicitante</a:t>
+              </a:r>
+              <a:endParaRPr lang="pt-BR" sz="2000" dirty="0">
+                <a:latin typeface="Arial" panose="020B0604020202020204" pitchFamily="34" charset="0"/>
+                <a:cs typeface="Arial" panose="020B0604020202020204" pitchFamily="34" charset="0"/>
+              </a:endParaRPr>
+            </a:p>
+          </p:txBody>
+        </p:sp>
+        <p:cxnSp>
+          <p:nvCxnSpPr>
+            <p:cNvPr id="31" name="Conector Angulado 30"/>
+            <p:cNvCxnSpPr>
+              <a:stCxn id="48" idx="0"/>
+              <a:endCxn id="94" idx="2"/>
+            </p:cNvCxnSpPr>
+            <p:nvPr/>
+          </p:nvCxnSpPr>
+          <p:spPr>
+            <a:xfrm rot="5400000" flipH="1" flipV="1">
+              <a:off x="3977987" y="884223"/>
+              <a:ext cx="753205" cy="269195"/>
+            </a:xfrm>
+            <a:prstGeom prst="bentConnector2">
+              <a:avLst/>
+            </a:prstGeom>
+            <a:ln w="57150">
+              <a:solidFill>
+                <a:srgbClr val="86330F"/>
+              </a:solidFill>
+              <a:prstDash val="sysDash"/>
+              <a:tailEnd type="triangle"/>
+            </a:ln>
+          </p:spPr>
+          <p:style>
+            <a:lnRef idx="1">
+              <a:schemeClr val="accent1"/>
+            </a:lnRef>
+            <a:fillRef idx="0">
+              <a:schemeClr val="accent1"/>
+            </a:fillRef>
+            <a:effectRef idx="0">
+              <a:schemeClr val="accent1"/>
+            </a:effectRef>
+            <a:fontRef idx="minor">
+              <a:schemeClr val="tx1"/>
+            </a:fontRef>
+          </p:style>
+        </p:cxnSp>
+        <p:cxnSp>
+          <p:nvCxnSpPr>
+            <p:cNvPr id="33" name="Conector Angulado 32"/>
+            <p:cNvCxnSpPr>
+              <a:stCxn id="49" idx="0"/>
+              <a:endCxn id="94" idx="4"/>
+            </p:cNvCxnSpPr>
+            <p:nvPr/>
+          </p:nvCxnSpPr>
+          <p:spPr>
+            <a:xfrm rot="16200000" flipV="1">
+              <a:off x="5426760" y="856819"/>
+              <a:ext cx="753205" cy="324002"/>
+            </a:xfrm>
+            <a:prstGeom prst="bentConnector2">
+              <a:avLst/>
+            </a:prstGeom>
+            <a:ln w="57150">
+              <a:solidFill>
+                <a:srgbClr val="86330F"/>
+              </a:solidFill>
+              <a:prstDash val="sysDash"/>
+              <a:tailEnd type="triangle"/>
+            </a:ln>
+          </p:spPr>
+          <p:style>
+            <a:lnRef idx="1">
+              <a:schemeClr val="accent1"/>
+            </a:lnRef>
+            <a:fillRef idx="0">
+              <a:schemeClr val="accent1"/>
+            </a:fillRef>
+            <a:effectRef idx="0">
+              <a:schemeClr val="accent1"/>
+            </a:effectRef>
+            <a:fontRef idx="minor">
+              <a:schemeClr val="tx1"/>
+            </a:fontRef>
+          </p:style>
+        </p:cxnSp>
+        <p:cxnSp>
+          <p:nvCxnSpPr>
+            <p:cNvPr id="35" name="Conector de Seta Reta 34"/>
+            <p:cNvCxnSpPr>
+              <a:stCxn id="66" idx="1"/>
+              <a:endCxn id="48" idx="2"/>
+            </p:cNvCxnSpPr>
+            <p:nvPr/>
+          </p:nvCxnSpPr>
+          <p:spPr>
+            <a:xfrm flipV="1">
+              <a:off x="4219992" y="2147864"/>
+              <a:ext cx="0" cy="439889"/>
+            </a:xfrm>
+            <a:prstGeom prst="straightConnector1">
+              <a:avLst/>
+            </a:prstGeom>
+            <a:ln w="57150">
+              <a:solidFill>
+                <a:srgbClr val="86330F"/>
+              </a:solidFill>
+              <a:prstDash val="sysDash"/>
+              <a:tailEnd type="triangle"/>
+            </a:ln>
+          </p:spPr>
+          <p:style>
+            <a:lnRef idx="1">
+              <a:schemeClr val="accent1"/>
+            </a:lnRef>
+            <a:fillRef idx="0">
+              <a:schemeClr val="accent1"/>
+            </a:fillRef>
+            <a:effectRef idx="0">
+              <a:schemeClr val="accent1"/>
+            </a:effectRef>
+            <a:fontRef idx="minor">
+              <a:schemeClr val="tx1"/>
+            </a:fontRef>
+          </p:style>
+        </p:cxnSp>
+        <p:cxnSp>
+          <p:nvCxnSpPr>
+            <p:cNvPr id="38" name="Conector Angulado 37"/>
+            <p:cNvCxnSpPr>
+              <a:stCxn id="47" idx="2"/>
+              <a:endCxn id="66" idx="2"/>
+            </p:cNvCxnSpPr>
+            <p:nvPr/>
+          </p:nvCxnSpPr>
+          <p:spPr>
+            <a:xfrm rot="16200000" flipH="1">
+              <a:off x="2679252" y="2010882"/>
+              <a:ext cx="817834" cy="1089878"/>
+            </a:xfrm>
+            <a:prstGeom prst="bentConnector2">
+              <a:avLst/>
+            </a:prstGeom>
+            <a:ln w="57150">
+              <a:solidFill>
+                <a:srgbClr val="86330F"/>
+              </a:solidFill>
+              <a:prstDash val="sysDash"/>
+              <a:tailEnd type="triangle"/>
+            </a:ln>
+          </p:spPr>
+          <p:style>
+            <a:lnRef idx="1">
+              <a:schemeClr val="accent1"/>
+            </a:lnRef>
+            <a:fillRef idx="0">
+              <a:schemeClr val="accent1"/>
+            </a:fillRef>
+            <a:effectRef idx="0">
+              <a:schemeClr val="accent1"/>
+            </a:effectRef>
+            <a:fontRef idx="minor">
+              <a:schemeClr val="tx1"/>
+            </a:fontRef>
+          </p:style>
+        </p:cxnSp>
+        <p:cxnSp>
+          <p:nvCxnSpPr>
+            <p:cNvPr id="40" name="Conector Angulado 39"/>
+            <p:cNvCxnSpPr>
+              <a:stCxn id="50" idx="2"/>
+              <a:endCxn id="66" idx="4"/>
+            </p:cNvCxnSpPr>
+            <p:nvPr/>
+          </p:nvCxnSpPr>
+          <p:spPr>
+            <a:xfrm rot="5400000">
+              <a:off x="5905637" y="1048142"/>
+              <a:ext cx="817834" cy="3015358"/>
+            </a:xfrm>
+            <a:prstGeom prst="bentConnector2">
+              <a:avLst/>
+            </a:prstGeom>
+            <a:ln w="57150">
+              <a:solidFill>
+                <a:srgbClr val="86330F"/>
+              </a:solidFill>
+              <a:prstDash val="sysDash"/>
+              <a:tailEnd type="triangle"/>
+            </a:ln>
+          </p:spPr>
+          <p:style>
+            <a:lnRef idx="1">
+              <a:schemeClr val="accent1"/>
+            </a:lnRef>
+            <a:fillRef idx="0">
+              <a:schemeClr val="accent1"/>
+            </a:fillRef>
+            <a:effectRef idx="0">
+              <a:schemeClr val="accent1"/>
+            </a:effectRef>
+            <a:fontRef idx="minor">
+              <a:schemeClr val="tx1"/>
+            </a:fontRef>
+          </p:style>
+        </p:cxnSp>
+        <p:cxnSp>
+          <p:nvCxnSpPr>
+            <p:cNvPr id="58" name="Conector de Seta Reta 57"/>
+            <p:cNvCxnSpPr/>
+            <p:nvPr/>
+          </p:nvCxnSpPr>
+          <p:spPr>
+            <a:xfrm flipV="1">
+              <a:off x="2253851" y="2146904"/>
+              <a:ext cx="0" cy="2939453"/>
+            </a:xfrm>
+            <a:prstGeom prst="straightConnector1">
+              <a:avLst/>
+            </a:prstGeom>
+            <a:ln w="57150">
+              <a:solidFill>
+                <a:srgbClr val="86330F"/>
+              </a:solidFill>
+              <a:prstDash val="sysDash"/>
+              <a:tailEnd type="triangle"/>
+            </a:ln>
+          </p:spPr>
+          <p:style>
+            <a:lnRef idx="1">
+              <a:schemeClr val="accent1"/>
+            </a:lnRef>
+            <a:fillRef idx="0">
+              <a:schemeClr val="accent1"/>
+            </a:fillRef>
+            <a:effectRef idx="0">
+              <a:schemeClr val="accent1"/>
+            </a:effectRef>
+            <a:fontRef idx="minor">
+              <a:schemeClr val="tx1"/>
+            </a:fontRef>
+          </p:style>
+        </p:cxnSp>
+        <p:sp>
+          <p:nvSpPr>
+            <p:cNvPr id="74" name="CaixaDeTexto 73"/>
+            <p:cNvSpPr txBox="1"/>
+            <p:nvPr/>
+          </p:nvSpPr>
+          <p:spPr>
+            <a:xfrm>
+              <a:off x="9173937" y="4927409"/>
+              <a:ext cx="765738" cy="369332"/>
+            </a:xfrm>
+            <a:prstGeom prst="rect">
+              <a:avLst/>
+            </a:prstGeom>
+            <a:noFill/>
+          </p:spPr>
+          <p:txBody>
+            <a:bodyPr wrap="square" rtlCol="0">
+              <a:spAutoFit/>
+            </a:bodyPr>
+            <a:lstStyle/>
+            <a:p>
+              <a:r>
+                <a:rPr lang="pt-BR" dirty="0" smtClean="0">
+                  <a:solidFill>
+                    <a:schemeClr val="bg1"/>
+                  </a:solidFill>
+                </a:rPr>
+                <a:t>aceito</a:t>
+              </a:r>
+              <a:endParaRPr lang="pt-BR" dirty="0">
+                <a:solidFill>
+                  <a:schemeClr val="bg1"/>
+                </a:solidFill>
+              </a:endParaRPr>
+            </a:p>
+          </p:txBody>
+        </p:sp>
+        <p:sp>
+          <p:nvSpPr>
+            <p:cNvPr id="116" name="CaixaDeTexto 115"/>
+            <p:cNvSpPr txBox="1"/>
+            <p:nvPr/>
+          </p:nvSpPr>
+          <p:spPr>
+            <a:xfrm>
+              <a:off x="9061738" y="5859267"/>
+              <a:ext cx="1069680" cy="369332"/>
+            </a:xfrm>
+            <a:prstGeom prst="rect">
+              <a:avLst/>
+            </a:prstGeom>
+            <a:noFill/>
+          </p:spPr>
+          <p:txBody>
+            <a:bodyPr wrap="square" rtlCol="0">
+              <a:spAutoFit/>
+            </a:bodyPr>
+            <a:lstStyle/>
+            <a:p>
+              <a:r>
+                <a:rPr lang="pt-BR" dirty="0" smtClean="0">
+                  <a:solidFill>
+                    <a:schemeClr val="bg1"/>
+                  </a:solidFill>
+                </a:rPr>
+                <a:t>rejeitado</a:t>
+              </a:r>
+              <a:endParaRPr lang="pt-BR" dirty="0">
+                <a:solidFill>
+                  <a:schemeClr val="bg1"/>
+                </a:solidFill>
+              </a:endParaRPr>
+            </a:p>
+          </p:txBody>
+        </p:sp>
+        <p:cxnSp>
+          <p:nvCxnSpPr>
+            <p:cNvPr id="77" name="Conector de Seta Reta 76"/>
+            <p:cNvCxnSpPr>
+              <a:stCxn id="182" idx="3"/>
+              <a:endCxn id="178" idx="2"/>
+            </p:cNvCxnSpPr>
+            <p:nvPr/>
+          </p:nvCxnSpPr>
+          <p:spPr>
+            <a:xfrm flipV="1">
+              <a:off x="8921114" y="5314675"/>
+              <a:ext cx="1810252" cy="1762"/>
+            </a:xfrm>
+            <a:prstGeom prst="straightConnector1">
+              <a:avLst/>
+            </a:prstGeom>
+            <a:ln w="57150">
+              <a:solidFill>
+                <a:srgbClr val="127056"/>
+              </a:solidFill>
+              <a:tailEnd type="triangle"/>
+            </a:ln>
+          </p:spPr>
+          <p:style>
+            <a:lnRef idx="1">
+              <a:schemeClr val="accent1"/>
+            </a:lnRef>
+            <a:fillRef idx="0">
+              <a:schemeClr val="accent1"/>
+            </a:fillRef>
+            <a:effectRef idx="0">
+              <a:schemeClr val="accent1"/>
+            </a:effectRef>
+            <a:fontRef idx="minor">
+              <a:schemeClr val="tx1"/>
+            </a:fontRef>
+          </p:style>
+        </p:cxnSp>
+        <p:sp>
+          <p:nvSpPr>
+            <p:cNvPr id="84" name="Mais 83"/>
+            <p:cNvSpPr/>
+            <p:nvPr/>
+          </p:nvSpPr>
+          <p:spPr>
+            <a:xfrm rot="2700000">
+              <a:off x="10757485" y="5972439"/>
+              <a:ext cx="504000" cy="504000"/>
+            </a:xfrm>
+            <a:prstGeom prst="mathPlus">
+              <a:avLst>
+                <a:gd name="adj1" fmla="val 14429"/>
+              </a:avLst>
+            </a:prstGeom>
+            <a:solidFill>
+              <a:srgbClr val="B74919"/>
+            </a:solidFill>
+            <a:ln>
+              <a:noFill/>
+            </a:ln>
           </p:spPr>
           <p:style>
             <a:lnRef idx="2">
@@ -4064,19 +6577,26 @@
         </p:sp>
         <p:sp>
           <p:nvSpPr>
-            <p:cNvPr id="92" name="Elipse 91"/>
+            <p:cNvPr id="128" name="Mais 127"/>
             <p:cNvSpPr/>
             <p:nvPr/>
           </p:nvSpPr>
           <p:spPr>
             <a:xfrm>
-              <a:off x="2601378" y="2184473"/>
-              <a:ext cx="720000" cy="720000"/>
+              <a:off x="10757485" y="5061940"/>
+              <a:ext cx="504000" cy="504000"/>
             </a:xfrm>
-            <a:prstGeom prst="ellipse">
-              <a:avLst/>
+            <a:prstGeom prst="mathPlus">
+              <a:avLst>
+                <a:gd name="adj1" fmla="val 14429"/>
+              </a:avLst>
             </a:prstGeom>
-            <a:ln w="57150"/>
+            <a:solidFill>
+              <a:srgbClr val="1D9A78"/>
+            </a:solidFill>
+            <a:ln>
+              <a:noFill/>
+            </a:ln>
           </p:spPr>
           <p:style>
             <a:lnRef idx="2">
@@ -4103,259 +6623,101 @@
             </a:p>
           </p:txBody>
         </p:sp>
-      </p:grpSp>
-      <p:grpSp>
-        <p:nvGrpSpPr>
-          <p:cNvPr id="97" name="Agrupar 96"/>
-          <p:cNvGrpSpPr/>
-          <p:nvPr/>
-        </p:nvGrpSpPr>
-        <p:grpSpPr>
-          <a:xfrm>
-            <a:off x="5465999" y="1115817"/>
-            <a:ext cx="1260000" cy="1835077"/>
-            <a:chOff x="5176179" y="1018596"/>
-            <a:chExt cx="1260000" cy="1835077"/>
-          </a:xfrm>
-        </p:grpSpPr>
-        <p:sp>
-          <p:nvSpPr>
-            <p:cNvPr id="93" name="Corda 92"/>
-            <p:cNvSpPr/>
+        <p:cxnSp>
+          <p:nvCxnSpPr>
+            <p:cNvPr id="136" name="Conector Angulado 135"/>
+            <p:cNvCxnSpPr>
+              <a:stCxn id="172" idx="0"/>
+              <a:endCxn id="52" idx="2"/>
+            </p:cNvCxnSpPr>
             <p:nvPr/>
-          </p:nvSpPr>
+          </p:nvCxnSpPr>
           <p:spPr>
-            <a:xfrm rot="10800000" flipV="1">
-              <a:off x="5176179" y="1593673"/>
-              <a:ext cx="1260000" cy="1260000"/>
+            <a:xfrm rot="5400000" flipH="1" flipV="1">
+              <a:off x="7276674" y="2492475"/>
+              <a:ext cx="1139874" cy="3755611"/>
             </a:xfrm>
-            <a:prstGeom prst="chord">
+            <a:prstGeom prst="bentConnector3">
               <a:avLst>
-                <a:gd name="adj1" fmla="val 10330544"/>
-                <a:gd name="adj2" fmla="val 472351"/>
+                <a:gd name="adj1" fmla="val 50000"/>
               </a:avLst>
             </a:prstGeom>
-            <a:ln w="57150"/>
+            <a:ln w="57150">
+              <a:solidFill>
+                <a:srgbClr val="127056"/>
+              </a:solidFill>
+              <a:tailEnd type="triangle"/>
+            </a:ln>
           </p:spPr>
           <p:style>
-            <a:lnRef idx="2">
-              <a:schemeClr val="accent1">
-                <a:shade val="50000"/>
-              </a:schemeClr>
+            <a:lnRef idx="1">
+              <a:schemeClr val="accent1"/>
             </a:lnRef>
-            <a:fillRef idx="1">
+            <a:fillRef idx="0">
               <a:schemeClr val="accent1"/>
             </a:fillRef>
             <a:effectRef idx="0">
               <a:schemeClr val="accent1"/>
             </a:effectRef>
             <a:fontRef idx="minor">
-              <a:schemeClr val="lt1"/>
+              <a:schemeClr val="tx1"/>
             </a:fontRef>
           </p:style>
-          <p:txBody>
-            <a:bodyPr rtlCol="0" anchor="ctr"/>
-            <a:lstStyle/>
-            <a:p>
-              <a:pPr algn="ctr"/>
-              <a:endParaRPr lang="pt-BR"/>
-            </a:p>
-          </p:txBody>
-        </p:sp>
-        <p:sp>
-          <p:nvSpPr>
-            <p:cNvPr id="94" name="Elipse 93"/>
-            <p:cNvSpPr/>
-            <p:nvPr/>
-          </p:nvSpPr>
-          <p:spPr>
-            <a:xfrm>
-              <a:off x="5446178" y="1018596"/>
-              <a:ext cx="720000" cy="720000"/>
-            </a:xfrm>
-            <a:prstGeom prst="ellipse">
-              <a:avLst/>
-            </a:prstGeom>
-            <a:ln w="57150"/>
-          </p:spPr>
-          <p:style>
-            <a:lnRef idx="2">
-              <a:schemeClr val="accent1">
-                <a:shade val="50000"/>
-              </a:schemeClr>
-            </a:lnRef>
-            <a:fillRef idx="1">
-              <a:schemeClr val="accent1"/>
-            </a:fillRef>
-            <a:effectRef idx="0">
-              <a:schemeClr val="accent1"/>
-            </a:effectRef>
-            <a:fontRef idx="minor">
-              <a:schemeClr val="lt1"/>
-            </a:fontRef>
-          </p:style>
-          <p:txBody>
-            <a:bodyPr rtlCol="0" anchor="ctr"/>
-            <a:lstStyle/>
-            <a:p>
-              <a:pPr algn="ctr"/>
-              <a:endParaRPr lang="pt-BR"/>
-            </a:p>
-          </p:txBody>
-        </p:sp>
+        </p:cxnSp>
       </p:grpSp>
-      <p:grpSp>
-        <p:nvGrpSpPr>
-          <p:cNvPr id="98" name="Agrupar 97"/>
-          <p:cNvGrpSpPr/>
-          <p:nvPr/>
-        </p:nvGrpSpPr>
-        <p:grpSpPr>
-          <a:xfrm>
-            <a:off x="9336746" y="2375817"/>
-            <a:ext cx="1260000" cy="1835077"/>
-            <a:chOff x="8357346" y="2278596"/>
-            <a:chExt cx="1260000" cy="1835077"/>
-          </a:xfrm>
-        </p:grpSpPr>
-        <p:sp>
-          <p:nvSpPr>
-            <p:cNvPr id="95" name="Corda 94"/>
-            <p:cNvSpPr/>
-            <p:nvPr/>
-          </p:nvSpPr>
-          <p:spPr>
-            <a:xfrm rot="10800000" flipV="1">
-              <a:off x="8357346" y="2853673"/>
-              <a:ext cx="1260000" cy="1260000"/>
-            </a:xfrm>
-            <a:prstGeom prst="chord">
-              <a:avLst>
-                <a:gd name="adj1" fmla="val 10330544"/>
-                <a:gd name="adj2" fmla="val 472351"/>
-              </a:avLst>
-            </a:prstGeom>
-            <a:ln w="57150"/>
-          </p:spPr>
-          <p:style>
-            <a:lnRef idx="2">
-              <a:schemeClr val="accent1">
-                <a:shade val="50000"/>
-              </a:schemeClr>
-            </a:lnRef>
-            <a:fillRef idx="1">
-              <a:schemeClr val="accent1"/>
-            </a:fillRef>
-            <a:effectRef idx="0">
-              <a:schemeClr val="accent1"/>
-            </a:effectRef>
-            <a:fontRef idx="minor">
-              <a:schemeClr val="lt1"/>
-            </a:fontRef>
-          </p:style>
-          <p:txBody>
-            <a:bodyPr rtlCol="0" anchor="ctr"/>
-            <a:lstStyle/>
-            <a:p>
-              <a:pPr algn="ctr"/>
-              <a:endParaRPr lang="pt-BR"/>
-            </a:p>
-          </p:txBody>
-        </p:sp>
-        <p:sp>
-          <p:nvSpPr>
-            <p:cNvPr id="96" name="Elipse 95"/>
-            <p:cNvSpPr/>
-            <p:nvPr/>
-          </p:nvSpPr>
-          <p:spPr>
-            <a:xfrm>
-              <a:off x="8627345" y="2278596"/>
-              <a:ext cx="720000" cy="720000"/>
-            </a:xfrm>
-            <a:prstGeom prst="ellipse">
-              <a:avLst/>
-            </a:prstGeom>
-            <a:ln w="57150"/>
-          </p:spPr>
-          <p:style>
-            <a:lnRef idx="2">
-              <a:schemeClr val="accent1">
-                <a:shade val="50000"/>
-              </a:schemeClr>
-            </a:lnRef>
-            <a:fillRef idx="1">
-              <a:schemeClr val="accent1"/>
-            </a:fillRef>
-            <a:effectRef idx="0">
-              <a:schemeClr val="accent1"/>
-            </a:effectRef>
-            <a:fontRef idx="minor">
-              <a:schemeClr val="lt1"/>
-            </a:fontRef>
-          </p:style>
-          <p:txBody>
-            <a:bodyPr rtlCol="0" anchor="ctr"/>
-            <a:lstStyle/>
-            <a:p>
-              <a:pPr algn="ctr"/>
-              <a:endParaRPr lang="pt-BR"/>
-            </a:p>
-          </p:txBody>
-        </p:sp>
-      </p:grpSp>
-      <p:cxnSp>
-        <p:nvCxnSpPr>
-          <p:cNvPr id="107" name="Conector de Seta Reta 106"/>
-          <p:cNvCxnSpPr/>
-          <p:nvPr/>
-        </p:nvCxnSpPr>
-        <p:spPr>
-          <a:xfrm>
-            <a:off x="6096000" y="2540000"/>
-            <a:ext cx="10436" cy="753356"/>
-          </a:xfrm>
-          <a:prstGeom prst="straightConnector1">
-            <a:avLst/>
-          </a:prstGeom>
-          <a:ln w="76200">
-            <a:headEnd type="triangle"/>
-            <a:tailEnd type="triangle"/>
-          </a:ln>
-        </p:spPr>
-        <p:style>
-          <a:lnRef idx="1">
-            <a:schemeClr val="accent1"/>
-          </a:lnRef>
-          <a:fillRef idx="0">
-            <a:schemeClr val="accent1"/>
-          </a:fillRef>
-          <a:effectRef idx="0">
-            <a:schemeClr val="accent1"/>
-          </a:effectRef>
-          <a:fontRef idx="minor">
-            <a:schemeClr val="tx1"/>
-          </a:fontRef>
-        </p:style>
-      </p:cxnSp>
+    </p:spTree>
+    <p:extLst>
+      <p:ext uri="{BB962C8B-B14F-4D97-AF65-F5344CB8AC3E}">
+        <p14:creationId xmlns:p14="http://schemas.microsoft.com/office/powerpoint/2010/main" val="666603160"/>
+      </p:ext>
+    </p:extLst>
+  </p:cSld>
+  <p:clrMapOvr>
+    <a:masterClrMapping/>
+  </p:clrMapOvr>
+  <p:timing>
+    <p:tnLst>
+      <p:par>
+        <p:cTn id="1" dur="indefinite" restart="never" nodeType="tmRoot"/>
+      </p:par>
+    </p:tnLst>
+  </p:timing>
+</p:sld>
+</file>
+
+<file path=ppt/slides/slide4.xml><?xml version="1.0" encoding="utf-8"?>
+<p:sld xmlns:a="http://schemas.openxmlformats.org/drawingml/2006/main" xmlns:r="http://schemas.openxmlformats.org/officeDocument/2006/relationships" xmlns:p="http://schemas.openxmlformats.org/presentationml/2006/main">
+  <p:cSld>
+    <p:spTree>
+      <p:nvGrpSpPr>
+        <p:cNvPr id="1" name=""/>
+        <p:cNvGrpSpPr/>
+        <p:nvPr/>
+      </p:nvGrpSpPr>
+      <p:grpSpPr>
+        <a:xfrm>
+          <a:off x="0" y="0"/>
+          <a:ext cx="0" cy="0"/>
+          <a:chOff x="0" y="0"/>
+          <a:chExt cx="0" cy="0"/>
+        </a:xfrm>
+      </p:grpSpPr>
       <p:sp>
         <p:nvSpPr>
-          <p:cNvPr id="115" name="Retângulo 114"/>
+          <p:cNvPr id="5" name="Retângulo 4"/>
           <p:cNvSpPr/>
           <p:nvPr/>
         </p:nvSpPr>
         <p:spPr>
           <a:xfrm>
-            <a:off x="8741280" y="1690893"/>
-            <a:ext cx="2450930" cy="528744"/>
+            <a:off x="791691" y="0"/>
+            <a:ext cx="11400309" cy="3429000"/>
           </a:xfrm>
           <a:prstGeom prst="rect">
             <a:avLst/>
           </a:prstGeom>
           <a:solidFill>
-            <a:schemeClr val="bg2">
-              <a:lumMod val="90000"/>
-            </a:schemeClr>
+            <a:srgbClr val="D49275"/>
           </a:solidFill>
           <a:ln>
             <a:noFill/>
@@ -4382,48 +6744,26 @@
           <a:lstStyle/>
           <a:p>
             <a:pPr algn="ctr"/>
-            <a:r>
-              <a:rPr lang="pt-BR" sz="2400" dirty="0" smtClean="0">
-                <a:solidFill>
-                  <a:schemeClr val="bg2">
-                    <a:lumMod val="10000"/>
-                  </a:schemeClr>
-                </a:solidFill>
-                <a:latin typeface="Arial" panose="020B0604020202020204" pitchFamily="34" charset="0"/>
-                <a:cs typeface="Arial" panose="020B0604020202020204" pitchFamily="34" charset="0"/>
-              </a:rPr>
-              <a:t>Desenvolvedor</a:t>
-            </a:r>
-            <a:endParaRPr lang="pt-BR" sz="2400" dirty="0">
-              <a:solidFill>
-                <a:schemeClr val="bg2">
-                  <a:lumMod val="10000"/>
-                </a:schemeClr>
-              </a:solidFill>
-              <a:latin typeface="Arial" panose="020B0604020202020204" pitchFamily="34" charset="0"/>
-              <a:cs typeface="Arial" panose="020B0604020202020204" pitchFamily="34" charset="0"/>
-            </a:endParaRPr>
+            <a:endParaRPr lang="pt-BR" sz="1600"/>
           </a:p>
         </p:txBody>
       </p:sp>
       <p:sp>
         <p:nvSpPr>
-          <p:cNvPr id="118" name="Retângulo 117"/>
+          <p:cNvPr id="6" name="Retângulo 5"/>
           <p:cNvSpPr/>
           <p:nvPr/>
         </p:nvSpPr>
         <p:spPr>
           <a:xfrm>
-            <a:off x="4125912" y="5250039"/>
-            <a:ext cx="3940176" cy="551735"/>
+            <a:off x="791691" y="3429000"/>
+            <a:ext cx="11400309" cy="3429000"/>
           </a:xfrm>
           <a:prstGeom prst="rect">
             <a:avLst/>
           </a:prstGeom>
           <a:solidFill>
-            <a:schemeClr val="bg2">
-              <a:lumMod val="90000"/>
-            </a:schemeClr>
+            <a:srgbClr val="77C2AE"/>
           </a:solidFill>
           <a:ln>
             <a:noFill/>
@@ -4450,58 +6790,400 @@
           <a:lstStyle/>
           <a:p>
             <a:pPr algn="ctr"/>
+            <a:endParaRPr lang="pt-BR" sz="1600"/>
+          </a:p>
+        </p:txBody>
+      </p:sp>
+      <p:sp>
+        <p:nvSpPr>
+          <p:cNvPr id="7" name="Retângulo 6"/>
+          <p:cNvSpPr/>
+          <p:nvPr/>
+        </p:nvSpPr>
+        <p:spPr>
+          <a:xfrm>
+            <a:off x="0" y="3429000"/>
+            <a:ext cx="791691" cy="3429000"/>
+          </a:xfrm>
+          <a:prstGeom prst="rect">
+            <a:avLst/>
+          </a:prstGeom>
+          <a:ln>
+            <a:noFill/>
+          </a:ln>
+        </p:spPr>
+        <p:style>
+          <a:lnRef idx="2">
+            <a:schemeClr val="accent1">
+              <a:shade val="50000"/>
+            </a:schemeClr>
+          </a:lnRef>
+          <a:fillRef idx="1">
+            <a:schemeClr val="accent1"/>
+          </a:fillRef>
+          <a:effectRef idx="0">
+            <a:schemeClr val="accent1"/>
+          </a:effectRef>
+          <a:fontRef idx="minor">
+            <a:schemeClr val="lt1"/>
+          </a:fontRef>
+        </p:style>
+        <p:txBody>
+          <a:bodyPr vert="vert270" rtlCol="0" anchor="ctr"/>
+          <a:lstStyle/>
+          <a:p>
+            <a:pPr algn="ctr"/>
             <a:r>
-              <a:rPr lang="pt-BR" sz="2400" dirty="0" smtClean="0">
-                <a:solidFill>
-                  <a:schemeClr val="bg2">
-                    <a:lumMod val="10000"/>
-                  </a:schemeClr>
-                </a:solidFill>
+              <a:rPr lang="pt-BR" sz="2000" dirty="0" smtClean="0">
                 <a:latin typeface="Arial" panose="020B0604020202020204" pitchFamily="34" charset="0"/>
                 <a:cs typeface="Arial" panose="020B0604020202020204" pitchFamily="34" charset="0"/>
               </a:rPr>
-              <a:t>Repositório compartilhado</a:t>
+              <a:t>Integrador</a:t>
             </a:r>
-            <a:endParaRPr lang="pt-BR" sz="2400" dirty="0">
-              <a:solidFill>
-                <a:schemeClr val="bg2">
-                  <a:lumMod val="10000"/>
-                </a:schemeClr>
-              </a:solidFill>
+            <a:endParaRPr lang="pt-BR" sz="2000" dirty="0">
               <a:latin typeface="Arial" panose="020B0604020202020204" pitchFamily="34" charset="0"/>
               <a:cs typeface="Arial" panose="020B0604020202020204" pitchFamily="34" charset="0"/>
             </a:endParaRPr>
+          </a:p>
+        </p:txBody>
+      </p:sp>
+      <p:sp>
+        <p:nvSpPr>
+          <p:cNvPr id="8" name="Retângulo 7"/>
+          <p:cNvSpPr/>
+          <p:nvPr/>
+        </p:nvSpPr>
+        <p:spPr>
+          <a:xfrm>
+            <a:off x="1938367" y="530449"/>
+            <a:ext cx="1324026" cy="751481"/>
+          </a:xfrm>
+          <a:prstGeom prst="rect">
+            <a:avLst/>
+          </a:prstGeom>
+        </p:spPr>
+        <p:style>
+          <a:lnRef idx="2">
+            <a:schemeClr val="accent5">
+              <a:shade val="50000"/>
+            </a:schemeClr>
+          </a:lnRef>
+          <a:fillRef idx="1">
+            <a:schemeClr val="accent5"/>
+          </a:fillRef>
+          <a:effectRef idx="0">
+            <a:schemeClr val="accent5"/>
+          </a:effectRef>
+          <a:fontRef idx="minor">
+            <a:schemeClr val="lt1"/>
+          </a:fontRef>
+        </p:style>
+        <p:txBody>
+          <a:bodyPr rtlCol="0" anchor="ctr"/>
+          <a:lstStyle/>
+          <a:p>
+            <a:pPr algn="ctr"/>
+            <a:r>
+              <a:rPr lang="pt-BR" sz="1600" dirty="0" smtClean="0"/>
+              <a:t>Criar cópia </a:t>
+            </a:r>
+            <a:r>
+              <a:rPr lang="pt-BR" sz="1600" dirty="0"/>
+              <a:t>p</a:t>
+            </a:r>
+            <a:r>
+              <a:rPr lang="pt-BR" sz="1600" dirty="0" smtClean="0"/>
+              <a:t>ública (</a:t>
+            </a:r>
+            <a:r>
+              <a:rPr lang="pt-BR" sz="1600" dirty="0" err="1" smtClean="0"/>
+              <a:t>Fork</a:t>
+            </a:r>
+            <a:r>
+              <a:rPr lang="pt-BR" sz="1600" dirty="0" smtClean="0"/>
+              <a:t>)</a:t>
+            </a:r>
+            <a:endParaRPr lang="pt-BR" sz="1600" dirty="0"/>
+          </a:p>
+        </p:txBody>
+      </p:sp>
+      <p:sp>
+        <p:nvSpPr>
+          <p:cNvPr id="9" name="Retângulo 8"/>
+          <p:cNvSpPr/>
+          <p:nvPr/>
+        </p:nvSpPr>
+        <p:spPr>
+          <a:xfrm>
+            <a:off x="3649192" y="530448"/>
+            <a:ext cx="1255900" cy="752442"/>
+          </a:xfrm>
+          <a:prstGeom prst="rect">
+            <a:avLst/>
+          </a:prstGeom>
+        </p:spPr>
+        <p:style>
+          <a:lnRef idx="2">
+            <a:schemeClr val="accent5">
+              <a:shade val="50000"/>
+            </a:schemeClr>
+          </a:lnRef>
+          <a:fillRef idx="1">
+            <a:schemeClr val="accent5"/>
+          </a:fillRef>
+          <a:effectRef idx="0">
+            <a:schemeClr val="accent5"/>
+          </a:effectRef>
+          <a:fontRef idx="minor">
+            <a:schemeClr val="lt1"/>
+          </a:fontRef>
+        </p:style>
+        <p:txBody>
+          <a:bodyPr rtlCol="0" anchor="ctr"/>
+          <a:lstStyle/>
+          <a:p>
+            <a:pPr algn="ctr"/>
+            <a:r>
+              <a:rPr lang="pt-BR" sz="1600" dirty="0" smtClean="0"/>
+              <a:t>Criar cópia </a:t>
+            </a:r>
+            <a:r>
+              <a:rPr lang="pt-BR" sz="1600" dirty="0"/>
+              <a:t>l</a:t>
+            </a:r>
+            <a:r>
+              <a:rPr lang="pt-BR" sz="1600" dirty="0" smtClean="0"/>
+              <a:t>ocal (Clone)</a:t>
+            </a:r>
+            <a:endParaRPr lang="pt-BR" sz="1600" dirty="0"/>
+          </a:p>
+        </p:txBody>
+      </p:sp>
+      <p:sp>
+        <p:nvSpPr>
+          <p:cNvPr id="10" name="Retângulo 9"/>
+          <p:cNvSpPr/>
+          <p:nvPr/>
+        </p:nvSpPr>
+        <p:spPr>
+          <a:xfrm>
+            <a:off x="5339756" y="530448"/>
+            <a:ext cx="1365513" cy="752442"/>
+          </a:xfrm>
+          <a:prstGeom prst="rect">
+            <a:avLst/>
+          </a:prstGeom>
+        </p:spPr>
+        <p:style>
+          <a:lnRef idx="2">
+            <a:schemeClr val="accent5">
+              <a:shade val="50000"/>
+            </a:schemeClr>
+          </a:lnRef>
+          <a:fillRef idx="1">
+            <a:schemeClr val="accent5"/>
+          </a:fillRef>
+          <a:effectRef idx="0">
+            <a:schemeClr val="accent5"/>
+          </a:effectRef>
+          <a:fontRef idx="minor">
+            <a:schemeClr val="lt1"/>
+          </a:fontRef>
+        </p:style>
+        <p:txBody>
+          <a:bodyPr rtlCol="0" anchor="ctr"/>
+          <a:lstStyle/>
+          <a:p>
+            <a:pPr algn="ctr"/>
+            <a:r>
+              <a:rPr lang="pt-BR" sz="1600" dirty="0" smtClean="0"/>
+              <a:t>Realizar modificações (</a:t>
+            </a:r>
+            <a:r>
+              <a:rPr lang="pt-BR" sz="1600" dirty="0" err="1" smtClean="0"/>
+              <a:t>Commits</a:t>
+            </a:r>
+            <a:r>
+              <a:rPr lang="pt-BR" sz="1600" dirty="0" smtClean="0"/>
+              <a:t>)</a:t>
+            </a:r>
+            <a:endParaRPr lang="pt-BR" sz="1600" dirty="0"/>
+          </a:p>
+        </p:txBody>
+      </p:sp>
+      <p:sp>
+        <p:nvSpPr>
+          <p:cNvPr id="11" name="Retângulo 10"/>
+          <p:cNvSpPr/>
+          <p:nvPr/>
+        </p:nvSpPr>
+        <p:spPr>
+          <a:xfrm>
+            <a:off x="6802312" y="2189628"/>
+            <a:ext cx="1478900" cy="837374"/>
+          </a:xfrm>
+          <a:prstGeom prst="rect">
+            <a:avLst/>
+          </a:prstGeom>
+        </p:spPr>
+        <p:style>
+          <a:lnRef idx="2">
+            <a:schemeClr val="accent5">
+              <a:shade val="50000"/>
+            </a:schemeClr>
+          </a:lnRef>
+          <a:fillRef idx="1">
+            <a:schemeClr val="accent5"/>
+          </a:fillRef>
+          <a:effectRef idx="0">
+            <a:schemeClr val="accent5"/>
+          </a:effectRef>
+          <a:fontRef idx="minor">
+            <a:schemeClr val="lt1"/>
+          </a:fontRef>
+        </p:style>
+        <p:txBody>
+          <a:bodyPr rtlCol="0" anchor="ctr"/>
+          <a:lstStyle/>
+          <a:p>
+            <a:pPr algn="ctr"/>
+            <a:r>
+              <a:rPr lang="pt-BR" sz="1600" dirty="0" smtClean="0"/>
+              <a:t>Enviar modificações (</a:t>
+            </a:r>
+            <a:r>
+              <a:rPr lang="pt-BR" sz="1600" dirty="0" err="1" smtClean="0"/>
+              <a:t>Push</a:t>
+            </a:r>
+            <a:r>
+              <a:rPr lang="pt-BR" sz="1600" dirty="0" smtClean="0"/>
+              <a:t>)</a:t>
+            </a:r>
+            <a:endParaRPr lang="pt-BR" sz="1600" dirty="0"/>
+          </a:p>
+        </p:txBody>
+      </p:sp>
+      <p:sp>
+        <p:nvSpPr>
+          <p:cNvPr id="12" name="Retângulo 11"/>
+          <p:cNvSpPr/>
+          <p:nvPr/>
+        </p:nvSpPr>
+        <p:spPr>
+          <a:xfrm>
+            <a:off x="8596792" y="2189628"/>
+            <a:ext cx="1385408" cy="837374"/>
+          </a:xfrm>
+          <a:prstGeom prst="rect">
+            <a:avLst/>
+          </a:prstGeom>
+        </p:spPr>
+        <p:style>
+          <a:lnRef idx="2">
+            <a:schemeClr val="accent5">
+              <a:shade val="50000"/>
+            </a:schemeClr>
+          </a:lnRef>
+          <a:fillRef idx="1">
+            <a:schemeClr val="accent5"/>
+          </a:fillRef>
+          <a:effectRef idx="0">
+            <a:schemeClr val="accent5"/>
+          </a:effectRef>
+          <a:fontRef idx="minor">
+            <a:schemeClr val="lt1"/>
+          </a:fontRef>
+        </p:style>
+        <p:txBody>
+          <a:bodyPr rtlCol="0" anchor="ctr"/>
+          <a:lstStyle/>
+          <a:p>
+            <a:pPr algn="ctr"/>
+            <a:r>
+              <a:rPr lang="pt-BR" sz="1600" dirty="0" smtClean="0"/>
+              <a:t>Submeter solicitação (Pull Request)</a:t>
+            </a:r>
+            <a:endParaRPr lang="pt-BR" sz="1600" dirty="0"/>
+          </a:p>
+        </p:txBody>
+      </p:sp>
+      <p:sp>
+        <p:nvSpPr>
+          <p:cNvPr id="13" name="Retângulo 12"/>
+          <p:cNvSpPr/>
+          <p:nvPr/>
+        </p:nvSpPr>
+        <p:spPr>
+          <a:xfrm>
+            <a:off x="10395125" y="2189628"/>
+            <a:ext cx="1311100" cy="837374"/>
+          </a:xfrm>
+          <a:prstGeom prst="rect">
+            <a:avLst/>
+          </a:prstGeom>
+        </p:spPr>
+        <p:style>
+          <a:lnRef idx="2">
+            <a:schemeClr val="accent5">
+              <a:shade val="50000"/>
+            </a:schemeClr>
+          </a:lnRef>
+          <a:fillRef idx="1">
+            <a:schemeClr val="accent5"/>
+          </a:fillRef>
+          <a:effectRef idx="0">
+            <a:schemeClr val="accent5"/>
+          </a:effectRef>
+          <a:fontRef idx="minor">
+            <a:schemeClr val="lt1"/>
+          </a:fontRef>
+        </p:style>
+        <p:txBody>
+          <a:bodyPr rtlCol="0" anchor="ctr"/>
+          <a:lstStyle/>
+          <a:p>
+            <a:pPr algn="ctr"/>
+            <a:r>
+              <a:rPr lang="pt-BR" sz="1600" dirty="0" smtClean="0"/>
+              <a:t>Enviar comentários</a:t>
+            </a:r>
+            <a:endParaRPr lang="pt-BR" sz="1600" dirty="0"/>
           </a:p>
         </p:txBody>
       </p:sp>
       <p:cxnSp>
         <p:nvCxnSpPr>
-          <p:cNvPr id="122" name="Conector de Seta Reta 121"/>
-          <p:cNvCxnSpPr/>
+          <p:cNvPr id="14" name="Conector de Seta Reta 13"/>
+          <p:cNvCxnSpPr>
+            <a:stCxn id="30" idx="6"/>
+            <a:endCxn id="8" idx="1"/>
+          </p:cNvCxnSpPr>
           <p:nvPr/>
         </p:nvCxnSpPr>
         <p:spPr>
-          <a:xfrm>
-            <a:off x="2985034" y="3429000"/>
-            <a:ext cx="1325709" cy="342462"/>
+          <a:xfrm flipV="1">
+            <a:off x="1627027" y="906190"/>
+            <a:ext cx="311340" cy="479"/>
           </a:xfrm>
           <a:prstGeom prst="straightConnector1">
             <a:avLst/>
           </a:prstGeom>
-          <a:ln w="76200">
-            <a:headEnd type="triangle"/>
+          <a:ln w="57150">
+            <a:solidFill>
+              <a:srgbClr val="86330F"/>
+            </a:solidFill>
             <a:tailEnd type="triangle"/>
           </a:ln>
         </p:spPr>
         <p:style>
-          <a:lnRef idx="1">
-            <a:schemeClr val="accent1"/>
+          <a:lnRef idx="3">
+            <a:schemeClr val="accent5"/>
           </a:lnRef>
           <a:fillRef idx="0">
-            <a:schemeClr val="accent1"/>
+            <a:schemeClr val="accent5"/>
           </a:fillRef>
-          <a:effectRef idx="0">
-            <a:schemeClr val="accent1"/>
+          <a:effectRef idx="2">
+            <a:schemeClr val="accent5"/>
           </a:effectRef>
           <a:fontRef idx="minor">
             <a:schemeClr val="tx1"/>
@@ -4510,20 +7192,273 @@
       </p:cxnSp>
       <p:cxnSp>
         <p:nvCxnSpPr>
-          <p:cNvPr id="125" name="Conector de Seta Reta 124"/>
-          <p:cNvCxnSpPr/>
+          <p:cNvPr id="15" name="Conector de Seta Reta 14"/>
+          <p:cNvCxnSpPr>
+            <a:stCxn id="8" idx="3"/>
+            <a:endCxn id="9" idx="1"/>
+          </p:cNvCxnSpPr>
           <p:nvPr/>
         </p:nvCxnSpPr>
         <p:spPr>
-          <a:xfrm flipH="1">
-            <a:off x="7881255" y="3429000"/>
-            <a:ext cx="1312013" cy="342462"/>
+          <a:xfrm>
+            <a:off x="3262393" y="906190"/>
+            <a:ext cx="386799" cy="479"/>
           </a:xfrm>
           <a:prstGeom prst="straightConnector1">
             <a:avLst/>
           </a:prstGeom>
-          <a:ln w="76200">
-            <a:headEnd type="triangle"/>
+          <a:ln w="57150">
+            <a:solidFill>
+              <a:srgbClr val="86330F"/>
+            </a:solidFill>
+            <a:tailEnd type="triangle"/>
+          </a:ln>
+        </p:spPr>
+        <p:style>
+          <a:lnRef idx="3">
+            <a:schemeClr val="accent5"/>
+          </a:lnRef>
+          <a:fillRef idx="0">
+            <a:schemeClr val="accent5"/>
+          </a:fillRef>
+          <a:effectRef idx="2">
+            <a:schemeClr val="accent5"/>
+          </a:effectRef>
+          <a:fontRef idx="minor">
+            <a:schemeClr val="tx1"/>
+          </a:fontRef>
+        </p:style>
+      </p:cxnSp>
+      <p:cxnSp>
+        <p:nvCxnSpPr>
+          <p:cNvPr id="16" name="Conector de Seta Reta 15"/>
+          <p:cNvCxnSpPr>
+            <a:stCxn id="9" idx="3"/>
+            <a:endCxn id="10" idx="1"/>
+          </p:cNvCxnSpPr>
+          <p:nvPr/>
+        </p:nvCxnSpPr>
+        <p:spPr>
+          <a:xfrm>
+            <a:off x="4905092" y="906669"/>
+            <a:ext cx="434664" cy="0"/>
+          </a:xfrm>
+          <a:prstGeom prst="straightConnector1">
+            <a:avLst/>
+          </a:prstGeom>
+          <a:ln w="57150">
+            <a:solidFill>
+              <a:srgbClr val="86330F"/>
+            </a:solidFill>
+            <a:tailEnd type="triangle"/>
+          </a:ln>
+        </p:spPr>
+        <p:style>
+          <a:lnRef idx="3">
+            <a:schemeClr val="accent5"/>
+          </a:lnRef>
+          <a:fillRef idx="0">
+            <a:schemeClr val="accent5"/>
+          </a:fillRef>
+          <a:effectRef idx="2">
+            <a:schemeClr val="accent5"/>
+          </a:effectRef>
+          <a:fontRef idx="minor">
+            <a:schemeClr val="tx1"/>
+          </a:fontRef>
+        </p:style>
+      </p:cxnSp>
+      <p:sp>
+        <p:nvSpPr>
+          <p:cNvPr id="17" name="Cilindro 16"/>
+          <p:cNvSpPr/>
+          <p:nvPr/>
+        </p:nvSpPr>
+        <p:spPr>
+          <a:xfrm>
+            <a:off x="2857500" y="1865938"/>
+            <a:ext cx="1173767" cy="753970"/>
+          </a:xfrm>
+          <a:prstGeom prst="can">
+            <a:avLst>
+              <a:gd name="adj" fmla="val 29127"/>
+            </a:avLst>
+          </a:prstGeom>
+        </p:spPr>
+        <p:style>
+          <a:lnRef idx="2">
+            <a:schemeClr val="accent5">
+              <a:shade val="50000"/>
+            </a:schemeClr>
+          </a:lnRef>
+          <a:fillRef idx="1">
+            <a:schemeClr val="accent5"/>
+          </a:fillRef>
+          <a:effectRef idx="0">
+            <a:schemeClr val="accent5"/>
+          </a:effectRef>
+          <a:fontRef idx="minor">
+            <a:schemeClr val="lt1"/>
+          </a:fontRef>
+        </p:style>
+        <p:txBody>
+          <a:bodyPr rtlCol="0" anchor="ctr"/>
+          <a:lstStyle/>
+          <a:p>
+            <a:pPr algn="ctr"/>
+            <a:r>
+              <a:rPr lang="pt-BR" sz="1600" dirty="0" smtClean="0"/>
+              <a:t>Repositório publico</a:t>
+            </a:r>
+            <a:endParaRPr lang="pt-BR" sz="1600" dirty="0"/>
+          </a:p>
+        </p:txBody>
+      </p:sp>
+      <p:sp>
+        <p:nvSpPr>
+          <p:cNvPr id="18" name="Cilindro 17"/>
+          <p:cNvSpPr/>
+          <p:nvPr/>
+        </p:nvSpPr>
+        <p:spPr>
+          <a:xfrm>
+            <a:off x="5439126" y="1702500"/>
+            <a:ext cx="1152174" cy="753970"/>
+          </a:xfrm>
+          <a:prstGeom prst="can">
+            <a:avLst>
+              <a:gd name="adj" fmla="val 29127"/>
+            </a:avLst>
+          </a:prstGeom>
+        </p:spPr>
+        <p:style>
+          <a:lnRef idx="2">
+            <a:schemeClr val="accent5">
+              <a:shade val="50000"/>
+            </a:schemeClr>
+          </a:lnRef>
+          <a:fillRef idx="1">
+            <a:schemeClr val="accent5"/>
+          </a:fillRef>
+          <a:effectRef idx="0">
+            <a:schemeClr val="accent5"/>
+          </a:effectRef>
+          <a:fontRef idx="minor">
+            <a:schemeClr val="lt1"/>
+          </a:fontRef>
+        </p:style>
+        <p:txBody>
+          <a:bodyPr rtlCol="0" anchor="ctr"/>
+          <a:lstStyle/>
+          <a:p>
+            <a:pPr algn="ctr"/>
+            <a:r>
+              <a:rPr lang="pt-BR" sz="1600" dirty="0" smtClean="0"/>
+              <a:t>Repositório local</a:t>
+            </a:r>
+            <a:endParaRPr lang="pt-BR" sz="1600" dirty="0"/>
+          </a:p>
+        </p:txBody>
+      </p:sp>
+      <p:cxnSp>
+        <p:nvCxnSpPr>
+          <p:cNvPr id="19" name="Conector de Seta Reta 18"/>
+          <p:cNvCxnSpPr>
+            <a:stCxn id="12" idx="3"/>
+            <a:endCxn id="13" idx="1"/>
+          </p:cNvCxnSpPr>
+          <p:nvPr/>
+        </p:nvCxnSpPr>
+        <p:spPr>
+          <a:xfrm>
+            <a:off x="9982200" y="2608315"/>
+            <a:ext cx="412925" cy="0"/>
+          </a:xfrm>
+          <a:prstGeom prst="straightConnector1">
+            <a:avLst/>
+          </a:prstGeom>
+          <a:ln w="57150">
+            <a:solidFill>
+              <a:srgbClr val="86330F"/>
+            </a:solidFill>
+            <a:tailEnd type="triangle"/>
+          </a:ln>
+        </p:spPr>
+        <p:style>
+          <a:lnRef idx="3">
+            <a:schemeClr val="accent5"/>
+          </a:lnRef>
+          <a:fillRef idx="0">
+            <a:schemeClr val="accent5"/>
+          </a:fillRef>
+          <a:effectRef idx="2">
+            <a:schemeClr val="accent5"/>
+          </a:effectRef>
+          <a:fontRef idx="minor">
+            <a:schemeClr val="tx1"/>
+          </a:fontRef>
+        </p:style>
+      </p:cxnSp>
+      <p:cxnSp>
+        <p:nvCxnSpPr>
+          <p:cNvPr id="20" name="Conector de Seta Reta 19"/>
+          <p:cNvCxnSpPr>
+            <a:stCxn id="11" idx="3"/>
+            <a:endCxn id="12" idx="1"/>
+          </p:cNvCxnSpPr>
+          <p:nvPr/>
+        </p:nvCxnSpPr>
+        <p:spPr>
+          <a:xfrm>
+            <a:off x="8281212" y="2608315"/>
+            <a:ext cx="315580" cy="0"/>
+          </a:xfrm>
+          <a:prstGeom prst="straightConnector1">
+            <a:avLst/>
+          </a:prstGeom>
+          <a:ln w="57150">
+            <a:solidFill>
+              <a:srgbClr val="86330F"/>
+            </a:solidFill>
+            <a:tailEnd type="triangle"/>
+          </a:ln>
+        </p:spPr>
+        <p:style>
+          <a:lnRef idx="3">
+            <a:schemeClr val="accent5"/>
+          </a:lnRef>
+          <a:fillRef idx="0">
+            <a:schemeClr val="accent5"/>
+          </a:fillRef>
+          <a:effectRef idx="2">
+            <a:schemeClr val="accent5"/>
+          </a:effectRef>
+          <a:fontRef idx="minor">
+            <a:schemeClr val="tx1"/>
+          </a:fontRef>
+        </p:style>
+      </p:cxnSp>
+      <p:cxnSp>
+        <p:nvCxnSpPr>
+          <p:cNvPr id="21" name="Conector Angulado 20"/>
+          <p:cNvCxnSpPr>
+            <a:stCxn id="10" idx="3"/>
+            <a:endCxn id="11" idx="0"/>
+          </p:cNvCxnSpPr>
+          <p:nvPr/>
+        </p:nvCxnSpPr>
+        <p:spPr>
+          <a:xfrm>
+            <a:off x="6705269" y="906669"/>
+            <a:ext cx="836493" cy="1282959"/>
+          </a:xfrm>
+          <a:prstGeom prst="bentConnector2">
+            <a:avLst/>
+          </a:prstGeom>
+          <a:ln w="57150">
+            <a:solidFill>
+              <a:srgbClr val="86330F"/>
+            </a:solidFill>
             <a:tailEnd type="triangle"/>
           </a:ln>
         </p:spPr>
@@ -4544,22 +7479,567 @@
       </p:cxnSp>
       <p:sp>
         <p:nvSpPr>
-          <p:cNvPr id="128" name="Retângulo 127"/>
+          <p:cNvPr id="22" name="CaixaDeTexto 21"/>
+          <p:cNvSpPr txBox="1"/>
+          <p:nvPr/>
+        </p:nvSpPr>
+        <p:spPr>
+          <a:xfrm>
+            <a:off x="865040" y="99753"/>
+            <a:ext cx="983974" cy="584775"/>
+          </a:xfrm>
+          <a:prstGeom prst="rect">
+            <a:avLst/>
+          </a:prstGeom>
+          <a:noFill/>
+        </p:spPr>
+        <p:txBody>
+          <a:bodyPr wrap="square" rtlCol="0">
+            <a:spAutoFit/>
+          </a:bodyPr>
+          <a:lstStyle/>
+          <a:p>
+            <a:pPr algn="ctr"/>
+            <a:r>
+              <a:rPr lang="pt-BR" sz="1600" dirty="0" smtClean="0">
+                <a:solidFill>
+                  <a:schemeClr val="bg1"/>
+                </a:solidFill>
+              </a:rPr>
+              <a:t>Inicio do processo</a:t>
+            </a:r>
+            <a:endParaRPr lang="pt-BR" sz="1600" dirty="0">
+              <a:solidFill>
+                <a:schemeClr val="bg1"/>
+              </a:solidFill>
+            </a:endParaRPr>
+          </a:p>
+        </p:txBody>
+      </p:sp>
+      <p:sp>
+        <p:nvSpPr>
+          <p:cNvPr id="23" name="Retângulo 22"/>
           <p:cNvSpPr/>
           <p:nvPr/>
         </p:nvSpPr>
         <p:spPr>
           <a:xfrm>
-            <a:off x="4880971" y="431962"/>
-            <a:ext cx="2450930" cy="528744"/>
+            <a:off x="1949458" y="4492642"/>
+            <a:ext cx="1578056" cy="752441"/>
           </a:xfrm>
           <a:prstGeom prst="rect">
             <a:avLst/>
           </a:prstGeom>
+        </p:spPr>
+        <p:style>
+          <a:lnRef idx="2">
+            <a:schemeClr val="accent1">
+              <a:shade val="50000"/>
+            </a:schemeClr>
+          </a:lnRef>
+          <a:fillRef idx="1">
+            <a:schemeClr val="accent1"/>
+          </a:fillRef>
+          <a:effectRef idx="0">
+            <a:schemeClr val="accent1"/>
+          </a:effectRef>
+          <a:fontRef idx="minor">
+            <a:schemeClr val="lt1"/>
+          </a:fontRef>
+        </p:style>
+        <p:txBody>
+          <a:bodyPr rtlCol="0" anchor="ctr"/>
+          <a:lstStyle/>
+          <a:p>
+            <a:pPr algn="ctr"/>
+            <a:r>
+              <a:rPr lang="pt-BR" sz="1600" dirty="0" smtClean="0"/>
+              <a:t>Atualizar modificações (Pull e Merge)</a:t>
+            </a:r>
+            <a:endParaRPr lang="pt-BR" sz="1600" dirty="0"/>
+          </a:p>
+        </p:txBody>
+      </p:sp>
+      <p:sp>
+        <p:nvSpPr>
+          <p:cNvPr id="24" name="Retângulo 23"/>
+          <p:cNvSpPr/>
+          <p:nvPr/>
+        </p:nvSpPr>
+        <p:spPr>
+          <a:xfrm>
+            <a:off x="4164717" y="4492643"/>
+            <a:ext cx="1274409" cy="752441"/>
+          </a:xfrm>
+          <a:prstGeom prst="rect">
+            <a:avLst/>
+          </a:prstGeom>
+        </p:spPr>
+        <p:style>
+          <a:lnRef idx="2">
+            <a:schemeClr val="accent1">
+              <a:shade val="50000"/>
+            </a:schemeClr>
+          </a:lnRef>
+          <a:fillRef idx="1">
+            <a:schemeClr val="accent1"/>
+          </a:fillRef>
+          <a:effectRef idx="0">
+            <a:schemeClr val="accent1"/>
+          </a:effectRef>
+          <a:fontRef idx="minor">
+            <a:schemeClr val="lt1"/>
+          </a:fontRef>
+        </p:style>
+        <p:txBody>
+          <a:bodyPr rtlCol="0" anchor="ctr"/>
+          <a:lstStyle/>
+          <a:p>
+            <a:pPr algn="ctr"/>
+            <a:r>
+              <a:rPr lang="pt-BR" sz="1600" dirty="0" smtClean="0"/>
+              <a:t>Revisar modificações</a:t>
+            </a:r>
+            <a:endParaRPr lang="pt-BR" sz="1600" dirty="0"/>
+          </a:p>
+        </p:txBody>
+      </p:sp>
+      <p:sp>
+        <p:nvSpPr>
+          <p:cNvPr id="25" name="Retângulo 24"/>
+          <p:cNvSpPr/>
+          <p:nvPr/>
+        </p:nvSpPr>
+        <p:spPr>
+          <a:xfrm>
+            <a:off x="6234495" y="4491582"/>
+            <a:ext cx="1345756" cy="752441"/>
+          </a:xfrm>
+          <a:prstGeom prst="rect">
+            <a:avLst/>
+          </a:prstGeom>
+        </p:spPr>
+        <p:style>
+          <a:lnRef idx="2">
+            <a:schemeClr val="accent1">
+              <a:shade val="50000"/>
+            </a:schemeClr>
+          </a:lnRef>
+          <a:fillRef idx="1">
+            <a:schemeClr val="accent1"/>
+          </a:fillRef>
+          <a:effectRef idx="0">
+            <a:schemeClr val="accent1"/>
+          </a:effectRef>
+          <a:fontRef idx="minor">
+            <a:schemeClr val="lt1"/>
+          </a:fontRef>
+        </p:style>
+        <p:txBody>
+          <a:bodyPr rtlCol="0" anchor="ctr"/>
+          <a:lstStyle/>
+          <a:p>
+            <a:pPr algn="ctr"/>
+            <a:r>
+              <a:rPr lang="pt-BR" sz="1600" dirty="0" smtClean="0"/>
+              <a:t>Enviar comentários</a:t>
+            </a:r>
+            <a:endParaRPr lang="pt-BR" sz="1600" dirty="0"/>
+          </a:p>
+        </p:txBody>
+      </p:sp>
+      <p:sp>
+        <p:nvSpPr>
+          <p:cNvPr id="27" name="Retângulo 26"/>
+          <p:cNvSpPr/>
+          <p:nvPr/>
+        </p:nvSpPr>
+        <p:spPr>
+          <a:xfrm>
+            <a:off x="5905500" y="5719782"/>
+            <a:ext cx="1533525" cy="752441"/>
+          </a:xfrm>
+          <a:prstGeom prst="rect">
+            <a:avLst/>
+          </a:prstGeom>
+        </p:spPr>
+        <p:style>
+          <a:lnRef idx="2">
+            <a:schemeClr val="accent1">
+              <a:shade val="50000"/>
+            </a:schemeClr>
+          </a:lnRef>
+          <a:fillRef idx="1">
+            <a:schemeClr val="accent1"/>
+          </a:fillRef>
+          <a:effectRef idx="0">
+            <a:schemeClr val="accent1"/>
+          </a:effectRef>
+          <a:fontRef idx="minor">
+            <a:schemeClr val="lt1"/>
+          </a:fontRef>
+        </p:style>
+        <p:txBody>
+          <a:bodyPr rtlCol="0" anchor="ctr"/>
+          <a:lstStyle/>
+          <a:p>
+            <a:pPr algn="ctr"/>
+            <a:r>
+              <a:rPr lang="pt-BR" sz="1600" dirty="0" smtClean="0"/>
+              <a:t>Definir estágio final das modificações</a:t>
+            </a:r>
+            <a:endParaRPr lang="pt-BR" sz="1600" dirty="0"/>
+          </a:p>
+        </p:txBody>
+      </p:sp>
+      <p:sp>
+        <p:nvSpPr>
+          <p:cNvPr id="28" name="Cilindro 27"/>
+          <p:cNvSpPr/>
+          <p:nvPr/>
+        </p:nvSpPr>
+        <p:spPr>
+          <a:xfrm>
+            <a:off x="4570882" y="3531649"/>
+            <a:ext cx="1254859" cy="753970"/>
+          </a:xfrm>
+          <a:prstGeom prst="can">
+            <a:avLst>
+              <a:gd name="adj" fmla="val 29127"/>
+            </a:avLst>
+          </a:prstGeom>
+        </p:spPr>
+        <p:style>
+          <a:lnRef idx="2">
+            <a:schemeClr val="accent1">
+              <a:shade val="50000"/>
+            </a:schemeClr>
+          </a:lnRef>
+          <a:fillRef idx="1">
+            <a:schemeClr val="accent1"/>
+          </a:fillRef>
+          <a:effectRef idx="0">
+            <a:schemeClr val="accent1"/>
+          </a:effectRef>
+          <a:fontRef idx="minor">
+            <a:schemeClr val="lt1"/>
+          </a:fontRef>
+        </p:style>
+        <p:txBody>
+          <a:bodyPr rtlCol="0" anchor="ctr"/>
+          <a:lstStyle/>
+          <a:p>
+            <a:pPr algn="ctr"/>
+            <a:r>
+              <a:rPr lang="pt-BR" sz="1600" dirty="0" smtClean="0"/>
+              <a:t>Repositório principal</a:t>
+            </a:r>
+            <a:endParaRPr lang="pt-BR" sz="1600" dirty="0"/>
+          </a:p>
+        </p:txBody>
+      </p:sp>
+      <p:sp>
+        <p:nvSpPr>
+          <p:cNvPr id="29" name="Cilindro 28"/>
+          <p:cNvSpPr/>
+          <p:nvPr/>
+        </p:nvSpPr>
+        <p:spPr>
+          <a:xfrm>
+            <a:off x="3166268" y="5841695"/>
+            <a:ext cx="1177132" cy="753970"/>
+          </a:xfrm>
+          <a:prstGeom prst="can">
+            <a:avLst>
+              <a:gd name="adj" fmla="val 29127"/>
+            </a:avLst>
+          </a:prstGeom>
+        </p:spPr>
+        <p:style>
+          <a:lnRef idx="2">
+            <a:schemeClr val="accent1">
+              <a:shade val="50000"/>
+            </a:schemeClr>
+          </a:lnRef>
+          <a:fillRef idx="1">
+            <a:schemeClr val="accent1"/>
+          </a:fillRef>
+          <a:effectRef idx="0">
+            <a:schemeClr val="accent1"/>
+          </a:effectRef>
+          <a:fontRef idx="minor">
+            <a:schemeClr val="lt1"/>
+          </a:fontRef>
+        </p:style>
+        <p:txBody>
+          <a:bodyPr rtlCol="0" anchor="ctr"/>
+          <a:lstStyle/>
+          <a:p>
+            <a:pPr algn="ctr"/>
+            <a:r>
+              <a:rPr lang="pt-BR" sz="1600" dirty="0" smtClean="0"/>
+              <a:t>Repositório local</a:t>
+            </a:r>
+            <a:endParaRPr lang="pt-BR" sz="1600" dirty="0"/>
+          </a:p>
+        </p:txBody>
+      </p:sp>
+      <p:sp>
+        <p:nvSpPr>
+          <p:cNvPr id="30" name="Elipse 29"/>
+          <p:cNvSpPr/>
+          <p:nvPr/>
+        </p:nvSpPr>
+        <p:spPr>
+          <a:xfrm>
+            <a:off x="1087027" y="636669"/>
+            <a:ext cx="540000" cy="540000"/>
+          </a:xfrm>
+          <a:prstGeom prst="ellipse">
+            <a:avLst/>
+          </a:prstGeom>
+        </p:spPr>
+        <p:style>
+          <a:lnRef idx="2">
+            <a:schemeClr val="accent5">
+              <a:shade val="50000"/>
+            </a:schemeClr>
+          </a:lnRef>
+          <a:fillRef idx="1">
+            <a:schemeClr val="accent5"/>
+          </a:fillRef>
+          <a:effectRef idx="0">
+            <a:schemeClr val="accent5"/>
+          </a:effectRef>
+          <a:fontRef idx="minor">
+            <a:schemeClr val="lt1"/>
+          </a:fontRef>
+        </p:style>
+        <p:txBody>
+          <a:bodyPr rtlCol="0" anchor="ctr"/>
+          <a:lstStyle/>
+          <a:p>
+            <a:pPr algn="ctr"/>
+            <a:endParaRPr lang="pt-BR" sz="1600"/>
+          </a:p>
+        </p:txBody>
+      </p:sp>
+      <p:sp>
+        <p:nvSpPr>
+          <p:cNvPr id="31" name="Elipse 30"/>
+          <p:cNvSpPr/>
+          <p:nvPr/>
+        </p:nvSpPr>
+        <p:spPr>
+          <a:xfrm>
+            <a:off x="10935868" y="4600328"/>
+            <a:ext cx="540000" cy="540000"/>
+          </a:xfrm>
+          <a:prstGeom prst="ellipse">
+            <a:avLst/>
+          </a:prstGeom>
+        </p:spPr>
+        <p:style>
+          <a:lnRef idx="2">
+            <a:schemeClr val="accent6">
+              <a:shade val="50000"/>
+            </a:schemeClr>
+          </a:lnRef>
+          <a:fillRef idx="1">
+            <a:schemeClr val="accent6"/>
+          </a:fillRef>
+          <a:effectRef idx="0">
+            <a:schemeClr val="accent6"/>
+          </a:effectRef>
+          <a:fontRef idx="minor">
+            <a:schemeClr val="lt1"/>
+          </a:fontRef>
+        </p:style>
+        <p:txBody>
+          <a:bodyPr rtlCol="0" anchor="ctr"/>
+          <a:lstStyle/>
+          <a:p>
+            <a:pPr algn="ctr"/>
+            <a:endParaRPr lang="pt-BR" sz="1600"/>
+          </a:p>
+        </p:txBody>
+      </p:sp>
+      <p:sp>
+        <p:nvSpPr>
+          <p:cNvPr id="32" name="Elipse 31"/>
+          <p:cNvSpPr/>
+          <p:nvPr/>
+        </p:nvSpPr>
+        <p:spPr>
+          <a:xfrm>
+            <a:off x="10936612" y="5823689"/>
+            <a:ext cx="540000" cy="540000"/>
+          </a:xfrm>
+          <a:prstGeom prst="ellipse">
+            <a:avLst/>
+          </a:prstGeom>
+        </p:spPr>
+        <p:style>
+          <a:lnRef idx="2">
+            <a:schemeClr val="accent6">
+              <a:shade val="50000"/>
+            </a:schemeClr>
+          </a:lnRef>
+          <a:fillRef idx="1">
+            <a:schemeClr val="accent6"/>
+          </a:fillRef>
+          <a:effectRef idx="0">
+            <a:schemeClr val="accent6"/>
+          </a:effectRef>
+          <a:fontRef idx="minor">
+            <a:schemeClr val="lt1"/>
+          </a:fontRef>
+        </p:style>
+        <p:txBody>
+          <a:bodyPr rtlCol="0" anchor="ctr"/>
+          <a:lstStyle/>
+          <a:p>
+            <a:pPr algn="ctr"/>
+            <a:endParaRPr lang="pt-BR" sz="1600"/>
+          </a:p>
+        </p:txBody>
+      </p:sp>
+      <p:sp>
+        <p:nvSpPr>
+          <p:cNvPr id="33" name="CaixaDeTexto 32"/>
+          <p:cNvSpPr txBox="1"/>
+          <p:nvPr/>
+        </p:nvSpPr>
+        <p:spPr>
+          <a:xfrm>
+            <a:off x="10785795" y="4256266"/>
+            <a:ext cx="840145" cy="338554"/>
+          </a:xfrm>
+          <a:prstGeom prst="rect">
+            <a:avLst/>
+          </a:prstGeom>
+          <a:noFill/>
+        </p:spPr>
+        <p:txBody>
+          <a:bodyPr wrap="square" rtlCol="0">
+            <a:spAutoFit/>
+          </a:bodyPr>
+          <a:lstStyle/>
+          <a:p>
+            <a:pPr algn="ctr"/>
+            <a:r>
+              <a:rPr lang="pt-BR" sz="1600" dirty="0" err="1" smtClean="0">
+                <a:solidFill>
+                  <a:schemeClr val="bg1"/>
+                </a:solidFill>
+              </a:rPr>
+              <a:t>Merged</a:t>
+            </a:r>
+            <a:endParaRPr lang="pt-BR" sz="1600" dirty="0">
+              <a:solidFill>
+                <a:schemeClr val="bg1"/>
+              </a:solidFill>
+            </a:endParaRPr>
+          </a:p>
+        </p:txBody>
+      </p:sp>
+      <p:sp>
+        <p:nvSpPr>
+          <p:cNvPr id="34" name="CaixaDeTexto 33"/>
+          <p:cNvSpPr txBox="1"/>
+          <p:nvPr/>
+        </p:nvSpPr>
+        <p:spPr>
+          <a:xfrm>
+            <a:off x="10826715" y="5460045"/>
+            <a:ext cx="748045" cy="338554"/>
+          </a:xfrm>
+          <a:prstGeom prst="rect">
+            <a:avLst/>
+          </a:prstGeom>
+          <a:noFill/>
+        </p:spPr>
+        <p:txBody>
+          <a:bodyPr wrap="square" rtlCol="0">
+            <a:spAutoFit/>
+          </a:bodyPr>
+          <a:lstStyle/>
+          <a:p>
+            <a:pPr algn="ctr"/>
+            <a:r>
+              <a:rPr lang="pt-BR" sz="1600" dirty="0" err="1" smtClean="0">
+                <a:solidFill>
+                  <a:schemeClr val="bg1"/>
+                </a:solidFill>
+              </a:rPr>
+              <a:t>Closed</a:t>
+            </a:r>
+            <a:endParaRPr lang="pt-BR" sz="1600" dirty="0">
+              <a:solidFill>
+                <a:schemeClr val="bg1"/>
+              </a:solidFill>
+            </a:endParaRPr>
+          </a:p>
+        </p:txBody>
+      </p:sp>
+      <p:sp>
+        <p:nvSpPr>
+          <p:cNvPr id="35" name="Fluxograma: Decisão 34"/>
+          <p:cNvSpPr/>
+          <p:nvPr/>
+        </p:nvSpPr>
+        <p:spPr>
+          <a:xfrm>
+            <a:off x="8237361" y="5736002"/>
+            <a:ext cx="718862" cy="720000"/>
+          </a:xfrm>
+          <a:prstGeom prst="flowChartDecision">
+            <a:avLst/>
+          </a:prstGeom>
+        </p:spPr>
+        <p:style>
+          <a:lnRef idx="2">
+            <a:schemeClr val="accent1">
+              <a:shade val="50000"/>
+            </a:schemeClr>
+          </a:lnRef>
+          <a:fillRef idx="1">
+            <a:schemeClr val="accent1"/>
+          </a:fillRef>
+          <a:effectRef idx="0">
+            <a:schemeClr val="accent1"/>
+          </a:effectRef>
+          <a:fontRef idx="minor">
+            <a:schemeClr val="lt1"/>
+          </a:fontRef>
+        </p:style>
+        <p:txBody>
+          <a:bodyPr rtlCol="0" anchor="ctr"/>
+          <a:lstStyle/>
+          <a:p>
+            <a:pPr algn="ctr"/>
+            <a:endParaRPr lang="pt-BR" sz="1600" dirty="0"/>
+          </a:p>
+        </p:txBody>
+      </p:sp>
+      <p:sp>
+        <p:nvSpPr>
+          <p:cNvPr id="36" name="Cruz 35"/>
+          <p:cNvSpPr/>
+          <p:nvPr/>
+        </p:nvSpPr>
+        <p:spPr>
+          <a:xfrm rot="2700000">
+            <a:off x="8420100" y="5916254"/>
+            <a:ext cx="360000" cy="360000"/>
+          </a:xfrm>
+          <a:prstGeom prst="plus">
+            <a:avLst>
+              <a:gd name="adj" fmla="val 40313"/>
+            </a:avLst>
+          </a:prstGeom>
           <a:solidFill>
-            <a:schemeClr val="bg2">
-              <a:lumMod val="90000"/>
-            </a:schemeClr>
+            <a:schemeClr val="bg1"/>
           </a:solidFill>
           <a:ln>
             <a:noFill/>
@@ -4586,52 +8066,556 @@
           <a:lstStyle/>
           <a:p>
             <a:pPr algn="ctr"/>
-            <a:r>
-              <a:rPr lang="pt-BR" sz="2400" dirty="0" smtClean="0">
-                <a:solidFill>
-                  <a:schemeClr val="bg2">
-                    <a:lumMod val="10000"/>
-                  </a:schemeClr>
-                </a:solidFill>
-                <a:latin typeface="Arial" panose="020B0604020202020204" pitchFamily="34" charset="0"/>
-                <a:cs typeface="Arial" panose="020B0604020202020204" pitchFamily="34" charset="0"/>
-              </a:rPr>
-              <a:t>Desenvolvedor</a:t>
-            </a:r>
-            <a:endParaRPr lang="pt-BR" sz="2400" dirty="0">
-              <a:solidFill>
-                <a:schemeClr val="bg2">
-                  <a:lumMod val="10000"/>
-                </a:schemeClr>
-              </a:solidFill>
-              <a:latin typeface="Arial" panose="020B0604020202020204" pitchFamily="34" charset="0"/>
-              <a:cs typeface="Arial" panose="020B0604020202020204" pitchFamily="34" charset="0"/>
-            </a:endParaRPr>
+            <a:endParaRPr lang="pt-BR" sz="1600"/>
           </a:p>
         </p:txBody>
       </p:sp>
+      <p:cxnSp>
+        <p:nvCxnSpPr>
+          <p:cNvPr id="42" name="Conector Angulado 41"/>
+          <p:cNvCxnSpPr>
+            <a:stCxn id="35" idx="0"/>
+            <a:endCxn id="31" idx="4"/>
+          </p:cNvCxnSpPr>
+          <p:nvPr/>
+        </p:nvCxnSpPr>
+        <p:spPr>
+          <a:xfrm rot="5400000" flipH="1" flipV="1">
+            <a:off x="9603493" y="4133627"/>
+            <a:ext cx="595674" cy="2609076"/>
+          </a:xfrm>
+          <a:prstGeom prst="bentConnector3">
+            <a:avLst>
+              <a:gd name="adj1" fmla="val 50000"/>
+            </a:avLst>
+          </a:prstGeom>
+          <a:ln w="57150">
+            <a:solidFill>
+              <a:srgbClr val="127056"/>
+            </a:solidFill>
+            <a:tailEnd type="triangle"/>
+          </a:ln>
+        </p:spPr>
+        <p:style>
+          <a:lnRef idx="1">
+            <a:schemeClr val="accent1"/>
+          </a:lnRef>
+          <a:fillRef idx="0">
+            <a:schemeClr val="accent1"/>
+          </a:fillRef>
+          <a:effectRef idx="0">
+            <a:schemeClr val="accent1"/>
+          </a:effectRef>
+          <a:fontRef idx="minor">
+            <a:schemeClr val="tx1"/>
+          </a:fontRef>
+        </p:style>
+      </p:cxnSp>
+      <p:cxnSp>
+        <p:nvCxnSpPr>
+          <p:cNvPr id="43" name="Conector Angulado 42"/>
+          <p:cNvCxnSpPr>
+            <a:stCxn id="35" idx="3"/>
+            <a:endCxn id="32" idx="2"/>
+          </p:cNvCxnSpPr>
+          <p:nvPr/>
+        </p:nvCxnSpPr>
+        <p:spPr>
+          <a:xfrm flipV="1">
+            <a:off x="8956223" y="6093689"/>
+            <a:ext cx="1980389" cy="2313"/>
+          </a:xfrm>
+          <a:prstGeom prst="bentConnector3">
+            <a:avLst>
+              <a:gd name="adj1" fmla="val 50000"/>
+            </a:avLst>
+          </a:prstGeom>
+          <a:ln w="57150">
+            <a:solidFill>
+              <a:srgbClr val="127056"/>
+            </a:solidFill>
+            <a:tailEnd type="triangle"/>
+          </a:ln>
+        </p:spPr>
+        <p:style>
+          <a:lnRef idx="1">
+            <a:schemeClr val="accent1"/>
+          </a:lnRef>
+          <a:fillRef idx="0">
+            <a:schemeClr val="accent1"/>
+          </a:fillRef>
+          <a:effectRef idx="0">
+            <a:schemeClr val="accent1"/>
+          </a:effectRef>
+          <a:fontRef idx="minor">
+            <a:schemeClr val="tx1"/>
+          </a:fontRef>
+        </p:style>
+      </p:cxnSp>
+      <p:cxnSp>
+        <p:nvCxnSpPr>
+          <p:cNvPr id="45" name="Conector Angulado 44"/>
+          <p:cNvCxnSpPr>
+            <a:stCxn id="25" idx="0"/>
+          </p:cNvCxnSpPr>
+          <p:nvPr/>
+        </p:nvCxnSpPr>
+        <p:spPr>
+          <a:xfrm rot="16200000" flipV="1">
+            <a:off x="6173669" y="3757878"/>
+            <a:ext cx="385776" cy="1081632"/>
+          </a:xfrm>
+          <a:prstGeom prst="bentConnector2">
+            <a:avLst/>
+          </a:prstGeom>
+          <a:ln w="57150">
+            <a:solidFill>
+              <a:srgbClr val="127056"/>
+            </a:solidFill>
+            <a:prstDash val="sysDash"/>
+            <a:tailEnd type="triangle"/>
+          </a:ln>
+        </p:spPr>
+        <p:style>
+          <a:lnRef idx="1">
+            <a:schemeClr val="accent1"/>
+          </a:lnRef>
+          <a:fillRef idx="0">
+            <a:schemeClr val="accent1"/>
+          </a:fillRef>
+          <a:effectRef idx="0">
+            <a:schemeClr val="accent1"/>
+          </a:effectRef>
+          <a:fontRef idx="minor">
+            <a:schemeClr val="tx1"/>
+          </a:fontRef>
+        </p:style>
+      </p:cxnSp>
+      <p:cxnSp>
+        <p:nvCxnSpPr>
+          <p:cNvPr id="47" name="Conector Angulado 46"/>
+          <p:cNvCxnSpPr>
+            <a:stCxn id="12" idx="2"/>
+          </p:cNvCxnSpPr>
+          <p:nvPr/>
+        </p:nvCxnSpPr>
+        <p:spPr>
+          <a:xfrm rot="5400000">
+            <a:off x="7222335" y="1630415"/>
+            <a:ext cx="670574" cy="3463748"/>
+          </a:xfrm>
+          <a:prstGeom prst="bentConnector2">
+            <a:avLst/>
+          </a:prstGeom>
+          <a:ln w="57150">
+            <a:solidFill>
+              <a:srgbClr val="86330F"/>
+            </a:solidFill>
+            <a:prstDash val="sysDash"/>
+            <a:tailEnd type="triangle"/>
+          </a:ln>
+        </p:spPr>
+        <p:style>
+          <a:lnRef idx="1">
+            <a:schemeClr val="accent1"/>
+          </a:lnRef>
+          <a:fillRef idx="0">
+            <a:schemeClr val="accent1"/>
+          </a:fillRef>
+          <a:effectRef idx="0">
+            <a:schemeClr val="accent1"/>
+          </a:effectRef>
+          <a:fontRef idx="minor">
+            <a:schemeClr val="tx1"/>
+          </a:fontRef>
+        </p:style>
+      </p:cxnSp>
+      <p:cxnSp>
+        <p:nvCxnSpPr>
+          <p:cNvPr id="48" name="Conector Angulado 47"/>
+          <p:cNvCxnSpPr>
+            <a:stCxn id="28" idx="2"/>
+          </p:cNvCxnSpPr>
+          <p:nvPr/>
+        </p:nvCxnSpPr>
+        <p:spPr>
+          <a:xfrm rot="10800000">
+            <a:off x="2272578" y="1281940"/>
+            <a:ext cx="2298304" cy="2626695"/>
+          </a:xfrm>
+          <a:prstGeom prst="bentConnector2">
+            <a:avLst/>
+          </a:prstGeom>
+          <a:ln w="57150">
+            <a:solidFill>
+              <a:srgbClr val="86330F"/>
+            </a:solidFill>
+            <a:prstDash val="sysDash"/>
+            <a:tailEnd type="triangle"/>
+          </a:ln>
+        </p:spPr>
+        <p:style>
+          <a:lnRef idx="1">
+            <a:schemeClr val="accent1"/>
+          </a:lnRef>
+          <a:fillRef idx="0">
+            <a:schemeClr val="accent1"/>
+          </a:fillRef>
+          <a:effectRef idx="0">
+            <a:schemeClr val="accent1"/>
+          </a:effectRef>
+          <a:fontRef idx="minor">
+            <a:schemeClr val="tx1"/>
+          </a:fontRef>
+        </p:style>
+      </p:cxnSp>
+      <p:cxnSp>
+        <p:nvCxnSpPr>
+          <p:cNvPr id="49" name="Conector Angulado 48"/>
+          <p:cNvCxnSpPr>
+            <a:endCxn id="17" idx="2"/>
+          </p:cNvCxnSpPr>
+          <p:nvPr/>
+        </p:nvCxnSpPr>
+        <p:spPr>
+          <a:xfrm rot="16200000" flipH="1">
+            <a:off x="2255623" y="1641046"/>
+            <a:ext cx="960992" cy="242762"/>
+          </a:xfrm>
+          <a:prstGeom prst="bentConnector2">
+            <a:avLst/>
+          </a:prstGeom>
+          <a:ln w="57150">
+            <a:solidFill>
+              <a:srgbClr val="86330F"/>
+            </a:solidFill>
+            <a:prstDash val="sysDash"/>
+            <a:tailEnd type="triangle"/>
+          </a:ln>
+        </p:spPr>
+        <p:style>
+          <a:lnRef idx="1">
+            <a:schemeClr val="accent1"/>
+          </a:lnRef>
+          <a:fillRef idx="0">
+            <a:schemeClr val="accent1"/>
+          </a:fillRef>
+          <a:effectRef idx="0">
+            <a:schemeClr val="accent1"/>
+          </a:effectRef>
+          <a:fontRef idx="minor">
+            <a:schemeClr val="tx1"/>
+          </a:fontRef>
+        </p:style>
+      </p:cxnSp>
+      <p:cxnSp>
+        <p:nvCxnSpPr>
+          <p:cNvPr id="50" name="Conector Angulado 49"/>
+          <p:cNvCxnSpPr>
+            <a:stCxn id="17" idx="3"/>
+            <a:endCxn id="23" idx="0"/>
+          </p:cNvCxnSpPr>
+          <p:nvPr/>
+        </p:nvCxnSpPr>
+        <p:spPr>
+          <a:xfrm rot="5400000">
+            <a:off x="2155068" y="3203326"/>
+            <a:ext cx="1872734" cy="705898"/>
+          </a:xfrm>
+          <a:prstGeom prst="bentConnector3">
+            <a:avLst>
+              <a:gd name="adj1" fmla="val 50000"/>
+            </a:avLst>
+          </a:prstGeom>
+          <a:ln w="57150">
+            <a:solidFill>
+              <a:srgbClr val="86330F"/>
+            </a:solidFill>
+            <a:prstDash val="sysDash"/>
+            <a:tailEnd type="triangle"/>
+          </a:ln>
+        </p:spPr>
+        <p:style>
+          <a:lnRef idx="1">
+            <a:schemeClr val="accent1"/>
+          </a:lnRef>
+          <a:fillRef idx="0">
+            <a:schemeClr val="accent1"/>
+          </a:fillRef>
+          <a:effectRef idx="0">
+            <a:schemeClr val="accent1"/>
+          </a:effectRef>
+          <a:fontRef idx="minor">
+            <a:schemeClr val="tx1"/>
+          </a:fontRef>
+        </p:style>
+      </p:cxnSp>
+      <p:cxnSp>
+        <p:nvCxnSpPr>
+          <p:cNvPr id="51" name="Conector Angulado 50"/>
+          <p:cNvCxnSpPr>
+            <a:stCxn id="17" idx="4"/>
+            <a:endCxn id="9" idx="2"/>
+          </p:cNvCxnSpPr>
+          <p:nvPr/>
+        </p:nvCxnSpPr>
+        <p:spPr>
+          <a:xfrm flipV="1">
+            <a:off x="4031267" y="1282890"/>
+            <a:ext cx="245875" cy="960033"/>
+          </a:xfrm>
+          <a:prstGeom prst="bentConnector2">
+            <a:avLst/>
+          </a:prstGeom>
+          <a:ln w="57150">
+            <a:solidFill>
+              <a:srgbClr val="86330F"/>
+            </a:solidFill>
+            <a:prstDash val="sysDash"/>
+            <a:tailEnd type="triangle"/>
+          </a:ln>
+        </p:spPr>
+        <p:style>
+          <a:lnRef idx="1">
+            <a:schemeClr val="accent1"/>
+          </a:lnRef>
+          <a:fillRef idx="0">
+            <a:schemeClr val="accent1"/>
+          </a:fillRef>
+          <a:effectRef idx="0">
+            <a:schemeClr val="accent1"/>
+          </a:effectRef>
+          <a:fontRef idx="minor">
+            <a:schemeClr val="tx1"/>
+          </a:fontRef>
+        </p:style>
+      </p:cxnSp>
+      <p:cxnSp>
+        <p:nvCxnSpPr>
+          <p:cNvPr id="52" name="Conector Angulado 51"/>
+          <p:cNvCxnSpPr/>
+          <p:nvPr/>
+        </p:nvCxnSpPr>
+        <p:spPr>
+          <a:xfrm rot="10800000">
+            <a:off x="4028114" y="2490427"/>
+            <a:ext cx="2774198" cy="293717"/>
+          </a:xfrm>
+          <a:prstGeom prst="bentConnector3">
+            <a:avLst>
+              <a:gd name="adj1" fmla="val 67710"/>
+            </a:avLst>
+          </a:prstGeom>
+          <a:ln w="57150">
+            <a:solidFill>
+              <a:srgbClr val="86330F"/>
+            </a:solidFill>
+            <a:prstDash val="sysDash"/>
+            <a:tailEnd type="triangle"/>
+          </a:ln>
+        </p:spPr>
+        <p:style>
+          <a:lnRef idx="1">
+            <a:schemeClr val="accent1"/>
+          </a:lnRef>
+          <a:fillRef idx="0">
+            <a:schemeClr val="accent1"/>
+          </a:fillRef>
+          <a:effectRef idx="0">
+            <a:schemeClr val="accent1"/>
+          </a:effectRef>
+          <a:fontRef idx="minor">
+            <a:schemeClr val="tx1"/>
+          </a:fontRef>
+        </p:style>
+      </p:cxnSp>
+      <p:cxnSp>
+        <p:nvCxnSpPr>
+          <p:cNvPr id="53" name="Conector Angulado 52"/>
+          <p:cNvCxnSpPr>
+            <a:endCxn id="18" idx="2"/>
+          </p:cNvCxnSpPr>
+          <p:nvPr/>
+        </p:nvCxnSpPr>
+        <p:spPr>
+          <a:xfrm>
+            <a:off x="4570882" y="1281930"/>
+            <a:ext cx="868244" cy="797555"/>
+          </a:xfrm>
+          <a:prstGeom prst="bentConnector3">
+            <a:avLst>
+              <a:gd name="adj1" fmla="val 1730"/>
+            </a:avLst>
+          </a:prstGeom>
+          <a:ln w="57150">
+            <a:solidFill>
+              <a:srgbClr val="86330F"/>
+            </a:solidFill>
+            <a:prstDash val="sysDash"/>
+            <a:tailEnd type="triangle"/>
+          </a:ln>
+        </p:spPr>
+        <p:style>
+          <a:lnRef idx="1">
+            <a:schemeClr val="accent1"/>
+          </a:lnRef>
+          <a:fillRef idx="0">
+            <a:schemeClr val="accent1"/>
+          </a:fillRef>
+          <a:effectRef idx="0">
+            <a:schemeClr val="accent1"/>
+          </a:effectRef>
+          <a:fontRef idx="minor">
+            <a:schemeClr val="tx1"/>
+          </a:fontRef>
+        </p:style>
+      </p:cxnSp>
+      <p:cxnSp>
+        <p:nvCxnSpPr>
+          <p:cNvPr id="54" name="Conector Angulado 53"/>
+          <p:cNvCxnSpPr>
+            <a:stCxn id="10" idx="2"/>
+            <a:endCxn id="18" idx="1"/>
+          </p:cNvCxnSpPr>
+          <p:nvPr/>
+        </p:nvCxnSpPr>
+        <p:spPr>
+          <a:xfrm rot="5400000">
+            <a:off x="5809058" y="1489045"/>
+            <a:ext cx="419610" cy="7300"/>
+          </a:xfrm>
+          <a:prstGeom prst="bentConnector3">
+            <a:avLst>
+              <a:gd name="adj1" fmla="val 50000"/>
+            </a:avLst>
+          </a:prstGeom>
+          <a:ln w="57150">
+            <a:solidFill>
+              <a:srgbClr val="86330F"/>
+            </a:solidFill>
+            <a:prstDash val="sysDash"/>
+            <a:tailEnd type="triangle"/>
+          </a:ln>
+        </p:spPr>
+        <p:style>
+          <a:lnRef idx="1">
+            <a:schemeClr val="accent1"/>
+          </a:lnRef>
+          <a:fillRef idx="0">
+            <a:schemeClr val="accent1"/>
+          </a:fillRef>
+          <a:effectRef idx="0">
+            <a:schemeClr val="accent1"/>
+          </a:effectRef>
+          <a:fontRef idx="minor">
+            <a:schemeClr val="tx1"/>
+          </a:fontRef>
+        </p:style>
+      </p:cxnSp>
       <p:sp>
         <p:nvSpPr>
-          <p:cNvPr id="129" name="Retângulo 128"/>
+          <p:cNvPr id="55" name="Retângulo 54"/>
           <p:cNvSpPr/>
           <p:nvPr/>
         </p:nvSpPr>
         <p:spPr>
           <a:xfrm>
-            <a:off x="999786" y="1690893"/>
-            <a:ext cx="2450930" cy="528744"/>
+            <a:off x="0" y="0"/>
+            <a:ext cx="791691" cy="3429000"/>
           </a:xfrm>
           <a:prstGeom prst="rect">
             <a:avLst/>
           </a:prstGeom>
-          <a:solidFill>
-            <a:schemeClr val="bg2">
-              <a:lumMod val="90000"/>
-            </a:schemeClr>
-          </a:solidFill>
           <a:ln>
             <a:noFill/>
           </a:ln>
+        </p:spPr>
+        <p:style>
+          <a:lnRef idx="2">
+            <a:schemeClr val="accent5">
+              <a:shade val="50000"/>
+            </a:schemeClr>
+          </a:lnRef>
+          <a:fillRef idx="1">
+            <a:schemeClr val="accent5"/>
+          </a:fillRef>
+          <a:effectRef idx="0">
+            <a:schemeClr val="accent5"/>
+          </a:effectRef>
+          <a:fontRef idx="minor">
+            <a:schemeClr val="lt1"/>
+          </a:fontRef>
+        </p:style>
+        <p:txBody>
+          <a:bodyPr vert="vert270" rtlCol="0" anchor="ctr"/>
+          <a:lstStyle/>
+          <a:p>
+            <a:pPr algn="ctr"/>
+            <a:r>
+              <a:rPr lang="pt-BR" sz="2000" dirty="0" smtClean="0">
+                <a:latin typeface="Arial" panose="020B0604020202020204" pitchFamily="34" charset="0"/>
+                <a:cs typeface="Arial" panose="020B0604020202020204" pitchFamily="34" charset="0"/>
+              </a:rPr>
+              <a:t>Solicitante</a:t>
+            </a:r>
+            <a:endParaRPr lang="pt-BR" sz="2000" dirty="0">
+              <a:latin typeface="Arial" panose="020B0604020202020204" pitchFamily="34" charset="0"/>
+              <a:cs typeface="Arial" panose="020B0604020202020204" pitchFamily="34" charset="0"/>
+            </a:endParaRPr>
+          </a:p>
+        </p:txBody>
+      </p:sp>
+    </p:spTree>
+    <p:extLst>
+      <p:ext uri="{BB962C8B-B14F-4D97-AF65-F5344CB8AC3E}">
+        <p14:creationId xmlns:p14="http://schemas.microsoft.com/office/powerpoint/2010/main" val="3462722889"/>
+      </p:ext>
+    </p:extLst>
+  </p:cSld>
+  <p:clrMapOvr>
+    <a:masterClrMapping/>
+  </p:clrMapOvr>
+  <p:timing>
+    <p:tnLst>
+      <p:par>
+        <p:cTn id="1" dur="indefinite" restart="never" nodeType="tmRoot"/>
+      </p:par>
+    </p:tnLst>
+  </p:timing>
+</p:sld>
+</file>
+
+<file path=ppt/slides/slide5.xml><?xml version="1.0" encoding="utf-8"?>
+<p:sld xmlns:a="http://schemas.openxmlformats.org/drawingml/2006/main" xmlns:r="http://schemas.openxmlformats.org/officeDocument/2006/relationships" xmlns:p="http://schemas.openxmlformats.org/presentationml/2006/main">
+  <p:cSld>
+    <p:spTree>
+      <p:nvGrpSpPr>
+        <p:cNvPr id="1" name=""/>
+        <p:cNvGrpSpPr/>
+        <p:nvPr/>
+      </p:nvGrpSpPr>
+      <p:grpSpPr>
+        <a:xfrm>
+          <a:off x="0" y="0"/>
+          <a:ext cx="0" cy="0"/>
+          <a:chOff x="0" y="0"/>
+          <a:chExt cx="0" cy="0"/>
+        </a:xfrm>
+      </p:grpSpPr>
+      <p:sp>
+        <p:nvSpPr>
+          <p:cNvPr id="5" name="Retângulo 4"/>
+          <p:cNvSpPr/>
+          <p:nvPr/>
+        </p:nvSpPr>
+        <p:spPr>
+          <a:xfrm>
+            <a:off x="6617785" y="1828800"/>
+            <a:ext cx="2880007" cy="540000"/>
+          </a:xfrm>
+          <a:prstGeom prst="rect">
+            <a:avLst/>
+          </a:prstGeom>
         </p:spPr>
         <p:style>
           <a:lnRef idx="2">
@@ -4654,104 +8638,1670 @@
           <a:lstStyle/>
           <a:p>
             <a:pPr algn="ctr"/>
+            <a:endParaRPr lang="pt-BR"/>
+          </a:p>
+        </p:txBody>
+      </p:sp>
+      <p:sp>
+        <p:nvSpPr>
+          <p:cNvPr id="9" name="Retângulo 8"/>
+          <p:cNvSpPr/>
+          <p:nvPr/>
+        </p:nvSpPr>
+        <p:spPr>
+          <a:xfrm>
+            <a:off x="2297793" y="753383"/>
+            <a:ext cx="7200000" cy="540000"/>
+          </a:xfrm>
+          <a:prstGeom prst="rect">
+            <a:avLst/>
+          </a:prstGeom>
+        </p:spPr>
+        <p:style>
+          <a:lnRef idx="2">
+            <a:schemeClr val="accent1">
+              <a:shade val="50000"/>
+            </a:schemeClr>
+          </a:lnRef>
+          <a:fillRef idx="1">
+            <a:schemeClr val="accent1"/>
+          </a:fillRef>
+          <a:effectRef idx="0">
+            <a:schemeClr val="accent1"/>
+          </a:effectRef>
+          <a:fontRef idx="minor">
+            <a:schemeClr val="lt1"/>
+          </a:fontRef>
+        </p:style>
+        <p:txBody>
+          <a:bodyPr rtlCol="0" anchor="ctr"/>
+          <a:lstStyle/>
+          <a:p>
+            <a:pPr algn="ctr"/>
             <a:r>
-              <a:rPr lang="pt-BR" sz="2400" dirty="0" smtClean="0">
-                <a:solidFill>
-                  <a:schemeClr val="bg2">
-                    <a:lumMod val="10000"/>
-                  </a:schemeClr>
-                </a:solidFill>
-                <a:latin typeface="Arial" panose="020B0604020202020204" pitchFamily="34" charset="0"/>
-                <a:cs typeface="Arial" panose="020B0604020202020204" pitchFamily="34" charset="0"/>
-              </a:rPr>
-              <a:t>Desenvolvedor</a:t>
+              <a:rPr lang="pt-BR" sz="2000" dirty="0" smtClean="0"/>
+              <a:t>Base de dados</a:t>
             </a:r>
-            <a:endParaRPr lang="pt-BR" sz="2400" dirty="0">
+            <a:endParaRPr lang="pt-BR" sz="2000" dirty="0"/>
+          </a:p>
+        </p:txBody>
+      </p:sp>
+      <p:grpSp>
+        <p:nvGrpSpPr>
+          <p:cNvPr id="31" name="Agrupar 30"/>
+          <p:cNvGrpSpPr/>
+          <p:nvPr/>
+        </p:nvGrpSpPr>
+        <p:grpSpPr>
+          <a:xfrm>
+            <a:off x="2297791" y="1235005"/>
+            <a:ext cx="4320002" cy="1133796"/>
+            <a:chOff x="1847848" y="1405547"/>
+            <a:chExt cx="4320002" cy="1133796"/>
+          </a:xfrm>
+        </p:grpSpPr>
+        <p:sp>
+          <p:nvSpPr>
+            <p:cNvPr id="29" name="Retângulo 28"/>
+            <p:cNvSpPr/>
+            <p:nvPr/>
+          </p:nvSpPr>
+          <p:spPr>
+            <a:xfrm>
+              <a:off x="1847848" y="1729196"/>
+              <a:ext cx="3600001" cy="540291"/>
+            </a:xfrm>
+            <a:prstGeom prst="rect">
+              <a:avLst/>
+            </a:prstGeom>
+            <a:noFill/>
+            <a:ln>
               <a:solidFill>
-                <a:schemeClr val="bg2">
-                  <a:lumMod val="10000"/>
-                </a:schemeClr>
+                <a:schemeClr val="tx1"/>
               </a:solidFill>
-              <a:latin typeface="Arial" panose="020B0604020202020204" pitchFamily="34" charset="0"/>
-              <a:cs typeface="Arial" panose="020B0604020202020204" pitchFamily="34" charset="0"/>
-            </a:endParaRPr>
+            </a:ln>
+          </p:spPr>
+          <p:style>
+            <a:lnRef idx="2">
+              <a:schemeClr val="accent1">
+                <a:shade val="50000"/>
+              </a:schemeClr>
+            </a:lnRef>
+            <a:fillRef idx="1">
+              <a:schemeClr val="accent1"/>
+            </a:fillRef>
+            <a:effectRef idx="0">
+              <a:schemeClr val="accent1"/>
+            </a:effectRef>
+            <a:fontRef idx="minor">
+              <a:schemeClr val="lt1"/>
+            </a:fontRef>
+          </p:style>
+          <p:txBody>
+            <a:bodyPr rtlCol="0" anchor="ctr"/>
+            <a:lstStyle/>
+            <a:p>
+              <a:pPr algn="ctr"/>
+              <a:endParaRPr lang="pt-BR"/>
+            </a:p>
+          </p:txBody>
+        </p:sp>
+        <p:sp>
+          <p:nvSpPr>
+            <p:cNvPr id="30" name="Retângulo 29"/>
+            <p:cNvSpPr/>
+            <p:nvPr/>
+          </p:nvSpPr>
+          <p:spPr>
+            <a:xfrm>
+              <a:off x="5447850" y="1729195"/>
+              <a:ext cx="720000" cy="540291"/>
+            </a:xfrm>
+            <a:prstGeom prst="rect">
+              <a:avLst/>
+            </a:prstGeom>
+            <a:noFill/>
+            <a:ln>
+              <a:solidFill>
+                <a:schemeClr val="tx1"/>
+              </a:solidFill>
+            </a:ln>
+          </p:spPr>
+          <p:style>
+            <a:lnRef idx="2">
+              <a:schemeClr val="accent1">
+                <a:shade val="50000"/>
+              </a:schemeClr>
+            </a:lnRef>
+            <a:fillRef idx="1">
+              <a:schemeClr val="accent1"/>
+            </a:fillRef>
+            <a:effectRef idx="0">
+              <a:schemeClr val="accent1"/>
+            </a:effectRef>
+            <a:fontRef idx="minor">
+              <a:schemeClr val="lt1"/>
+            </a:fontRef>
+          </p:style>
+          <p:txBody>
+            <a:bodyPr rtlCol="0" anchor="ctr"/>
+            <a:lstStyle/>
+            <a:p>
+              <a:pPr algn="ctr"/>
+              <a:endParaRPr lang="pt-BR"/>
+            </a:p>
+          </p:txBody>
+        </p:sp>
+        <p:sp>
+          <p:nvSpPr>
+            <p:cNvPr id="11" name="Retângulo 10"/>
+            <p:cNvSpPr/>
+            <p:nvPr/>
+          </p:nvSpPr>
+          <p:spPr>
+            <a:xfrm>
+              <a:off x="1847849" y="1999342"/>
+              <a:ext cx="3600000" cy="540000"/>
+            </a:xfrm>
+            <a:prstGeom prst="rect">
+              <a:avLst/>
+            </a:prstGeom>
+          </p:spPr>
+          <p:style>
+            <a:lnRef idx="2">
+              <a:schemeClr val="accent6">
+                <a:shade val="50000"/>
+              </a:schemeClr>
+            </a:lnRef>
+            <a:fillRef idx="1">
+              <a:schemeClr val="accent6"/>
+            </a:fillRef>
+            <a:effectRef idx="0">
+              <a:schemeClr val="accent6"/>
+            </a:effectRef>
+            <a:fontRef idx="minor">
+              <a:schemeClr val="lt1"/>
+            </a:fontRef>
+          </p:style>
+          <p:txBody>
+            <a:bodyPr rtlCol="0" anchor="ctr"/>
+            <a:lstStyle/>
+            <a:p>
+              <a:pPr algn="ctr"/>
+              <a:r>
+                <a:rPr lang="pt-BR" sz="2000" dirty="0" smtClean="0"/>
+                <a:t>Treino</a:t>
+              </a:r>
+              <a:endParaRPr lang="pt-BR" sz="2000" dirty="0"/>
+            </a:p>
+          </p:txBody>
+        </p:sp>
+        <p:sp>
+          <p:nvSpPr>
+            <p:cNvPr id="12" name="Retângulo 11"/>
+            <p:cNvSpPr/>
+            <p:nvPr/>
+          </p:nvSpPr>
+          <p:spPr>
+            <a:xfrm>
+              <a:off x="5447849" y="1999343"/>
+              <a:ext cx="720000" cy="540000"/>
+            </a:xfrm>
+            <a:prstGeom prst="rect">
+              <a:avLst/>
+            </a:prstGeom>
+          </p:spPr>
+          <p:style>
+            <a:lnRef idx="2">
+              <a:schemeClr val="accent5">
+                <a:shade val="50000"/>
+              </a:schemeClr>
+            </a:lnRef>
+            <a:fillRef idx="1">
+              <a:schemeClr val="accent5"/>
+            </a:fillRef>
+            <a:effectRef idx="0">
+              <a:schemeClr val="accent5"/>
+            </a:effectRef>
+            <a:fontRef idx="minor">
+              <a:schemeClr val="lt1"/>
+            </a:fontRef>
+          </p:style>
+          <p:txBody>
+            <a:bodyPr rtlCol="0" anchor="ctr"/>
+            <a:lstStyle/>
+            <a:p>
+              <a:pPr algn="ctr"/>
+              <a:r>
+                <a:rPr lang="pt-BR" sz="2000" dirty="0" smtClean="0"/>
+                <a:t>teste</a:t>
+              </a:r>
+              <a:endParaRPr lang="pt-BR" sz="2000" dirty="0"/>
+            </a:p>
+          </p:txBody>
+        </p:sp>
+        <p:sp>
+          <p:nvSpPr>
+            <p:cNvPr id="27" name="CaixaDeTexto 26"/>
+            <p:cNvSpPr txBox="1"/>
+            <p:nvPr/>
+          </p:nvSpPr>
+          <p:spPr>
+            <a:xfrm>
+              <a:off x="3315312" y="1405547"/>
+              <a:ext cx="665071" cy="400110"/>
+            </a:xfrm>
+            <a:prstGeom prst="rect">
+              <a:avLst/>
+            </a:prstGeom>
+            <a:noFill/>
+          </p:spPr>
+          <p:txBody>
+            <a:bodyPr wrap="square" rtlCol="0">
+              <a:spAutoFit/>
+            </a:bodyPr>
+            <a:lstStyle/>
+            <a:p>
+              <a:r>
+                <a:rPr lang="pt-BR" sz="2000" dirty="0" smtClean="0"/>
+                <a:t>50%</a:t>
+              </a:r>
+              <a:endParaRPr lang="pt-BR" sz="2000" dirty="0"/>
+            </a:p>
+          </p:txBody>
+        </p:sp>
+        <p:sp>
+          <p:nvSpPr>
+            <p:cNvPr id="28" name="CaixaDeTexto 27"/>
+            <p:cNvSpPr txBox="1"/>
+            <p:nvPr/>
+          </p:nvSpPr>
+          <p:spPr>
+            <a:xfrm>
+              <a:off x="5491100" y="1410979"/>
+              <a:ext cx="633497" cy="400110"/>
+            </a:xfrm>
+            <a:prstGeom prst="rect">
+              <a:avLst/>
+            </a:prstGeom>
+            <a:noFill/>
+          </p:spPr>
+          <p:txBody>
+            <a:bodyPr wrap="square" rtlCol="0">
+              <a:spAutoFit/>
+            </a:bodyPr>
+            <a:lstStyle/>
+            <a:p>
+              <a:r>
+                <a:rPr lang="pt-BR" sz="2000" dirty="0" smtClean="0"/>
+                <a:t>10%</a:t>
+              </a:r>
+              <a:endParaRPr lang="pt-BR" sz="2000" dirty="0"/>
+            </a:p>
+          </p:txBody>
+        </p:sp>
+      </p:grpSp>
+      <p:sp>
+        <p:nvSpPr>
+          <p:cNvPr id="32" name="Retângulo 31"/>
+          <p:cNvSpPr/>
+          <p:nvPr/>
+        </p:nvSpPr>
+        <p:spPr>
+          <a:xfrm>
+            <a:off x="2297791" y="2906598"/>
+            <a:ext cx="719999" cy="540000"/>
+          </a:xfrm>
+          <a:prstGeom prst="rect">
+            <a:avLst/>
+          </a:prstGeom>
+        </p:spPr>
+        <p:style>
+          <a:lnRef idx="2">
+            <a:schemeClr val="accent1">
+              <a:shade val="50000"/>
+            </a:schemeClr>
+          </a:lnRef>
+          <a:fillRef idx="1">
+            <a:schemeClr val="accent1"/>
+          </a:fillRef>
+          <a:effectRef idx="0">
+            <a:schemeClr val="accent1"/>
+          </a:effectRef>
+          <a:fontRef idx="minor">
+            <a:schemeClr val="lt1"/>
+          </a:fontRef>
+        </p:style>
+        <p:txBody>
+          <a:bodyPr rtlCol="0" anchor="ctr"/>
+          <a:lstStyle/>
+          <a:p>
+            <a:pPr algn="ctr"/>
+            <a:endParaRPr lang="pt-BR"/>
+          </a:p>
+        </p:txBody>
+      </p:sp>
+      <p:grpSp>
+        <p:nvGrpSpPr>
+          <p:cNvPr id="33" name="Agrupar 32"/>
+          <p:cNvGrpSpPr/>
+          <p:nvPr/>
+        </p:nvGrpSpPr>
+        <p:grpSpPr>
+          <a:xfrm>
+            <a:off x="3017791" y="2311845"/>
+            <a:ext cx="4320002" cy="1133796"/>
+            <a:chOff x="1847848" y="1405547"/>
+            <a:chExt cx="4320002" cy="1133796"/>
+          </a:xfrm>
+        </p:grpSpPr>
+        <p:sp>
+          <p:nvSpPr>
+            <p:cNvPr id="34" name="Retângulo 33"/>
+            <p:cNvSpPr/>
+            <p:nvPr/>
+          </p:nvSpPr>
+          <p:spPr>
+            <a:xfrm>
+              <a:off x="1847848" y="1729196"/>
+              <a:ext cx="3600001" cy="540291"/>
+            </a:xfrm>
+            <a:prstGeom prst="rect">
+              <a:avLst/>
+            </a:prstGeom>
+            <a:noFill/>
+            <a:ln>
+              <a:solidFill>
+                <a:schemeClr val="tx1"/>
+              </a:solidFill>
+            </a:ln>
+          </p:spPr>
+          <p:style>
+            <a:lnRef idx="2">
+              <a:schemeClr val="accent1">
+                <a:shade val="50000"/>
+              </a:schemeClr>
+            </a:lnRef>
+            <a:fillRef idx="1">
+              <a:schemeClr val="accent1"/>
+            </a:fillRef>
+            <a:effectRef idx="0">
+              <a:schemeClr val="accent1"/>
+            </a:effectRef>
+            <a:fontRef idx="minor">
+              <a:schemeClr val="lt1"/>
+            </a:fontRef>
+          </p:style>
+          <p:txBody>
+            <a:bodyPr rtlCol="0" anchor="ctr"/>
+            <a:lstStyle/>
+            <a:p>
+              <a:pPr algn="ctr"/>
+              <a:endParaRPr lang="pt-BR"/>
+            </a:p>
+          </p:txBody>
+        </p:sp>
+        <p:sp>
+          <p:nvSpPr>
+            <p:cNvPr id="35" name="Retângulo 34"/>
+            <p:cNvSpPr/>
+            <p:nvPr/>
+          </p:nvSpPr>
+          <p:spPr>
+            <a:xfrm>
+              <a:off x="5447850" y="1729195"/>
+              <a:ext cx="720000" cy="540291"/>
+            </a:xfrm>
+            <a:prstGeom prst="rect">
+              <a:avLst/>
+            </a:prstGeom>
+            <a:noFill/>
+            <a:ln>
+              <a:solidFill>
+                <a:schemeClr val="tx1"/>
+              </a:solidFill>
+            </a:ln>
+          </p:spPr>
+          <p:style>
+            <a:lnRef idx="2">
+              <a:schemeClr val="accent1">
+                <a:shade val="50000"/>
+              </a:schemeClr>
+            </a:lnRef>
+            <a:fillRef idx="1">
+              <a:schemeClr val="accent1"/>
+            </a:fillRef>
+            <a:effectRef idx="0">
+              <a:schemeClr val="accent1"/>
+            </a:effectRef>
+            <a:fontRef idx="minor">
+              <a:schemeClr val="lt1"/>
+            </a:fontRef>
+          </p:style>
+          <p:txBody>
+            <a:bodyPr rtlCol="0" anchor="ctr"/>
+            <a:lstStyle/>
+            <a:p>
+              <a:pPr algn="ctr"/>
+              <a:endParaRPr lang="pt-BR"/>
+            </a:p>
+          </p:txBody>
+        </p:sp>
+        <p:sp>
+          <p:nvSpPr>
+            <p:cNvPr id="36" name="Retângulo 35"/>
+            <p:cNvSpPr/>
+            <p:nvPr/>
+          </p:nvSpPr>
+          <p:spPr>
+            <a:xfrm>
+              <a:off x="1847849" y="1999342"/>
+              <a:ext cx="3600000" cy="540000"/>
+            </a:xfrm>
+            <a:prstGeom prst="rect">
+              <a:avLst/>
+            </a:prstGeom>
+          </p:spPr>
+          <p:style>
+            <a:lnRef idx="2">
+              <a:schemeClr val="accent6">
+                <a:shade val="50000"/>
+              </a:schemeClr>
+            </a:lnRef>
+            <a:fillRef idx="1">
+              <a:schemeClr val="accent6"/>
+            </a:fillRef>
+            <a:effectRef idx="0">
+              <a:schemeClr val="accent6"/>
+            </a:effectRef>
+            <a:fontRef idx="minor">
+              <a:schemeClr val="lt1"/>
+            </a:fontRef>
+          </p:style>
+          <p:txBody>
+            <a:bodyPr rtlCol="0" anchor="ctr"/>
+            <a:lstStyle/>
+            <a:p>
+              <a:pPr algn="ctr"/>
+              <a:r>
+                <a:rPr lang="pt-BR" sz="2000" dirty="0" smtClean="0"/>
+                <a:t>Treino</a:t>
+              </a:r>
+              <a:endParaRPr lang="pt-BR" sz="2000" dirty="0"/>
+            </a:p>
+          </p:txBody>
+        </p:sp>
+        <p:sp>
+          <p:nvSpPr>
+            <p:cNvPr id="37" name="Retângulo 36"/>
+            <p:cNvSpPr/>
+            <p:nvPr/>
+          </p:nvSpPr>
+          <p:spPr>
+            <a:xfrm>
+              <a:off x="5447849" y="1999343"/>
+              <a:ext cx="720000" cy="540000"/>
+            </a:xfrm>
+            <a:prstGeom prst="rect">
+              <a:avLst/>
+            </a:prstGeom>
+          </p:spPr>
+          <p:style>
+            <a:lnRef idx="2">
+              <a:schemeClr val="accent5">
+                <a:shade val="50000"/>
+              </a:schemeClr>
+            </a:lnRef>
+            <a:fillRef idx="1">
+              <a:schemeClr val="accent5"/>
+            </a:fillRef>
+            <a:effectRef idx="0">
+              <a:schemeClr val="accent5"/>
+            </a:effectRef>
+            <a:fontRef idx="minor">
+              <a:schemeClr val="lt1"/>
+            </a:fontRef>
+          </p:style>
+          <p:txBody>
+            <a:bodyPr rtlCol="0" anchor="ctr"/>
+            <a:lstStyle/>
+            <a:p>
+              <a:pPr algn="ctr"/>
+              <a:r>
+                <a:rPr lang="pt-BR" sz="2000" dirty="0" smtClean="0"/>
+                <a:t>teste</a:t>
+              </a:r>
+              <a:endParaRPr lang="pt-BR" sz="2000" dirty="0"/>
+            </a:p>
+          </p:txBody>
+        </p:sp>
+        <p:sp>
+          <p:nvSpPr>
+            <p:cNvPr id="38" name="CaixaDeTexto 37"/>
+            <p:cNvSpPr txBox="1"/>
+            <p:nvPr/>
+          </p:nvSpPr>
+          <p:spPr>
+            <a:xfrm>
+              <a:off x="3315312" y="1405547"/>
+              <a:ext cx="665071" cy="400110"/>
+            </a:xfrm>
+            <a:prstGeom prst="rect">
+              <a:avLst/>
+            </a:prstGeom>
+            <a:noFill/>
+          </p:spPr>
+          <p:txBody>
+            <a:bodyPr wrap="square" rtlCol="0">
+              <a:spAutoFit/>
+            </a:bodyPr>
+            <a:lstStyle/>
+            <a:p>
+              <a:r>
+                <a:rPr lang="pt-BR" sz="2000" dirty="0" smtClean="0"/>
+                <a:t>50%</a:t>
+              </a:r>
+              <a:endParaRPr lang="pt-BR" sz="2000" dirty="0"/>
+            </a:p>
+          </p:txBody>
+        </p:sp>
+        <p:sp>
+          <p:nvSpPr>
+            <p:cNvPr id="39" name="CaixaDeTexto 38"/>
+            <p:cNvSpPr txBox="1"/>
+            <p:nvPr/>
+          </p:nvSpPr>
+          <p:spPr>
+            <a:xfrm>
+              <a:off x="5491100" y="1410979"/>
+              <a:ext cx="633497" cy="400110"/>
+            </a:xfrm>
+            <a:prstGeom prst="rect">
+              <a:avLst/>
+            </a:prstGeom>
+            <a:noFill/>
+          </p:spPr>
+          <p:txBody>
+            <a:bodyPr wrap="square" rtlCol="0">
+              <a:spAutoFit/>
+            </a:bodyPr>
+            <a:lstStyle/>
+            <a:p>
+              <a:r>
+                <a:rPr lang="pt-BR" sz="2000" dirty="0" smtClean="0"/>
+                <a:t>10%</a:t>
+              </a:r>
+              <a:endParaRPr lang="pt-BR" sz="2000" dirty="0"/>
+            </a:p>
+          </p:txBody>
+        </p:sp>
+      </p:grpSp>
+      <p:sp>
+        <p:nvSpPr>
+          <p:cNvPr id="40" name="Retângulo 39"/>
+          <p:cNvSpPr/>
+          <p:nvPr/>
+        </p:nvSpPr>
+        <p:spPr>
+          <a:xfrm>
+            <a:off x="2297785" y="3982014"/>
+            <a:ext cx="1440004" cy="542597"/>
+          </a:xfrm>
+          <a:prstGeom prst="rect">
+            <a:avLst/>
+          </a:prstGeom>
+        </p:spPr>
+        <p:style>
+          <a:lnRef idx="2">
+            <a:schemeClr val="accent1">
+              <a:shade val="50000"/>
+            </a:schemeClr>
+          </a:lnRef>
+          <a:fillRef idx="1">
+            <a:schemeClr val="accent1"/>
+          </a:fillRef>
+          <a:effectRef idx="0">
+            <a:schemeClr val="accent1"/>
+          </a:effectRef>
+          <a:fontRef idx="minor">
+            <a:schemeClr val="lt1"/>
+          </a:fontRef>
+        </p:style>
+        <p:txBody>
+          <a:bodyPr rtlCol="0" anchor="ctr"/>
+          <a:lstStyle/>
+          <a:p>
+            <a:pPr algn="ctr"/>
+            <a:endParaRPr lang="pt-BR"/>
+          </a:p>
+        </p:txBody>
+      </p:sp>
+      <p:grpSp>
+        <p:nvGrpSpPr>
+          <p:cNvPr id="41" name="Agrupar 40"/>
+          <p:cNvGrpSpPr/>
+          <p:nvPr/>
+        </p:nvGrpSpPr>
+        <p:grpSpPr>
+          <a:xfrm>
+            <a:off x="3737791" y="3388233"/>
+            <a:ext cx="4320002" cy="1133796"/>
+            <a:chOff x="1847848" y="1405547"/>
+            <a:chExt cx="4320002" cy="1133796"/>
+          </a:xfrm>
+        </p:grpSpPr>
+        <p:sp>
+          <p:nvSpPr>
+            <p:cNvPr id="42" name="Retângulo 41"/>
+            <p:cNvSpPr/>
+            <p:nvPr/>
+          </p:nvSpPr>
+          <p:spPr>
+            <a:xfrm>
+              <a:off x="1847848" y="1729196"/>
+              <a:ext cx="3600001" cy="540291"/>
+            </a:xfrm>
+            <a:prstGeom prst="rect">
+              <a:avLst/>
+            </a:prstGeom>
+            <a:noFill/>
+            <a:ln>
+              <a:solidFill>
+                <a:schemeClr val="tx1"/>
+              </a:solidFill>
+            </a:ln>
+          </p:spPr>
+          <p:style>
+            <a:lnRef idx="2">
+              <a:schemeClr val="accent1">
+                <a:shade val="50000"/>
+              </a:schemeClr>
+            </a:lnRef>
+            <a:fillRef idx="1">
+              <a:schemeClr val="accent1"/>
+            </a:fillRef>
+            <a:effectRef idx="0">
+              <a:schemeClr val="accent1"/>
+            </a:effectRef>
+            <a:fontRef idx="minor">
+              <a:schemeClr val="lt1"/>
+            </a:fontRef>
+          </p:style>
+          <p:txBody>
+            <a:bodyPr rtlCol="0" anchor="ctr"/>
+            <a:lstStyle/>
+            <a:p>
+              <a:pPr algn="ctr"/>
+              <a:endParaRPr lang="pt-BR"/>
+            </a:p>
+          </p:txBody>
+        </p:sp>
+        <p:sp>
+          <p:nvSpPr>
+            <p:cNvPr id="43" name="Retângulo 42"/>
+            <p:cNvSpPr/>
+            <p:nvPr/>
+          </p:nvSpPr>
+          <p:spPr>
+            <a:xfrm>
+              <a:off x="5447850" y="1729195"/>
+              <a:ext cx="720000" cy="540291"/>
+            </a:xfrm>
+            <a:prstGeom prst="rect">
+              <a:avLst/>
+            </a:prstGeom>
+            <a:noFill/>
+            <a:ln>
+              <a:solidFill>
+                <a:schemeClr val="tx1"/>
+              </a:solidFill>
+            </a:ln>
+          </p:spPr>
+          <p:style>
+            <a:lnRef idx="2">
+              <a:schemeClr val="accent1">
+                <a:shade val="50000"/>
+              </a:schemeClr>
+            </a:lnRef>
+            <a:fillRef idx="1">
+              <a:schemeClr val="accent1"/>
+            </a:fillRef>
+            <a:effectRef idx="0">
+              <a:schemeClr val="accent1"/>
+            </a:effectRef>
+            <a:fontRef idx="minor">
+              <a:schemeClr val="lt1"/>
+            </a:fontRef>
+          </p:style>
+          <p:txBody>
+            <a:bodyPr rtlCol="0" anchor="ctr"/>
+            <a:lstStyle/>
+            <a:p>
+              <a:pPr algn="ctr"/>
+              <a:endParaRPr lang="pt-BR"/>
+            </a:p>
+          </p:txBody>
+        </p:sp>
+        <p:sp>
+          <p:nvSpPr>
+            <p:cNvPr id="44" name="Retângulo 43"/>
+            <p:cNvSpPr/>
+            <p:nvPr/>
+          </p:nvSpPr>
+          <p:spPr>
+            <a:xfrm>
+              <a:off x="1847849" y="1999342"/>
+              <a:ext cx="3600000" cy="540000"/>
+            </a:xfrm>
+            <a:prstGeom prst="rect">
+              <a:avLst/>
+            </a:prstGeom>
+          </p:spPr>
+          <p:style>
+            <a:lnRef idx="2">
+              <a:schemeClr val="accent6">
+                <a:shade val="50000"/>
+              </a:schemeClr>
+            </a:lnRef>
+            <a:fillRef idx="1">
+              <a:schemeClr val="accent6"/>
+            </a:fillRef>
+            <a:effectRef idx="0">
+              <a:schemeClr val="accent6"/>
+            </a:effectRef>
+            <a:fontRef idx="minor">
+              <a:schemeClr val="lt1"/>
+            </a:fontRef>
+          </p:style>
+          <p:txBody>
+            <a:bodyPr rtlCol="0" anchor="ctr"/>
+            <a:lstStyle/>
+            <a:p>
+              <a:pPr algn="ctr"/>
+              <a:r>
+                <a:rPr lang="pt-BR" sz="2000" dirty="0" smtClean="0"/>
+                <a:t>Treino</a:t>
+              </a:r>
+              <a:endParaRPr lang="pt-BR" sz="2000" dirty="0"/>
+            </a:p>
+          </p:txBody>
+        </p:sp>
+        <p:sp>
+          <p:nvSpPr>
+            <p:cNvPr id="45" name="Retângulo 44"/>
+            <p:cNvSpPr/>
+            <p:nvPr/>
+          </p:nvSpPr>
+          <p:spPr>
+            <a:xfrm>
+              <a:off x="5447849" y="1999343"/>
+              <a:ext cx="720000" cy="540000"/>
+            </a:xfrm>
+            <a:prstGeom prst="rect">
+              <a:avLst/>
+            </a:prstGeom>
+          </p:spPr>
+          <p:style>
+            <a:lnRef idx="2">
+              <a:schemeClr val="accent5">
+                <a:shade val="50000"/>
+              </a:schemeClr>
+            </a:lnRef>
+            <a:fillRef idx="1">
+              <a:schemeClr val="accent5"/>
+            </a:fillRef>
+            <a:effectRef idx="0">
+              <a:schemeClr val="accent5"/>
+            </a:effectRef>
+            <a:fontRef idx="minor">
+              <a:schemeClr val="lt1"/>
+            </a:fontRef>
+          </p:style>
+          <p:txBody>
+            <a:bodyPr rtlCol="0" anchor="ctr"/>
+            <a:lstStyle/>
+            <a:p>
+              <a:pPr algn="ctr"/>
+              <a:r>
+                <a:rPr lang="pt-BR" sz="2000" dirty="0" smtClean="0"/>
+                <a:t>teste</a:t>
+              </a:r>
+              <a:endParaRPr lang="pt-BR" sz="2000" dirty="0"/>
+            </a:p>
+          </p:txBody>
+        </p:sp>
+        <p:sp>
+          <p:nvSpPr>
+            <p:cNvPr id="46" name="CaixaDeTexto 45"/>
+            <p:cNvSpPr txBox="1"/>
+            <p:nvPr/>
+          </p:nvSpPr>
+          <p:spPr>
+            <a:xfrm>
+              <a:off x="3315312" y="1405547"/>
+              <a:ext cx="665071" cy="400110"/>
+            </a:xfrm>
+            <a:prstGeom prst="rect">
+              <a:avLst/>
+            </a:prstGeom>
+            <a:noFill/>
+          </p:spPr>
+          <p:txBody>
+            <a:bodyPr wrap="square" rtlCol="0">
+              <a:spAutoFit/>
+            </a:bodyPr>
+            <a:lstStyle/>
+            <a:p>
+              <a:r>
+                <a:rPr lang="pt-BR" sz="2000" dirty="0" smtClean="0"/>
+                <a:t>50%</a:t>
+              </a:r>
+              <a:endParaRPr lang="pt-BR" sz="2000" dirty="0"/>
+            </a:p>
+          </p:txBody>
+        </p:sp>
+        <p:sp>
+          <p:nvSpPr>
+            <p:cNvPr id="47" name="CaixaDeTexto 46"/>
+            <p:cNvSpPr txBox="1"/>
+            <p:nvPr/>
+          </p:nvSpPr>
+          <p:spPr>
+            <a:xfrm>
+              <a:off x="5491100" y="1410979"/>
+              <a:ext cx="633497" cy="400110"/>
+            </a:xfrm>
+            <a:prstGeom prst="rect">
+              <a:avLst/>
+            </a:prstGeom>
+            <a:noFill/>
+          </p:spPr>
+          <p:txBody>
+            <a:bodyPr wrap="square" rtlCol="0">
+              <a:spAutoFit/>
+            </a:bodyPr>
+            <a:lstStyle/>
+            <a:p>
+              <a:r>
+                <a:rPr lang="pt-BR" sz="2000" dirty="0" smtClean="0"/>
+                <a:t>10%</a:t>
+              </a:r>
+              <a:endParaRPr lang="pt-BR" sz="2000" dirty="0"/>
+            </a:p>
+          </p:txBody>
+        </p:sp>
+      </p:grpSp>
+      <p:sp>
+        <p:nvSpPr>
+          <p:cNvPr id="48" name="Retângulo 47"/>
+          <p:cNvSpPr/>
+          <p:nvPr/>
+        </p:nvSpPr>
+        <p:spPr>
+          <a:xfrm>
+            <a:off x="2297787" y="5054759"/>
+            <a:ext cx="2159990" cy="540000"/>
+          </a:xfrm>
+          <a:prstGeom prst="rect">
+            <a:avLst/>
+          </a:prstGeom>
+        </p:spPr>
+        <p:style>
+          <a:lnRef idx="2">
+            <a:schemeClr val="accent1">
+              <a:shade val="50000"/>
+            </a:schemeClr>
+          </a:lnRef>
+          <a:fillRef idx="1">
+            <a:schemeClr val="accent1"/>
+          </a:fillRef>
+          <a:effectRef idx="0">
+            <a:schemeClr val="accent1"/>
+          </a:effectRef>
+          <a:fontRef idx="minor">
+            <a:schemeClr val="lt1"/>
+          </a:fontRef>
+        </p:style>
+        <p:txBody>
+          <a:bodyPr rtlCol="0" anchor="ctr"/>
+          <a:lstStyle/>
+          <a:p>
+            <a:pPr algn="ctr"/>
+            <a:endParaRPr lang="pt-BR"/>
+          </a:p>
+        </p:txBody>
+      </p:sp>
+      <p:grpSp>
+        <p:nvGrpSpPr>
+          <p:cNvPr id="49" name="Agrupar 48"/>
+          <p:cNvGrpSpPr/>
+          <p:nvPr/>
+        </p:nvGrpSpPr>
+        <p:grpSpPr>
+          <a:xfrm>
+            <a:off x="4457778" y="4461049"/>
+            <a:ext cx="4320002" cy="1133796"/>
+            <a:chOff x="1847848" y="1405547"/>
+            <a:chExt cx="4320002" cy="1133796"/>
+          </a:xfrm>
+        </p:grpSpPr>
+        <p:sp>
+          <p:nvSpPr>
+            <p:cNvPr id="50" name="Retângulo 49"/>
+            <p:cNvSpPr/>
+            <p:nvPr/>
+          </p:nvSpPr>
+          <p:spPr>
+            <a:xfrm>
+              <a:off x="1847848" y="1729196"/>
+              <a:ext cx="3600001" cy="540291"/>
+            </a:xfrm>
+            <a:prstGeom prst="rect">
+              <a:avLst/>
+            </a:prstGeom>
+            <a:noFill/>
+            <a:ln>
+              <a:solidFill>
+                <a:schemeClr val="tx1"/>
+              </a:solidFill>
+            </a:ln>
+          </p:spPr>
+          <p:style>
+            <a:lnRef idx="2">
+              <a:schemeClr val="accent1">
+                <a:shade val="50000"/>
+              </a:schemeClr>
+            </a:lnRef>
+            <a:fillRef idx="1">
+              <a:schemeClr val="accent1"/>
+            </a:fillRef>
+            <a:effectRef idx="0">
+              <a:schemeClr val="accent1"/>
+            </a:effectRef>
+            <a:fontRef idx="minor">
+              <a:schemeClr val="lt1"/>
+            </a:fontRef>
+          </p:style>
+          <p:txBody>
+            <a:bodyPr rtlCol="0" anchor="ctr"/>
+            <a:lstStyle/>
+            <a:p>
+              <a:pPr algn="ctr"/>
+              <a:endParaRPr lang="pt-BR"/>
+            </a:p>
+          </p:txBody>
+        </p:sp>
+        <p:sp>
+          <p:nvSpPr>
+            <p:cNvPr id="51" name="Retângulo 50"/>
+            <p:cNvSpPr/>
+            <p:nvPr/>
+          </p:nvSpPr>
+          <p:spPr>
+            <a:xfrm>
+              <a:off x="5447850" y="1729195"/>
+              <a:ext cx="720000" cy="540291"/>
+            </a:xfrm>
+            <a:prstGeom prst="rect">
+              <a:avLst/>
+            </a:prstGeom>
+            <a:noFill/>
+            <a:ln>
+              <a:solidFill>
+                <a:schemeClr val="tx1"/>
+              </a:solidFill>
+            </a:ln>
+          </p:spPr>
+          <p:style>
+            <a:lnRef idx="2">
+              <a:schemeClr val="accent1">
+                <a:shade val="50000"/>
+              </a:schemeClr>
+            </a:lnRef>
+            <a:fillRef idx="1">
+              <a:schemeClr val="accent1"/>
+            </a:fillRef>
+            <a:effectRef idx="0">
+              <a:schemeClr val="accent1"/>
+            </a:effectRef>
+            <a:fontRef idx="minor">
+              <a:schemeClr val="lt1"/>
+            </a:fontRef>
+          </p:style>
+          <p:txBody>
+            <a:bodyPr rtlCol="0" anchor="ctr"/>
+            <a:lstStyle/>
+            <a:p>
+              <a:pPr algn="ctr"/>
+              <a:endParaRPr lang="pt-BR"/>
+            </a:p>
+          </p:txBody>
+        </p:sp>
+        <p:sp>
+          <p:nvSpPr>
+            <p:cNvPr id="52" name="Retângulo 51"/>
+            <p:cNvSpPr/>
+            <p:nvPr/>
+          </p:nvSpPr>
+          <p:spPr>
+            <a:xfrm>
+              <a:off x="1847849" y="1999342"/>
+              <a:ext cx="3600000" cy="540000"/>
+            </a:xfrm>
+            <a:prstGeom prst="rect">
+              <a:avLst/>
+            </a:prstGeom>
+          </p:spPr>
+          <p:style>
+            <a:lnRef idx="2">
+              <a:schemeClr val="accent6">
+                <a:shade val="50000"/>
+              </a:schemeClr>
+            </a:lnRef>
+            <a:fillRef idx="1">
+              <a:schemeClr val="accent6"/>
+            </a:fillRef>
+            <a:effectRef idx="0">
+              <a:schemeClr val="accent6"/>
+            </a:effectRef>
+            <a:fontRef idx="minor">
+              <a:schemeClr val="lt1"/>
+            </a:fontRef>
+          </p:style>
+          <p:txBody>
+            <a:bodyPr rtlCol="0" anchor="ctr"/>
+            <a:lstStyle/>
+            <a:p>
+              <a:pPr algn="ctr"/>
+              <a:r>
+                <a:rPr lang="pt-BR" sz="2000" dirty="0" smtClean="0"/>
+                <a:t>Treino</a:t>
+              </a:r>
+              <a:endParaRPr lang="pt-BR" sz="2000" dirty="0"/>
+            </a:p>
+          </p:txBody>
+        </p:sp>
+        <p:sp>
+          <p:nvSpPr>
+            <p:cNvPr id="53" name="Retângulo 52"/>
+            <p:cNvSpPr/>
+            <p:nvPr/>
+          </p:nvSpPr>
+          <p:spPr>
+            <a:xfrm>
+              <a:off x="5447849" y="1999343"/>
+              <a:ext cx="720000" cy="540000"/>
+            </a:xfrm>
+            <a:prstGeom prst="rect">
+              <a:avLst/>
+            </a:prstGeom>
+          </p:spPr>
+          <p:style>
+            <a:lnRef idx="2">
+              <a:schemeClr val="accent5">
+                <a:shade val="50000"/>
+              </a:schemeClr>
+            </a:lnRef>
+            <a:fillRef idx="1">
+              <a:schemeClr val="accent5"/>
+            </a:fillRef>
+            <a:effectRef idx="0">
+              <a:schemeClr val="accent5"/>
+            </a:effectRef>
+            <a:fontRef idx="minor">
+              <a:schemeClr val="lt1"/>
+            </a:fontRef>
+          </p:style>
+          <p:txBody>
+            <a:bodyPr rtlCol="0" anchor="ctr"/>
+            <a:lstStyle/>
+            <a:p>
+              <a:pPr algn="ctr"/>
+              <a:r>
+                <a:rPr lang="pt-BR" sz="2000" dirty="0" smtClean="0"/>
+                <a:t>teste</a:t>
+              </a:r>
+              <a:endParaRPr lang="pt-BR" sz="2000" dirty="0"/>
+            </a:p>
+          </p:txBody>
+        </p:sp>
+        <p:sp>
+          <p:nvSpPr>
+            <p:cNvPr id="54" name="CaixaDeTexto 53"/>
+            <p:cNvSpPr txBox="1"/>
+            <p:nvPr/>
+          </p:nvSpPr>
+          <p:spPr>
+            <a:xfrm>
+              <a:off x="3315312" y="1405547"/>
+              <a:ext cx="665071" cy="400110"/>
+            </a:xfrm>
+            <a:prstGeom prst="rect">
+              <a:avLst/>
+            </a:prstGeom>
+            <a:noFill/>
+          </p:spPr>
+          <p:txBody>
+            <a:bodyPr wrap="square" rtlCol="0">
+              <a:spAutoFit/>
+            </a:bodyPr>
+            <a:lstStyle/>
+            <a:p>
+              <a:r>
+                <a:rPr lang="pt-BR" sz="2000" dirty="0" smtClean="0"/>
+                <a:t>50%</a:t>
+              </a:r>
+              <a:endParaRPr lang="pt-BR" sz="2000" dirty="0"/>
+            </a:p>
+          </p:txBody>
+        </p:sp>
+        <p:sp>
+          <p:nvSpPr>
+            <p:cNvPr id="55" name="CaixaDeTexto 54"/>
+            <p:cNvSpPr txBox="1"/>
+            <p:nvPr/>
+          </p:nvSpPr>
+          <p:spPr>
+            <a:xfrm>
+              <a:off x="5491100" y="1410979"/>
+              <a:ext cx="633497" cy="400110"/>
+            </a:xfrm>
+            <a:prstGeom prst="rect">
+              <a:avLst/>
+            </a:prstGeom>
+            <a:noFill/>
+          </p:spPr>
+          <p:txBody>
+            <a:bodyPr wrap="square" rtlCol="0">
+              <a:spAutoFit/>
+            </a:bodyPr>
+            <a:lstStyle/>
+            <a:p>
+              <a:r>
+                <a:rPr lang="pt-BR" sz="2000" dirty="0" smtClean="0"/>
+                <a:t>10%</a:t>
+              </a:r>
+              <a:endParaRPr lang="pt-BR" sz="2000" dirty="0"/>
+            </a:p>
+          </p:txBody>
+        </p:sp>
+      </p:grpSp>
+      <p:sp>
+        <p:nvSpPr>
+          <p:cNvPr id="56" name="Retângulo 55"/>
+          <p:cNvSpPr/>
+          <p:nvPr/>
+        </p:nvSpPr>
+        <p:spPr>
+          <a:xfrm>
+            <a:off x="2297785" y="6134564"/>
+            <a:ext cx="2879997" cy="540000"/>
+          </a:xfrm>
+          <a:prstGeom prst="rect">
+            <a:avLst/>
+          </a:prstGeom>
+        </p:spPr>
+        <p:style>
+          <a:lnRef idx="2">
+            <a:schemeClr val="accent1">
+              <a:shade val="50000"/>
+            </a:schemeClr>
+          </a:lnRef>
+          <a:fillRef idx="1">
+            <a:schemeClr val="accent1"/>
+          </a:fillRef>
+          <a:effectRef idx="0">
+            <a:schemeClr val="accent1"/>
+          </a:effectRef>
+          <a:fontRef idx="minor">
+            <a:schemeClr val="lt1"/>
+          </a:fontRef>
+        </p:style>
+        <p:txBody>
+          <a:bodyPr rtlCol="0" anchor="ctr"/>
+          <a:lstStyle/>
+          <a:p>
+            <a:pPr algn="ctr"/>
+            <a:endParaRPr lang="pt-BR"/>
+          </a:p>
+        </p:txBody>
+      </p:sp>
+      <p:grpSp>
+        <p:nvGrpSpPr>
+          <p:cNvPr id="57" name="Agrupar 56"/>
+          <p:cNvGrpSpPr/>
+          <p:nvPr/>
+        </p:nvGrpSpPr>
+        <p:grpSpPr>
+          <a:xfrm>
+            <a:off x="5177783" y="5540769"/>
+            <a:ext cx="4320002" cy="1133796"/>
+            <a:chOff x="1847848" y="1405547"/>
+            <a:chExt cx="4320002" cy="1133796"/>
+          </a:xfrm>
+        </p:grpSpPr>
+        <p:sp>
+          <p:nvSpPr>
+            <p:cNvPr id="58" name="Retângulo 57"/>
+            <p:cNvSpPr/>
+            <p:nvPr/>
+          </p:nvSpPr>
+          <p:spPr>
+            <a:xfrm>
+              <a:off x="1847848" y="1729196"/>
+              <a:ext cx="3600001" cy="540291"/>
+            </a:xfrm>
+            <a:prstGeom prst="rect">
+              <a:avLst/>
+            </a:prstGeom>
+            <a:noFill/>
+            <a:ln>
+              <a:solidFill>
+                <a:schemeClr val="tx1"/>
+              </a:solidFill>
+            </a:ln>
+          </p:spPr>
+          <p:style>
+            <a:lnRef idx="2">
+              <a:schemeClr val="accent1">
+                <a:shade val="50000"/>
+              </a:schemeClr>
+            </a:lnRef>
+            <a:fillRef idx="1">
+              <a:schemeClr val="accent1"/>
+            </a:fillRef>
+            <a:effectRef idx="0">
+              <a:schemeClr val="accent1"/>
+            </a:effectRef>
+            <a:fontRef idx="minor">
+              <a:schemeClr val="lt1"/>
+            </a:fontRef>
+          </p:style>
+          <p:txBody>
+            <a:bodyPr rtlCol="0" anchor="ctr"/>
+            <a:lstStyle/>
+            <a:p>
+              <a:pPr algn="ctr"/>
+              <a:endParaRPr lang="pt-BR"/>
+            </a:p>
+          </p:txBody>
+        </p:sp>
+        <p:sp>
+          <p:nvSpPr>
+            <p:cNvPr id="59" name="Retângulo 58"/>
+            <p:cNvSpPr/>
+            <p:nvPr/>
+          </p:nvSpPr>
+          <p:spPr>
+            <a:xfrm>
+              <a:off x="5447850" y="1729195"/>
+              <a:ext cx="720000" cy="540291"/>
+            </a:xfrm>
+            <a:prstGeom prst="rect">
+              <a:avLst/>
+            </a:prstGeom>
+            <a:noFill/>
+            <a:ln>
+              <a:solidFill>
+                <a:schemeClr val="tx1"/>
+              </a:solidFill>
+            </a:ln>
+          </p:spPr>
+          <p:style>
+            <a:lnRef idx="2">
+              <a:schemeClr val="accent1">
+                <a:shade val="50000"/>
+              </a:schemeClr>
+            </a:lnRef>
+            <a:fillRef idx="1">
+              <a:schemeClr val="accent1"/>
+            </a:fillRef>
+            <a:effectRef idx="0">
+              <a:schemeClr val="accent1"/>
+            </a:effectRef>
+            <a:fontRef idx="minor">
+              <a:schemeClr val="lt1"/>
+            </a:fontRef>
+          </p:style>
+          <p:txBody>
+            <a:bodyPr rtlCol="0" anchor="ctr"/>
+            <a:lstStyle/>
+            <a:p>
+              <a:pPr algn="ctr"/>
+              <a:endParaRPr lang="pt-BR"/>
+            </a:p>
+          </p:txBody>
+        </p:sp>
+        <p:sp>
+          <p:nvSpPr>
+            <p:cNvPr id="60" name="Retângulo 59"/>
+            <p:cNvSpPr/>
+            <p:nvPr/>
+          </p:nvSpPr>
+          <p:spPr>
+            <a:xfrm>
+              <a:off x="1847849" y="1999342"/>
+              <a:ext cx="3600000" cy="540000"/>
+            </a:xfrm>
+            <a:prstGeom prst="rect">
+              <a:avLst/>
+            </a:prstGeom>
+          </p:spPr>
+          <p:style>
+            <a:lnRef idx="2">
+              <a:schemeClr val="accent6">
+                <a:shade val="50000"/>
+              </a:schemeClr>
+            </a:lnRef>
+            <a:fillRef idx="1">
+              <a:schemeClr val="accent6"/>
+            </a:fillRef>
+            <a:effectRef idx="0">
+              <a:schemeClr val="accent6"/>
+            </a:effectRef>
+            <a:fontRef idx="minor">
+              <a:schemeClr val="lt1"/>
+            </a:fontRef>
+          </p:style>
+          <p:txBody>
+            <a:bodyPr rtlCol="0" anchor="ctr"/>
+            <a:lstStyle/>
+            <a:p>
+              <a:pPr algn="ctr"/>
+              <a:r>
+                <a:rPr lang="pt-BR" sz="2000" dirty="0" smtClean="0"/>
+                <a:t>Treino</a:t>
+              </a:r>
+              <a:endParaRPr lang="pt-BR" sz="2000" dirty="0"/>
+            </a:p>
+          </p:txBody>
+        </p:sp>
+        <p:sp>
+          <p:nvSpPr>
+            <p:cNvPr id="61" name="Retângulo 60"/>
+            <p:cNvSpPr/>
+            <p:nvPr/>
+          </p:nvSpPr>
+          <p:spPr>
+            <a:xfrm>
+              <a:off x="5447849" y="1999343"/>
+              <a:ext cx="720000" cy="540000"/>
+            </a:xfrm>
+            <a:prstGeom prst="rect">
+              <a:avLst/>
+            </a:prstGeom>
+          </p:spPr>
+          <p:style>
+            <a:lnRef idx="2">
+              <a:schemeClr val="accent5">
+                <a:shade val="50000"/>
+              </a:schemeClr>
+            </a:lnRef>
+            <a:fillRef idx="1">
+              <a:schemeClr val="accent5"/>
+            </a:fillRef>
+            <a:effectRef idx="0">
+              <a:schemeClr val="accent5"/>
+            </a:effectRef>
+            <a:fontRef idx="minor">
+              <a:schemeClr val="lt1"/>
+            </a:fontRef>
+          </p:style>
+          <p:txBody>
+            <a:bodyPr rtlCol="0" anchor="ctr"/>
+            <a:lstStyle/>
+            <a:p>
+              <a:pPr algn="ctr"/>
+              <a:r>
+                <a:rPr lang="pt-BR" sz="2000" dirty="0" smtClean="0"/>
+                <a:t>teste</a:t>
+              </a:r>
+              <a:endParaRPr lang="pt-BR" sz="2000" dirty="0"/>
+            </a:p>
+          </p:txBody>
+        </p:sp>
+        <p:sp>
+          <p:nvSpPr>
+            <p:cNvPr id="62" name="CaixaDeTexto 61"/>
+            <p:cNvSpPr txBox="1"/>
+            <p:nvPr/>
+          </p:nvSpPr>
+          <p:spPr>
+            <a:xfrm>
+              <a:off x="3315312" y="1405547"/>
+              <a:ext cx="665071" cy="400110"/>
+            </a:xfrm>
+            <a:prstGeom prst="rect">
+              <a:avLst/>
+            </a:prstGeom>
+            <a:noFill/>
+          </p:spPr>
+          <p:txBody>
+            <a:bodyPr wrap="square" rtlCol="0">
+              <a:spAutoFit/>
+            </a:bodyPr>
+            <a:lstStyle/>
+            <a:p>
+              <a:r>
+                <a:rPr lang="pt-BR" sz="2000" dirty="0" smtClean="0"/>
+                <a:t>50%</a:t>
+              </a:r>
+              <a:endParaRPr lang="pt-BR" sz="2000" dirty="0"/>
+            </a:p>
+          </p:txBody>
+        </p:sp>
+        <p:sp>
+          <p:nvSpPr>
+            <p:cNvPr id="63" name="CaixaDeTexto 62"/>
+            <p:cNvSpPr txBox="1"/>
+            <p:nvPr/>
+          </p:nvSpPr>
+          <p:spPr>
+            <a:xfrm>
+              <a:off x="5491100" y="1410979"/>
+              <a:ext cx="633497" cy="400110"/>
+            </a:xfrm>
+            <a:prstGeom prst="rect">
+              <a:avLst/>
+            </a:prstGeom>
+            <a:noFill/>
+          </p:spPr>
+          <p:txBody>
+            <a:bodyPr wrap="square" rtlCol="0">
+              <a:spAutoFit/>
+            </a:bodyPr>
+            <a:lstStyle/>
+            <a:p>
+              <a:r>
+                <a:rPr lang="pt-BR" sz="2000" dirty="0" smtClean="0"/>
+                <a:t>10%</a:t>
+              </a:r>
+              <a:endParaRPr lang="pt-BR" sz="2000" dirty="0"/>
+            </a:p>
+          </p:txBody>
+        </p:sp>
+      </p:grpSp>
+      <p:sp>
+        <p:nvSpPr>
+          <p:cNvPr id="68" name="Retângulo 67"/>
+          <p:cNvSpPr/>
+          <p:nvPr/>
+        </p:nvSpPr>
+        <p:spPr>
+          <a:xfrm>
+            <a:off x="8777779" y="5054758"/>
+            <a:ext cx="720005" cy="539801"/>
+          </a:xfrm>
+          <a:prstGeom prst="rect">
+            <a:avLst/>
+          </a:prstGeom>
+        </p:spPr>
+        <p:style>
+          <a:lnRef idx="2">
+            <a:schemeClr val="accent1">
+              <a:shade val="50000"/>
+            </a:schemeClr>
+          </a:lnRef>
+          <a:fillRef idx="1">
+            <a:schemeClr val="accent1"/>
+          </a:fillRef>
+          <a:effectRef idx="0">
+            <a:schemeClr val="accent1"/>
+          </a:effectRef>
+          <a:fontRef idx="minor">
+            <a:schemeClr val="lt1"/>
+          </a:fontRef>
+        </p:style>
+        <p:txBody>
+          <a:bodyPr rtlCol="0" anchor="ctr"/>
+          <a:lstStyle/>
+          <a:p>
+            <a:pPr algn="ctr"/>
+            <a:endParaRPr lang="pt-BR"/>
+          </a:p>
+        </p:txBody>
+      </p:sp>
+      <p:sp>
+        <p:nvSpPr>
+          <p:cNvPr id="69" name="Retângulo 68"/>
+          <p:cNvSpPr/>
+          <p:nvPr/>
+        </p:nvSpPr>
+        <p:spPr>
+          <a:xfrm>
+            <a:off x="8057777" y="3987698"/>
+            <a:ext cx="1440012" cy="536237"/>
+          </a:xfrm>
+          <a:prstGeom prst="rect">
+            <a:avLst/>
+          </a:prstGeom>
+        </p:spPr>
+        <p:style>
+          <a:lnRef idx="2">
+            <a:schemeClr val="accent1">
+              <a:shade val="50000"/>
+            </a:schemeClr>
+          </a:lnRef>
+          <a:fillRef idx="1">
+            <a:schemeClr val="accent1"/>
+          </a:fillRef>
+          <a:effectRef idx="0">
+            <a:schemeClr val="accent1"/>
+          </a:effectRef>
+          <a:fontRef idx="minor">
+            <a:schemeClr val="lt1"/>
+          </a:fontRef>
+        </p:style>
+        <p:txBody>
+          <a:bodyPr rtlCol="0" anchor="ctr"/>
+          <a:lstStyle/>
+          <a:p>
+            <a:pPr algn="ctr"/>
+            <a:endParaRPr lang="pt-BR"/>
+          </a:p>
+        </p:txBody>
+      </p:sp>
+      <p:sp>
+        <p:nvSpPr>
+          <p:cNvPr id="70" name="Retângulo 69"/>
+          <p:cNvSpPr/>
+          <p:nvPr/>
+        </p:nvSpPr>
+        <p:spPr>
+          <a:xfrm>
+            <a:off x="7337791" y="2908762"/>
+            <a:ext cx="2159999" cy="536836"/>
+          </a:xfrm>
+          <a:prstGeom prst="rect">
+            <a:avLst/>
+          </a:prstGeom>
+        </p:spPr>
+        <p:style>
+          <a:lnRef idx="2">
+            <a:schemeClr val="accent1">
+              <a:shade val="50000"/>
+            </a:schemeClr>
+          </a:lnRef>
+          <a:fillRef idx="1">
+            <a:schemeClr val="accent1"/>
+          </a:fillRef>
+          <a:effectRef idx="0">
+            <a:schemeClr val="accent1"/>
+          </a:effectRef>
+          <a:fontRef idx="minor">
+            <a:schemeClr val="lt1"/>
+          </a:fontRef>
+        </p:style>
+        <p:txBody>
+          <a:bodyPr rtlCol="0" anchor="ctr"/>
+          <a:lstStyle/>
+          <a:p>
+            <a:pPr algn="ctr"/>
+            <a:endParaRPr lang="pt-BR"/>
+          </a:p>
+        </p:txBody>
+      </p:sp>
+      <p:sp>
+        <p:nvSpPr>
+          <p:cNvPr id="71" name="Seta para a Direita 70"/>
+          <p:cNvSpPr/>
+          <p:nvPr/>
+        </p:nvSpPr>
+        <p:spPr>
+          <a:xfrm>
+            <a:off x="2297785" y="408373"/>
+            <a:ext cx="7199999" cy="168676"/>
+          </a:xfrm>
+          <a:prstGeom prst="rightArrow">
+            <a:avLst/>
+          </a:prstGeom>
+        </p:spPr>
+        <p:style>
+          <a:lnRef idx="2">
+            <a:schemeClr val="accent1">
+              <a:shade val="50000"/>
+            </a:schemeClr>
+          </a:lnRef>
+          <a:fillRef idx="1">
+            <a:schemeClr val="accent1"/>
+          </a:fillRef>
+          <a:effectRef idx="0">
+            <a:schemeClr val="accent1"/>
+          </a:effectRef>
+          <a:fontRef idx="minor">
+            <a:schemeClr val="lt1"/>
+          </a:fontRef>
+        </p:style>
+        <p:txBody>
+          <a:bodyPr rtlCol="0" anchor="ctr"/>
+          <a:lstStyle/>
+          <a:p>
+            <a:pPr algn="ctr"/>
+            <a:endParaRPr lang="pt-BR"/>
           </a:p>
         </p:txBody>
       </p:sp>
     </p:spTree>
     <p:extLst>
       <p:ext uri="{BB962C8B-B14F-4D97-AF65-F5344CB8AC3E}">
-        <p14:creationId xmlns:p14="http://schemas.microsoft.com/office/powerpoint/2010/main" val="3309111227"/>
+        <p14:creationId xmlns:p14="http://schemas.microsoft.com/office/powerpoint/2010/main" val="3387971350"/>
       </p:ext>
     </p:extLst>
   </p:cSld>
   <p:clrMapOvr>
     <a:masterClrMapping/>
   </p:clrMapOvr>
+  <p:timing>
+    <p:tnLst>
+      <p:par>
+        <p:cTn id="1" dur="indefinite" restart="never" nodeType="tmRoot"/>
+      </p:par>
+    </p:tnLst>
+  </p:timing>
 </p:sld>
 </file>
 
-<file path=ppt/slides/slide3.xml><?xml version="1.0" encoding="utf-8"?>
-<p:sld xmlns:a="http://schemas.openxmlformats.org/drawingml/2006/main" xmlns:r="http://schemas.openxmlformats.org/officeDocument/2006/relationships" xmlns:p="http://schemas.openxmlformats.org/presentationml/2006/main">
-  <p:cSld>
-    <p:spTree>
-      <p:nvGrpSpPr>
-        <p:cNvPr id="1" name=""/>
-        <p:cNvGrpSpPr/>
-        <p:nvPr/>
-      </p:nvGrpSpPr>
-      <p:grpSpPr>
-        <a:xfrm>
-          <a:off x="0" y="0"/>
-          <a:ext cx="0" cy="0"/>
-          <a:chOff x="0" y="0"/>
-          <a:chExt cx="0" cy="0"/>
-        </a:xfrm>
-      </p:grpSpPr>
-      <p:pic>
-        <p:nvPicPr>
-          <p:cNvPr id="4" name="Imagem 3"/>
-          <p:cNvPicPr>
-            <a:picLocks noChangeAspect="1"/>
-          </p:cNvPicPr>
-          <p:nvPr/>
-        </p:nvPicPr>
-        <p:blipFill>
-          <a:blip r:embed="rId2">
-            <a:extLst>
-              <a:ext uri="{28A0092B-C50C-407E-A947-70E740481C1C}">
-                <a14:useLocalDpi xmlns:a14="http://schemas.microsoft.com/office/drawing/2010/main" val="0"/>
-              </a:ext>
-            </a:extLst>
-          </a:blip>
-          <a:stretch>
-            <a:fillRect/>
-          </a:stretch>
-        </p:blipFill>
-        <p:spPr>
-          <a:xfrm>
-            <a:off x="730962" y="784515"/>
-            <a:ext cx="4725059" cy="1276528"/>
-          </a:xfrm>
-          <a:prstGeom prst="rect">
-            <a:avLst/>
-          </a:prstGeom>
-        </p:spPr>
-      </p:pic>
-    </p:spTree>
-    <p:extLst>
-      <p:ext uri="{BB962C8B-B14F-4D97-AF65-F5344CB8AC3E}">
-        <p14:creationId xmlns:p14="http://schemas.microsoft.com/office/powerpoint/2010/main" val="666603160"/>
-      </p:ext>
-    </p:extLst>
-  </p:cSld>
-  <p:clrMapOvr>
-    <a:masterClrMapping/>
-  </p:clrMapOvr>
-</p:sld>
-</file>
-
-<file path=ppt/slides/slide4.xml><?xml version="1.0" encoding="utf-8"?>
+<file path=ppt/slides/slide6.xml><?xml version="1.0" encoding="utf-8"?>
 <p:sld xmlns:a="http://schemas.openxmlformats.org/drawingml/2006/main" xmlns:r="http://schemas.openxmlformats.org/officeDocument/2006/relationships" xmlns:p="http://schemas.openxmlformats.org/presentationml/2006/main">
   <p:cSld>
     <p:spTree>
@@ -8038,6 +13588,13 @@
   <p:clrMapOvr>
     <a:masterClrMapping/>
   </p:clrMapOvr>
+  <p:timing>
+    <p:tnLst>
+      <p:par>
+        <p:cTn id="1" dur="indefinite" restart="never" nodeType="tmRoot"/>
+      </p:par>
+    </p:tnLst>
+  </p:timing>
 </p:sld>
 </file>
 

--- a/TCC/versões/imagens/imagens.pptx
+++ b/TCC/versões/imagens/imagens.pptx
@@ -213,7 +213,7 @@
           <a:p>
             <a:fld id="{55688CA0-5F4B-48A2-9AC3-C8861425B993}" type="datetimeFigureOut">
               <a:rPr lang="pt-BR" smtClean="0"/>
-              <a:t>09/11/2019</a:t>
+              <a:t>16/12/2019</a:t>
             </a:fld>
             <a:endParaRPr lang="pt-BR"/>
           </a:p>
@@ -780,7 +780,7 @@
           <a:p>
             <a:fld id="{1EC0D891-8AD6-48DD-B95C-ECA6CD1B7C86}" type="datetimeFigureOut">
               <a:rPr lang="pt-BR" smtClean="0"/>
-              <a:t>09/11/2019</a:t>
+              <a:t>16/12/2019</a:t>
             </a:fld>
             <a:endParaRPr lang="pt-BR"/>
           </a:p>
@@ -950,7 +950,7 @@
           <a:p>
             <a:fld id="{1EC0D891-8AD6-48DD-B95C-ECA6CD1B7C86}" type="datetimeFigureOut">
               <a:rPr lang="pt-BR" smtClean="0"/>
-              <a:t>09/11/2019</a:t>
+              <a:t>16/12/2019</a:t>
             </a:fld>
             <a:endParaRPr lang="pt-BR"/>
           </a:p>
@@ -1130,7 +1130,7 @@
           <a:p>
             <a:fld id="{1EC0D891-8AD6-48DD-B95C-ECA6CD1B7C86}" type="datetimeFigureOut">
               <a:rPr lang="pt-BR" smtClean="0"/>
-              <a:t>09/11/2019</a:t>
+              <a:t>16/12/2019</a:t>
             </a:fld>
             <a:endParaRPr lang="pt-BR"/>
           </a:p>
@@ -1300,7 +1300,7 @@
           <a:p>
             <a:fld id="{1EC0D891-8AD6-48DD-B95C-ECA6CD1B7C86}" type="datetimeFigureOut">
               <a:rPr lang="pt-BR" smtClean="0"/>
-              <a:t>09/11/2019</a:t>
+              <a:t>16/12/2019</a:t>
             </a:fld>
             <a:endParaRPr lang="pt-BR"/>
           </a:p>
@@ -1546,7 +1546,7 @@
           <a:p>
             <a:fld id="{1EC0D891-8AD6-48DD-B95C-ECA6CD1B7C86}" type="datetimeFigureOut">
               <a:rPr lang="pt-BR" smtClean="0"/>
-              <a:t>09/11/2019</a:t>
+              <a:t>16/12/2019</a:t>
             </a:fld>
             <a:endParaRPr lang="pt-BR"/>
           </a:p>
@@ -1778,7 +1778,7 @@
           <a:p>
             <a:fld id="{1EC0D891-8AD6-48DD-B95C-ECA6CD1B7C86}" type="datetimeFigureOut">
               <a:rPr lang="pt-BR" smtClean="0"/>
-              <a:t>09/11/2019</a:t>
+              <a:t>16/12/2019</a:t>
             </a:fld>
             <a:endParaRPr lang="pt-BR"/>
           </a:p>
@@ -2145,7 +2145,7 @@
           <a:p>
             <a:fld id="{1EC0D891-8AD6-48DD-B95C-ECA6CD1B7C86}" type="datetimeFigureOut">
               <a:rPr lang="pt-BR" smtClean="0"/>
-              <a:t>09/11/2019</a:t>
+              <a:t>16/12/2019</a:t>
             </a:fld>
             <a:endParaRPr lang="pt-BR"/>
           </a:p>
@@ -2263,7 +2263,7 @@
           <a:p>
             <a:fld id="{1EC0D891-8AD6-48DD-B95C-ECA6CD1B7C86}" type="datetimeFigureOut">
               <a:rPr lang="pt-BR" smtClean="0"/>
-              <a:t>09/11/2019</a:t>
+              <a:t>16/12/2019</a:t>
             </a:fld>
             <a:endParaRPr lang="pt-BR"/>
           </a:p>
@@ -2358,7 +2358,7 @@
           <a:p>
             <a:fld id="{1EC0D891-8AD6-48DD-B95C-ECA6CD1B7C86}" type="datetimeFigureOut">
               <a:rPr lang="pt-BR" smtClean="0"/>
-              <a:t>09/11/2019</a:t>
+              <a:t>16/12/2019</a:t>
             </a:fld>
             <a:endParaRPr lang="pt-BR"/>
           </a:p>
@@ -2635,7 +2635,7 @@
           <a:p>
             <a:fld id="{1EC0D891-8AD6-48DD-B95C-ECA6CD1B7C86}" type="datetimeFigureOut">
               <a:rPr lang="pt-BR" smtClean="0"/>
-              <a:t>09/11/2019</a:t>
+              <a:t>16/12/2019</a:t>
             </a:fld>
             <a:endParaRPr lang="pt-BR"/>
           </a:p>
@@ -2892,7 +2892,7 @@
           <a:p>
             <a:fld id="{1EC0D891-8AD6-48DD-B95C-ECA6CD1B7C86}" type="datetimeFigureOut">
               <a:rPr lang="pt-BR" smtClean="0"/>
-              <a:t>09/11/2019</a:t>
+              <a:t>16/12/2019</a:t>
             </a:fld>
             <a:endParaRPr lang="pt-BR"/>
           </a:p>
@@ -3105,7 +3105,7 @@
           <a:p>
             <a:fld id="{1EC0D891-8AD6-48DD-B95C-ECA6CD1B7C86}" type="datetimeFigureOut">
               <a:rPr lang="pt-BR" smtClean="0"/>
-              <a:t>09/11/2019</a:t>
+              <a:t>16/12/2019</a:t>
             </a:fld>
             <a:endParaRPr lang="pt-BR"/>
           </a:p>
@@ -4092,8 +4092,8 @@
             <a:p>
               <a:pPr algn="ctr"/>
               <a:endParaRPr lang="pt-BR">
-                <a:latin typeface="Arial" panose="020B0604020202020204" pitchFamily="34" charset="0"/>
-                <a:cs typeface="Arial" panose="020B0604020202020204" pitchFamily="34" charset="0"/>
+                <a:latin typeface="Times New Roman" panose="02020603050405020304" pitchFamily="18" charset="0"/>
+                <a:cs typeface="Times New Roman" panose="02020603050405020304" pitchFamily="18" charset="0"/>
               </a:endParaRPr>
             </a:p>
           </p:txBody>
@@ -4153,8 +4153,8 @@
               <a:p>
                 <a:pPr algn="ctr"/>
                 <a:endParaRPr lang="pt-BR">
-                  <a:latin typeface="Arial" panose="020B0604020202020204" pitchFamily="34" charset="0"/>
-                  <a:cs typeface="Arial" panose="020B0604020202020204" pitchFamily="34" charset="0"/>
+                  <a:latin typeface="Times New Roman" panose="02020603050405020304" pitchFamily="18" charset="0"/>
+                  <a:cs typeface="Times New Roman" panose="02020603050405020304" pitchFamily="18" charset="0"/>
                 </a:endParaRPr>
               </a:p>
             </p:txBody>
@@ -4197,8 +4197,8 @@
               <a:p>
                 <a:pPr algn="ctr"/>
                 <a:endParaRPr lang="pt-BR">
-                  <a:latin typeface="Arial" panose="020B0604020202020204" pitchFamily="34" charset="0"/>
-                  <a:cs typeface="Arial" panose="020B0604020202020204" pitchFamily="34" charset="0"/>
+                  <a:latin typeface="Times New Roman" panose="02020603050405020304" pitchFamily="18" charset="0"/>
+                  <a:cs typeface="Times New Roman" panose="02020603050405020304" pitchFamily="18" charset="0"/>
                 </a:endParaRPr>
               </a:p>
             </p:txBody>
@@ -4259,8 +4259,8 @@
               <a:p>
                 <a:pPr algn="ctr"/>
                 <a:endParaRPr lang="pt-BR">
-                  <a:latin typeface="Arial" panose="020B0604020202020204" pitchFamily="34" charset="0"/>
-                  <a:cs typeface="Arial" panose="020B0604020202020204" pitchFamily="34" charset="0"/>
+                  <a:latin typeface="Times New Roman" panose="02020603050405020304" pitchFamily="18" charset="0"/>
+                  <a:cs typeface="Times New Roman" panose="02020603050405020304" pitchFamily="18" charset="0"/>
                 </a:endParaRPr>
               </a:p>
             </p:txBody>
@@ -4303,8 +4303,8 @@
               <a:p>
                 <a:pPr algn="ctr"/>
                 <a:endParaRPr lang="pt-BR">
-                  <a:latin typeface="Arial" panose="020B0604020202020204" pitchFamily="34" charset="0"/>
-                  <a:cs typeface="Arial" panose="020B0604020202020204" pitchFamily="34" charset="0"/>
+                  <a:latin typeface="Times New Roman" panose="02020603050405020304" pitchFamily="18" charset="0"/>
+                  <a:cs typeface="Times New Roman" panose="02020603050405020304" pitchFamily="18" charset="0"/>
                 </a:endParaRPr>
               </a:p>
             </p:txBody>
@@ -4365,8 +4365,8 @@
               <a:p>
                 <a:pPr algn="ctr"/>
                 <a:endParaRPr lang="pt-BR">
-                  <a:latin typeface="Arial" panose="020B0604020202020204" pitchFamily="34" charset="0"/>
-                  <a:cs typeface="Arial" panose="020B0604020202020204" pitchFamily="34" charset="0"/>
+                  <a:latin typeface="Times New Roman" panose="02020603050405020304" pitchFamily="18" charset="0"/>
+                  <a:cs typeface="Times New Roman" panose="02020603050405020304" pitchFamily="18" charset="0"/>
                 </a:endParaRPr>
               </a:p>
             </p:txBody>
@@ -4409,8 +4409,8 @@
               <a:p>
                 <a:pPr algn="ctr"/>
                 <a:endParaRPr lang="pt-BR">
-                  <a:latin typeface="Arial" panose="020B0604020202020204" pitchFamily="34" charset="0"/>
-                  <a:cs typeface="Arial" panose="020B0604020202020204" pitchFamily="34" charset="0"/>
+                  <a:latin typeface="Times New Roman" panose="02020603050405020304" pitchFamily="18" charset="0"/>
+                  <a:cs typeface="Times New Roman" panose="02020603050405020304" pitchFamily="18" charset="0"/>
                 </a:endParaRPr>
               </a:p>
             </p:txBody>
@@ -4504,8 +4504,8 @@
                       <a:lumMod val="10000"/>
                     </a:schemeClr>
                   </a:solidFill>
-                  <a:latin typeface="Arial" panose="020B0604020202020204" pitchFamily="34" charset="0"/>
-                  <a:cs typeface="Arial" panose="020B0604020202020204" pitchFamily="34" charset="0"/>
+                  <a:latin typeface="Times New Roman" panose="02020603050405020304" pitchFamily="18" charset="0"/>
+                  <a:cs typeface="Times New Roman" panose="02020603050405020304" pitchFamily="18" charset="0"/>
                 </a:rPr>
                 <a:t>Desenvolvedor</a:t>
               </a:r>
@@ -4515,8 +4515,8 @@
                     <a:lumMod val="10000"/>
                   </a:schemeClr>
                 </a:solidFill>
-                <a:latin typeface="Arial" panose="020B0604020202020204" pitchFamily="34" charset="0"/>
-                <a:cs typeface="Arial" panose="020B0604020202020204" pitchFamily="34" charset="0"/>
+                <a:latin typeface="Times New Roman" panose="02020603050405020304" pitchFamily="18" charset="0"/>
+                <a:cs typeface="Times New Roman" panose="02020603050405020304" pitchFamily="18" charset="0"/>
               </a:endParaRPr>
             </a:p>
           </p:txBody>
@@ -4572,8 +4572,8 @@
                       <a:lumMod val="10000"/>
                     </a:schemeClr>
                   </a:solidFill>
-                  <a:latin typeface="Arial" panose="020B0604020202020204" pitchFamily="34" charset="0"/>
-                  <a:cs typeface="Arial" panose="020B0604020202020204" pitchFamily="34" charset="0"/>
+                  <a:latin typeface="Times New Roman" panose="02020603050405020304" pitchFamily="18" charset="0"/>
+                  <a:cs typeface="Times New Roman" panose="02020603050405020304" pitchFamily="18" charset="0"/>
                 </a:rPr>
                 <a:t>Repositório compartilhado</a:t>
               </a:r>
@@ -4583,8 +4583,8 @@
                     <a:lumMod val="10000"/>
                   </a:schemeClr>
                 </a:solidFill>
-                <a:latin typeface="Arial" panose="020B0604020202020204" pitchFamily="34" charset="0"/>
-                <a:cs typeface="Arial" panose="020B0604020202020204" pitchFamily="34" charset="0"/>
+                <a:latin typeface="Times New Roman" panose="02020603050405020304" pitchFamily="18" charset="0"/>
+                <a:cs typeface="Times New Roman" panose="02020603050405020304" pitchFamily="18" charset="0"/>
               </a:endParaRPr>
             </a:p>
           </p:txBody>
@@ -4714,8 +4714,8 @@
                       <a:lumMod val="10000"/>
                     </a:schemeClr>
                   </a:solidFill>
-                  <a:latin typeface="Arial" panose="020B0604020202020204" pitchFamily="34" charset="0"/>
-                  <a:cs typeface="Arial" panose="020B0604020202020204" pitchFamily="34" charset="0"/>
+                  <a:latin typeface="Times New Roman" panose="02020603050405020304" pitchFamily="18" charset="0"/>
+                  <a:cs typeface="Times New Roman" panose="02020603050405020304" pitchFamily="18" charset="0"/>
                 </a:rPr>
                 <a:t>Desenvolvedor</a:t>
               </a:r>
@@ -4725,8 +4725,8 @@
                     <a:lumMod val="10000"/>
                   </a:schemeClr>
                 </a:solidFill>
-                <a:latin typeface="Arial" panose="020B0604020202020204" pitchFamily="34" charset="0"/>
-                <a:cs typeface="Arial" panose="020B0604020202020204" pitchFamily="34" charset="0"/>
+                <a:latin typeface="Times New Roman" panose="02020603050405020304" pitchFamily="18" charset="0"/>
+                <a:cs typeface="Times New Roman" panose="02020603050405020304" pitchFamily="18" charset="0"/>
               </a:endParaRPr>
             </a:p>
           </p:txBody>
@@ -4782,8 +4782,8 @@
                       <a:lumMod val="10000"/>
                     </a:schemeClr>
                   </a:solidFill>
-                  <a:latin typeface="Arial" panose="020B0604020202020204" pitchFamily="34" charset="0"/>
-                  <a:cs typeface="Arial" panose="020B0604020202020204" pitchFamily="34" charset="0"/>
+                  <a:latin typeface="Times New Roman" panose="02020603050405020304" pitchFamily="18" charset="0"/>
+                  <a:cs typeface="Times New Roman" panose="02020603050405020304" pitchFamily="18" charset="0"/>
                 </a:rPr>
                 <a:t>Desenvolvedor</a:t>
               </a:r>
@@ -4793,8 +4793,8 @@
                     <a:lumMod val="10000"/>
                   </a:schemeClr>
                 </a:solidFill>
-                <a:latin typeface="Arial" panose="020B0604020202020204" pitchFamily="34" charset="0"/>
-                <a:cs typeface="Arial" panose="020B0604020202020204" pitchFamily="34" charset="0"/>
+                <a:latin typeface="Times New Roman" panose="02020603050405020304" pitchFamily="18" charset="0"/>
+                <a:cs typeface="Times New Roman" panose="02020603050405020304" pitchFamily="18" charset="0"/>
               </a:endParaRPr>
             </a:p>
           </p:txBody>
@@ -4893,7 +4893,10 @@
             <a:lstStyle/>
             <a:p>
               <a:pPr algn="ctr"/>
-              <a:endParaRPr lang="pt-BR" sz="1600"/>
+              <a:endParaRPr lang="pt-BR" sz="1600">
+                <a:latin typeface="Times New Roman" panose="02020603050405020304" pitchFamily="18" charset="0"/>
+                <a:cs typeface="Times New Roman" panose="02020603050405020304" pitchFamily="18" charset="0"/>
+              </a:endParaRPr>
             </a:p>
           </p:txBody>
         </p:sp>
@@ -4939,7 +4942,10 @@
             <a:lstStyle/>
             <a:p>
               <a:pPr algn="ctr"/>
-              <a:endParaRPr lang="pt-BR" sz="1600"/>
+              <a:endParaRPr lang="pt-BR" sz="1600">
+                <a:latin typeface="Times New Roman" panose="02020603050405020304" pitchFamily="18" charset="0"/>
+                <a:cs typeface="Times New Roman" panose="02020603050405020304" pitchFamily="18" charset="0"/>
+              </a:endParaRPr>
             </a:p>
           </p:txBody>
         </p:sp>
@@ -4984,14 +4990,14 @@
               <a:pPr algn="ctr"/>
               <a:r>
                 <a:rPr lang="pt-BR" sz="2000" dirty="0" smtClean="0">
-                  <a:latin typeface="Arial" panose="020B0604020202020204" pitchFamily="34" charset="0"/>
-                  <a:cs typeface="Arial" panose="020B0604020202020204" pitchFamily="34" charset="0"/>
+                  <a:latin typeface="Times New Roman" panose="02020603050405020304" pitchFamily="18" charset="0"/>
+                  <a:cs typeface="Times New Roman" panose="02020603050405020304" pitchFamily="18" charset="0"/>
                 </a:rPr>
                 <a:t>Integrador</a:t>
               </a:r>
               <a:endParaRPr lang="pt-BR" sz="2000" dirty="0">
-                <a:latin typeface="Arial" panose="020B0604020202020204" pitchFamily="34" charset="0"/>
-                <a:cs typeface="Arial" panose="020B0604020202020204" pitchFamily="34" charset="0"/>
+                <a:latin typeface="Times New Roman" panose="02020603050405020304" pitchFamily="18" charset="0"/>
+                <a:cs typeface="Times New Roman" panose="02020603050405020304" pitchFamily="18" charset="0"/>
               </a:endParaRPr>
             </a:p>
           </p:txBody>
@@ -5033,26 +5039,44 @@
             <a:p>
               <a:pPr algn="ctr"/>
               <a:r>
-                <a:rPr lang="pt-BR" sz="1600" dirty="0" smtClean="0"/>
+                <a:rPr lang="pt-BR" sz="1600" dirty="0" smtClean="0">
+                  <a:latin typeface="Times New Roman" panose="02020603050405020304" pitchFamily="18" charset="0"/>
+                  <a:cs typeface="Times New Roman" panose="02020603050405020304" pitchFamily="18" charset="0"/>
+                </a:rPr>
                 <a:t>Criar cópia </a:t>
               </a:r>
               <a:r>
-                <a:rPr lang="pt-BR" sz="1600" dirty="0"/>
+                <a:rPr lang="pt-BR" sz="1600" dirty="0">
+                  <a:latin typeface="Times New Roman" panose="02020603050405020304" pitchFamily="18" charset="0"/>
+                  <a:cs typeface="Times New Roman" panose="02020603050405020304" pitchFamily="18" charset="0"/>
+                </a:rPr>
                 <a:t>p</a:t>
               </a:r>
               <a:r>
-                <a:rPr lang="pt-BR" sz="1600" dirty="0" smtClean="0"/>
+                <a:rPr lang="pt-BR" sz="1600" dirty="0" smtClean="0">
+                  <a:latin typeface="Times New Roman" panose="02020603050405020304" pitchFamily="18" charset="0"/>
+                  <a:cs typeface="Times New Roman" panose="02020603050405020304" pitchFamily="18" charset="0"/>
+                </a:rPr>
                 <a:t>ública (</a:t>
               </a:r>
               <a:r>
-                <a:rPr lang="pt-BR" sz="1600" dirty="0" err="1" smtClean="0"/>
+                <a:rPr lang="pt-BR" sz="1600" dirty="0" err="1" smtClean="0">
+                  <a:latin typeface="Times New Roman" panose="02020603050405020304" pitchFamily="18" charset="0"/>
+                  <a:cs typeface="Times New Roman" panose="02020603050405020304" pitchFamily="18" charset="0"/>
+                </a:rPr>
                 <a:t>Fork</a:t>
               </a:r>
               <a:r>
-                <a:rPr lang="pt-BR" sz="1600" dirty="0" smtClean="0"/>
+                <a:rPr lang="pt-BR" sz="1600" dirty="0" smtClean="0">
+                  <a:latin typeface="Times New Roman" panose="02020603050405020304" pitchFamily="18" charset="0"/>
+                  <a:cs typeface="Times New Roman" panose="02020603050405020304" pitchFamily="18" charset="0"/>
+                </a:rPr>
                 <a:t>)</a:t>
               </a:r>
-              <a:endParaRPr lang="pt-BR" sz="1600" dirty="0"/>
+              <a:endParaRPr lang="pt-BR" sz="1600" dirty="0">
+                <a:latin typeface="Times New Roman" panose="02020603050405020304" pitchFamily="18" charset="0"/>
+                <a:cs typeface="Times New Roman" panose="02020603050405020304" pitchFamily="18" charset="0"/>
+              </a:endParaRPr>
             </a:p>
           </p:txBody>
         </p:sp>
@@ -5093,18 +5117,30 @@
             <a:p>
               <a:pPr algn="ctr"/>
               <a:r>
-                <a:rPr lang="pt-BR" sz="1600" dirty="0" smtClean="0"/>
+                <a:rPr lang="pt-BR" sz="1600" dirty="0" smtClean="0">
+                  <a:latin typeface="Times New Roman" panose="02020603050405020304" pitchFamily="18" charset="0"/>
+                  <a:cs typeface="Times New Roman" panose="02020603050405020304" pitchFamily="18" charset="0"/>
+                </a:rPr>
                 <a:t>Criar cópia </a:t>
               </a:r>
               <a:r>
-                <a:rPr lang="pt-BR" sz="1600" dirty="0"/>
+                <a:rPr lang="pt-BR" sz="1600" dirty="0">
+                  <a:latin typeface="Times New Roman" panose="02020603050405020304" pitchFamily="18" charset="0"/>
+                  <a:cs typeface="Times New Roman" panose="02020603050405020304" pitchFamily="18" charset="0"/>
+                </a:rPr>
                 <a:t>l</a:t>
               </a:r>
               <a:r>
-                <a:rPr lang="pt-BR" sz="1600" dirty="0" smtClean="0"/>
+                <a:rPr lang="pt-BR" sz="1600" dirty="0" smtClean="0">
+                  <a:latin typeface="Times New Roman" panose="02020603050405020304" pitchFamily="18" charset="0"/>
+                  <a:cs typeface="Times New Roman" panose="02020603050405020304" pitchFamily="18" charset="0"/>
+                </a:rPr>
                 <a:t>ocal (Clone)</a:t>
               </a:r>
-              <a:endParaRPr lang="pt-BR" sz="1600" dirty="0"/>
+              <a:endParaRPr lang="pt-BR" sz="1600" dirty="0">
+                <a:latin typeface="Times New Roman" panose="02020603050405020304" pitchFamily="18" charset="0"/>
+                <a:cs typeface="Times New Roman" panose="02020603050405020304" pitchFamily="18" charset="0"/>
+              </a:endParaRPr>
             </a:p>
           </p:txBody>
         </p:sp>
@@ -5145,18 +5181,30 @@
             <a:p>
               <a:pPr algn="ctr"/>
               <a:r>
-                <a:rPr lang="pt-BR" sz="1600" dirty="0" smtClean="0"/>
+                <a:rPr lang="pt-BR" sz="1600" dirty="0" smtClean="0">
+                  <a:latin typeface="Times New Roman" panose="02020603050405020304" pitchFamily="18" charset="0"/>
+                  <a:cs typeface="Times New Roman" panose="02020603050405020304" pitchFamily="18" charset="0"/>
+                </a:rPr>
                 <a:t>Realizar modificações (</a:t>
               </a:r>
               <a:r>
-                <a:rPr lang="pt-BR" sz="1600" dirty="0" err="1" smtClean="0"/>
+                <a:rPr lang="pt-BR" sz="1600" dirty="0" err="1" smtClean="0">
+                  <a:latin typeface="Times New Roman" panose="02020603050405020304" pitchFamily="18" charset="0"/>
+                  <a:cs typeface="Times New Roman" panose="02020603050405020304" pitchFamily="18" charset="0"/>
+                </a:rPr>
                 <a:t>Commits</a:t>
               </a:r>
               <a:r>
-                <a:rPr lang="pt-BR" sz="1600" dirty="0" smtClean="0"/>
+                <a:rPr lang="pt-BR" sz="1600" dirty="0" smtClean="0">
+                  <a:latin typeface="Times New Roman" panose="02020603050405020304" pitchFamily="18" charset="0"/>
+                  <a:cs typeface="Times New Roman" panose="02020603050405020304" pitchFamily="18" charset="0"/>
+                </a:rPr>
                 <a:t>)</a:t>
               </a:r>
-              <a:endParaRPr lang="pt-BR" sz="1600" dirty="0"/>
+              <a:endParaRPr lang="pt-BR" sz="1600" dirty="0">
+                <a:latin typeface="Times New Roman" panose="02020603050405020304" pitchFamily="18" charset="0"/>
+                <a:cs typeface="Times New Roman" panose="02020603050405020304" pitchFamily="18" charset="0"/>
+              </a:endParaRPr>
             </a:p>
           </p:txBody>
         </p:sp>
@@ -5197,18 +5245,30 @@
             <a:p>
               <a:pPr algn="ctr"/>
               <a:r>
-                <a:rPr lang="pt-BR" sz="1600" dirty="0" smtClean="0"/>
+                <a:rPr lang="pt-BR" sz="1600" dirty="0" smtClean="0">
+                  <a:latin typeface="Times New Roman" panose="02020603050405020304" pitchFamily="18" charset="0"/>
+                  <a:cs typeface="Times New Roman" panose="02020603050405020304" pitchFamily="18" charset="0"/>
+                </a:rPr>
                 <a:t>Enviar modificações (</a:t>
               </a:r>
               <a:r>
-                <a:rPr lang="pt-BR" sz="1600" dirty="0" err="1" smtClean="0"/>
+                <a:rPr lang="pt-BR" sz="1600" dirty="0" err="1" smtClean="0">
+                  <a:latin typeface="Times New Roman" panose="02020603050405020304" pitchFamily="18" charset="0"/>
+                  <a:cs typeface="Times New Roman" panose="02020603050405020304" pitchFamily="18" charset="0"/>
+                </a:rPr>
                 <a:t>Push</a:t>
               </a:r>
               <a:r>
-                <a:rPr lang="pt-BR" sz="1600" dirty="0" smtClean="0"/>
+                <a:rPr lang="pt-BR" sz="1600" dirty="0" smtClean="0">
+                  <a:latin typeface="Times New Roman" panose="02020603050405020304" pitchFamily="18" charset="0"/>
+                  <a:cs typeface="Times New Roman" panose="02020603050405020304" pitchFamily="18" charset="0"/>
+                </a:rPr>
                 <a:t>)</a:t>
               </a:r>
-              <a:endParaRPr lang="pt-BR" sz="1600" dirty="0"/>
+              <a:endParaRPr lang="pt-BR" sz="1600" dirty="0">
+                <a:latin typeface="Times New Roman" panose="02020603050405020304" pitchFamily="18" charset="0"/>
+                <a:cs typeface="Times New Roman" panose="02020603050405020304" pitchFamily="18" charset="0"/>
+              </a:endParaRPr>
             </a:p>
           </p:txBody>
         </p:sp>
@@ -5249,10 +5309,16 @@
             <a:p>
               <a:pPr algn="ctr"/>
               <a:r>
-                <a:rPr lang="pt-BR" sz="1600" dirty="0" smtClean="0"/>
+                <a:rPr lang="pt-BR" sz="1600" dirty="0" smtClean="0">
+                  <a:latin typeface="Times New Roman" panose="02020603050405020304" pitchFamily="18" charset="0"/>
+                  <a:cs typeface="Times New Roman" panose="02020603050405020304" pitchFamily="18" charset="0"/>
+                </a:rPr>
                 <a:t>Submeter solicitação (Pull Request)</a:t>
               </a:r>
-              <a:endParaRPr lang="pt-BR" sz="1600" dirty="0"/>
+              <a:endParaRPr lang="pt-BR" sz="1600" dirty="0">
+                <a:latin typeface="Times New Roman" panose="02020603050405020304" pitchFamily="18" charset="0"/>
+                <a:cs typeface="Times New Roman" panose="02020603050405020304" pitchFamily="18" charset="0"/>
+              </a:endParaRPr>
             </a:p>
           </p:txBody>
         </p:sp>
@@ -5301,10 +5367,16 @@
             <a:p>
               <a:pPr algn="ctr"/>
               <a:r>
-                <a:rPr lang="pt-BR" sz="1600" dirty="0" smtClean="0"/>
+                <a:rPr lang="pt-BR" sz="1600" dirty="0" smtClean="0">
+                  <a:latin typeface="Times New Roman" panose="02020603050405020304" pitchFamily="18" charset="0"/>
+                  <a:cs typeface="Times New Roman" panose="02020603050405020304" pitchFamily="18" charset="0"/>
+                </a:rPr>
                 <a:t>Discutir mudanças</a:t>
               </a:r>
-              <a:endParaRPr lang="pt-BR" sz="1600" dirty="0"/>
+              <a:endParaRPr lang="pt-BR" sz="1600" dirty="0">
+                <a:latin typeface="Times New Roman" panose="02020603050405020304" pitchFamily="18" charset="0"/>
+                <a:cs typeface="Times New Roman" panose="02020603050405020304" pitchFamily="18" charset="0"/>
+              </a:endParaRPr>
             </a:p>
           </p:txBody>
         </p:sp>
@@ -5464,10 +5536,16 @@
             <a:p>
               <a:pPr algn="ctr"/>
               <a:r>
-                <a:rPr lang="pt-BR" sz="1600" dirty="0" smtClean="0"/>
+                <a:rPr lang="pt-BR" sz="1600" dirty="0" smtClean="0">
+                  <a:latin typeface="Times New Roman" panose="02020603050405020304" pitchFamily="18" charset="0"/>
+                  <a:cs typeface="Times New Roman" panose="02020603050405020304" pitchFamily="18" charset="0"/>
+                </a:rPr>
                 <a:t>Repositório publico</a:t>
               </a:r>
-              <a:endParaRPr lang="pt-BR" sz="1600" dirty="0"/>
+              <a:endParaRPr lang="pt-BR" sz="1600" dirty="0">
+                <a:latin typeface="Times New Roman" panose="02020603050405020304" pitchFamily="18" charset="0"/>
+                <a:cs typeface="Times New Roman" panose="02020603050405020304" pitchFamily="18" charset="0"/>
+              </a:endParaRPr>
             </a:p>
           </p:txBody>
         </p:sp>
@@ -5510,10 +5588,16 @@
             <a:p>
               <a:pPr algn="ctr"/>
               <a:r>
-                <a:rPr lang="pt-BR" sz="1600" dirty="0" smtClean="0"/>
+                <a:rPr lang="pt-BR" sz="1600" dirty="0" smtClean="0">
+                  <a:latin typeface="Times New Roman" panose="02020603050405020304" pitchFamily="18" charset="0"/>
+                  <a:cs typeface="Times New Roman" panose="02020603050405020304" pitchFamily="18" charset="0"/>
+                </a:rPr>
                 <a:t>Repositório local</a:t>
               </a:r>
-              <a:endParaRPr lang="pt-BR" sz="1600" dirty="0"/>
+              <a:endParaRPr lang="pt-BR" sz="1600" dirty="0">
+                <a:latin typeface="Times New Roman" panose="02020603050405020304" pitchFamily="18" charset="0"/>
+                <a:cs typeface="Times New Roman" panose="02020603050405020304" pitchFamily="18" charset="0"/>
+              </a:endParaRPr>
             </a:p>
           </p:txBody>
         </p:sp>
@@ -5664,6 +5748,8 @@
                   <a:solidFill>
                     <a:schemeClr val="bg1"/>
                   </a:solidFill>
+                  <a:latin typeface="Times New Roman" panose="02020603050405020304" pitchFamily="18" charset="0"/>
+                  <a:cs typeface="Times New Roman" panose="02020603050405020304" pitchFamily="18" charset="0"/>
                 </a:rPr>
                 <a:t>Inicio do processo</a:t>
               </a:r>
@@ -5671,6 +5757,8 @@
                 <a:solidFill>
                   <a:schemeClr val="bg1"/>
                 </a:solidFill>
+                <a:latin typeface="Times New Roman" panose="02020603050405020304" pitchFamily="18" charset="0"/>
+                <a:cs typeface="Times New Roman" panose="02020603050405020304" pitchFamily="18" charset="0"/>
               </a:endParaRPr>
             </a:p>
           </p:txBody>
@@ -5712,10 +5800,16 @@
             <a:p>
               <a:pPr algn="ctr"/>
               <a:r>
-                <a:rPr lang="pt-BR" sz="1600" dirty="0" smtClean="0"/>
+                <a:rPr lang="pt-BR" sz="1600" dirty="0" smtClean="0">
+                  <a:latin typeface="Times New Roman" panose="02020603050405020304" pitchFamily="18" charset="0"/>
+                  <a:cs typeface="Times New Roman" panose="02020603050405020304" pitchFamily="18" charset="0"/>
+                </a:rPr>
                 <a:t>Analisar Pull Request</a:t>
               </a:r>
-              <a:endParaRPr lang="pt-BR" sz="1600" dirty="0"/>
+              <a:endParaRPr lang="pt-BR" sz="1600" dirty="0">
+                <a:latin typeface="Times New Roman" panose="02020603050405020304" pitchFamily="18" charset="0"/>
+                <a:cs typeface="Times New Roman" panose="02020603050405020304" pitchFamily="18" charset="0"/>
+              </a:endParaRPr>
             </a:p>
           </p:txBody>
         </p:sp>
@@ -5758,10 +5852,16 @@
             <a:p>
               <a:pPr algn="ctr"/>
               <a:r>
-                <a:rPr lang="pt-BR" sz="1600" dirty="0" smtClean="0"/>
+                <a:rPr lang="pt-BR" sz="1600" dirty="0" smtClean="0">
+                  <a:latin typeface="Times New Roman" panose="02020603050405020304" pitchFamily="18" charset="0"/>
+                  <a:cs typeface="Times New Roman" panose="02020603050405020304" pitchFamily="18" charset="0"/>
+                </a:rPr>
                 <a:t>Repositório principal</a:t>
               </a:r>
-              <a:endParaRPr lang="pt-BR" sz="1600" dirty="0"/>
+              <a:endParaRPr lang="pt-BR" sz="1600" dirty="0">
+                <a:latin typeface="Times New Roman" panose="02020603050405020304" pitchFamily="18" charset="0"/>
+                <a:cs typeface="Times New Roman" panose="02020603050405020304" pitchFamily="18" charset="0"/>
+              </a:endParaRPr>
             </a:p>
           </p:txBody>
         </p:sp>
@@ -5801,7 +5901,10 @@
             <a:lstStyle/>
             <a:p>
               <a:pPr algn="ctr"/>
-              <a:endParaRPr lang="pt-BR" sz="1600"/>
+              <a:endParaRPr lang="pt-BR" sz="1600">
+                <a:latin typeface="Times New Roman" panose="02020603050405020304" pitchFamily="18" charset="0"/>
+                <a:cs typeface="Times New Roman" panose="02020603050405020304" pitchFamily="18" charset="0"/>
+              </a:endParaRPr>
             </a:p>
           </p:txBody>
         </p:sp>
@@ -5841,7 +5944,10 @@
             <a:lstStyle/>
             <a:p>
               <a:pPr algn="ctr"/>
-              <a:endParaRPr lang="pt-BR" sz="1600"/>
+              <a:endParaRPr lang="pt-BR" sz="1600">
+                <a:latin typeface="Times New Roman" panose="02020603050405020304" pitchFamily="18" charset="0"/>
+                <a:cs typeface="Times New Roman" panose="02020603050405020304" pitchFamily="18" charset="0"/>
+              </a:endParaRPr>
             </a:p>
           </p:txBody>
         </p:sp>
@@ -5881,7 +5987,10 @@
             <a:lstStyle/>
             <a:p>
               <a:pPr algn="ctr"/>
-              <a:endParaRPr lang="pt-BR" sz="1600"/>
+              <a:endParaRPr lang="pt-BR" sz="1600">
+                <a:latin typeface="Times New Roman" panose="02020603050405020304" pitchFamily="18" charset="0"/>
+                <a:cs typeface="Times New Roman" panose="02020603050405020304" pitchFamily="18" charset="0"/>
+              </a:endParaRPr>
             </a:p>
           </p:txBody>
         </p:sp>
@@ -5913,6 +6022,8 @@
                   <a:solidFill>
                     <a:schemeClr val="bg1"/>
                   </a:solidFill>
+                  <a:latin typeface="Times New Roman" panose="02020603050405020304" pitchFamily="18" charset="0"/>
+                  <a:cs typeface="Times New Roman" panose="02020603050405020304" pitchFamily="18" charset="0"/>
                 </a:rPr>
                 <a:t>Merged</a:t>
               </a:r>
@@ -5920,6 +6031,8 @@
                 <a:solidFill>
                   <a:schemeClr val="bg1"/>
                 </a:solidFill>
+                <a:latin typeface="Times New Roman" panose="02020603050405020304" pitchFamily="18" charset="0"/>
+                <a:cs typeface="Times New Roman" panose="02020603050405020304" pitchFamily="18" charset="0"/>
               </a:endParaRPr>
             </a:p>
           </p:txBody>
@@ -5952,6 +6065,8 @@
                   <a:solidFill>
                     <a:schemeClr val="bg1"/>
                   </a:solidFill>
+                  <a:latin typeface="Times New Roman" panose="02020603050405020304" pitchFamily="18" charset="0"/>
+                  <a:cs typeface="Times New Roman" panose="02020603050405020304" pitchFamily="18" charset="0"/>
                 </a:rPr>
                 <a:t>Closed</a:t>
               </a:r>
@@ -5959,6 +6074,8 @@
                 <a:solidFill>
                   <a:schemeClr val="bg1"/>
                 </a:solidFill>
+                <a:latin typeface="Times New Roman" panose="02020603050405020304" pitchFamily="18" charset="0"/>
+                <a:cs typeface="Times New Roman" panose="02020603050405020304" pitchFamily="18" charset="0"/>
               </a:endParaRPr>
             </a:p>
           </p:txBody>
@@ -5999,7 +6116,10 @@
             <a:lstStyle/>
             <a:p>
               <a:pPr algn="ctr"/>
-              <a:endParaRPr lang="pt-BR" sz="1600" dirty="0"/>
+              <a:endParaRPr lang="pt-BR" sz="1600" dirty="0">
+                <a:latin typeface="Times New Roman" panose="02020603050405020304" pitchFamily="18" charset="0"/>
+                <a:cs typeface="Times New Roman" panose="02020603050405020304" pitchFamily="18" charset="0"/>
+              </a:endParaRPr>
             </a:p>
           </p:txBody>
         </p:sp>
@@ -6163,14 +6283,14 @@
               <a:pPr algn="ctr"/>
               <a:r>
                 <a:rPr lang="pt-BR" sz="2000" dirty="0" smtClean="0">
-                  <a:latin typeface="Arial" panose="020B0604020202020204" pitchFamily="34" charset="0"/>
-                  <a:cs typeface="Arial" panose="020B0604020202020204" pitchFamily="34" charset="0"/>
+                  <a:latin typeface="Times New Roman" panose="02020603050405020304" pitchFamily="18" charset="0"/>
+                  <a:cs typeface="Times New Roman" panose="02020603050405020304" pitchFamily="18" charset="0"/>
                 </a:rPr>
                 <a:t>Solicitante</a:t>
               </a:r>
               <a:endParaRPr lang="pt-BR" sz="2000" dirty="0">
-                <a:latin typeface="Arial" panose="020B0604020202020204" pitchFamily="34" charset="0"/>
-                <a:cs typeface="Arial" panose="020B0604020202020204" pitchFamily="34" charset="0"/>
+                <a:latin typeface="Times New Roman" panose="02020603050405020304" pitchFamily="18" charset="0"/>
+                <a:cs typeface="Times New Roman" panose="02020603050405020304" pitchFamily="18" charset="0"/>
               </a:endParaRPr>
             </a:p>
           </p:txBody>
@@ -6439,6 +6559,8 @@
                   <a:solidFill>
                     <a:schemeClr val="bg1"/>
                   </a:solidFill>
+                  <a:latin typeface="Times New Roman" panose="02020603050405020304" pitchFamily="18" charset="0"/>
+                  <a:cs typeface="Times New Roman" panose="02020603050405020304" pitchFamily="18" charset="0"/>
                 </a:rPr>
                 <a:t>aceito</a:t>
               </a:r>
@@ -6446,6 +6568,8 @@
                 <a:solidFill>
                   <a:schemeClr val="bg1"/>
                 </a:solidFill>
+                <a:latin typeface="Times New Roman" panose="02020603050405020304" pitchFamily="18" charset="0"/>
+                <a:cs typeface="Times New Roman" panose="02020603050405020304" pitchFamily="18" charset="0"/>
               </a:endParaRPr>
             </a:p>
           </p:txBody>
@@ -6477,6 +6601,8 @@
                   <a:solidFill>
                     <a:schemeClr val="bg1"/>
                   </a:solidFill>
+                  <a:latin typeface="Times New Roman" panose="02020603050405020304" pitchFamily="18" charset="0"/>
+                  <a:cs typeface="Times New Roman" panose="02020603050405020304" pitchFamily="18" charset="0"/>
                 </a:rPr>
                 <a:t>rejeitado</a:t>
               </a:r>
@@ -6484,6 +6610,8 @@
                 <a:solidFill>
                   <a:schemeClr val="bg1"/>
                 </a:solidFill>
+                <a:latin typeface="Times New Roman" panose="02020603050405020304" pitchFamily="18" charset="0"/>
+                <a:cs typeface="Times New Roman" panose="02020603050405020304" pitchFamily="18" charset="0"/>
               </a:endParaRPr>
             </a:p>
           </p:txBody>
@@ -6571,7 +6699,10 @@
             <a:lstStyle/>
             <a:p>
               <a:pPr algn="ctr"/>
-              <a:endParaRPr lang="pt-BR"/>
+              <a:endParaRPr lang="pt-BR">
+                <a:latin typeface="Times New Roman" panose="02020603050405020304" pitchFamily="18" charset="0"/>
+                <a:cs typeface="Times New Roman" panose="02020603050405020304" pitchFamily="18" charset="0"/>
+              </a:endParaRPr>
             </a:p>
           </p:txBody>
         </p:sp>
@@ -6619,7 +6750,10 @@
             <a:lstStyle/>
             <a:p>
               <a:pPr algn="ctr"/>
-              <a:endParaRPr lang="pt-BR"/>
+              <a:endParaRPr lang="pt-BR">
+                <a:latin typeface="Times New Roman" panose="02020603050405020304" pitchFamily="18" charset="0"/>
+                <a:cs typeface="Times New Roman" panose="02020603050405020304" pitchFamily="18" charset="0"/>
+              </a:endParaRPr>
             </a:p>
           </p:txBody>
         </p:sp>
@@ -8602,124 +8736,34 @@
           <a:chExt cx="0" cy="0"/>
         </a:xfrm>
       </p:grpSpPr>
-      <p:sp>
-        <p:nvSpPr>
-          <p:cNvPr id="5" name="Retângulo 4"/>
-          <p:cNvSpPr/>
-          <p:nvPr/>
-        </p:nvSpPr>
-        <p:spPr>
-          <a:xfrm>
-            <a:off x="6617785" y="1828800"/>
-            <a:ext cx="2880007" cy="540000"/>
-          </a:xfrm>
-          <a:prstGeom prst="rect">
-            <a:avLst/>
-          </a:prstGeom>
-        </p:spPr>
-        <p:style>
-          <a:lnRef idx="2">
-            <a:schemeClr val="accent1">
-              <a:shade val="50000"/>
-            </a:schemeClr>
-          </a:lnRef>
-          <a:fillRef idx="1">
-            <a:schemeClr val="accent1"/>
-          </a:fillRef>
-          <a:effectRef idx="0">
-            <a:schemeClr val="accent1"/>
-          </a:effectRef>
-          <a:fontRef idx="minor">
-            <a:schemeClr val="lt1"/>
-          </a:fontRef>
-        </p:style>
-        <p:txBody>
-          <a:bodyPr rtlCol="0" anchor="ctr"/>
-          <a:lstStyle/>
-          <a:p>
-            <a:pPr algn="ctr"/>
-            <a:endParaRPr lang="pt-BR"/>
-          </a:p>
-        </p:txBody>
-      </p:sp>
-      <p:sp>
-        <p:nvSpPr>
-          <p:cNvPr id="9" name="Retângulo 8"/>
-          <p:cNvSpPr/>
-          <p:nvPr/>
-        </p:nvSpPr>
-        <p:spPr>
-          <a:xfrm>
-            <a:off x="2297793" y="753383"/>
-            <a:ext cx="7200000" cy="540000"/>
-          </a:xfrm>
-          <a:prstGeom prst="rect">
-            <a:avLst/>
-          </a:prstGeom>
-        </p:spPr>
-        <p:style>
-          <a:lnRef idx="2">
-            <a:schemeClr val="accent1">
-              <a:shade val="50000"/>
-            </a:schemeClr>
-          </a:lnRef>
-          <a:fillRef idx="1">
-            <a:schemeClr val="accent1"/>
-          </a:fillRef>
-          <a:effectRef idx="0">
-            <a:schemeClr val="accent1"/>
-          </a:effectRef>
-          <a:fontRef idx="minor">
-            <a:schemeClr val="lt1"/>
-          </a:fontRef>
-        </p:style>
-        <p:txBody>
-          <a:bodyPr rtlCol="0" anchor="ctr"/>
-          <a:lstStyle/>
-          <a:p>
-            <a:pPr algn="ctr"/>
-            <a:r>
-              <a:rPr lang="pt-BR" sz="2000" dirty="0" smtClean="0"/>
-              <a:t>Base de dados</a:t>
-            </a:r>
-            <a:endParaRPr lang="pt-BR" sz="2000" dirty="0"/>
-          </a:p>
-        </p:txBody>
-      </p:sp>
       <p:grpSp>
         <p:nvGrpSpPr>
-          <p:cNvPr id="31" name="Agrupar 30"/>
+          <p:cNvPr id="3" name="Agrupar 2"/>
           <p:cNvGrpSpPr/>
           <p:nvPr/>
         </p:nvGrpSpPr>
         <p:grpSpPr>
           <a:xfrm>
-            <a:off x="2297791" y="1235005"/>
-            <a:ext cx="4320002" cy="1133796"/>
-            <a:chOff x="1847848" y="1405547"/>
-            <a:chExt cx="4320002" cy="1133796"/>
+            <a:off x="-1359815" y="1127298"/>
+            <a:ext cx="5760000" cy="3246112"/>
+            <a:chOff x="2297785" y="264089"/>
+            <a:chExt cx="7200008" cy="6410476"/>
           </a:xfrm>
         </p:grpSpPr>
         <p:sp>
           <p:nvSpPr>
-            <p:cNvPr id="29" name="Retângulo 28"/>
+            <p:cNvPr id="5" name="Retângulo 4"/>
             <p:cNvSpPr/>
             <p:nvPr/>
           </p:nvSpPr>
           <p:spPr>
             <a:xfrm>
-              <a:off x="1847848" y="1729196"/>
-              <a:ext cx="3600001" cy="540291"/>
+              <a:off x="6617785" y="1828800"/>
+              <a:ext cx="2880007" cy="540000"/>
             </a:xfrm>
             <a:prstGeom prst="rect">
               <a:avLst/>
             </a:prstGeom>
-            <a:noFill/>
-            <a:ln>
-              <a:solidFill>
-                <a:schemeClr val="tx1"/>
-              </a:solidFill>
-            </a:ln>
           </p:spPr>
           <p:style>
             <a:lnRef idx="2">
@@ -8742,30 +8786,27 @@
             <a:lstStyle/>
             <a:p>
               <a:pPr algn="ctr"/>
-              <a:endParaRPr lang="pt-BR"/>
+              <a:endParaRPr lang="pt-BR" sz="1200">
+                <a:latin typeface="Times New Roman" panose="02020603050405020304" pitchFamily="18" charset="0"/>
+                <a:cs typeface="Times New Roman" panose="02020603050405020304" pitchFamily="18" charset="0"/>
+              </a:endParaRPr>
             </a:p>
           </p:txBody>
         </p:sp>
         <p:sp>
           <p:nvSpPr>
-            <p:cNvPr id="30" name="Retângulo 29"/>
+            <p:cNvPr id="9" name="Retângulo 8"/>
             <p:cNvSpPr/>
             <p:nvPr/>
           </p:nvSpPr>
           <p:spPr>
             <a:xfrm>
-              <a:off x="5447850" y="1729195"/>
-              <a:ext cx="720000" cy="540291"/>
+              <a:off x="2297793" y="753383"/>
+              <a:ext cx="7200000" cy="540000"/>
             </a:xfrm>
             <a:prstGeom prst="rect">
               <a:avLst/>
             </a:prstGeom>
-            <a:noFill/>
-            <a:ln>
-              <a:solidFill>
-                <a:schemeClr val="tx1"/>
-              </a:solidFill>
-            </a:ln>
           </p:spPr>
           <p:style>
             <a:lnRef idx="2">
@@ -8778,46 +8819,6 @@
             </a:fillRef>
             <a:effectRef idx="0">
               <a:schemeClr val="accent1"/>
-            </a:effectRef>
-            <a:fontRef idx="minor">
-              <a:schemeClr val="lt1"/>
-            </a:fontRef>
-          </p:style>
-          <p:txBody>
-            <a:bodyPr rtlCol="0" anchor="ctr"/>
-            <a:lstStyle/>
-            <a:p>
-              <a:pPr algn="ctr"/>
-              <a:endParaRPr lang="pt-BR"/>
-            </a:p>
-          </p:txBody>
-        </p:sp>
-        <p:sp>
-          <p:nvSpPr>
-            <p:cNvPr id="11" name="Retângulo 10"/>
-            <p:cNvSpPr/>
-            <p:nvPr/>
-          </p:nvSpPr>
-          <p:spPr>
-            <a:xfrm>
-              <a:off x="1847849" y="1999342"/>
-              <a:ext cx="3600000" cy="540000"/>
-            </a:xfrm>
-            <a:prstGeom prst="rect">
-              <a:avLst/>
-            </a:prstGeom>
-          </p:spPr>
-          <p:style>
-            <a:lnRef idx="2">
-              <a:schemeClr val="accent6">
-                <a:shade val="50000"/>
-              </a:schemeClr>
-            </a:lnRef>
-            <a:fillRef idx="1">
-              <a:schemeClr val="accent6"/>
-            </a:fillRef>
-            <a:effectRef idx="0">
-              <a:schemeClr val="accent6"/>
             </a:effectRef>
             <a:fontRef idx="minor">
               <a:schemeClr val="lt1"/>
@@ -8829,23 +8830,314 @@
             <a:p>
               <a:pPr algn="ctr"/>
               <a:r>
-                <a:rPr lang="pt-BR" sz="2000" dirty="0" smtClean="0"/>
-                <a:t>Treino</a:t>
+                <a:rPr lang="pt-BR" sz="1200" dirty="0" smtClean="0">
+                  <a:latin typeface="Times New Roman" panose="02020603050405020304" pitchFamily="18" charset="0"/>
+                  <a:cs typeface="Times New Roman" panose="02020603050405020304" pitchFamily="18" charset="0"/>
+                </a:rPr>
+                <a:t>Base de dados com característica cronológica</a:t>
               </a:r>
-              <a:endParaRPr lang="pt-BR" sz="2000" dirty="0"/>
+              <a:endParaRPr lang="pt-BR" sz="1200" dirty="0">
+                <a:latin typeface="Times New Roman" panose="02020603050405020304" pitchFamily="18" charset="0"/>
+                <a:cs typeface="Times New Roman" panose="02020603050405020304" pitchFamily="18" charset="0"/>
+              </a:endParaRPr>
             </a:p>
           </p:txBody>
         </p:sp>
+        <p:grpSp>
+          <p:nvGrpSpPr>
+            <p:cNvPr id="31" name="Agrupar 30"/>
+            <p:cNvGrpSpPr/>
+            <p:nvPr/>
+          </p:nvGrpSpPr>
+          <p:grpSpPr>
+            <a:xfrm>
+              <a:off x="2297791" y="1235005"/>
+              <a:ext cx="4320002" cy="1133796"/>
+              <a:chOff x="1847848" y="1405547"/>
+              <a:chExt cx="4320002" cy="1133796"/>
+            </a:xfrm>
+          </p:grpSpPr>
+          <p:sp>
+            <p:nvSpPr>
+              <p:cNvPr id="29" name="Retângulo 28"/>
+              <p:cNvSpPr/>
+              <p:nvPr/>
+            </p:nvSpPr>
+            <p:spPr>
+              <a:xfrm>
+                <a:off x="1847848" y="1849581"/>
+                <a:ext cx="3600001" cy="540290"/>
+              </a:xfrm>
+              <a:prstGeom prst="rect">
+                <a:avLst/>
+              </a:prstGeom>
+              <a:noFill/>
+              <a:ln>
+                <a:solidFill>
+                  <a:schemeClr val="tx1"/>
+                </a:solidFill>
+              </a:ln>
+            </p:spPr>
+            <p:style>
+              <a:lnRef idx="2">
+                <a:schemeClr val="accent1">
+                  <a:shade val="50000"/>
+                </a:schemeClr>
+              </a:lnRef>
+              <a:fillRef idx="1">
+                <a:schemeClr val="accent1"/>
+              </a:fillRef>
+              <a:effectRef idx="0">
+                <a:schemeClr val="accent1"/>
+              </a:effectRef>
+              <a:fontRef idx="minor">
+                <a:schemeClr val="lt1"/>
+              </a:fontRef>
+            </p:style>
+            <p:txBody>
+              <a:bodyPr rtlCol="0" anchor="ctr"/>
+              <a:lstStyle/>
+              <a:p>
+                <a:pPr algn="ctr"/>
+                <a:endParaRPr lang="pt-BR" sz="1200">
+                  <a:latin typeface="Times New Roman" panose="02020603050405020304" pitchFamily="18" charset="0"/>
+                  <a:cs typeface="Times New Roman" panose="02020603050405020304" pitchFamily="18" charset="0"/>
+                </a:endParaRPr>
+              </a:p>
+            </p:txBody>
+          </p:sp>
+          <p:sp>
+            <p:nvSpPr>
+              <p:cNvPr id="30" name="Retângulo 29"/>
+              <p:cNvSpPr/>
+              <p:nvPr/>
+            </p:nvSpPr>
+            <p:spPr>
+              <a:xfrm>
+                <a:off x="5447851" y="1859704"/>
+                <a:ext cx="719999" cy="500071"/>
+              </a:xfrm>
+              <a:prstGeom prst="rect">
+                <a:avLst/>
+              </a:prstGeom>
+              <a:noFill/>
+              <a:ln>
+                <a:solidFill>
+                  <a:schemeClr val="tx1"/>
+                </a:solidFill>
+              </a:ln>
+            </p:spPr>
+            <p:style>
+              <a:lnRef idx="2">
+                <a:schemeClr val="accent1">
+                  <a:shade val="50000"/>
+                </a:schemeClr>
+              </a:lnRef>
+              <a:fillRef idx="1">
+                <a:schemeClr val="accent1"/>
+              </a:fillRef>
+              <a:effectRef idx="0">
+                <a:schemeClr val="accent1"/>
+              </a:effectRef>
+              <a:fontRef idx="minor">
+                <a:schemeClr val="lt1"/>
+              </a:fontRef>
+            </p:style>
+            <p:txBody>
+              <a:bodyPr rtlCol="0" anchor="ctr"/>
+              <a:lstStyle/>
+              <a:p>
+                <a:pPr algn="ctr"/>
+                <a:endParaRPr lang="pt-BR" sz="1200">
+                  <a:latin typeface="Times New Roman" panose="02020603050405020304" pitchFamily="18" charset="0"/>
+                  <a:cs typeface="Times New Roman" panose="02020603050405020304" pitchFamily="18" charset="0"/>
+                </a:endParaRPr>
+              </a:p>
+            </p:txBody>
+          </p:sp>
+          <p:sp>
+            <p:nvSpPr>
+              <p:cNvPr id="11" name="Retângulo 10"/>
+              <p:cNvSpPr/>
+              <p:nvPr/>
+            </p:nvSpPr>
+            <p:spPr>
+              <a:xfrm>
+                <a:off x="1847849" y="1999342"/>
+                <a:ext cx="3600000" cy="540000"/>
+              </a:xfrm>
+              <a:prstGeom prst="rect">
+                <a:avLst/>
+              </a:prstGeom>
+            </p:spPr>
+            <p:style>
+              <a:lnRef idx="2">
+                <a:schemeClr val="accent6">
+                  <a:shade val="50000"/>
+                </a:schemeClr>
+              </a:lnRef>
+              <a:fillRef idx="1">
+                <a:schemeClr val="accent6"/>
+              </a:fillRef>
+              <a:effectRef idx="0">
+                <a:schemeClr val="accent6"/>
+              </a:effectRef>
+              <a:fontRef idx="minor">
+                <a:schemeClr val="lt1"/>
+              </a:fontRef>
+            </p:style>
+            <p:txBody>
+              <a:bodyPr rtlCol="0" anchor="ctr"/>
+              <a:lstStyle/>
+              <a:p>
+                <a:pPr algn="ctr"/>
+                <a:r>
+                  <a:rPr lang="pt-BR" sz="1200" dirty="0" smtClean="0">
+                    <a:latin typeface="Times New Roman" panose="02020603050405020304" pitchFamily="18" charset="0"/>
+                    <a:cs typeface="Times New Roman" panose="02020603050405020304" pitchFamily="18" charset="0"/>
+                  </a:rPr>
+                  <a:t>Treino</a:t>
+                </a:r>
+                <a:endParaRPr lang="pt-BR" sz="1200" dirty="0">
+                  <a:latin typeface="Times New Roman" panose="02020603050405020304" pitchFamily="18" charset="0"/>
+                  <a:cs typeface="Times New Roman" panose="02020603050405020304" pitchFamily="18" charset="0"/>
+                </a:endParaRPr>
+              </a:p>
+            </p:txBody>
+          </p:sp>
+          <p:sp>
+            <p:nvSpPr>
+              <p:cNvPr id="12" name="Retângulo 11"/>
+              <p:cNvSpPr/>
+              <p:nvPr/>
+            </p:nvSpPr>
+            <p:spPr>
+              <a:xfrm>
+                <a:off x="5447849" y="1999343"/>
+                <a:ext cx="720000" cy="540000"/>
+              </a:xfrm>
+              <a:prstGeom prst="rect">
+                <a:avLst/>
+              </a:prstGeom>
+            </p:spPr>
+            <p:style>
+              <a:lnRef idx="2">
+                <a:schemeClr val="accent5">
+                  <a:shade val="50000"/>
+                </a:schemeClr>
+              </a:lnRef>
+              <a:fillRef idx="1">
+                <a:schemeClr val="accent5"/>
+              </a:fillRef>
+              <a:effectRef idx="0">
+                <a:schemeClr val="accent5"/>
+              </a:effectRef>
+              <a:fontRef idx="minor">
+                <a:schemeClr val="lt1"/>
+              </a:fontRef>
+            </p:style>
+            <p:txBody>
+              <a:bodyPr rtlCol="0" anchor="ctr"/>
+              <a:lstStyle/>
+              <a:p>
+                <a:pPr algn="ctr"/>
+                <a:r>
+                  <a:rPr lang="pt-BR" sz="1200" dirty="0" smtClean="0">
+                    <a:latin typeface="Times New Roman" panose="02020603050405020304" pitchFamily="18" charset="0"/>
+                    <a:cs typeface="Times New Roman" panose="02020603050405020304" pitchFamily="18" charset="0"/>
+                  </a:rPr>
+                  <a:t>teste</a:t>
+                </a:r>
+                <a:endParaRPr lang="pt-BR" sz="1200" dirty="0">
+                  <a:latin typeface="Times New Roman" panose="02020603050405020304" pitchFamily="18" charset="0"/>
+                  <a:cs typeface="Times New Roman" panose="02020603050405020304" pitchFamily="18" charset="0"/>
+                </a:endParaRPr>
+              </a:p>
+            </p:txBody>
+          </p:sp>
+          <p:sp>
+            <p:nvSpPr>
+              <p:cNvPr id="27" name="CaixaDeTexto 26"/>
+              <p:cNvSpPr txBox="1"/>
+              <p:nvPr/>
+            </p:nvSpPr>
+            <p:spPr>
+              <a:xfrm>
+                <a:off x="3315312" y="1405547"/>
+                <a:ext cx="665071" cy="547022"/>
+              </a:xfrm>
+              <a:prstGeom prst="rect">
+                <a:avLst/>
+              </a:prstGeom>
+              <a:noFill/>
+            </p:spPr>
+            <p:txBody>
+              <a:bodyPr wrap="square" rtlCol="0">
+                <a:spAutoFit/>
+              </a:bodyPr>
+              <a:lstStyle/>
+              <a:p>
+                <a:r>
+                  <a:rPr lang="pt-BR" sz="1200" dirty="0" smtClean="0">
+                    <a:latin typeface="Times New Roman" panose="02020603050405020304" pitchFamily="18" charset="0"/>
+                    <a:cs typeface="Times New Roman" panose="02020603050405020304" pitchFamily="18" charset="0"/>
+                  </a:rPr>
+                  <a:t>50%</a:t>
+                </a:r>
+                <a:endParaRPr lang="pt-BR" sz="1200" dirty="0">
+                  <a:latin typeface="Times New Roman" panose="02020603050405020304" pitchFamily="18" charset="0"/>
+                  <a:cs typeface="Times New Roman" panose="02020603050405020304" pitchFamily="18" charset="0"/>
+                </a:endParaRPr>
+              </a:p>
+            </p:txBody>
+          </p:sp>
+          <p:sp>
+            <p:nvSpPr>
+              <p:cNvPr id="28" name="CaixaDeTexto 27"/>
+              <p:cNvSpPr txBox="1"/>
+              <p:nvPr/>
+            </p:nvSpPr>
+            <p:spPr>
+              <a:xfrm>
+                <a:off x="5491101" y="1410980"/>
+                <a:ext cx="633497" cy="547022"/>
+              </a:xfrm>
+              <a:prstGeom prst="rect">
+                <a:avLst/>
+              </a:prstGeom>
+              <a:noFill/>
+            </p:spPr>
+            <p:txBody>
+              <a:bodyPr wrap="square" rtlCol="0">
+                <a:spAutoFit/>
+              </a:bodyPr>
+              <a:lstStyle/>
+              <a:p>
+                <a:r>
+                  <a:rPr lang="pt-BR" sz="1200" dirty="0" smtClean="0">
+                    <a:latin typeface="Times New Roman" panose="02020603050405020304" pitchFamily="18" charset="0"/>
+                    <a:cs typeface="Times New Roman" panose="02020603050405020304" pitchFamily="18" charset="0"/>
+                  </a:rPr>
+                  <a:t>10%</a:t>
+                </a:r>
+                <a:endParaRPr lang="pt-BR" sz="1200" dirty="0">
+                  <a:latin typeface="Times New Roman" panose="02020603050405020304" pitchFamily="18" charset="0"/>
+                  <a:cs typeface="Times New Roman" panose="02020603050405020304" pitchFamily="18" charset="0"/>
+                </a:endParaRPr>
+              </a:p>
+            </p:txBody>
+          </p:sp>
+        </p:grpSp>
         <p:sp>
           <p:nvSpPr>
-            <p:cNvPr id="12" name="Retângulo 11"/>
+            <p:cNvPr id="32" name="Retângulo 31"/>
             <p:cNvSpPr/>
             <p:nvPr/>
           </p:nvSpPr>
           <p:spPr>
             <a:xfrm>
-              <a:off x="5447849" y="1999343"/>
-              <a:ext cx="720000" cy="540000"/>
+              <a:off x="2297791" y="2906598"/>
+              <a:ext cx="719999" cy="540000"/>
             </a:xfrm>
             <a:prstGeom prst="rect">
               <a:avLst/>
@@ -8853,15 +9145,15 @@
           </p:spPr>
           <p:style>
             <a:lnRef idx="2">
-              <a:schemeClr val="accent5">
+              <a:schemeClr val="accent1">
                 <a:shade val="50000"/>
               </a:schemeClr>
             </a:lnRef>
             <a:fillRef idx="1">
-              <a:schemeClr val="accent5"/>
+              <a:schemeClr val="accent1"/>
             </a:fillRef>
             <a:effectRef idx="0">
-              <a:schemeClr val="accent5"/>
+              <a:schemeClr val="accent1"/>
             </a:effectRef>
             <a:fontRef idx="minor">
               <a:schemeClr val="lt1"/>
@@ -8872,24 +9164,1421 @@
             <a:lstStyle/>
             <a:p>
               <a:pPr algn="ctr"/>
-              <a:r>
-                <a:rPr lang="pt-BR" sz="2000" dirty="0" smtClean="0"/>
-                <a:t>teste</a:t>
-              </a:r>
-              <a:endParaRPr lang="pt-BR" sz="2000" dirty="0"/>
+              <a:endParaRPr lang="pt-BR" sz="1200">
+                <a:latin typeface="Times New Roman" panose="02020603050405020304" pitchFamily="18" charset="0"/>
+                <a:cs typeface="Times New Roman" panose="02020603050405020304" pitchFamily="18" charset="0"/>
+              </a:endParaRPr>
+            </a:p>
+          </p:txBody>
+        </p:sp>
+        <p:grpSp>
+          <p:nvGrpSpPr>
+            <p:cNvPr id="33" name="Agrupar 32"/>
+            <p:cNvGrpSpPr/>
+            <p:nvPr/>
+          </p:nvGrpSpPr>
+          <p:grpSpPr>
+            <a:xfrm>
+              <a:off x="3017791" y="2311845"/>
+              <a:ext cx="4320002" cy="1133796"/>
+              <a:chOff x="1847848" y="1405547"/>
+              <a:chExt cx="4320002" cy="1133796"/>
+            </a:xfrm>
+          </p:grpSpPr>
+          <p:sp>
+            <p:nvSpPr>
+              <p:cNvPr id="34" name="Retângulo 33"/>
+              <p:cNvSpPr/>
+              <p:nvPr/>
+            </p:nvSpPr>
+            <p:spPr>
+              <a:xfrm>
+                <a:off x="1847848" y="1860867"/>
+                <a:ext cx="3600001" cy="540290"/>
+              </a:xfrm>
+              <a:prstGeom prst="rect">
+                <a:avLst/>
+              </a:prstGeom>
+              <a:noFill/>
+              <a:ln>
+                <a:solidFill>
+                  <a:schemeClr val="tx1"/>
+                </a:solidFill>
+              </a:ln>
+            </p:spPr>
+            <p:style>
+              <a:lnRef idx="2">
+                <a:schemeClr val="accent1">
+                  <a:shade val="50000"/>
+                </a:schemeClr>
+              </a:lnRef>
+              <a:fillRef idx="1">
+                <a:schemeClr val="accent1"/>
+              </a:fillRef>
+              <a:effectRef idx="0">
+                <a:schemeClr val="accent1"/>
+              </a:effectRef>
+              <a:fontRef idx="minor">
+                <a:schemeClr val="lt1"/>
+              </a:fontRef>
+            </p:style>
+            <p:txBody>
+              <a:bodyPr rtlCol="0" anchor="ctr"/>
+              <a:lstStyle/>
+              <a:p>
+                <a:pPr algn="ctr"/>
+                <a:endParaRPr lang="pt-BR" sz="1200">
+                  <a:latin typeface="Times New Roman" panose="02020603050405020304" pitchFamily="18" charset="0"/>
+                  <a:cs typeface="Times New Roman" panose="02020603050405020304" pitchFamily="18" charset="0"/>
+                </a:endParaRPr>
+              </a:p>
+            </p:txBody>
+          </p:sp>
+          <p:sp>
+            <p:nvSpPr>
+              <p:cNvPr id="35" name="Retângulo 34"/>
+              <p:cNvSpPr/>
+              <p:nvPr/>
+            </p:nvSpPr>
+            <p:spPr>
+              <a:xfrm>
+                <a:off x="5447851" y="1858282"/>
+                <a:ext cx="719999" cy="411202"/>
+              </a:xfrm>
+              <a:prstGeom prst="rect">
+                <a:avLst/>
+              </a:prstGeom>
+              <a:noFill/>
+              <a:ln>
+                <a:solidFill>
+                  <a:schemeClr val="tx1"/>
+                </a:solidFill>
+              </a:ln>
+            </p:spPr>
+            <p:style>
+              <a:lnRef idx="2">
+                <a:schemeClr val="accent1">
+                  <a:shade val="50000"/>
+                </a:schemeClr>
+              </a:lnRef>
+              <a:fillRef idx="1">
+                <a:schemeClr val="accent1"/>
+              </a:fillRef>
+              <a:effectRef idx="0">
+                <a:schemeClr val="accent1"/>
+              </a:effectRef>
+              <a:fontRef idx="minor">
+                <a:schemeClr val="lt1"/>
+              </a:fontRef>
+            </p:style>
+            <p:txBody>
+              <a:bodyPr rtlCol="0" anchor="ctr"/>
+              <a:lstStyle/>
+              <a:p>
+                <a:pPr algn="ctr"/>
+                <a:endParaRPr lang="pt-BR" sz="1200">
+                  <a:latin typeface="Times New Roman" panose="02020603050405020304" pitchFamily="18" charset="0"/>
+                  <a:cs typeface="Times New Roman" panose="02020603050405020304" pitchFamily="18" charset="0"/>
+                </a:endParaRPr>
+              </a:p>
+            </p:txBody>
+          </p:sp>
+          <p:sp>
+            <p:nvSpPr>
+              <p:cNvPr id="36" name="Retângulo 35"/>
+              <p:cNvSpPr/>
+              <p:nvPr/>
+            </p:nvSpPr>
+            <p:spPr>
+              <a:xfrm>
+                <a:off x="1847849" y="1999342"/>
+                <a:ext cx="3600000" cy="540000"/>
+              </a:xfrm>
+              <a:prstGeom prst="rect">
+                <a:avLst/>
+              </a:prstGeom>
+            </p:spPr>
+            <p:style>
+              <a:lnRef idx="2">
+                <a:schemeClr val="accent6">
+                  <a:shade val="50000"/>
+                </a:schemeClr>
+              </a:lnRef>
+              <a:fillRef idx="1">
+                <a:schemeClr val="accent6"/>
+              </a:fillRef>
+              <a:effectRef idx="0">
+                <a:schemeClr val="accent6"/>
+              </a:effectRef>
+              <a:fontRef idx="minor">
+                <a:schemeClr val="lt1"/>
+              </a:fontRef>
+            </p:style>
+            <p:txBody>
+              <a:bodyPr rtlCol="0" anchor="ctr"/>
+              <a:lstStyle/>
+              <a:p>
+                <a:pPr algn="ctr"/>
+                <a:r>
+                  <a:rPr lang="pt-BR" sz="1200" dirty="0" smtClean="0">
+                    <a:latin typeface="Times New Roman" panose="02020603050405020304" pitchFamily="18" charset="0"/>
+                    <a:cs typeface="Times New Roman" panose="02020603050405020304" pitchFamily="18" charset="0"/>
+                  </a:rPr>
+                  <a:t>Treino</a:t>
+                </a:r>
+                <a:endParaRPr lang="pt-BR" sz="1200" dirty="0">
+                  <a:latin typeface="Times New Roman" panose="02020603050405020304" pitchFamily="18" charset="0"/>
+                  <a:cs typeface="Times New Roman" panose="02020603050405020304" pitchFamily="18" charset="0"/>
+                </a:endParaRPr>
+              </a:p>
+            </p:txBody>
+          </p:sp>
+          <p:sp>
+            <p:nvSpPr>
+              <p:cNvPr id="37" name="Retângulo 36"/>
+              <p:cNvSpPr/>
+              <p:nvPr/>
+            </p:nvSpPr>
+            <p:spPr>
+              <a:xfrm>
+                <a:off x="5447849" y="1999343"/>
+                <a:ext cx="720000" cy="540000"/>
+              </a:xfrm>
+              <a:prstGeom prst="rect">
+                <a:avLst/>
+              </a:prstGeom>
+            </p:spPr>
+            <p:style>
+              <a:lnRef idx="2">
+                <a:schemeClr val="accent5">
+                  <a:shade val="50000"/>
+                </a:schemeClr>
+              </a:lnRef>
+              <a:fillRef idx="1">
+                <a:schemeClr val="accent5"/>
+              </a:fillRef>
+              <a:effectRef idx="0">
+                <a:schemeClr val="accent5"/>
+              </a:effectRef>
+              <a:fontRef idx="minor">
+                <a:schemeClr val="lt1"/>
+              </a:fontRef>
+            </p:style>
+            <p:txBody>
+              <a:bodyPr rtlCol="0" anchor="ctr"/>
+              <a:lstStyle/>
+              <a:p>
+                <a:pPr algn="ctr"/>
+                <a:r>
+                  <a:rPr lang="pt-BR" sz="1200" dirty="0" smtClean="0">
+                    <a:latin typeface="Times New Roman" panose="02020603050405020304" pitchFamily="18" charset="0"/>
+                    <a:cs typeface="Times New Roman" panose="02020603050405020304" pitchFamily="18" charset="0"/>
+                  </a:rPr>
+                  <a:t>teste</a:t>
+                </a:r>
+                <a:endParaRPr lang="pt-BR" sz="1200" dirty="0">
+                  <a:latin typeface="Times New Roman" panose="02020603050405020304" pitchFamily="18" charset="0"/>
+                  <a:cs typeface="Times New Roman" panose="02020603050405020304" pitchFamily="18" charset="0"/>
+                </a:endParaRPr>
+              </a:p>
+            </p:txBody>
+          </p:sp>
+          <p:sp>
+            <p:nvSpPr>
+              <p:cNvPr id="38" name="CaixaDeTexto 37"/>
+              <p:cNvSpPr txBox="1"/>
+              <p:nvPr/>
+            </p:nvSpPr>
+            <p:spPr>
+              <a:xfrm>
+                <a:off x="3315312" y="1405547"/>
+                <a:ext cx="665071" cy="547022"/>
+              </a:xfrm>
+              <a:prstGeom prst="rect">
+                <a:avLst/>
+              </a:prstGeom>
+              <a:noFill/>
+            </p:spPr>
+            <p:txBody>
+              <a:bodyPr wrap="square" rtlCol="0">
+                <a:spAutoFit/>
+              </a:bodyPr>
+              <a:lstStyle/>
+              <a:p>
+                <a:r>
+                  <a:rPr lang="pt-BR" sz="1200" dirty="0" smtClean="0">
+                    <a:latin typeface="Times New Roman" panose="02020603050405020304" pitchFamily="18" charset="0"/>
+                    <a:cs typeface="Times New Roman" panose="02020603050405020304" pitchFamily="18" charset="0"/>
+                  </a:rPr>
+                  <a:t>50%</a:t>
+                </a:r>
+                <a:endParaRPr lang="pt-BR" sz="1200" dirty="0">
+                  <a:latin typeface="Times New Roman" panose="02020603050405020304" pitchFamily="18" charset="0"/>
+                  <a:cs typeface="Times New Roman" panose="02020603050405020304" pitchFamily="18" charset="0"/>
+                </a:endParaRPr>
+              </a:p>
+            </p:txBody>
+          </p:sp>
+          <p:sp>
+            <p:nvSpPr>
+              <p:cNvPr id="39" name="CaixaDeTexto 38"/>
+              <p:cNvSpPr txBox="1"/>
+              <p:nvPr/>
+            </p:nvSpPr>
+            <p:spPr>
+              <a:xfrm>
+                <a:off x="5491101" y="1410980"/>
+                <a:ext cx="633497" cy="547022"/>
+              </a:xfrm>
+              <a:prstGeom prst="rect">
+                <a:avLst/>
+              </a:prstGeom>
+              <a:noFill/>
+            </p:spPr>
+            <p:txBody>
+              <a:bodyPr wrap="square" rtlCol="0">
+                <a:spAutoFit/>
+              </a:bodyPr>
+              <a:lstStyle/>
+              <a:p>
+                <a:r>
+                  <a:rPr lang="pt-BR" sz="1200" dirty="0" smtClean="0">
+                    <a:latin typeface="Times New Roman" panose="02020603050405020304" pitchFamily="18" charset="0"/>
+                    <a:cs typeface="Times New Roman" panose="02020603050405020304" pitchFamily="18" charset="0"/>
+                  </a:rPr>
+                  <a:t>10%</a:t>
+                </a:r>
+                <a:endParaRPr lang="pt-BR" sz="1200" dirty="0">
+                  <a:latin typeface="Times New Roman" panose="02020603050405020304" pitchFamily="18" charset="0"/>
+                  <a:cs typeface="Times New Roman" panose="02020603050405020304" pitchFamily="18" charset="0"/>
+                </a:endParaRPr>
+              </a:p>
+            </p:txBody>
+          </p:sp>
+        </p:grpSp>
+        <p:sp>
+          <p:nvSpPr>
+            <p:cNvPr id="40" name="Retângulo 39"/>
+            <p:cNvSpPr/>
+            <p:nvPr/>
+          </p:nvSpPr>
+          <p:spPr>
+            <a:xfrm>
+              <a:off x="2297785" y="3982014"/>
+              <a:ext cx="1440004" cy="542597"/>
+            </a:xfrm>
+            <a:prstGeom prst="rect">
+              <a:avLst/>
+            </a:prstGeom>
+          </p:spPr>
+          <p:style>
+            <a:lnRef idx="2">
+              <a:schemeClr val="accent1">
+                <a:shade val="50000"/>
+              </a:schemeClr>
+            </a:lnRef>
+            <a:fillRef idx="1">
+              <a:schemeClr val="accent1"/>
+            </a:fillRef>
+            <a:effectRef idx="0">
+              <a:schemeClr val="accent1"/>
+            </a:effectRef>
+            <a:fontRef idx="minor">
+              <a:schemeClr val="lt1"/>
+            </a:fontRef>
+          </p:style>
+          <p:txBody>
+            <a:bodyPr rtlCol="0" anchor="ctr"/>
+            <a:lstStyle/>
+            <a:p>
+              <a:pPr algn="ctr"/>
+              <a:endParaRPr lang="pt-BR" sz="1200">
+                <a:latin typeface="Times New Roman" panose="02020603050405020304" pitchFamily="18" charset="0"/>
+                <a:cs typeface="Times New Roman" panose="02020603050405020304" pitchFamily="18" charset="0"/>
+              </a:endParaRPr>
+            </a:p>
+          </p:txBody>
+        </p:sp>
+        <p:grpSp>
+          <p:nvGrpSpPr>
+            <p:cNvPr id="41" name="Agrupar 40"/>
+            <p:cNvGrpSpPr/>
+            <p:nvPr/>
+          </p:nvGrpSpPr>
+          <p:grpSpPr>
+            <a:xfrm>
+              <a:off x="3737791" y="3388233"/>
+              <a:ext cx="4320002" cy="1133796"/>
+              <a:chOff x="1847848" y="1405547"/>
+              <a:chExt cx="4320002" cy="1133796"/>
+            </a:xfrm>
+          </p:grpSpPr>
+          <p:sp>
+            <p:nvSpPr>
+              <p:cNvPr id="42" name="Retângulo 41"/>
+              <p:cNvSpPr/>
+              <p:nvPr/>
+            </p:nvSpPr>
+            <p:spPr>
+              <a:xfrm>
+                <a:off x="1847848" y="1834533"/>
+                <a:ext cx="3600001" cy="540290"/>
+              </a:xfrm>
+              <a:prstGeom prst="rect">
+                <a:avLst/>
+              </a:prstGeom>
+              <a:noFill/>
+              <a:ln>
+                <a:solidFill>
+                  <a:schemeClr val="tx1"/>
+                </a:solidFill>
+              </a:ln>
+            </p:spPr>
+            <p:style>
+              <a:lnRef idx="2">
+                <a:schemeClr val="accent1">
+                  <a:shade val="50000"/>
+                </a:schemeClr>
+              </a:lnRef>
+              <a:fillRef idx="1">
+                <a:schemeClr val="accent1"/>
+              </a:fillRef>
+              <a:effectRef idx="0">
+                <a:schemeClr val="accent1"/>
+              </a:effectRef>
+              <a:fontRef idx="minor">
+                <a:schemeClr val="lt1"/>
+              </a:fontRef>
+            </p:style>
+            <p:txBody>
+              <a:bodyPr rtlCol="0" anchor="ctr"/>
+              <a:lstStyle/>
+              <a:p>
+                <a:pPr algn="ctr"/>
+                <a:endParaRPr lang="pt-BR" sz="1200">
+                  <a:latin typeface="Times New Roman" panose="02020603050405020304" pitchFamily="18" charset="0"/>
+                  <a:cs typeface="Times New Roman" panose="02020603050405020304" pitchFamily="18" charset="0"/>
+                </a:endParaRPr>
+              </a:p>
+            </p:txBody>
+          </p:sp>
+          <p:sp>
+            <p:nvSpPr>
+              <p:cNvPr id="43" name="Retângulo 42"/>
+              <p:cNvSpPr/>
+              <p:nvPr/>
+            </p:nvSpPr>
+            <p:spPr>
+              <a:xfrm>
+                <a:off x="5447851" y="1831950"/>
+                <a:ext cx="719999" cy="437537"/>
+              </a:xfrm>
+              <a:prstGeom prst="rect">
+                <a:avLst/>
+              </a:prstGeom>
+              <a:noFill/>
+              <a:ln>
+                <a:solidFill>
+                  <a:schemeClr val="tx1"/>
+                </a:solidFill>
+              </a:ln>
+            </p:spPr>
+            <p:style>
+              <a:lnRef idx="2">
+                <a:schemeClr val="accent1">
+                  <a:shade val="50000"/>
+                </a:schemeClr>
+              </a:lnRef>
+              <a:fillRef idx="1">
+                <a:schemeClr val="accent1"/>
+              </a:fillRef>
+              <a:effectRef idx="0">
+                <a:schemeClr val="accent1"/>
+              </a:effectRef>
+              <a:fontRef idx="minor">
+                <a:schemeClr val="lt1"/>
+              </a:fontRef>
+            </p:style>
+            <p:txBody>
+              <a:bodyPr rtlCol="0" anchor="ctr"/>
+              <a:lstStyle/>
+              <a:p>
+                <a:pPr algn="ctr"/>
+                <a:endParaRPr lang="pt-BR" sz="1200">
+                  <a:latin typeface="Times New Roman" panose="02020603050405020304" pitchFamily="18" charset="0"/>
+                  <a:cs typeface="Times New Roman" panose="02020603050405020304" pitchFamily="18" charset="0"/>
+                </a:endParaRPr>
+              </a:p>
+            </p:txBody>
+          </p:sp>
+          <p:sp>
+            <p:nvSpPr>
+              <p:cNvPr id="44" name="Retângulo 43"/>
+              <p:cNvSpPr/>
+              <p:nvPr/>
+            </p:nvSpPr>
+            <p:spPr>
+              <a:xfrm>
+                <a:off x="1847849" y="1999342"/>
+                <a:ext cx="3600000" cy="540000"/>
+              </a:xfrm>
+              <a:prstGeom prst="rect">
+                <a:avLst/>
+              </a:prstGeom>
+            </p:spPr>
+            <p:style>
+              <a:lnRef idx="2">
+                <a:schemeClr val="accent6">
+                  <a:shade val="50000"/>
+                </a:schemeClr>
+              </a:lnRef>
+              <a:fillRef idx="1">
+                <a:schemeClr val="accent6"/>
+              </a:fillRef>
+              <a:effectRef idx="0">
+                <a:schemeClr val="accent6"/>
+              </a:effectRef>
+              <a:fontRef idx="minor">
+                <a:schemeClr val="lt1"/>
+              </a:fontRef>
+            </p:style>
+            <p:txBody>
+              <a:bodyPr rtlCol="0" anchor="ctr"/>
+              <a:lstStyle/>
+              <a:p>
+                <a:pPr algn="ctr"/>
+                <a:r>
+                  <a:rPr lang="pt-BR" sz="1200" dirty="0" smtClean="0">
+                    <a:latin typeface="Times New Roman" panose="02020603050405020304" pitchFamily="18" charset="0"/>
+                    <a:cs typeface="Times New Roman" panose="02020603050405020304" pitchFamily="18" charset="0"/>
+                  </a:rPr>
+                  <a:t>Treino</a:t>
+                </a:r>
+                <a:endParaRPr lang="pt-BR" sz="1200" dirty="0">
+                  <a:latin typeface="Times New Roman" panose="02020603050405020304" pitchFamily="18" charset="0"/>
+                  <a:cs typeface="Times New Roman" panose="02020603050405020304" pitchFamily="18" charset="0"/>
+                </a:endParaRPr>
+              </a:p>
+            </p:txBody>
+          </p:sp>
+          <p:sp>
+            <p:nvSpPr>
+              <p:cNvPr id="45" name="Retângulo 44"/>
+              <p:cNvSpPr/>
+              <p:nvPr/>
+            </p:nvSpPr>
+            <p:spPr>
+              <a:xfrm>
+                <a:off x="5447849" y="1999343"/>
+                <a:ext cx="720000" cy="540000"/>
+              </a:xfrm>
+              <a:prstGeom prst="rect">
+                <a:avLst/>
+              </a:prstGeom>
+            </p:spPr>
+            <p:style>
+              <a:lnRef idx="2">
+                <a:schemeClr val="accent5">
+                  <a:shade val="50000"/>
+                </a:schemeClr>
+              </a:lnRef>
+              <a:fillRef idx="1">
+                <a:schemeClr val="accent5"/>
+              </a:fillRef>
+              <a:effectRef idx="0">
+                <a:schemeClr val="accent5"/>
+              </a:effectRef>
+              <a:fontRef idx="minor">
+                <a:schemeClr val="lt1"/>
+              </a:fontRef>
+            </p:style>
+            <p:txBody>
+              <a:bodyPr rtlCol="0" anchor="ctr"/>
+              <a:lstStyle/>
+              <a:p>
+                <a:pPr algn="ctr"/>
+                <a:r>
+                  <a:rPr lang="pt-BR" sz="1200" dirty="0" smtClean="0">
+                    <a:latin typeface="Times New Roman" panose="02020603050405020304" pitchFamily="18" charset="0"/>
+                    <a:cs typeface="Times New Roman" panose="02020603050405020304" pitchFamily="18" charset="0"/>
+                  </a:rPr>
+                  <a:t>teste</a:t>
+                </a:r>
+                <a:endParaRPr lang="pt-BR" sz="1200" dirty="0">
+                  <a:latin typeface="Times New Roman" panose="02020603050405020304" pitchFamily="18" charset="0"/>
+                  <a:cs typeface="Times New Roman" panose="02020603050405020304" pitchFamily="18" charset="0"/>
+                </a:endParaRPr>
+              </a:p>
+            </p:txBody>
+          </p:sp>
+          <p:sp>
+            <p:nvSpPr>
+              <p:cNvPr id="46" name="CaixaDeTexto 45"/>
+              <p:cNvSpPr txBox="1"/>
+              <p:nvPr/>
+            </p:nvSpPr>
+            <p:spPr>
+              <a:xfrm>
+                <a:off x="3315312" y="1405547"/>
+                <a:ext cx="665071" cy="547022"/>
+              </a:xfrm>
+              <a:prstGeom prst="rect">
+                <a:avLst/>
+              </a:prstGeom>
+              <a:noFill/>
+            </p:spPr>
+            <p:txBody>
+              <a:bodyPr wrap="square" rtlCol="0">
+                <a:spAutoFit/>
+              </a:bodyPr>
+              <a:lstStyle/>
+              <a:p>
+                <a:r>
+                  <a:rPr lang="pt-BR" sz="1200" dirty="0" smtClean="0">
+                    <a:latin typeface="Times New Roman" panose="02020603050405020304" pitchFamily="18" charset="0"/>
+                    <a:cs typeface="Times New Roman" panose="02020603050405020304" pitchFamily="18" charset="0"/>
+                  </a:rPr>
+                  <a:t>50%</a:t>
+                </a:r>
+                <a:endParaRPr lang="pt-BR" sz="1200" dirty="0">
+                  <a:latin typeface="Times New Roman" panose="02020603050405020304" pitchFamily="18" charset="0"/>
+                  <a:cs typeface="Times New Roman" panose="02020603050405020304" pitchFamily="18" charset="0"/>
+                </a:endParaRPr>
+              </a:p>
+            </p:txBody>
+          </p:sp>
+          <p:sp>
+            <p:nvSpPr>
+              <p:cNvPr id="47" name="CaixaDeTexto 46"/>
+              <p:cNvSpPr txBox="1"/>
+              <p:nvPr/>
+            </p:nvSpPr>
+            <p:spPr>
+              <a:xfrm>
+                <a:off x="5491101" y="1410980"/>
+                <a:ext cx="633497" cy="547022"/>
+              </a:xfrm>
+              <a:prstGeom prst="rect">
+                <a:avLst/>
+              </a:prstGeom>
+              <a:noFill/>
+            </p:spPr>
+            <p:txBody>
+              <a:bodyPr wrap="square" rtlCol="0">
+                <a:spAutoFit/>
+              </a:bodyPr>
+              <a:lstStyle/>
+              <a:p>
+                <a:r>
+                  <a:rPr lang="pt-BR" sz="1200" dirty="0" smtClean="0">
+                    <a:latin typeface="Times New Roman" panose="02020603050405020304" pitchFamily="18" charset="0"/>
+                    <a:cs typeface="Times New Roman" panose="02020603050405020304" pitchFamily="18" charset="0"/>
+                  </a:rPr>
+                  <a:t>10%</a:t>
+                </a:r>
+                <a:endParaRPr lang="pt-BR" sz="1200" dirty="0">
+                  <a:latin typeface="Times New Roman" panose="02020603050405020304" pitchFamily="18" charset="0"/>
+                  <a:cs typeface="Times New Roman" panose="02020603050405020304" pitchFamily="18" charset="0"/>
+                </a:endParaRPr>
+              </a:p>
+            </p:txBody>
+          </p:sp>
+        </p:grpSp>
+        <p:sp>
+          <p:nvSpPr>
+            <p:cNvPr id="48" name="Retângulo 47"/>
+            <p:cNvSpPr/>
+            <p:nvPr/>
+          </p:nvSpPr>
+          <p:spPr>
+            <a:xfrm>
+              <a:off x="2297787" y="5054759"/>
+              <a:ext cx="2159990" cy="540000"/>
+            </a:xfrm>
+            <a:prstGeom prst="rect">
+              <a:avLst/>
+            </a:prstGeom>
+          </p:spPr>
+          <p:style>
+            <a:lnRef idx="2">
+              <a:schemeClr val="accent1">
+                <a:shade val="50000"/>
+              </a:schemeClr>
+            </a:lnRef>
+            <a:fillRef idx="1">
+              <a:schemeClr val="accent1"/>
+            </a:fillRef>
+            <a:effectRef idx="0">
+              <a:schemeClr val="accent1"/>
+            </a:effectRef>
+            <a:fontRef idx="minor">
+              <a:schemeClr val="lt1"/>
+            </a:fontRef>
+          </p:style>
+          <p:txBody>
+            <a:bodyPr rtlCol="0" anchor="ctr"/>
+            <a:lstStyle/>
+            <a:p>
+              <a:pPr algn="ctr"/>
+              <a:endParaRPr lang="pt-BR" sz="1200">
+                <a:latin typeface="Times New Roman" panose="02020603050405020304" pitchFamily="18" charset="0"/>
+                <a:cs typeface="Times New Roman" panose="02020603050405020304" pitchFamily="18" charset="0"/>
+              </a:endParaRPr>
+            </a:p>
+          </p:txBody>
+        </p:sp>
+        <p:grpSp>
+          <p:nvGrpSpPr>
+            <p:cNvPr id="49" name="Agrupar 48"/>
+            <p:cNvGrpSpPr/>
+            <p:nvPr/>
+          </p:nvGrpSpPr>
+          <p:grpSpPr>
+            <a:xfrm>
+              <a:off x="4457778" y="4461049"/>
+              <a:ext cx="4320002" cy="1133796"/>
+              <a:chOff x="1847848" y="1405547"/>
+              <a:chExt cx="4320002" cy="1133796"/>
+            </a:xfrm>
+          </p:grpSpPr>
+          <p:sp>
+            <p:nvSpPr>
+              <p:cNvPr id="50" name="Retângulo 49"/>
+              <p:cNvSpPr/>
+              <p:nvPr/>
+            </p:nvSpPr>
+            <p:spPr>
+              <a:xfrm>
+                <a:off x="1847848" y="1834533"/>
+                <a:ext cx="3600001" cy="540290"/>
+              </a:xfrm>
+              <a:prstGeom prst="rect">
+                <a:avLst/>
+              </a:prstGeom>
+              <a:noFill/>
+              <a:ln>
+                <a:solidFill>
+                  <a:schemeClr val="tx1"/>
+                </a:solidFill>
+              </a:ln>
+            </p:spPr>
+            <p:style>
+              <a:lnRef idx="2">
+                <a:schemeClr val="accent1">
+                  <a:shade val="50000"/>
+                </a:schemeClr>
+              </a:lnRef>
+              <a:fillRef idx="1">
+                <a:schemeClr val="accent1"/>
+              </a:fillRef>
+              <a:effectRef idx="0">
+                <a:schemeClr val="accent1"/>
+              </a:effectRef>
+              <a:fontRef idx="minor">
+                <a:schemeClr val="lt1"/>
+              </a:fontRef>
+            </p:style>
+            <p:txBody>
+              <a:bodyPr rtlCol="0" anchor="ctr"/>
+              <a:lstStyle/>
+              <a:p>
+                <a:pPr algn="ctr"/>
+                <a:endParaRPr lang="pt-BR" sz="1200">
+                  <a:latin typeface="Times New Roman" panose="02020603050405020304" pitchFamily="18" charset="0"/>
+                  <a:cs typeface="Times New Roman" panose="02020603050405020304" pitchFamily="18" charset="0"/>
+                </a:endParaRPr>
+              </a:p>
+            </p:txBody>
+          </p:sp>
+          <p:sp>
+            <p:nvSpPr>
+              <p:cNvPr id="51" name="Retângulo 50"/>
+              <p:cNvSpPr/>
+              <p:nvPr/>
+            </p:nvSpPr>
+            <p:spPr>
+              <a:xfrm>
+                <a:off x="5447851" y="1832625"/>
+                <a:ext cx="719999" cy="436861"/>
+              </a:xfrm>
+              <a:prstGeom prst="rect">
+                <a:avLst/>
+              </a:prstGeom>
+              <a:noFill/>
+              <a:ln>
+                <a:solidFill>
+                  <a:schemeClr val="tx1"/>
+                </a:solidFill>
+              </a:ln>
+            </p:spPr>
+            <p:style>
+              <a:lnRef idx="2">
+                <a:schemeClr val="accent1">
+                  <a:shade val="50000"/>
+                </a:schemeClr>
+              </a:lnRef>
+              <a:fillRef idx="1">
+                <a:schemeClr val="accent1"/>
+              </a:fillRef>
+              <a:effectRef idx="0">
+                <a:schemeClr val="accent1"/>
+              </a:effectRef>
+              <a:fontRef idx="minor">
+                <a:schemeClr val="lt1"/>
+              </a:fontRef>
+            </p:style>
+            <p:txBody>
+              <a:bodyPr rtlCol="0" anchor="ctr"/>
+              <a:lstStyle/>
+              <a:p>
+                <a:pPr algn="ctr"/>
+                <a:endParaRPr lang="pt-BR" sz="1200">
+                  <a:latin typeface="Times New Roman" panose="02020603050405020304" pitchFamily="18" charset="0"/>
+                  <a:cs typeface="Times New Roman" panose="02020603050405020304" pitchFamily="18" charset="0"/>
+                </a:endParaRPr>
+              </a:p>
+            </p:txBody>
+          </p:sp>
+          <p:sp>
+            <p:nvSpPr>
+              <p:cNvPr id="52" name="Retângulo 51"/>
+              <p:cNvSpPr/>
+              <p:nvPr/>
+            </p:nvSpPr>
+            <p:spPr>
+              <a:xfrm>
+                <a:off x="1847849" y="1999342"/>
+                <a:ext cx="3600000" cy="540000"/>
+              </a:xfrm>
+              <a:prstGeom prst="rect">
+                <a:avLst/>
+              </a:prstGeom>
+            </p:spPr>
+            <p:style>
+              <a:lnRef idx="2">
+                <a:schemeClr val="accent6">
+                  <a:shade val="50000"/>
+                </a:schemeClr>
+              </a:lnRef>
+              <a:fillRef idx="1">
+                <a:schemeClr val="accent6"/>
+              </a:fillRef>
+              <a:effectRef idx="0">
+                <a:schemeClr val="accent6"/>
+              </a:effectRef>
+              <a:fontRef idx="minor">
+                <a:schemeClr val="lt1"/>
+              </a:fontRef>
+            </p:style>
+            <p:txBody>
+              <a:bodyPr rtlCol="0" anchor="ctr"/>
+              <a:lstStyle/>
+              <a:p>
+                <a:pPr algn="ctr"/>
+                <a:r>
+                  <a:rPr lang="pt-BR" sz="1200" dirty="0" smtClean="0">
+                    <a:latin typeface="Times New Roman" panose="02020603050405020304" pitchFamily="18" charset="0"/>
+                    <a:cs typeface="Times New Roman" panose="02020603050405020304" pitchFamily="18" charset="0"/>
+                  </a:rPr>
+                  <a:t>Treino</a:t>
+                </a:r>
+                <a:endParaRPr lang="pt-BR" sz="1200" dirty="0">
+                  <a:latin typeface="Times New Roman" panose="02020603050405020304" pitchFamily="18" charset="0"/>
+                  <a:cs typeface="Times New Roman" panose="02020603050405020304" pitchFamily="18" charset="0"/>
+                </a:endParaRPr>
+              </a:p>
+            </p:txBody>
+          </p:sp>
+          <p:sp>
+            <p:nvSpPr>
+              <p:cNvPr id="53" name="Retângulo 52"/>
+              <p:cNvSpPr/>
+              <p:nvPr/>
+            </p:nvSpPr>
+            <p:spPr>
+              <a:xfrm>
+                <a:off x="5447849" y="1999343"/>
+                <a:ext cx="720000" cy="540000"/>
+              </a:xfrm>
+              <a:prstGeom prst="rect">
+                <a:avLst/>
+              </a:prstGeom>
+            </p:spPr>
+            <p:style>
+              <a:lnRef idx="2">
+                <a:schemeClr val="accent5">
+                  <a:shade val="50000"/>
+                </a:schemeClr>
+              </a:lnRef>
+              <a:fillRef idx="1">
+                <a:schemeClr val="accent5"/>
+              </a:fillRef>
+              <a:effectRef idx="0">
+                <a:schemeClr val="accent5"/>
+              </a:effectRef>
+              <a:fontRef idx="minor">
+                <a:schemeClr val="lt1"/>
+              </a:fontRef>
+            </p:style>
+            <p:txBody>
+              <a:bodyPr rtlCol="0" anchor="ctr"/>
+              <a:lstStyle/>
+              <a:p>
+                <a:pPr algn="ctr"/>
+                <a:r>
+                  <a:rPr lang="pt-BR" sz="1200" dirty="0" smtClean="0">
+                    <a:latin typeface="Times New Roman" panose="02020603050405020304" pitchFamily="18" charset="0"/>
+                    <a:cs typeface="Times New Roman" panose="02020603050405020304" pitchFamily="18" charset="0"/>
+                  </a:rPr>
+                  <a:t>teste</a:t>
+                </a:r>
+                <a:endParaRPr lang="pt-BR" sz="1200" dirty="0">
+                  <a:latin typeface="Times New Roman" panose="02020603050405020304" pitchFamily="18" charset="0"/>
+                  <a:cs typeface="Times New Roman" panose="02020603050405020304" pitchFamily="18" charset="0"/>
+                </a:endParaRPr>
+              </a:p>
+            </p:txBody>
+          </p:sp>
+          <p:sp>
+            <p:nvSpPr>
+              <p:cNvPr id="54" name="CaixaDeTexto 53"/>
+              <p:cNvSpPr txBox="1"/>
+              <p:nvPr/>
+            </p:nvSpPr>
+            <p:spPr>
+              <a:xfrm>
+                <a:off x="3315312" y="1405547"/>
+                <a:ext cx="665071" cy="547022"/>
+              </a:xfrm>
+              <a:prstGeom prst="rect">
+                <a:avLst/>
+              </a:prstGeom>
+              <a:noFill/>
+            </p:spPr>
+            <p:txBody>
+              <a:bodyPr wrap="square" rtlCol="0">
+                <a:spAutoFit/>
+              </a:bodyPr>
+              <a:lstStyle/>
+              <a:p>
+                <a:r>
+                  <a:rPr lang="pt-BR" sz="1200" dirty="0" smtClean="0">
+                    <a:latin typeface="Times New Roman" panose="02020603050405020304" pitchFamily="18" charset="0"/>
+                    <a:cs typeface="Times New Roman" panose="02020603050405020304" pitchFamily="18" charset="0"/>
+                  </a:rPr>
+                  <a:t>50%</a:t>
+                </a:r>
+                <a:endParaRPr lang="pt-BR" sz="1200" dirty="0">
+                  <a:latin typeface="Times New Roman" panose="02020603050405020304" pitchFamily="18" charset="0"/>
+                  <a:cs typeface="Times New Roman" panose="02020603050405020304" pitchFamily="18" charset="0"/>
+                </a:endParaRPr>
+              </a:p>
+            </p:txBody>
+          </p:sp>
+          <p:sp>
+            <p:nvSpPr>
+              <p:cNvPr id="55" name="CaixaDeTexto 54"/>
+              <p:cNvSpPr txBox="1"/>
+              <p:nvPr/>
+            </p:nvSpPr>
+            <p:spPr>
+              <a:xfrm>
+                <a:off x="5491101" y="1410980"/>
+                <a:ext cx="633497" cy="547022"/>
+              </a:xfrm>
+              <a:prstGeom prst="rect">
+                <a:avLst/>
+              </a:prstGeom>
+              <a:noFill/>
+            </p:spPr>
+            <p:txBody>
+              <a:bodyPr wrap="square" rtlCol="0">
+                <a:spAutoFit/>
+              </a:bodyPr>
+              <a:lstStyle/>
+              <a:p>
+                <a:r>
+                  <a:rPr lang="pt-BR" sz="1200" dirty="0" smtClean="0">
+                    <a:latin typeface="Times New Roman" panose="02020603050405020304" pitchFamily="18" charset="0"/>
+                    <a:cs typeface="Times New Roman" panose="02020603050405020304" pitchFamily="18" charset="0"/>
+                  </a:rPr>
+                  <a:t>10%</a:t>
+                </a:r>
+                <a:endParaRPr lang="pt-BR" sz="1200" dirty="0">
+                  <a:latin typeface="Times New Roman" panose="02020603050405020304" pitchFamily="18" charset="0"/>
+                  <a:cs typeface="Times New Roman" panose="02020603050405020304" pitchFamily="18" charset="0"/>
+                </a:endParaRPr>
+              </a:p>
+            </p:txBody>
+          </p:sp>
+        </p:grpSp>
+        <p:sp>
+          <p:nvSpPr>
+            <p:cNvPr id="56" name="Retângulo 55"/>
+            <p:cNvSpPr/>
+            <p:nvPr/>
+          </p:nvSpPr>
+          <p:spPr>
+            <a:xfrm>
+              <a:off x="2297785" y="6134564"/>
+              <a:ext cx="2879997" cy="540000"/>
+            </a:xfrm>
+            <a:prstGeom prst="rect">
+              <a:avLst/>
+            </a:prstGeom>
+          </p:spPr>
+          <p:style>
+            <a:lnRef idx="2">
+              <a:schemeClr val="accent1">
+                <a:shade val="50000"/>
+              </a:schemeClr>
+            </a:lnRef>
+            <a:fillRef idx="1">
+              <a:schemeClr val="accent1"/>
+            </a:fillRef>
+            <a:effectRef idx="0">
+              <a:schemeClr val="accent1"/>
+            </a:effectRef>
+            <a:fontRef idx="minor">
+              <a:schemeClr val="lt1"/>
+            </a:fontRef>
+          </p:style>
+          <p:txBody>
+            <a:bodyPr rtlCol="0" anchor="ctr"/>
+            <a:lstStyle/>
+            <a:p>
+              <a:pPr algn="ctr"/>
+              <a:endParaRPr lang="pt-BR" sz="1200">
+                <a:latin typeface="Times New Roman" panose="02020603050405020304" pitchFamily="18" charset="0"/>
+                <a:cs typeface="Times New Roman" panose="02020603050405020304" pitchFamily="18" charset="0"/>
+              </a:endParaRPr>
+            </a:p>
+          </p:txBody>
+        </p:sp>
+        <p:grpSp>
+          <p:nvGrpSpPr>
+            <p:cNvPr id="57" name="Agrupar 56"/>
+            <p:cNvGrpSpPr/>
+            <p:nvPr/>
+          </p:nvGrpSpPr>
+          <p:grpSpPr>
+            <a:xfrm>
+              <a:off x="5177783" y="5540769"/>
+              <a:ext cx="4320002" cy="1133796"/>
+              <a:chOff x="1847848" y="1405547"/>
+              <a:chExt cx="4320002" cy="1133796"/>
+            </a:xfrm>
+          </p:grpSpPr>
+          <p:sp>
+            <p:nvSpPr>
+              <p:cNvPr id="58" name="Retângulo 57"/>
+              <p:cNvSpPr/>
+              <p:nvPr/>
+            </p:nvSpPr>
+            <p:spPr>
+              <a:xfrm>
+                <a:off x="1847848" y="1834533"/>
+                <a:ext cx="3600001" cy="540290"/>
+              </a:xfrm>
+              <a:prstGeom prst="rect">
+                <a:avLst/>
+              </a:prstGeom>
+              <a:noFill/>
+              <a:ln>
+                <a:solidFill>
+                  <a:schemeClr val="tx1"/>
+                </a:solidFill>
+              </a:ln>
+            </p:spPr>
+            <p:style>
+              <a:lnRef idx="2">
+                <a:schemeClr val="accent1">
+                  <a:shade val="50000"/>
+                </a:schemeClr>
+              </a:lnRef>
+              <a:fillRef idx="1">
+                <a:schemeClr val="accent1"/>
+              </a:fillRef>
+              <a:effectRef idx="0">
+                <a:schemeClr val="accent1"/>
+              </a:effectRef>
+              <a:fontRef idx="minor">
+                <a:schemeClr val="lt1"/>
+              </a:fontRef>
+            </p:style>
+            <p:txBody>
+              <a:bodyPr rtlCol="0" anchor="ctr"/>
+              <a:lstStyle/>
+              <a:p>
+                <a:pPr algn="ctr"/>
+                <a:endParaRPr lang="pt-BR" sz="1200">
+                  <a:latin typeface="Times New Roman" panose="02020603050405020304" pitchFamily="18" charset="0"/>
+                  <a:cs typeface="Times New Roman" panose="02020603050405020304" pitchFamily="18" charset="0"/>
+                </a:endParaRPr>
+              </a:p>
+            </p:txBody>
+          </p:sp>
+          <p:sp>
+            <p:nvSpPr>
+              <p:cNvPr id="59" name="Retângulo 58"/>
+              <p:cNvSpPr/>
+              <p:nvPr/>
+            </p:nvSpPr>
+            <p:spPr>
+              <a:xfrm>
+                <a:off x="5447851" y="1834244"/>
+                <a:ext cx="719999" cy="435240"/>
+              </a:xfrm>
+              <a:prstGeom prst="rect">
+                <a:avLst/>
+              </a:prstGeom>
+              <a:noFill/>
+              <a:ln>
+                <a:solidFill>
+                  <a:schemeClr val="tx1"/>
+                </a:solidFill>
+              </a:ln>
+            </p:spPr>
+            <p:style>
+              <a:lnRef idx="2">
+                <a:schemeClr val="accent1">
+                  <a:shade val="50000"/>
+                </a:schemeClr>
+              </a:lnRef>
+              <a:fillRef idx="1">
+                <a:schemeClr val="accent1"/>
+              </a:fillRef>
+              <a:effectRef idx="0">
+                <a:schemeClr val="accent1"/>
+              </a:effectRef>
+              <a:fontRef idx="minor">
+                <a:schemeClr val="lt1"/>
+              </a:fontRef>
+            </p:style>
+            <p:txBody>
+              <a:bodyPr rtlCol="0" anchor="ctr"/>
+              <a:lstStyle/>
+              <a:p>
+                <a:pPr algn="ctr"/>
+                <a:endParaRPr lang="pt-BR" sz="1200">
+                  <a:latin typeface="Times New Roman" panose="02020603050405020304" pitchFamily="18" charset="0"/>
+                  <a:cs typeface="Times New Roman" panose="02020603050405020304" pitchFamily="18" charset="0"/>
+                </a:endParaRPr>
+              </a:p>
+            </p:txBody>
+          </p:sp>
+          <p:sp>
+            <p:nvSpPr>
+              <p:cNvPr id="60" name="Retângulo 59"/>
+              <p:cNvSpPr/>
+              <p:nvPr/>
+            </p:nvSpPr>
+            <p:spPr>
+              <a:xfrm>
+                <a:off x="1847849" y="1999342"/>
+                <a:ext cx="3600000" cy="540000"/>
+              </a:xfrm>
+              <a:prstGeom prst="rect">
+                <a:avLst/>
+              </a:prstGeom>
+            </p:spPr>
+            <p:style>
+              <a:lnRef idx="2">
+                <a:schemeClr val="accent6">
+                  <a:shade val="50000"/>
+                </a:schemeClr>
+              </a:lnRef>
+              <a:fillRef idx="1">
+                <a:schemeClr val="accent6"/>
+              </a:fillRef>
+              <a:effectRef idx="0">
+                <a:schemeClr val="accent6"/>
+              </a:effectRef>
+              <a:fontRef idx="minor">
+                <a:schemeClr val="lt1"/>
+              </a:fontRef>
+            </p:style>
+            <p:txBody>
+              <a:bodyPr rtlCol="0" anchor="ctr"/>
+              <a:lstStyle/>
+              <a:p>
+                <a:pPr algn="ctr"/>
+                <a:r>
+                  <a:rPr lang="pt-BR" sz="1200" dirty="0" smtClean="0">
+                    <a:latin typeface="Times New Roman" panose="02020603050405020304" pitchFamily="18" charset="0"/>
+                    <a:cs typeface="Times New Roman" panose="02020603050405020304" pitchFamily="18" charset="0"/>
+                  </a:rPr>
+                  <a:t>Treino</a:t>
+                </a:r>
+                <a:endParaRPr lang="pt-BR" sz="1200" dirty="0">
+                  <a:latin typeface="Times New Roman" panose="02020603050405020304" pitchFamily="18" charset="0"/>
+                  <a:cs typeface="Times New Roman" panose="02020603050405020304" pitchFamily="18" charset="0"/>
+                </a:endParaRPr>
+              </a:p>
+            </p:txBody>
+          </p:sp>
+          <p:sp>
+            <p:nvSpPr>
+              <p:cNvPr id="61" name="Retângulo 60"/>
+              <p:cNvSpPr/>
+              <p:nvPr/>
+            </p:nvSpPr>
+            <p:spPr>
+              <a:xfrm>
+                <a:off x="5447849" y="1999343"/>
+                <a:ext cx="720000" cy="540000"/>
+              </a:xfrm>
+              <a:prstGeom prst="rect">
+                <a:avLst/>
+              </a:prstGeom>
+            </p:spPr>
+            <p:style>
+              <a:lnRef idx="2">
+                <a:schemeClr val="accent5">
+                  <a:shade val="50000"/>
+                </a:schemeClr>
+              </a:lnRef>
+              <a:fillRef idx="1">
+                <a:schemeClr val="accent5"/>
+              </a:fillRef>
+              <a:effectRef idx="0">
+                <a:schemeClr val="accent5"/>
+              </a:effectRef>
+              <a:fontRef idx="minor">
+                <a:schemeClr val="lt1"/>
+              </a:fontRef>
+            </p:style>
+            <p:txBody>
+              <a:bodyPr rtlCol="0" anchor="ctr"/>
+              <a:lstStyle/>
+              <a:p>
+                <a:pPr algn="ctr"/>
+                <a:r>
+                  <a:rPr lang="pt-BR" sz="1200" dirty="0" smtClean="0">
+                    <a:latin typeface="Times New Roman" panose="02020603050405020304" pitchFamily="18" charset="0"/>
+                    <a:cs typeface="Times New Roman" panose="02020603050405020304" pitchFamily="18" charset="0"/>
+                  </a:rPr>
+                  <a:t>teste</a:t>
+                </a:r>
+                <a:endParaRPr lang="pt-BR" sz="1200" dirty="0">
+                  <a:latin typeface="Times New Roman" panose="02020603050405020304" pitchFamily="18" charset="0"/>
+                  <a:cs typeface="Times New Roman" panose="02020603050405020304" pitchFamily="18" charset="0"/>
+                </a:endParaRPr>
+              </a:p>
+            </p:txBody>
+          </p:sp>
+          <p:sp>
+            <p:nvSpPr>
+              <p:cNvPr id="62" name="CaixaDeTexto 61"/>
+              <p:cNvSpPr txBox="1"/>
+              <p:nvPr/>
+            </p:nvSpPr>
+            <p:spPr>
+              <a:xfrm>
+                <a:off x="3315312" y="1405547"/>
+                <a:ext cx="665071" cy="547022"/>
+              </a:xfrm>
+              <a:prstGeom prst="rect">
+                <a:avLst/>
+              </a:prstGeom>
+              <a:noFill/>
+            </p:spPr>
+            <p:txBody>
+              <a:bodyPr wrap="square" rtlCol="0">
+                <a:spAutoFit/>
+              </a:bodyPr>
+              <a:lstStyle/>
+              <a:p>
+                <a:r>
+                  <a:rPr lang="pt-BR" sz="1200" dirty="0" smtClean="0">
+                    <a:latin typeface="Times New Roman" panose="02020603050405020304" pitchFamily="18" charset="0"/>
+                    <a:cs typeface="Times New Roman" panose="02020603050405020304" pitchFamily="18" charset="0"/>
+                  </a:rPr>
+                  <a:t>50%</a:t>
+                </a:r>
+                <a:endParaRPr lang="pt-BR" sz="1200" dirty="0">
+                  <a:latin typeface="Times New Roman" panose="02020603050405020304" pitchFamily="18" charset="0"/>
+                  <a:cs typeface="Times New Roman" panose="02020603050405020304" pitchFamily="18" charset="0"/>
+                </a:endParaRPr>
+              </a:p>
+            </p:txBody>
+          </p:sp>
+          <p:sp>
+            <p:nvSpPr>
+              <p:cNvPr id="63" name="CaixaDeTexto 62"/>
+              <p:cNvSpPr txBox="1"/>
+              <p:nvPr/>
+            </p:nvSpPr>
+            <p:spPr>
+              <a:xfrm>
+                <a:off x="5491101" y="1410980"/>
+                <a:ext cx="633497" cy="547022"/>
+              </a:xfrm>
+              <a:prstGeom prst="rect">
+                <a:avLst/>
+              </a:prstGeom>
+              <a:noFill/>
+            </p:spPr>
+            <p:txBody>
+              <a:bodyPr wrap="square" rtlCol="0">
+                <a:spAutoFit/>
+              </a:bodyPr>
+              <a:lstStyle/>
+              <a:p>
+                <a:r>
+                  <a:rPr lang="pt-BR" sz="1200" dirty="0" smtClean="0">
+                    <a:latin typeface="Times New Roman" panose="02020603050405020304" pitchFamily="18" charset="0"/>
+                    <a:cs typeface="Times New Roman" panose="02020603050405020304" pitchFamily="18" charset="0"/>
+                  </a:rPr>
+                  <a:t>10%</a:t>
+                </a:r>
+                <a:endParaRPr lang="pt-BR" sz="1200" dirty="0">
+                  <a:latin typeface="Times New Roman" panose="02020603050405020304" pitchFamily="18" charset="0"/>
+                  <a:cs typeface="Times New Roman" panose="02020603050405020304" pitchFamily="18" charset="0"/>
+                </a:endParaRPr>
+              </a:p>
+            </p:txBody>
+          </p:sp>
+        </p:grpSp>
+        <p:sp>
+          <p:nvSpPr>
+            <p:cNvPr id="68" name="Retângulo 67"/>
+            <p:cNvSpPr/>
+            <p:nvPr/>
+          </p:nvSpPr>
+          <p:spPr>
+            <a:xfrm>
+              <a:off x="8777779" y="5054758"/>
+              <a:ext cx="720005" cy="539801"/>
+            </a:xfrm>
+            <a:prstGeom prst="rect">
+              <a:avLst/>
+            </a:prstGeom>
+          </p:spPr>
+          <p:style>
+            <a:lnRef idx="2">
+              <a:schemeClr val="accent1">
+                <a:shade val="50000"/>
+              </a:schemeClr>
+            </a:lnRef>
+            <a:fillRef idx="1">
+              <a:schemeClr val="accent1"/>
+            </a:fillRef>
+            <a:effectRef idx="0">
+              <a:schemeClr val="accent1"/>
+            </a:effectRef>
+            <a:fontRef idx="minor">
+              <a:schemeClr val="lt1"/>
+            </a:fontRef>
+          </p:style>
+          <p:txBody>
+            <a:bodyPr rtlCol="0" anchor="ctr"/>
+            <a:lstStyle/>
+            <a:p>
+              <a:pPr algn="ctr"/>
+              <a:endParaRPr lang="pt-BR" sz="1200">
+                <a:latin typeface="Times New Roman" panose="02020603050405020304" pitchFamily="18" charset="0"/>
+                <a:cs typeface="Times New Roman" panose="02020603050405020304" pitchFamily="18" charset="0"/>
+              </a:endParaRPr>
             </a:p>
           </p:txBody>
         </p:sp>
         <p:sp>
           <p:nvSpPr>
-            <p:cNvPr id="27" name="CaixaDeTexto 26"/>
+            <p:cNvPr id="69" name="Retângulo 68"/>
+            <p:cNvSpPr/>
+            <p:nvPr/>
+          </p:nvSpPr>
+          <p:spPr>
+            <a:xfrm>
+              <a:off x="8057777" y="3987698"/>
+              <a:ext cx="1440012" cy="536237"/>
+            </a:xfrm>
+            <a:prstGeom prst="rect">
+              <a:avLst/>
+            </a:prstGeom>
+          </p:spPr>
+          <p:style>
+            <a:lnRef idx="2">
+              <a:schemeClr val="accent1">
+                <a:shade val="50000"/>
+              </a:schemeClr>
+            </a:lnRef>
+            <a:fillRef idx="1">
+              <a:schemeClr val="accent1"/>
+            </a:fillRef>
+            <a:effectRef idx="0">
+              <a:schemeClr val="accent1"/>
+            </a:effectRef>
+            <a:fontRef idx="minor">
+              <a:schemeClr val="lt1"/>
+            </a:fontRef>
+          </p:style>
+          <p:txBody>
+            <a:bodyPr rtlCol="0" anchor="ctr"/>
+            <a:lstStyle/>
+            <a:p>
+              <a:pPr algn="ctr"/>
+              <a:endParaRPr lang="pt-BR" sz="1200">
+                <a:latin typeface="Times New Roman" panose="02020603050405020304" pitchFamily="18" charset="0"/>
+                <a:cs typeface="Times New Roman" panose="02020603050405020304" pitchFamily="18" charset="0"/>
+              </a:endParaRPr>
+            </a:p>
+          </p:txBody>
+        </p:sp>
+        <p:sp>
+          <p:nvSpPr>
+            <p:cNvPr id="70" name="Retângulo 69"/>
+            <p:cNvSpPr/>
+            <p:nvPr/>
+          </p:nvSpPr>
+          <p:spPr>
+            <a:xfrm>
+              <a:off x="7337791" y="2908762"/>
+              <a:ext cx="2159999" cy="536836"/>
+            </a:xfrm>
+            <a:prstGeom prst="rect">
+              <a:avLst/>
+            </a:prstGeom>
+          </p:spPr>
+          <p:style>
+            <a:lnRef idx="2">
+              <a:schemeClr val="accent1">
+                <a:shade val="50000"/>
+              </a:schemeClr>
+            </a:lnRef>
+            <a:fillRef idx="1">
+              <a:schemeClr val="accent1"/>
+            </a:fillRef>
+            <a:effectRef idx="0">
+              <a:schemeClr val="accent1"/>
+            </a:effectRef>
+            <a:fontRef idx="minor">
+              <a:schemeClr val="lt1"/>
+            </a:fontRef>
+          </p:style>
+          <p:txBody>
+            <a:bodyPr rtlCol="0" anchor="ctr"/>
+            <a:lstStyle/>
+            <a:p>
+              <a:pPr algn="ctr"/>
+              <a:endParaRPr lang="pt-BR" sz="1200">
+                <a:latin typeface="Times New Roman" panose="02020603050405020304" pitchFamily="18" charset="0"/>
+                <a:cs typeface="Times New Roman" panose="02020603050405020304" pitchFamily="18" charset="0"/>
+              </a:endParaRPr>
+            </a:p>
+          </p:txBody>
+        </p:sp>
+        <p:sp>
+          <p:nvSpPr>
+            <p:cNvPr id="2" name="CaixaDeTexto 1"/>
             <p:cNvSpPr txBox="1"/>
             <p:nvPr/>
           </p:nvSpPr>
           <p:spPr>
             <a:xfrm>
-              <a:off x="3315312" y="1405547"/>
-              <a:ext cx="665071" cy="400110"/>
+              <a:off x="2297785" y="264089"/>
+              <a:ext cx="2309371" cy="547022"/>
             </a:xfrm>
             <a:prstGeom prst="rect">
               <a:avLst/>
@@ -8903,23 +10592,29 @@
             <a:lstStyle/>
             <a:p>
               <a:r>
-                <a:rPr lang="pt-BR" sz="2000" dirty="0" smtClean="0"/>
-                <a:t>50%</a:t>
+                <a:rPr lang="pt-BR" sz="1200" dirty="0" smtClean="0">
+                  <a:latin typeface="Times New Roman" panose="02020603050405020304" pitchFamily="18" charset="0"/>
+                  <a:cs typeface="Times New Roman" panose="02020603050405020304" pitchFamily="18" charset="0"/>
+                </a:rPr>
+                <a:t>Registros mais antigos</a:t>
               </a:r>
-              <a:endParaRPr lang="pt-BR" sz="2000" dirty="0"/>
+              <a:endParaRPr lang="pt-BR" sz="1200" dirty="0">
+                <a:latin typeface="Times New Roman" panose="02020603050405020304" pitchFamily="18" charset="0"/>
+                <a:cs typeface="Times New Roman" panose="02020603050405020304" pitchFamily="18" charset="0"/>
+              </a:endParaRPr>
             </a:p>
           </p:txBody>
         </p:sp>
         <p:sp>
           <p:nvSpPr>
-            <p:cNvPr id="28" name="CaixaDeTexto 27"/>
+            <p:cNvPr id="64" name="CaixaDeTexto 63"/>
             <p:cNvSpPr txBox="1"/>
             <p:nvPr/>
           </p:nvSpPr>
           <p:spPr>
             <a:xfrm>
-              <a:off x="5491100" y="1410979"/>
-              <a:ext cx="633497" cy="400110"/>
+              <a:off x="7217009" y="276161"/>
+              <a:ext cx="2280775" cy="547022"/>
             </a:xfrm>
             <a:prstGeom prst="rect">
               <a:avLst/>
@@ -8933,88 +10628,48 @@
             <a:lstStyle/>
             <a:p>
               <a:r>
-                <a:rPr lang="pt-BR" sz="2000" dirty="0" smtClean="0"/>
-                <a:t>10%</a:t>
+                <a:rPr lang="pt-BR" sz="1200" dirty="0" smtClean="0">
+                  <a:latin typeface="Times New Roman" panose="02020603050405020304" pitchFamily="18" charset="0"/>
+                  <a:cs typeface="Times New Roman" panose="02020603050405020304" pitchFamily="18" charset="0"/>
+                </a:rPr>
+                <a:t>Registros mais recentes</a:t>
               </a:r>
-              <a:endParaRPr lang="pt-BR" sz="2000" dirty="0"/>
+              <a:endParaRPr lang="pt-BR" sz="1200" dirty="0">
+                <a:latin typeface="Times New Roman" panose="02020603050405020304" pitchFamily="18" charset="0"/>
+                <a:cs typeface="Times New Roman" panose="02020603050405020304" pitchFamily="18" charset="0"/>
+              </a:endParaRPr>
             </a:p>
           </p:txBody>
         </p:sp>
       </p:grpSp>
-      <p:sp>
-        <p:nvSpPr>
-          <p:cNvPr id="32" name="Retângulo 31"/>
-          <p:cNvSpPr/>
-          <p:nvPr/>
-        </p:nvSpPr>
-        <p:spPr>
-          <a:xfrm>
-            <a:off x="2297791" y="2906598"/>
-            <a:ext cx="719999" cy="540000"/>
-          </a:xfrm>
-          <a:prstGeom prst="rect">
-            <a:avLst/>
-          </a:prstGeom>
-        </p:spPr>
-        <p:style>
-          <a:lnRef idx="2">
-            <a:schemeClr val="accent1">
-              <a:shade val="50000"/>
-            </a:schemeClr>
-          </a:lnRef>
-          <a:fillRef idx="1">
-            <a:schemeClr val="accent1"/>
-          </a:fillRef>
-          <a:effectRef idx="0">
-            <a:schemeClr val="accent1"/>
-          </a:effectRef>
-          <a:fontRef idx="minor">
-            <a:schemeClr val="lt1"/>
-          </a:fontRef>
-        </p:style>
-        <p:txBody>
-          <a:bodyPr rtlCol="0" anchor="ctr"/>
-          <a:lstStyle/>
-          <a:p>
-            <a:pPr algn="ctr"/>
-            <a:endParaRPr lang="pt-BR"/>
-          </a:p>
-        </p:txBody>
-      </p:sp>
       <p:grpSp>
         <p:nvGrpSpPr>
-          <p:cNvPr id="33" name="Agrupar 32"/>
+          <p:cNvPr id="6" name="Agrupar 5"/>
           <p:cNvGrpSpPr/>
           <p:nvPr/>
         </p:nvGrpSpPr>
         <p:grpSpPr>
           <a:xfrm>
-            <a:off x="3017791" y="2311845"/>
-            <a:ext cx="4320002" cy="1133796"/>
-            <a:chOff x="1847848" y="1405547"/>
-            <a:chExt cx="4320002" cy="1133796"/>
+            <a:off x="5164808" y="1224733"/>
+            <a:ext cx="5760002" cy="3246112"/>
+            <a:chOff x="5164808" y="1224733"/>
+            <a:chExt cx="5760002" cy="3246112"/>
           </a:xfrm>
         </p:grpSpPr>
         <p:sp>
           <p:nvSpPr>
-            <p:cNvPr id="34" name="Retângulo 33"/>
+            <p:cNvPr id="66" name="Retângulo 65"/>
             <p:cNvSpPr/>
             <p:nvPr/>
           </p:nvSpPr>
           <p:spPr>
             <a:xfrm>
-              <a:off x="1847848" y="1729196"/>
-              <a:ext cx="3600001" cy="540291"/>
+              <a:off x="8620806" y="2017065"/>
+              <a:ext cx="2304003" cy="273443"/>
             </a:xfrm>
             <a:prstGeom prst="rect">
               <a:avLst/>
             </a:prstGeom>
-            <a:noFill/>
-            <a:ln>
-              <a:solidFill>
-                <a:schemeClr val="tx1"/>
-              </a:solidFill>
-            </a:ln>
           </p:spPr>
           <p:style>
             <a:lnRef idx="2">
@@ -9037,30 +10692,27 @@
             <a:lstStyle/>
             <a:p>
               <a:pPr algn="ctr"/>
-              <a:endParaRPr lang="pt-BR"/>
+              <a:endParaRPr lang="pt-BR" sz="1200">
+                <a:latin typeface="Times New Roman" panose="02020603050405020304" pitchFamily="18" charset="0"/>
+                <a:cs typeface="Times New Roman" panose="02020603050405020304" pitchFamily="18" charset="0"/>
+              </a:endParaRPr>
             </a:p>
           </p:txBody>
         </p:sp>
         <p:sp>
           <p:nvSpPr>
-            <p:cNvPr id="35" name="Retângulo 34"/>
+            <p:cNvPr id="67" name="Retângulo 66"/>
             <p:cNvSpPr/>
             <p:nvPr/>
           </p:nvSpPr>
           <p:spPr>
             <a:xfrm>
-              <a:off x="5447850" y="1729195"/>
-              <a:ext cx="720000" cy="540291"/>
+              <a:off x="5164816" y="1472500"/>
+              <a:ext cx="5759994" cy="273443"/>
             </a:xfrm>
             <a:prstGeom prst="rect">
               <a:avLst/>
             </a:prstGeom>
-            <a:noFill/>
-            <a:ln>
-              <a:solidFill>
-                <a:schemeClr val="tx1"/>
-              </a:solidFill>
-            </a:ln>
           </p:spPr>
           <p:style>
             <a:lnRef idx="2">
@@ -9073,46 +10725,6 @@
             </a:fillRef>
             <a:effectRef idx="0">
               <a:schemeClr val="accent1"/>
-            </a:effectRef>
-            <a:fontRef idx="minor">
-              <a:schemeClr val="lt1"/>
-            </a:fontRef>
-          </p:style>
-          <p:txBody>
-            <a:bodyPr rtlCol="0" anchor="ctr"/>
-            <a:lstStyle/>
-            <a:p>
-              <a:pPr algn="ctr"/>
-              <a:endParaRPr lang="pt-BR"/>
-            </a:p>
-          </p:txBody>
-        </p:sp>
-        <p:sp>
-          <p:nvSpPr>
-            <p:cNvPr id="36" name="Retângulo 35"/>
-            <p:cNvSpPr/>
-            <p:nvPr/>
-          </p:nvSpPr>
-          <p:spPr>
-            <a:xfrm>
-              <a:off x="1847849" y="1999342"/>
-              <a:ext cx="3600000" cy="540000"/>
-            </a:xfrm>
-            <a:prstGeom prst="rect">
-              <a:avLst/>
-            </a:prstGeom>
-          </p:spPr>
-          <p:style>
-            <a:lnRef idx="2">
-              <a:schemeClr val="accent6">
-                <a:shade val="50000"/>
-              </a:schemeClr>
-            </a:lnRef>
-            <a:fillRef idx="1">
-              <a:schemeClr val="accent6"/>
-            </a:fillRef>
-            <a:effectRef idx="0">
-              <a:schemeClr val="accent6"/>
             </a:effectRef>
             <a:fontRef idx="minor">
               <a:schemeClr val="lt1"/>
@@ -9124,23 +10736,613 @@
             <a:p>
               <a:pPr algn="ctr"/>
               <a:r>
-                <a:rPr lang="pt-BR" sz="2000" dirty="0" smtClean="0"/>
-                <a:t>Treino</a:t>
+                <a:rPr lang="pt-BR" sz="1200" dirty="0" smtClean="0">
+                  <a:latin typeface="Times New Roman" panose="02020603050405020304" pitchFamily="18" charset="0"/>
+                  <a:cs typeface="Times New Roman" panose="02020603050405020304" pitchFamily="18" charset="0"/>
+                </a:rPr>
+                <a:t>Base de dados com característica cronológica</a:t>
               </a:r>
-              <a:endParaRPr lang="pt-BR" sz="2000" dirty="0"/>
+              <a:endParaRPr lang="pt-BR" sz="1200" dirty="0">
+                <a:latin typeface="Times New Roman" panose="02020603050405020304" pitchFamily="18" charset="0"/>
+                <a:cs typeface="Times New Roman" panose="02020603050405020304" pitchFamily="18" charset="0"/>
+              </a:endParaRPr>
             </a:p>
           </p:txBody>
         </p:sp>
+        <p:grpSp>
+          <p:nvGrpSpPr>
+            <p:cNvPr id="72" name="Agrupar 71"/>
+            <p:cNvGrpSpPr/>
+            <p:nvPr/>
+          </p:nvGrpSpPr>
+          <p:grpSpPr>
+            <a:xfrm>
+              <a:off x="5164815" y="1716382"/>
+              <a:ext cx="3455998" cy="574127"/>
+              <a:chOff x="1847848" y="1405547"/>
+              <a:chExt cx="4320002" cy="1133796"/>
+            </a:xfrm>
+          </p:grpSpPr>
+          <p:sp>
+            <p:nvSpPr>
+              <p:cNvPr id="110" name="Retângulo 109"/>
+              <p:cNvSpPr/>
+              <p:nvPr/>
+            </p:nvSpPr>
+            <p:spPr>
+              <a:xfrm>
+                <a:off x="1847848" y="1849581"/>
+                <a:ext cx="3600001" cy="540290"/>
+              </a:xfrm>
+              <a:prstGeom prst="rect">
+                <a:avLst/>
+              </a:prstGeom>
+              <a:noFill/>
+              <a:ln>
+                <a:solidFill>
+                  <a:schemeClr val="tx1"/>
+                </a:solidFill>
+              </a:ln>
+            </p:spPr>
+            <p:style>
+              <a:lnRef idx="2">
+                <a:schemeClr val="accent1">
+                  <a:shade val="50000"/>
+                </a:schemeClr>
+              </a:lnRef>
+              <a:fillRef idx="1">
+                <a:schemeClr val="accent1"/>
+              </a:fillRef>
+              <a:effectRef idx="0">
+                <a:schemeClr val="accent1"/>
+              </a:effectRef>
+              <a:fontRef idx="minor">
+                <a:schemeClr val="lt1"/>
+              </a:fontRef>
+            </p:style>
+            <p:txBody>
+              <a:bodyPr rtlCol="0" anchor="ctr"/>
+              <a:lstStyle/>
+              <a:p>
+                <a:pPr algn="ctr"/>
+                <a:endParaRPr lang="pt-BR" sz="1200">
+                  <a:latin typeface="Times New Roman" panose="02020603050405020304" pitchFamily="18" charset="0"/>
+                  <a:cs typeface="Times New Roman" panose="02020603050405020304" pitchFamily="18" charset="0"/>
+                </a:endParaRPr>
+              </a:p>
+            </p:txBody>
+          </p:sp>
+          <p:sp>
+            <p:nvSpPr>
+              <p:cNvPr id="111" name="Retângulo 110"/>
+              <p:cNvSpPr/>
+              <p:nvPr/>
+            </p:nvSpPr>
+            <p:spPr>
+              <a:xfrm>
+                <a:off x="5447851" y="1846998"/>
+                <a:ext cx="719999" cy="512777"/>
+              </a:xfrm>
+              <a:prstGeom prst="rect">
+                <a:avLst/>
+              </a:prstGeom>
+              <a:noFill/>
+              <a:ln>
+                <a:solidFill>
+                  <a:schemeClr val="tx1"/>
+                </a:solidFill>
+              </a:ln>
+            </p:spPr>
+            <p:style>
+              <a:lnRef idx="2">
+                <a:schemeClr val="accent1">
+                  <a:shade val="50000"/>
+                </a:schemeClr>
+              </a:lnRef>
+              <a:fillRef idx="1">
+                <a:schemeClr val="accent1"/>
+              </a:fillRef>
+              <a:effectRef idx="0">
+                <a:schemeClr val="accent1"/>
+              </a:effectRef>
+              <a:fontRef idx="minor">
+                <a:schemeClr val="lt1"/>
+              </a:fontRef>
+            </p:style>
+            <p:txBody>
+              <a:bodyPr rtlCol="0" anchor="ctr"/>
+              <a:lstStyle/>
+              <a:p>
+                <a:pPr algn="ctr"/>
+                <a:endParaRPr lang="pt-BR" sz="1200">
+                  <a:latin typeface="Times New Roman" panose="02020603050405020304" pitchFamily="18" charset="0"/>
+                  <a:cs typeface="Times New Roman" panose="02020603050405020304" pitchFamily="18" charset="0"/>
+                </a:endParaRPr>
+              </a:p>
+            </p:txBody>
+          </p:sp>
+          <p:sp>
+            <p:nvSpPr>
+              <p:cNvPr id="112" name="Retângulo 111"/>
+              <p:cNvSpPr/>
+              <p:nvPr/>
+            </p:nvSpPr>
+            <p:spPr>
+              <a:xfrm>
+                <a:off x="1847849" y="1999342"/>
+                <a:ext cx="3600000" cy="540000"/>
+              </a:xfrm>
+              <a:prstGeom prst="rect">
+                <a:avLst/>
+              </a:prstGeom>
+            </p:spPr>
+            <p:style>
+              <a:lnRef idx="2">
+                <a:schemeClr val="accent6">
+                  <a:shade val="50000"/>
+                </a:schemeClr>
+              </a:lnRef>
+              <a:fillRef idx="1">
+                <a:schemeClr val="accent6"/>
+              </a:fillRef>
+              <a:effectRef idx="0">
+                <a:schemeClr val="accent6"/>
+              </a:effectRef>
+              <a:fontRef idx="minor">
+                <a:schemeClr val="lt1"/>
+              </a:fontRef>
+            </p:style>
+            <p:txBody>
+              <a:bodyPr rtlCol="0" anchor="ctr"/>
+              <a:lstStyle/>
+              <a:p>
+                <a:pPr algn="ctr"/>
+                <a:r>
+                  <a:rPr lang="pt-BR" sz="1200" dirty="0" smtClean="0">
+                    <a:latin typeface="Times New Roman" panose="02020603050405020304" pitchFamily="18" charset="0"/>
+                    <a:cs typeface="Times New Roman" panose="02020603050405020304" pitchFamily="18" charset="0"/>
+                  </a:rPr>
+                  <a:t>Treino</a:t>
+                </a:r>
+                <a:endParaRPr lang="pt-BR" sz="1200" dirty="0">
+                  <a:latin typeface="Times New Roman" panose="02020603050405020304" pitchFamily="18" charset="0"/>
+                  <a:cs typeface="Times New Roman" panose="02020603050405020304" pitchFamily="18" charset="0"/>
+                </a:endParaRPr>
+              </a:p>
+            </p:txBody>
+          </p:sp>
+          <p:sp>
+            <p:nvSpPr>
+              <p:cNvPr id="113" name="Retângulo 112"/>
+              <p:cNvSpPr/>
+              <p:nvPr/>
+            </p:nvSpPr>
+            <p:spPr>
+              <a:xfrm>
+                <a:off x="5447849" y="1999343"/>
+                <a:ext cx="720000" cy="540000"/>
+              </a:xfrm>
+              <a:prstGeom prst="rect">
+                <a:avLst/>
+              </a:prstGeom>
+            </p:spPr>
+            <p:style>
+              <a:lnRef idx="2">
+                <a:schemeClr val="accent5">
+                  <a:shade val="50000"/>
+                </a:schemeClr>
+              </a:lnRef>
+              <a:fillRef idx="1">
+                <a:schemeClr val="accent5"/>
+              </a:fillRef>
+              <a:effectRef idx="0">
+                <a:schemeClr val="accent5"/>
+              </a:effectRef>
+              <a:fontRef idx="minor">
+                <a:schemeClr val="lt1"/>
+              </a:fontRef>
+            </p:style>
+            <p:txBody>
+              <a:bodyPr rtlCol="0" anchor="ctr"/>
+              <a:lstStyle/>
+              <a:p>
+                <a:pPr algn="ctr"/>
+                <a:r>
+                  <a:rPr lang="pt-BR" sz="1200" dirty="0" smtClean="0">
+                    <a:latin typeface="Times New Roman" panose="02020603050405020304" pitchFamily="18" charset="0"/>
+                    <a:cs typeface="Times New Roman" panose="02020603050405020304" pitchFamily="18" charset="0"/>
+                  </a:rPr>
+                  <a:t>teste</a:t>
+                </a:r>
+                <a:endParaRPr lang="pt-BR" sz="1200" dirty="0">
+                  <a:latin typeface="Times New Roman" panose="02020603050405020304" pitchFamily="18" charset="0"/>
+                  <a:cs typeface="Times New Roman" panose="02020603050405020304" pitchFamily="18" charset="0"/>
+                </a:endParaRPr>
+              </a:p>
+            </p:txBody>
+          </p:sp>
+          <p:sp>
+            <p:nvSpPr>
+              <p:cNvPr id="114" name="CaixaDeTexto 113"/>
+              <p:cNvSpPr txBox="1"/>
+              <p:nvPr/>
+            </p:nvSpPr>
+            <p:spPr>
+              <a:xfrm>
+                <a:off x="3315312" y="1405547"/>
+                <a:ext cx="665071" cy="547022"/>
+              </a:xfrm>
+              <a:prstGeom prst="rect">
+                <a:avLst/>
+              </a:prstGeom>
+              <a:noFill/>
+            </p:spPr>
+            <p:txBody>
+              <a:bodyPr wrap="square" rtlCol="0">
+                <a:spAutoFit/>
+              </a:bodyPr>
+              <a:lstStyle/>
+              <a:p>
+                <a:r>
+                  <a:rPr lang="pt-BR" sz="1200" dirty="0" smtClean="0">
+                    <a:latin typeface="Times New Roman" panose="02020603050405020304" pitchFamily="18" charset="0"/>
+                    <a:cs typeface="Times New Roman" panose="02020603050405020304" pitchFamily="18" charset="0"/>
+                  </a:rPr>
+                  <a:t>50%</a:t>
+                </a:r>
+                <a:endParaRPr lang="pt-BR" sz="1200" dirty="0">
+                  <a:latin typeface="Times New Roman" panose="02020603050405020304" pitchFamily="18" charset="0"/>
+                  <a:cs typeface="Times New Roman" panose="02020603050405020304" pitchFamily="18" charset="0"/>
+                </a:endParaRPr>
+              </a:p>
+            </p:txBody>
+          </p:sp>
+          <p:sp>
+            <p:nvSpPr>
+              <p:cNvPr id="115" name="CaixaDeTexto 114"/>
+              <p:cNvSpPr txBox="1"/>
+              <p:nvPr/>
+            </p:nvSpPr>
+            <p:spPr>
+              <a:xfrm>
+                <a:off x="5491101" y="1410980"/>
+                <a:ext cx="633497" cy="547022"/>
+              </a:xfrm>
+              <a:prstGeom prst="rect">
+                <a:avLst/>
+              </a:prstGeom>
+              <a:noFill/>
+            </p:spPr>
+            <p:txBody>
+              <a:bodyPr wrap="square" rtlCol="0">
+                <a:spAutoFit/>
+              </a:bodyPr>
+              <a:lstStyle/>
+              <a:p>
+                <a:r>
+                  <a:rPr lang="pt-BR" sz="1200" dirty="0" smtClean="0">
+                    <a:latin typeface="Times New Roman" panose="02020603050405020304" pitchFamily="18" charset="0"/>
+                    <a:cs typeface="Times New Roman" panose="02020603050405020304" pitchFamily="18" charset="0"/>
+                  </a:rPr>
+                  <a:t>10%</a:t>
+                </a:r>
+                <a:endParaRPr lang="pt-BR" sz="1200" dirty="0">
+                  <a:latin typeface="Times New Roman" panose="02020603050405020304" pitchFamily="18" charset="0"/>
+                  <a:cs typeface="Times New Roman" panose="02020603050405020304" pitchFamily="18" charset="0"/>
+                </a:endParaRPr>
+              </a:p>
+            </p:txBody>
+          </p:sp>
+        </p:grpSp>
+        <p:grpSp>
+          <p:nvGrpSpPr>
+            <p:cNvPr id="74" name="Agrupar 73"/>
+            <p:cNvGrpSpPr/>
+            <p:nvPr/>
+          </p:nvGrpSpPr>
+          <p:grpSpPr>
+            <a:xfrm>
+              <a:off x="5164810" y="2261668"/>
+              <a:ext cx="4032002" cy="574127"/>
+              <a:chOff x="1127842" y="1405547"/>
+              <a:chExt cx="5040008" cy="1133796"/>
+            </a:xfrm>
+          </p:grpSpPr>
+          <p:sp>
+            <p:nvSpPr>
+              <p:cNvPr id="104" name="Retângulo 103"/>
+              <p:cNvSpPr/>
+              <p:nvPr/>
+            </p:nvSpPr>
+            <p:spPr>
+              <a:xfrm>
+                <a:off x="1127842" y="1832323"/>
+                <a:ext cx="4320007" cy="550024"/>
+              </a:xfrm>
+              <a:prstGeom prst="rect">
+                <a:avLst/>
+              </a:prstGeom>
+              <a:noFill/>
+              <a:ln>
+                <a:solidFill>
+                  <a:schemeClr val="tx1"/>
+                </a:solidFill>
+              </a:ln>
+            </p:spPr>
+            <p:style>
+              <a:lnRef idx="2">
+                <a:schemeClr val="accent1">
+                  <a:shade val="50000"/>
+                </a:schemeClr>
+              </a:lnRef>
+              <a:fillRef idx="1">
+                <a:schemeClr val="accent1"/>
+              </a:fillRef>
+              <a:effectRef idx="0">
+                <a:schemeClr val="accent1"/>
+              </a:effectRef>
+              <a:fontRef idx="minor">
+                <a:schemeClr val="lt1"/>
+              </a:fontRef>
+            </p:style>
+            <p:txBody>
+              <a:bodyPr rtlCol="0" anchor="ctr"/>
+              <a:lstStyle/>
+              <a:p>
+                <a:pPr algn="ctr"/>
+                <a:endParaRPr lang="pt-BR" sz="1200">
+                  <a:latin typeface="Times New Roman" panose="02020603050405020304" pitchFamily="18" charset="0"/>
+                  <a:cs typeface="Times New Roman" panose="02020603050405020304" pitchFamily="18" charset="0"/>
+                </a:endParaRPr>
+              </a:p>
+            </p:txBody>
+          </p:sp>
+          <p:sp>
+            <p:nvSpPr>
+              <p:cNvPr id="105" name="Retângulo 104"/>
+              <p:cNvSpPr/>
+              <p:nvPr/>
+            </p:nvSpPr>
+            <p:spPr>
+              <a:xfrm>
+                <a:off x="5447850" y="1834906"/>
+                <a:ext cx="720000" cy="491011"/>
+              </a:xfrm>
+              <a:prstGeom prst="rect">
+                <a:avLst/>
+              </a:prstGeom>
+              <a:noFill/>
+              <a:ln>
+                <a:solidFill>
+                  <a:schemeClr val="tx1"/>
+                </a:solidFill>
+              </a:ln>
+            </p:spPr>
+            <p:style>
+              <a:lnRef idx="2">
+                <a:schemeClr val="accent1">
+                  <a:shade val="50000"/>
+                </a:schemeClr>
+              </a:lnRef>
+              <a:fillRef idx="1">
+                <a:schemeClr val="accent1"/>
+              </a:fillRef>
+              <a:effectRef idx="0">
+                <a:schemeClr val="accent1"/>
+              </a:effectRef>
+              <a:fontRef idx="minor">
+                <a:schemeClr val="lt1"/>
+              </a:fontRef>
+            </p:style>
+            <p:txBody>
+              <a:bodyPr rtlCol="0" anchor="ctr"/>
+              <a:lstStyle/>
+              <a:p>
+                <a:pPr algn="ctr"/>
+                <a:endParaRPr lang="pt-BR" sz="1200">
+                  <a:latin typeface="Times New Roman" panose="02020603050405020304" pitchFamily="18" charset="0"/>
+                  <a:cs typeface="Times New Roman" panose="02020603050405020304" pitchFamily="18" charset="0"/>
+                </a:endParaRPr>
+              </a:p>
+            </p:txBody>
+          </p:sp>
+          <p:sp>
+            <p:nvSpPr>
+              <p:cNvPr id="106" name="Retângulo 105"/>
+              <p:cNvSpPr/>
+              <p:nvPr/>
+            </p:nvSpPr>
+            <p:spPr>
+              <a:xfrm>
+                <a:off x="1127843" y="1999341"/>
+                <a:ext cx="4320007" cy="540000"/>
+              </a:xfrm>
+              <a:prstGeom prst="rect">
+                <a:avLst/>
+              </a:prstGeom>
+            </p:spPr>
+            <p:style>
+              <a:lnRef idx="2">
+                <a:schemeClr val="accent6">
+                  <a:shade val="50000"/>
+                </a:schemeClr>
+              </a:lnRef>
+              <a:fillRef idx="1">
+                <a:schemeClr val="accent6"/>
+              </a:fillRef>
+              <a:effectRef idx="0">
+                <a:schemeClr val="accent6"/>
+              </a:effectRef>
+              <a:fontRef idx="minor">
+                <a:schemeClr val="lt1"/>
+              </a:fontRef>
+            </p:style>
+            <p:txBody>
+              <a:bodyPr rtlCol="0" anchor="ctr"/>
+              <a:lstStyle/>
+              <a:p>
+                <a:pPr algn="ctr"/>
+                <a:r>
+                  <a:rPr lang="pt-BR" sz="1200" dirty="0" smtClean="0">
+                    <a:latin typeface="Times New Roman" panose="02020603050405020304" pitchFamily="18" charset="0"/>
+                    <a:cs typeface="Times New Roman" panose="02020603050405020304" pitchFamily="18" charset="0"/>
+                  </a:rPr>
+                  <a:t>Treino</a:t>
+                </a:r>
+                <a:endParaRPr lang="pt-BR" sz="1200" dirty="0">
+                  <a:latin typeface="Times New Roman" panose="02020603050405020304" pitchFamily="18" charset="0"/>
+                  <a:cs typeface="Times New Roman" panose="02020603050405020304" pitchFamily="18" charset="0"/>
+                </a:endParaRPr>
+              </a:p>
+            </p:txBody>
+          </p:sp>
+          <p:sp>
+            <p:nvSpPr>
+              <p:cNvPr id="107" name="Retângulo 106"/>
+              <p:cNvSpPr/>
+              <p:nvPr/>
+            </p:nvSpPr>
+            <p:spPr>
+              <a:xfrm>
+                <a:off x="5447849" y="1999343"/>
+                <a:ext cx="720000" cy="540000"/>
+              </a:xfrm>
+              <a:prstGeom prst="rect">
+                <a:avLst/>
+              </a:prstGeom>
+            </p:spPr>
+            <p:style>
+              <a:lnRef idx="2">
+                <a:schemeClr val="accent5">
+                  <a:shade val="50000"/>
+                </a:schemeClr>
+              </a:lnRef>
+              <a:fillRef idx="1">
+                <a:schemeClr val="accent5"/>
+              </a:fillRef>
+              <a:effectRef idx="0">
+                <a:schemeClr val="accent5"/>
+              </a:effectRef>
+              <a:fontRef idx="minor">
+                <a:schemeClr val="lt1"/>
+              </a:fontRef>
+            </p:style>
+            <p:txBody>
+              <a:bodyPr rtlCol="0" anchor="ctr"/>
+              <a:lstStyle/>
+              <a:p>
+                <a:pPr algn="ctr"/>
+                <a:r>
+                  <a:rPr lang="pt-BR" sz="1200" dirty="0" smtClean="0">
+                    <a:latin typeface="Times New Roman" panose="02020603050405020304" pitchFamily="18" charset="0"/>
+                    <a:cs typeface="Times New Roman" panose="02020603050405020304" pitchFamily="18" charset="0"/>
+                  </a:rPr>
+                  <a:t>teste</a:t>
+                </a:r>
+                <a:endParaRPr lang="pt-BR" sz="1200" dirty="0">
+                  <a:latin typeface="Times New Roman" panose="02020603050405020304" pitchFamily="18" charset="0"/>
+                  <a:cs typeface="Times New Roman" panose="02020603050405020304" pitchFamily="18" charset="0"/>
+                </a:endParaRPr>
+              </a:p>
+            </p:txBody>
+          </p:sp>
+          <p:sp>
+            <p:nvSpPr>
+              <p:cNvPr id="108" name="CaixaDeTexto 107"/>
+              <p:cNvSpPr txBox="1"/>
+              <p:nvPr/>
+            </p:nvSpPr>
+            <p:spPr>
+              <a:xfrm>
+                <a:off x="3315312" y="1405547"/>
+                <a:ext cx="665071" cy="547022"/>
+              </a:xfrm>
+              <a:prstGeom prst="rect">
+                <a:avLst/>
+              </a:prstGeom>
+              <a:noFill/>
+            </p:spPr>
+            <p:txBody>
+              <a:bodyPr wrap="square" rtlCol="0">
+                <a:spAutoFit/>
+              </a:bodyPr>
+              <a:lstStyle/>
+              <a:p>
+                <a:r>
+                  <a:rPr lang="pt-BR" sz="1200" dirty="0">
+                    <a:latin typeface="Times New Roman" panose="02020603050405020304" pitchFamily="18" charset="0"/>
+                    <a:cs typeface="Times New Roman" panose="02020603050405020304" pitchFamily="18" charset="0"/>
+                  </a:rPr>
+                  <a:t>6</a:t>
+                </a:r>
+                <a:r>
+                  <a:rPr lang="pt-BR" sz="1200" dirty="0" smtClean="0">
+                    <a:latin typeface="Times New Roman" panose="02020603050405020304" pitchFamily="18" charset="0"/>
+                    <a:cs typeface="Times New Roman" panose="02020603050405020304" pitchFamily="18" charset="0"/>
+                  </a:rPr>
+                  <a:t>0</a:t>
+                </a:r>
+                <a:r>
+                  <a:rPr lang="pt-BR" sz="1200" dirty="0" smtClean="0">
+                    <a:latin typeface="Times New Roman" panose="02020603050405020304" pitchFamily="18" charset="0"/>
+                    <a:cs typeface="Times New Roman" panose="02020603050405020304" pitchFamily="18" charset="0"/>
+                  </a:rPr>
+                  <a:t>%</a:t>
+                </a:r>
+                <a:endParaRPr lang="pt-BR" sz="1200" dirty="0">
+                  <a:latin typeface="Times New Roman" panose="02020603050405020304" pitchFamily="18" charset="0"/>
+                  <a:cs typeface="Times New Roman" panose="02020603050405020304" pitchFamily="18" charset="0"/>
+                </a:endParaRPr>
+              </a:p>
+            </p:txBody>
+          </p:sp>
+          <p:sp>
+            <p:nvSpPr>
+              <p:cNvPr id="109" name="CaixaDeTexto 108"/>
+              <p:cNvSpPr txBox="1"/>
+              <p:nvPr/>
+            </p:nvSpPr>
+            <p:spPr>
+              <a:xfrm>
+                <a:off x="5491101" y="1410980"/>
+                <a:ext cx="633497" cy="547022"/>
+              </a:xfrm>
+              <a:prstGeom prst="rect">
+                <a:avLst/>
+              </a:prstGeom>
+              <a:noFill/>
+            </p:spPr>
+            <p:txBody>
+              <a:bodyPr wrap="square" rtlCol="0">
+                <a:spAutoFit/>
+              </a:bodyPr>
+              <a:lstStyle/>
+              <a:p>
+                <a:r>
+                  <a:rPr lang="pt-BR" sz="1200" dirty="0" smtClean="0">
+                    <a:latin typeface="Times New Roman" panose="02020603050405020304" pitchFamily="18" charset="0"/>
+                    <a:cs typeface="Times New Roman" panose="02020603050405020304" pitchFamily="18" charset="0"/>
+                  </a:rPr>
+                  <a:t>10%</a:t>
+                </a:r>
+                <a:endParaRPr lang="pt-BR" sz="1200" dirty="0">
+                  <a:latin typeface="Times New Roman" panose="02020603050405020304" pitchFamily="18" charset="0"/>
+                  <a:cs typeface="Times New Roman" panose="02020603050405020304" pitchFamily="18" charset="0"/>
+                </a:endParaRPr>
+              </a:p>
+            </p:txBody>
+          </p:sp>
+        </p:grpSp>
         <p:sp>
           <p:nvSpPr>
-            <p:cNvPr id="37" name="Retângulo 36"/>
+            <p:cNvPr id="75" name="Retângulo 74"/>
             <p:cNvSpPr/>
             <p:nvPr/>
           </p:nvSpPr>
           <p:spPr>
             <a:xfrm>
-              <a:off x="5447849" y="1999343"/>
-              <a:ext cx="720000" cy="540000"/>
+              <a:off x="5164810" y="3107401"/>
+              <a:ext cx="1152002" cy="274758"/>
             </a:xfrm>
             <a:prstGeom prst="rect">
               <a:avLst/>
@@ -9148,15 +11350,15 @@
           </p:spPr>
           <p:style>
             <a:lnRef idx="2">
-              <a:schemeClr val="accent5">
+              <a:schemeClr val="accent1">
                 <a:shade val="50000"/>
               </a:schemeClr>
             </a:lnRef>
             <a:fillRef idx="1">
-              <a:schemeClr val="accent5"/>
+              <a:schemeClr val="accent1"/>
             </a:fillRef>
             <a:effectRef idx="0">
-              <a:schemeClr val="accent5"/>
+              <a:schemeClr val="accent1"/>
             </a:effectRef>
             <a:fontRef idx="minor">
               <a:schemeClr val="lt1"/>
@@ -9167,24 +11369,1135 @@
             <a:lstStyle/>
             <a:p>
               <a:pPr algn="ctr"/>
-              <a:r>
-                <a:rPr lang="pt-BR" sz="2000" dirty="0" smtClean="0"/>
-                <a:t>teste</a:t>
-              </a:r>
-              <a:endParaRPr lang="pt-BR" sz="2000" dirty="0"/>
+              <a:endParaRPr lang="pt-BR" sz="1200">
+                <a:latin typeface="Times New Roman" panose="02020603050405020304" pitchFamily="18" charset="0"/>
+                <a:cs typeface="Times New Roman" panose="02020603050405020304" pitchFamily="18" charset="0"/>
+              </a:endParaRPr>
+            </a:p>
+          </p:txBody>
+        </p:sp>
+        <p:grpSp>
+          <p:nvGrpSpPr>
+            <p:cNvPr id="76" name="Agrupar 75"/>
+            <p:cNvGrpSpPr/>
+            <p:nvPr/>
+          </p:nvGrpSpPr>
+          <p:grpSpPr>
+            <a:xfrm>
+              <a:off x="5164808" y="2806725"/>
+              <a:ext cx="4608004" cy="574127"/>
+              <a:chOff x="407839" y="1405547"/>
+              <a:chExt cx="5760011" cy="1133796"/>
+            </a:xfrm>
+          </p:grpSpPr>
+          <p:sp>
+            <p:nvSpPr>
+              <p:cNvPr id="98" name="Retângulo 97"/>
+              <p:cNvSpPr/>
+              <p:nvPr/>
+            </p:nvSpPr>
+            <p:spPr>
+              <a:xfrm>
+                <a:off x="407839" y="1824477"/>
+                <a:ext cx="5040010" cy="555048"/>
+              </a:xfrm>
+              <a:prstGeom prst="rect">
+                <a:avLst/>
+              </a:prstGeom>
+              <a:noFill/>
+              <a:ln>
+                <a:solidFill>
+                  <a:schemeClr val="tx1"/>
+                </a:solidFill>
+              </a:ln>
+            </p:spPr>
+            <p:style>
+              <a:lnRef idx="2">
+                <a:schemeClr val="accent1">
+                  <a:shade val="50000"/>
+                </a:schemeClr>
+              </a:lnRef>
+              <a:fillRef idx="1">
+                <a:schemeClr val="accent1"/>
+              </a:fillRef>
+              <a:effectRef idx="0">
+                <a:schemeClr val="accent1"/>
+              </a:effectRef>
+              <a:fontRef idx="minor">
+                <a:schemeClr val="lt1"/>
+              </a:fontRef>
+            </p:style>
+            <p:txBody>
+              <a:bodyPr rtlCol="0" anchor="ctr"/>
+              <a:lstStyle/>
+              <a:p>
+                <a:pPr algn="ctr"/>
+                <a:endParaRPr lang="pt-BR" sz="1200">
+                  <a:latin typeface="Times New Roman" panose="02020603050405020304" pitchFamily="18" charset="0"/>
+                  <a:cs typeface="Times New Roman" panose="02020603050405020304" pitchFamily="18" charset="0"/>
+                </a:endParaRPr>
+              </a:p>
+            </p:txBody>
+          </p:sp>
+          <p:sp>
+            <p:nvSpPr>
+              <p:cNvPr id="99" name="Retângulo 98"/>
+              <p:cNvSpPr/>
+              <p:nvPr/>
+            </p:nvSpPr>
+            <p:spPr>
+              <a:xfrm>
+                <a:off x="5447851" y="1827101"/>
+                <a:ext cx="719999" cy="442385"/>
+              </a:xfrm>
+              <a:prstGeom prst="rect">
+                <a:avLst/>
+              </a:prstGeom>
+              <a:noFill/>
+              <a:ln>
+                <a:solidFill>
+                  <a:schemeClr val="tx1"/>
+                </a:solidFill>
+              </a:ln>
+            </p:spPr>
+            <p:style>
+              <a:lnRef idx="2">
+                <a:schemeClr val="accent1">
+                  <a:shade val="50000"/>
+                </a:schemeClr>
+              </a:lnRef>
+              <a:fillRef idx="1">
+                <a:schemeClr val="accent1"/>
+              </a:fillRef>
+              <a:effectRef idx="0">
+                <a:schemeClr val="accent1"/>
+              </a:effectRef>
+              <a:fontRef idx="minor">
+                <a:schemeClr val="lt1"/>
+              </a:fontRef>
+            </p:style>
+            <p:txBody>
+              <a:bodyPr rtlCol="0" anchor="ctr"/>
+              <a:lstStyle/>
+              <a:p>
+                <a:pPr algn="ctr"/>
+                <a:endParaRPr lang="pt-BR" sz="1200">
+                  <a:latin typeface="Times New Roman" panose="02020603050405020304" pitchFamily="18" charset="0"/>
+                  <a:cs typeface="Times New Roman" panose="02020603050405020304" pitchFamily="18" charset="0"/>
+                </a:endParaRPr>
+              </a:p>
+            </p:txBody>
+          </p:sp>
+          <p:sp>
+            <p:nvSpPr>
+              <p:cNvPr id="100" name="Retângulo 99"/>
+              <p:cNvSpPr/>
+              <p:nvPr/>
+            </p:nvSpPr>
+            <p:spPr>
+              <a:xfrm>
+                <a:off x="407840" y="1999341"/>
+                <a:ext cx="5040010" cy="540000"/>
+              </a:xfrm>
+              <a:prstGeom prst="rect">
+                <a:avLst/>
+              </a:prstGeom>
+            </p:spPr>
+            <p:style>
+              <a:lnRef idx="2">
+                <a:schemeClr val="accent6">
+                  <a:shade val="50000"/>
+                </a:schemeClr>
+              </a:lnRef>
+              <a:fillRef idx="1">
+                <a:schemeClr val="accent6"/>
+              </a:fillRef>
+              <a:effectRef idx="0">
+                <a:schemeClr val="accent6"/>
+              </a:effectRef>
+              <a:fontRef idx="minor">
+                <a:schemeClr val="lt1"/>
+              </a:fontRef>
+            </p:style>
+            <p:txBody>
+              <a:bodyPr rtlCol="0" anchor="ctr"/>
+              <a:lstStyle/>
+              <a:p>
+                <a:pPr algn="ctr"/>
+                <a:r>
+                  <a:rPr lang="pt-BR" sz="1200" dirty="0" smtClean="0">
+                    <a:latin typeface="Times New Roman" panose="02020603050405020304" pitchFamily="18" charset="0"/>
+                    <a:cs typeface="Times New Roman" panose="02020603050405020304" pitchFamily="18" charset="0"/>
+                  </a:rPr>
+                  <a:t>Treino</a:t>
+                </a:r>
+                <a:endParaRPr lang="pt-BR" sz="1200" dirty="0">
+                  <a:latin typeface="Times New Roman" panose="02020603050405020304" pitchFamily="18" charset="0"/>
+                  <a:cs typeface="Times New Roman" panose="02020603050405020304" pitchFamily="18" charset="0"/>
+                </a:endParaRPr>
+              </a:p>
+            </p:txBody>
+          </p:sp>
+          <p:sp>
+            <p:nvSpPr>
+              <p:cNvPr id="101" name="Retângulo 100"/>
+              <p:cNvSpPr/>
+              <p:nvPr/>
+            </p:nvSpPr>
+            <p:spPr>
+              <a:xfrm>
+                <a:off x="5447849" y="1999343"/>
+                <a:ext cx="720000" cy="540000"/>
+              </a:xfrm>
+              <a:prstGeom prst="rect">
+                <a:avLst/>
+              </a:prstGeom>
+            </p:spPr>
+            <p:style>
+              <a:lnRef idx="2">
+                <a:schemeClr val="accent5">
+                  <a:shade val="50000"/>
+                </a:schemeClr>
+              </a:lnRef>
+              <a:fillRef idx="1">
+                <a:schemeClr val="accent5"/>
+              </a:fillRef>
+              <a:effectRef idx="0">
+                <a:schemeClr val="accent5"/>
+              </a:effectRef>
+              <a:fontRef idx="minor">
+                <a:schemeClr val="lt1"/>
+              </a:fontRef>
+            </p:style>
+            <p:txBody>
+              <a:bodyPr rtlCol="0" anchor="ctr"/>
+              <a:lstStyle/>
+              <a:p>
+                <a:pPr algn="ctr"/>
+                <a:r>
+                  <a:rPr lang="pt-BR" sz="1200" dirty="0" smtClean="0">
+                    <a:latin typeface="Times New Roman" panose="02020603050405020304" pitchFamily="18" charset="0"/>
+                    <a:cs typeface="Times New Roman" panose="02020603050405020304" pitchFamily="18" charset="0"/>
+                  </a:rPr>
+                  <a:t>teste</a:t>
+                </a:r>
+                <a:endParaRPr lang="pt-BR" sz="1200" dirty="0">
+                  <a:latin typeface="Times New Roman" panose="02020603050405020304" pitchFamily="18" charset="0"/>
+                  <a:cs typeface="Times New Roman" panose="02020603050405020304" pitchFamily="18" charset="0"/>
+                </a:endParaRPr>
+              </a:p>
+            </p:txBody>
+          </p:sp>
+          <p:sp>
+            <p:nvSpPr>
+              <p:cNvPr id="102" name="CaixaDeTexto 101"/>
+              <p:cNvSpPr txBox="1"/>
+              <p:nvPr/>
+            </p:nvSpPr>
+            <p:spPr>
+              <a:xfrm>
+                <a:off x="3315312" y="1405547"/>
+                <a:ext cx="665071" cy="547022"/>
+              </a:xfrm>
+              <a:prstGeom prst="rect">
+                <a:avLst/>
+              </a:prstGeom>
+              <a:noFill/>
+            </p:spPr>
+            <p:txBody>
+              <a:bodyPr wrap="square" rtlCol="0">
+                <a:spAutoFit/>
+              </a:bodyPr>
+              <a:lstStyle/>
+              <a:p>
+                <a:r>
+                  <a:rPr lang="pt-BR" sz="1200" dirty="0">
+                    <a:latin typeface="Times New Roman" panose="02020603050405020304" pitchFamily="18" charset="0"/>
+                    <a:cs typeface="Times New Roman" panose="02020603050405020304" pitchFamily="18" charset="0"/>
+                  </a:rPr>
+                  <a:t>7</a:t>
+                </a:r>
+                <a:r>
+                  <a:rPr lang="pt-BR" sz="1200" dirty="0" smtClean="0">
+                    <a:latin typeface="Times New Roman" panose="02020603050405020304" pitchFamily="18" charset="0"/>
+                    <a:cs typeface="Times New Roman" panose="02020603050405020304" pitchFamily="18" charset="0"/>
+                  </a:rPr>
+                  <a:t>0</a:t>
+                </a:r>
+                <a:r>
+                  <a:rPr lang="pt-BR" sz="1200" dirty="0" smtClean="0">
+                    <a:latin typeface="Times New Roman" panose="02020603050405020304" pitchFamily="18" charset="0"/>
+                    <a:cs typeface="Times New Roman" panose="02020603050405020304" pitchFamily="18" charset="0"/>
+                  </a:rPr>
+                  <a:t>%</a:t>
+                </a:r>
+                <a:endParaRPr lang="pt-BR" sz="1200" dirty="0">
+                  <a:latin typeface="Times New Roman" panose="02020603050405020304" pitchFamily="18" charset="0"/>
+                  <a:cs typeface="Times New Roman" panose="02020603050405020304" pitchFamily="18" charset="0"/>
+                </a:endParaRPr>
+              </a:p>
+            </p:txBody>
+          </p:sp>
+          <p:sp>
+            <p:nvSpPr>
+              <p:cNvPr id="103" name="CaixaDeTexto 102"/>
+              <p:cNvSpPr txBox="1"/>
+              <p:nvPr/>
+            </p:nvSpPr>
+            <p:spPr>
+              <a:xfrm>
+                <a:off x="5491101" y="1410980"/>
+                <a:ext cx="633497" cy="547022"/>
+              </a:xfrm>
+              <a:prstGeom prst="rect">
+                <a:avLst/>
+              </a:prstGeom>
+              <a:noFill/>
+            </p:spPr>
+            <p:txBody>
+              <a:bodyPr wrap="square" rtlCol="0">
+                <a:spAutoFit/>
+              </a:bodyPr>
+              <a:lstStyle/>
+              <a:p>
+                <a:r>
+                  <a:rPr lang="pt-BR" sz="1200" dirty="0" smtClean="0">
+                    <a:latin typeface="Times New Roman" panose="02020603050405020304" pitchFamily="18" charset="0"/>
+                    <a:cs typeface="Times New Roman" panose="02020603050405020304" pitchFamily="18" charset="0"/>
+                  </a:rPr>
+                  <a:t>10%</a:t>
+                </a:r>
+                <a:endParaRPr lang="pt-BR" sz="1200" dirty="0">
+                  <a:latin typeface="Times New Roman" panose="02020603050405020304" pitchFamily="18" charset="0"/>
+                  <a:cs typeface="Times New Roman" panose="02020603050405020304" pitchFamily="18" charset="0"/>
+                </a:endParaRPr>
+              </a:p>
+            </p:txBody>
+          </p:sp>
+        </p:grpSp>
+        <p:sp>
+          <p:nvSpPr>
+            <p:cNvPr id="77" name="Retângulo 76"/>
+            <p:cNvSpPr/>
+            <p:nvPr/>
+          </p:nvSpPr>
+          <p:spPr>
+            <a:xfrm>
+              <a:off x="5164812" y="3650614"/>
+              <a:ext cx="1727990" cy="273443"/>
+            </a:xfrm>
+            <a:prstGeom prst="rect">
+              <a:avLst/>
+            </a:prstGeom>
+          </p:spPr>
+          <p:style>
+            <a:lnRef idx="2">
+              <a:schemeClr val="accent1">
+                <a:shade val="50000"/>
+              </a:schemeClr>
+            </a:lnRef>
+            <a:fillRef idx="1">
+              <a:schemeClr val="accent1"/>
+            </a:fillRef>
+            <a:effectRef idx="0">
+              <a:schemeClr val="accent1"/>
+            </a:effectRef>
+            <a:fontRef idx="minor">
+              <a:schemeClr val="lt1"/>
+            </a:fontRef>
+          </p:style>
+          <p:txBody>
+            <a:bodyPr rtlCol="0" anchor="ctr"/>
+            <a:lstStyle/>
+            <a:p>
+              <a:pPr algn="ctr"/>
+              <a:endParaRPr lang="pt-BR" sz="1200">
+                <a:latin typeface="Times New Roman" panose="02020603050405020304" pitchFamily="18" charset="0"/>
+                <a:cs typeface="Times New Roman" panose="02020603050405020304" pitchFamily="18" charset="0"/>
+              </a:endParaRPr>
+            </a:p>
+          </p:txBody>
+        </p:sp>
+        <p:grpSp>
+          <p:nvGrpSpPr>
+            <p:cNvPr id="78" name="Agrupar 77"/>
+            <p:cNvGrpSpPr/>
+            <p:nvPr/>
+          </p:nvGrpSpPr>
+          <p:grpSpPr>
+            <a:xfrm>
+              <a:off x="5164808" y="3349973"/>
+              <a:ext cx="5183992" cy="574127"/>
+              <a:chOff x="-312146" y="1405547"/>
+              <a:chExt cx="6479996" cy="1133796"/>
+            </a:xfrm>
+          </p:grpSpPr>
+          <p:sp>
+            <p:nvSpPr>
+              <p:cNvPr id="92" name="Retângulo 91"/>
+              <p:cNvSpPr/>
+              <p:nvPr/>
+            </p:nvSpPr>
+            <p:spPr>
+              <a:xfrm>
+                <a:off x="-312146" y="1834533"/>
+                <a:ext cx="5759996" cy="540290"/>
+              </a:xfrm>
+              <a:prstGeom prst="rect">
+                <a:avLst/>
+              </a:prstGeom>
+              <a:noFill/>
+              <a:ln>
+                <a:solidFill>
+                  <a:schemeClr val="tx1"/>
+                </a:solidFill>
+              </a:ln>
+            </p:spPr>
+            <p:style>
+              <a:lnRef idx="2">
+                <a:schemeClr val="accent1">
+                  <a:shade val="50000"/>
+                </a:schemeClr>
+              </a:lnRef>
+              <a:fillRef idx="1">
+                <a:schemeClr val="accent1"/>
+              </a:fillRef>
+              <a:effectRef idx="0">
+                <a:schemeClr val="accent1"/>
+              </a:effectRef>
+              <a:fontRef idx="minor">
+                <a:schemeClr val="lt1"/>
+              </a:fontRef>
+            </p:style>
+            <p:txBody>
+              <a:bodyPr rtlCol="0" anchor="ctr"/>
+              <a:lstStyle/>
+              <a:p>
+                <a:pPr algn="ctr"/>
+                <a:endParaRPr lang="pt-BR" sz="1200">
+                  <a:latin typeface="Times New Roman" panose="02020603050405020304" pitchFamily="18" charset="0"/>
+                  <a:cs typeface="Times New Roman" panose="02020603050405020304" pitchFamily="18" charset="0"/>
+                </a:endParaRPr>
+              </a:p>
+            </p:txBody>
+          </p:sp>
+          <p:sp>
+            <p:nvSpPr>
+              <p:cNvPr id="93" name="Retângulo 92"/>
+              <p:cNvSpPr/>
+              <p:nvPr/>
+            </p:nvSpPr>
+            <p:spPr>
+              <a:xfrm>
+                <a:off x="5447851" y="1832625"/>
+                <a:ext cx="719999" cy="436861"/>
+              </a:xfrm>
+              <a:prstGeom prst="rect">
+                <a:avLst/>
+              </a:prstGeom>
+              <a:noFill/>
+              <a:ln>
+                <a:solidFill>
+                  <a:schemeClr val="tx1"/>
+                </a:solidFill>
+              </a:ln>
+            </p:spPr>
+            <p:style>
+              <a:lnRef idx="2">
+                <a:schemeClr val="accent1">
+                  <a:shade val="50000"/>
+                </a:schemeClr>
+              </a:lnRef>
+              <a:fillRef idx="1">
+                <a:schemeClr val="accent1"/>
+              </a:fillRef>
+              <a:effectRef idx="0">
+                <a:schemeClr val="accent1"/>
+              </a:effectRef>
+              <a:fontRef idx="minor">
+                <a:schemeClr val="lt1"/>
+              </a:fontRef>
+            </p:style>
+            <p:txBody>
+              <a:bodyPr rtlCol="0" anchor="ctr"/>
+              <a:lstStyle/>
+              <a:p>
+                <a:pPr algn="ctr"/>
+                <a:endParaRPr lang="pt-BR" sz="1200">
+                  <a:latin typeface="Times New Roman" panose="02020603050405020304" pitchFamily="18" charset="0"/>
+                  <a:cs typeface="Times New Roman" panose="02020603050405020304" pitchFamily="18" charset="0"/>
+                </a:endParaRPr>
+              </a:p>
+            </p:txBody>
+          </p:sp>
+          <p:sp>
+            <p:nvSpPr>
+              <p:cNvPr id="94" name="Retângulo 93"/>
+              <p:cNvSpPr/>
+              <p:nvPr/>
+            </p:nvSpPr>
+            <p:spPr>
+              <a:xfrm>
+                <a:off x="-312145" y="1999341"/>
+                <a:ext cx="5759996" cy="540000"/>
+              </a:xfrm>
+              <a:prstGeom prst="rect">
+                <a:avLst/>
+              </a:prstGeom>
+            </p:spPr>
+            <p:style>
+              <a:lnRef idx="2">
+                <a:schemeClr val="accent6">
+                  <a:shade val="50000"/>
+                </a:schemeClr>
+              </a:lnRef>
+              <a:fillRef idx="1">
+                <a:schemeClr val="accent6"/>
+              </a:fillRef>
+              <a:effectRef idx="0">
+                <a:schemeClr val="accent6"/>
+              </a:effectRef>
+              <a:fontRef idx="minor">
+                <a:schemeClr val="lt1"/>
+              </a:fontRef>
+            </p:style>
+            <p:txBody>
+              <a:bodyPr rtlCol="0" anchor="ctr"/>
+              <a:lstStyle/>
+              <a:p>
+                <a:pPr algn="ctr"/>
+                <a:r>
+                  <a:rPr lang="pt-BR" sz="1200" dirty="0" smtClean="0">
+                    <a:latin typeface="Times New Roman" panose="02020603050405020304" pitchFamily="18" charset="0"/>
+                    <a:cs typeface="Times New Roman" panose="02020603050405020304" pitchFamily="18" charset="0"/>
+                  </a:rPr>
+                  <a:t>Treino</a:t>
+                </a:r>
+                <a:endParaRPr lang="pt-BR" sz="1200" dirty="0">
+                  <a:latin typeface="Times New Roman" panose="02020603050405020304" pitchFamily="18" charset="0"/>
+                  <a:cs typeface="Times New Roman" panose="02020603050405020304" pitchFamily="18" charset="0"/>
+                </a:endParaRPr>
+              </a:p>
+            </p:txBody>
+          </p:sp>
+          <p:sp>
+            <p:nvSpPr>
+              <p:cNvPr id="95" name="Retângulo 94"/>
+              <p:cNvSpPr/>
+              <p:nvPr/>
+            </p:nvSpPr>
+            <p:spPr>
+              <a:xfrm>
+                <a:off x="5447849" y="1999343"/>
+                <a:ext cx="720000" cy="540000"/>
+              </a:xfrm>
+              <a:prstGeom prst="rect">
+                <a:avLst/>
+              </a:prstGeom>
+            </p:spPr>
+            <p:style>
+              <a:lnRef idx="2">
+                <a:schemeClr val="accent5">
+                  <a:shade val="50000"/>
+                </a:schemeClr>
+              </a:lnRef>
+              <a:fillRef idx="1">
+                <a:schemeClr val="accent5"/>
+              </a:fillRef>
+              <a:effectRef idx="0">
+                <a:schemeClr val="accent5"/>
+              </a:effectRef>
+              <a:fontRef idx="minor">
+                <a:schemeClr val="lt1"/>
+              </a:fontRef>
+            </p:style>
+            <p:txBody>
+              <a:bodyPr rtlCol="0" anchor="ctr"/>
+              <a:lstStyle/>
+              <a:p>
+                <a:pPr algn="ctr"/>
+                <a:r>
+                  <a:rPr lang="pt-BR" sz="1200" dirty="0" smtClean="0">
+                    <a:latin typeface="Times New Roman" panose="02020603050405020304" pitchFamily="18" charset="0"/>
+                    <a:cs typeface="Times New Roman" panose="02020603050405020304" pitchFamily="18" charset="0"/>
+                  </a:rPr>
+                  <a:t>teste</a:t>
+                </a:r>
+                <a:endParaRPr lang="pt-BR" sz="1200" dirty="0">
+                  <a:latin typeface="Times New Roman" panose="02020603050405020304" pitchFamily="18" charset="0"/>
+                  <a:cs typeface="Times New Roman" panose="02020603050405020304" pitchFamily="18" charset="0"/>
+                </a:endParaRPr>
+              </a:p>
+            </p:txBody>
+          </p:sp>
+          <p:sp>
+            <p:nvSpPr>
+              <p:cNvPr id="96" name="CaixaDeTexto 95"/>
+              <p:cNvSpPr txBox="1"/>
+              <p:nvPr/>
+            </p:nvSpPr>
+            <p:spPr>
+              <a:xfrm>
+                <a:off x="3315312" y="1405547"/>
+                <a:ext cx="665071" cy="547022"/>
+              </a:xfrm>
+              <a:prstGeom prst="rect">
+                <a:avLst/>
+              </a:prstGeom>
+              <a:noFill/>
+            </p:spPr>
+            <p:txBody>
+              <a:bodyPr wrap="square" rtlCol="0">
+                <a:spAutoFit/>
+              </a:bodyPr>
+              <a:lstStyle/>
+              <a:p>
+                <a:r>
+                  <a:rPr lang="pt-BR" sz="1200" dirty="0">
+                    <a:latin typeface="Times New Roman" panose="02020603050405020304" pitchFamily="18" charset="0"/>
+                    <a:cs typeface="Times New Roman" panose="02020603050405020304" pitchFamily="18" charset="0"/>
+                  </a:rPr>
+                  <a:t>8</a:t>
+                </a:r>
+                <a:r>
+                  <a:rPr lang="pt-BR" sz="1200" dirty="0" smtClean="0">
+                    <a:latin typeface="Times New Roman" panose="02020603050405020304" pitchFamily="18" charset="0"/>
+                    <a:cs typeface="Times New Roman" panose="02020603050405020304" pitchFamily="18" charset="0"/>
+                  </a:rPr>
+                  <a:t>0</a:t>
+                </a:r>
+                <a:r>
+                  <a:rPr lang="pt-BR" sz="1200" dirty="0" smtClean="0">
+                    <a:latin typeface="Times New Roman" panose="02020603050405020304" pitchFamily="18" charset="0"/>
+                    <a:cs typeface="Times New Roman" panose="02020603050405020304" pitchFamily="18" charset="0"/>
+                  </a:rPr>
+                  <a:t>%</a:t>
+                </a:r>
+                <a:endParaRPr lang="pt-BR" sz="1200" dirty="0">
+                  <a:latin typeface="Times New Roman" panose="02020603050405020304" pitchFamily="18" charset="0"/>
+                  <a:cs typeface="Times New Roman" panose="02020603050405020304" pitchFamily="18" charset="0"/>
+                </a:endParaRPr>
+              </a:p>
+            </p:txBody>
+          </p:sp>
+          <p:sp>
+            <p:nvSpPr>
+              <p:cNvPr id="97" name="CaixaDeTexto 96"/>
+              <p:cNvSpPr txBox="1"/>
+              <p:nvPr/>
+            </p:nvSpPr>
+            <p:spPr>
+              <a:xfrm>
+                <a:off x="5491101" y="1410980"/>
+                <a:ext cx="633497" cy="547022"/>
+              </a:xfrm>
+              <a:prstGeom prst="rect">
+                <a:avLst/>
+              </a:prstGeom>
+              <a:noFill/>
+            </p:spPr>
+            <p:txBody>
+              <a:bodyPr wrap="square" rtlCol="0">
+                <a:spAutoFit/>
+              </a:bodyPr>
+              <a:lstStyle/>
+              <a:p>
+                <a:r>
+                  <a:rPr lang="pt-BR" sz="1200" dirty="0" smtClean="0">
+                    <a:latin typeface="Times New Roman" panose="02020603050405020304" pitchFamily="18" charset="0"/>
+                    <a:cs typeface="Times New Roman" panose="02020603050405020304" pitchFamily="18" charset="0"/>
+                  </a:rPr>
+                  <a:t>10%</a:t>
+                </a:r>
+                <a:endParaRPr lang="pt-BR" sz="1200" dirty="0">
+                  <a:latin typeface="Times New Roman" panose="02020603050405020304" pitchFamily="18" charset="0"/>
+                  <a:cs typeface="Times New Roman" panose="02020603050405020304" pitchFamily="18" charset="0"/>
+                </a:endParaRPr>
+              </a:p>
+            </p:txBody>
+          </p:sp>
+        </p:grpSp>
+        <p:sp>
+          <p:nvSpPr>
+            <p:cNvPr id="79" name="Retângulo 78"/>
+            <p:cNvSpPr/>
+            <p:nvPr/>
+          </p:nvSpPr>
+          <p:spPr>
+            <a:xfrm>
+              <a:off x="5164810" y="4197401"/>
+              <a:ext cx="2303995" cy="273443"/>
+            </a:xfrm>
+            <a:prstGeom prst="rect">
+              <a:avLst/>
+            </a:prstGeom>
+          </p:spPr>
+          <p:style>
+            <a:lnRef idx="2">
+              <a:schemeClr val="accent1">
+                <a:shade val="50000"/>
+              </a:schemeClr>
+            </a:lnRef>
+            <a:fillRef idx="1">
+              <a:schemeClr val="accent1"/>
+            </a:fillRef>
+            <a:effectRef idx="0">
+              <a:schemeClr val="accent1"/>
+            </a:effectRef>
+            <a:fontRef idx="minor">
+              <a:schemeClr val="lt1"/>
+            </a:fontRef>
+          </p:style>
+          <p:txBody>
+            <a:bodyPr rtlCol="0" anchor="ctr"/>
+            <a:lstStyle/>
+            <a:p>
+              <a:pPr algn="ctr"/>
+              <a:endParaRPr lang="pt-BR" sz="1200">
+                <a:latin typeface="Times New Roman" panose="02020603050405020304" pitchFamily="18" charset="0"/>
+                <a:cs typeface="Times New Roman" panose="02020603050405020304" pitchFamily="18" charset="0"/>
+              </a:endParaRPr>
+            </a:p>
+          </p:txBody>
+        </p:sp>
+        <p:grpSp>
+          <p:nvGrpSpPr>
+            <p:cNvPr id="80" name="Agrupar 79"/>
+            <p:cNvGrpSpPr/>
+            <p:nvPr/>
+          </p:nvGrpSpPr>
+          <p:grpSpPr>
+            <a:xfrm>
+              <a:off x="5164808" y="3896718"/>
+              <a:ext cx="5759996" cy="574127"/>
+              <a:chOff x="-1032152" y="1405547"/>
+              <a:chExt cx="7200002" cy="1133796"/>
+            </a:xfrm>
+          </p:grpSpPr>
+          <p:sp>
+            <p:nvSpPr>
+              <p:cNvPr id="86" name="Retângulo 85"/>
+              <p:cNvSpPr/>
+              <p:nvPr/>
+            </p:nvSpPr>
+            <p:spPr>
+              <a:xfrm>
+                <a:off x="-1032152" y="1834533"/>
+                <a:ext cx="6480002" cy="540290"/>
+              </a:xfrm>
+              <a:prstGeom prst="rect">
+                <a:avLst/>
+              </a:prstGeom>
+              <a:noFill/>
+              <a:ln>
+                <a:solidFill>
+                  <a:schemeClr val="tx1"/>
+                </a:solidFill>
+              </a:ln>
+            </p:spPr>
+            <p:style>
+              <a:lnRef idx="2">
+                <a:schemeClr val="accent1">
+                  <a:shade val="50000"/>
+                </a:schemeClr>
+              </a:lnRef>
+              <a:fillRef idx="1">
+                <a:schemeClr val="accent1"/>
+              </a:fillRef>
+              <a:effectRef idx="0">
+                <a:schemeClr val="accent1"/>
+              </a:effectRef>
+              <a:fontRef idx="minor">
+                <a:schemeClr val="lt1"/>
+              </a:fontRef>
+            </p:style>
+            <p:txBody>
+              <a:bodyPr rtlCol="0" anchor="ctr"/>
+              <a:lstStyle/>
+              <a:p>
+                <a:pPr algn="ctr"/>
+                <a:endParaRPr lang="pt-BR" sz="1200">
+                  <a:latin typeface="Times New Roman" panose="02020603050405020304" pitchFamily="18" charset="0"/>
+                  <a:cs typeface="Times New Roman" panose="02020603050405020304" pitchFamily="18" charset="0"/>
+                </a:endParaRPr>
+              </a:p>
+            </p:txBody>
+          </p:sp>
+          <p:sp>
+            <p:nvSpPr>
+              <p:cNvPr id="87" name="Retângulo 86"/>
+              <p:cNvSpPr/>
+              <p:nvPr/>
+            </p:nvSpPr>
+            <p:spPr>
+              <a:xfrm>
+                <a:off x="5447851" y="1834244"/>
+                <a:ext cx="719999" cy="435240"/>
+              </a:xfrm>
+              <a:prstGeom prst="rect">
+                <a:avLst/>
+              </a:prstGeom>
+              <a:noFill/>
+              <a:ln>
+                <a:solidFill>
+                  <a:schemeClr val="tx1"/>
+                </a:solidFill>
+              </a:ln>
+            </p:spPr>
+            <p:style>
+              <a:lnRef idx="2">
+                <a:schemeClr val="accent1">
+                  <a:shade val="50000"/>
+                </a:schemeClr>
+              </a:lnRef>
+              <a:fillRef idx="1">
+                <a:schemeClr val="accent1"/>
+              </a:fillRef>
+              <a:effectRef idx="0">
+                <a:schemeClr val="accent1"/>
+              </a:effectRef>
+              <a:fontRef idx="minor">
+                <a:schemeClr val="lt1"/>
+              </a:fontRef>
+            </p:style>
+            <p:txBody>
+              <a:bodyPr rtlCol="0" anchor="ctr"/>
+              <a:lstStyle/>
+              <a:p>
+                <a:pPr algn="ctr"/>
+                <a:endParaRPr lang="pt-BR" sz="1200">
+                  <a:latin typeface="Times New Roman" panose="02020603050405020304" pitchFamily="18" charset="0"/>
+                  <a:cs typeface="Times New Roman" panose="02020603050405020304" pitchFamily="18" charset="0"/>
+                </a:endParaRPr>
+              </a:p>
+            </p:txBody>
+          </p:sp>
+          <p:sp>
+            <p:nvSpPr>
+              <p:cNvPr id="88" name="Retângulo 87"/>
+              <p:cNvSpPr/>
+              <p:nvPr/>
+            </p:nvSpPr>
+            <p:spPr>
+              <a:xfrm>
+                <a:off x="-1032151" y="1999341"/>
+                <a:ext cx="6480002" cy="540000"/>
+              </a:xfrm>
+              <a:prstGeom prst="rect">
+                <a:avLst/>
+              </a:prstGeom>
+            </p:spPr>
+            <p:style>
+              <a:lnRef idx="2">
+                <a:schemeClr val="accent6">
+                  <a:shade val="50000"/>
+                </a:schemeClr>
+              </a:lnRef>
+              <a:fillRef idx="1">
+                <a:schemeClr val="accent6"/>
+              </a:fillRef>
+              <a:effectRef idx="0">
+                <a:schemeClr val="accent6"/>
+              </a:effectRef>
+              <a:fontRef idx="minor">
+                <a:schemeClr val="lt1"/>
+              </a:fontRef>
+            </p:style>
+            <p:txBody>
+              <a:bodyPr rtlCol="0" anchor="ctr"/>
+              <a:lstStyle/>
+              <a:p>
+                <a:pPr algn="ctr"/>
+                <a:r>
+                  <a:rPr lang="pt-BR" sz="1200" dirty="0" smtClean="0">
+                    <a:latin typeface="Times New Roman" panose="02020603050405020304" pitchFamily="18" charset="0"/>
+                    <a:cs typeface="Times New Roman" panose="02020603050405020304" pitchFamily="18" charset="0"/>
+                  </a:rPr>
+                  <a:t>Treino</a:t>
+                </a:r>
+                <a:endParaRPr lang="pt-BR" sz="1200" dirty="0">
+                  <a:latin typeface="Times New Roman" panose="02020603050405020304" pitchFamily="18" charset="0"/>
+                  <a:cs typeface="Times New Roman" panose="02020603050405020304" pitchFamily="18" charset="0"/>
+                </a:endParaRPr>
+              </a:p>
+            </p:txBody>
+          </p:sp>
+          <p:sp>
+            <p:nvSpPr>
+              <p:cNvPr id="89" name="Retângulo 88"/>
+              <p:cNvSpPr/>
+              <p:nvPr/>
+            </p:nvSpPr>
+            <p:spPr>
+              <a:xfrm>
+                <a:off x="5447849" y="1999343"/>
+                <a:ext cx="720000" cy="540000"/>
+              </a:xfrm>
+              <a:prstGeom prst="rect">
+                <a:avLst/>
+              </a:prstGeom>
+            </p:spPr>
+            <p:style>
+              <a:lnRef idx="2">
+                <a:schemeClr val="accent5">
+                  <a:shade val="50000"/>
+                </a:schemeClr>
+              </a:lnRef>
+              <a:fillRef idx="1">
+                <a:schemeClr val="accent5"/>
+              </a:fillRef>
+              <a:effectRef idx="0">
+                <a:schemeClr val="accent5"/>
+              </a:effectRef>
+              <a:fontRef idx="minor">
+                <a:schemeClr val="lt1"/>
+              </a:fontRef>
+            </p:style>
+            <p:txBody>
+              <a:bodyPr rtlCol="0" anchor="ctr"/>
+              <a:lstStyle/>
+              <a:p>
+                <a:pPr algn="ctr"/>
+                <a:r>
+                  <a:rPr lang="pt-BR" sz="1200" dirty="0" smtClean="0">
+                    <a:latin typeface="Times New Roman" panose="02020603050405020304" pitchFamily="18" charset="0"/>
+                    <a:cs typeface="Times New Roman" panose="02020603050405020304" pitchFamily="18" charset="0"/>
+                  </a:rPr>
+                  <a:t>teste</a:t>
+                </a:r>
+                <a:endParaRPr lang="pt-BR" sz="1200" dirty="0">
+                  <a:latin typeface="Times New Roman" panose="02020603050405020304" pitchFamily="18" charset="0"/>
+                  <a:cs typeface="Times New Roman" panose="02020603050405020304" pitchFamily="18" charset="0"/>
+                </a:endParaRPr>
+              </a:p>
+            </p:txBody>
+          </p:sp>
+          <p:sp>
+            <p:nvSpPr>
+              <p:cNvPr id="90" name="CaixaDeTexto 89"/>
+              <p:cNvSpPr txBox="1"/>
+              <p:nvPr/>
+            </p:nvSpPr>
+            <p:spPr>
+              <a:xfrm>
+                <a:off x="3315312" y="1405547"/>
+                <a:ext cx="665071" cy="547022"/>
+              </a:xfrm>
+              <a:prstGeom prst="rect">
+                <a:avLst/>
+              </a:prstGeom>
+              <a:noFill/>
+            </p:spPr>
+            <p:txBody>
+              <a:bodyPr wrap="square" rtlCol="0">
+                <a:spAutoFit/>
+              </a:bodyPr>
+              <a:lstStyle/>
+              <a:p>
+                <a:r>
+                  <a:rPr lang="pt-BR" sz="1200" dirty="0">
+                    <a:latin typeface="Times New Roman" panose="02020603050405020304" pitchFamily="18" charset="0"/>
+                    <a:cs typeface="Times New Roman" panose="02020603050405020304" pitchFamily="18" charset="0"/>
+                  </a:rPr>
+                  <a:t>9</a:t>
+                </a:r>
+                <a:r>
+                  <a:rPr lang="pt-BR" sz="1200" dirty="0" smtClean="0">
+                    <a:latin typeface="Times New Roman" panose="02020603050405020304" pitchFamily="18" charset="0"/>
+                    <a:cs typeface="Times New Roman" panose="02020603050405020304" pitchFamily="18" charset="0"/>
+                  </a:rPr>
+                  <a:t>0</a:t>
+                </a:r>
+                <a:r>
+                  <a:rPr lang="pt-BR" sz="1200" dirty="0" smtClean="0">
+                    <a:latin typeface="Times New Roman" panose="02020603050405020304" pitchFamily="18" charset="0"/>
+                    <a:cs typeface="Times New Roman" panose="02020603050405020304" pitchFamily="18" charset="0"/>
+                  </a:rPr>
+                  <a:t>%</a:t>
+                </a:r>
+                <a:endParaRPr lang="pt-BR" sz="1200" dirty="0">
+                  <a:latin typeface="Times New Roman" panose="02020603050405020304" pitchFamily="18" charset="0"/>
+                  <a:cs typeface="Times New Roman" panose="02020603050405020304" pitchFamily="18" charset="0"/>
+                </a:endParaRPr>
+              </a:p>
+            </p:txBody>
+          </p:sp>
+          <p:sp>
+            <p:nvSpPr>
+              <p:cNvPr id="91" name="CaixaDeTexto 90"/>
+              <p:cNvSpPr txBox="1"/>
+              <p:nvPr/>
+            </p:nvSpPr>
+            <p:spPr>
+              <a:xfrm>
+                <a:off x="5491101" y="1410980"/>
+                <a:ext cx="633497" cy="547022"/>
+              </a:xfrm>
+              <a:prstGeom prst="rect">
+                <a:avLst/>
+              </a:prstGeom>
+              <a:noFill/>
+            </p:spPr>
+            <p:txBody>
+              <a:bodyPr wrap="square" rtlCol="0">
+                <a:spAutoFit/>
+              </a:bodyPr>
+              <a:lstStyle/>
+              <a:p>
+                <a:r>
+                  <a:rPr lang="pt-BR" sz="1200" dirty="0" smtClean="0">
+                    <a:latin typeface="Times New Roman" panose="02020603050405020304" pitchFamily="18" charset="0"/>
+                    <a:cs typeface="Times New Roman" panose="02020603050405020304" pitchFamily="18" charset="0"/>
+                  </a:rPr>
+                  <a:t>10%</a:t>
+                </a:r>
+                <a:endParaRPr lang="pt-BR" sz="1200" dirty="0">
+                  <a:latin typeface="Times New Roman" panose="02020603050405020304" pitchFamily="18" charset="0"/>
+                  <a:cs typeface="Times New Roman" panose="02020603050405020304" pitchFamily="18" charset="0"/>
+                </a:endParaRPr>
+              </a:p>
+            </p:txBody>
+          </p:sp>
+        </p:grpSp>
+        <p:sp>
+          <p:nvSpPr>
+            <p:cNvPr id="81" name="Retângulo 80"/>
+            <p:cNvSpPr/>
+            <p:nvPr/>
+          </p:nvSpPr>
+          <p:spPr>
+            <a:xfrm>
+              <a:off x="10348799" y="3650613"/>
+              <a:ext cx="576003" cy="273342"/>
+            </a:xfrm>
+            <a:prstGeom prst="rect">
+              <a:avLst/>
+            </a:prstGeom>
+          </p:spPr>
+          <p:style>
+            <a:lnRef idx="2">
+              <a:schemeClr val="accent1">
+                <a:shade val="50000"/>
+              </a:schemeClr>
+            </a:lnRef>
+            <a:fillRef idx="1">
+              <a:schemeClr val="accent1"/>
+            </a:fillRef>
+            <a:effectRef idx="0">
+              <a:schemeClr val="accent1"/>
+            </a:effectRef>
+            <a:fontRef idx="minor">
+              <a:schemeClr val="lt1"/>
+            </a:fontRef>
+          </p:style>
+          <p:txBody>
+            <a:bodyPr rtlCol="0" anchor="ctr"/>
+            <a:lstStyle/>
+            <a:p>
+              <a:pPr algn="ctr"/>
+              <a:endParaRPr lang="pt-BR" sz="1200">
+                <a:latin typeface="Times New Roman" panose="02020603050405020304" pitchFamily="18" charset="0"/>
+                <a:cs typeface="Times New Roman" panose="02020603050405020304" pitchFamily="18" charset="0"/>
+              </a:endParaRPr>
             </a:p>
           </p:txBody>
         </p:sp>
         <p:sp>
           <p:nvSpPr>
-            <p:cNvPr id="38" name="CaixaDeTexto 37"/>
+            <p:cNvPr id="82" name="Retângulo 81"/>
+            <p:cNvSpPr/>
+            <p:nvPr/>
+          </p:nvSpPr>
+          <p:spPr>
+            <a:xfrm>
+              <a:off x="9772798" y="3110280"/>
+              <a:ext cx="1152008" cy="271538"/>
+            </a:xfrm>
+            <a:prstGeom prst="rect">
+              <a:avLst/>
+            </a:prstGeom>
+          </p:spPr>
+          <p:style>
+            <a:lnRef idx="2">
+              <a:schemeClr val="accent1">
+                <a:shade val="50000"/>
+              </a:schemeClr>
+            </a:lnRef>
+            <a:fillRef idx="1">
+              <a:schemeClr val="accent1"/>
+            </a:fillRef>
+            <a:effectRef idx="0">
+              <a:schemeClr val="accent1"/>
+            </a:effectRef>
+            <a:fontRef idx="minor">
+              <a:schemeClr val="lt1"/>
+            </a:fontRef>
+          </p:style>
+          <p:txBody>
+            <a:bodyPr rtlCol="0" anchor="ctr"/>
+            <a:lstStyle/>
+            <a:p>
+              <a:pPr algn="ctr"/>
+              <a:endParaRPr lang="pt-BR" sz="1200">
+                <a:latin typeface="Times New Roman" panose="02020603050405020304" pitchFamily="18" charset="0"/>
+                <a:cs typeface="Times New Roman" panose="02020603050405020304" pitchFamily="18" charset="0"/>
+              </a:endParaRPr>
+            </a:p>
+          </p:txBody>
+        </p:sp>
+        <p:sp>
+          <p:nvSpPr>
+            <p:cNvPr id="83" name="Retângulo 82"/>
+            <p:cNvSpPr/>
+            <p:nvPr/>
+          </p:nvSpPr>
+          <p:spPr>
+            <a:xfrm>
+              <a:off x="9196810" y="2563932"/>
+              <a:ext cx="1727997" cy="271841"/>
+            </a:xfrm>
+            <a:prstGeom prst="rect">
+              <a:avLst/>
+            </a:prstGeom>
+          </p:spPr>
+          <p:style>
+            <a:lnRef idx="2">
+              <a:schemeClr val="accent1">
+                <a:shade val="50000"/>
+              </a:schemeClr>
+            </a:lnRef>
+            <a:fillRef idx="1">
+              <a:schemeClr val="accent1"/>
+            </a:fillRef>
+            <a:effectRef idx="0">
+              <a:schemeClr val="accent1"/>
+            </a:effectRef>
+            <a:fontRef idx="minor">
+              <a:schemeClr val="lt1"/>
+            </a:fontRef>
+          </p:style>
+          <p:txBody>
+            <a:bodyPr rtlCol="0" anchor="ctr"/>
+            <a:lstStyle/>
+            <a:p>
+              <a:pPr algn="ctr"/>
+              <a:endParaRPr lang="pt-BR" sz="1200">
+                <a:latin typeface="Times New Roman" panose="02020603050405020304" pitchFamily="18" charset="0"/>
+                <a:cs typeface="Times New Roman" panose="02020603050405020304" pitchFamily="18" charset="0"/>
+              </a:endParaRPr>
+            </a:p>
+          </p:txBody>
+        </p:sp>
+        <p:sp>
+          <p:nvSpPr>
+            <p:cNvPr id="84" name="CaixaDeTexto 83"/>
             <p:cNvSpPr txBox="1"/>
             <p:nvPr/>
           </p:nvSpPr>
           <p:spPr>
             <a:xfrm>
-              <a:off x="3315312" y="1405547"/>
-              <a:ext cx="665071" cy="400110"/>
+              <a:off x="5164810" y="1224733"/>
+              <a:ext cx="1847495" cy="276999"/>
             </a:xfrm>
             <a:prstGeom prst="rect">
               <a:avLst/>
@@ -9198,23 +12511,29 @@
             <a:lstStyle/>
             <a:p>
               <a:r>
-                <a:rPr lang="pt-BR" sz="2000" dirty="0" smtClean="0"/>
-                <a:t>50%</a:t>
+                <a:rPr lang="pt-BR" sz="1200" dirty="0" smtClean="0">
+                  <a:latin typeface="Times New Roman" panose="02020603050405020304" pitchFamily="18" charset="0"/>
+                  <a:cs typeface="Times New Roman" panose="02020603050405020304" pitchFamily="18" charset="0"/>
+                </a:rPr>
+                <a:t>Registros mais antigos</a:t>
               </a:r>
-              <a:endParaRPr lang="pt-BR" sz="2000" dirty="0"/>
+              <a:endParaRPr lang="pt-BR" sz="1200" dirty="0">
+                <a:latin typeface="Times New Roman" panose="02020603050405020304" pitchFamily="18" charset="0"/>
+                <a:cs typeface="Times New Roman" panose="02020603050405020304" pitchFamily="18" charset="0"/>
+              </a:endParaRPr>
             </a:p>
           </p:txBody>
         </p:sp>
         <p:sp>
           <p:nvSpPr>
-            <p:cNvPr id="39" name="CaixaDeTexto 38"/>
+            <p:cNvPr id="85" name="CaixaDeTexto 84"/>
             <p:cNvSpPr txBox="1"/>
             <p:nvPr/>
           </p:nvSpPr>
           <p:spPr>
             <a:xfrm>
-              <a:off x="5491100" y="1410979"/>
-              <a:ext cx="633497" cy="400110"/>
+              <a:off x="9100185" y="1230846"/>
+              <a:ext cx="1824618" cy="276999"/>
             </a:xfrm>
             <a:prstGeom prst="rect">
               <a:avLst/>
@@ -9228,1059 +12547,20 @@
             <a:lstStyle/>
             <a:p>
               <a:r>
-                <a:rPr lang="pt-BR" sz="2000" dirty="0" smtClean="0"/>
-                <a:t>10%</a:t>
+                <a:rPr lang="pt-BR" sz="1200" dirty="0" smtClean="0">
+                  <a:latin typeface="Times New Roman" panose="02020603050405020304" pitchFamily="18" charset="0"/>
+                  <a:cs typeface="Times New Roman" panose="02020603050405020304" pitchFamily="18" charset="0"/>
+                </a:rPr>
+                <a:t>Registros mais recentes</a:t>
               </a:r>
-              <a:endParaRPr lang="pt-BR" sz="2000" dirty="0"/>
+              <a:endParaRPr lang="pt-BR" sz="1200" dirty="0">
+                <a:latin typeface="Times New Roman" panose="02020603050405020304" pitchFamily="18" charset="0"/>
+                <a:cs typeface="Times New Roman" panose="02020603050405020304" pitchFamily="18" charset="0"/>
+              </a:endParaRPr>
             </a:p>
           </p:txBody>
         </p:sp>
       </p:grpSp>
-      <p:sp>
-        <p:nvSpPr>
-          <p:cNvPr id="40" name="Retângulo 39"/>
-          <p:cNvSpPr/>
-          <p:nvPr/>
-        </p:nvSpPr>
-        <p:spPr>
-          <a:xfrm>
-            <a:off x="2297785" y="3982014"/>
-            <a:ext cx="1440004" cy="542597"/>
-          </a:xfrm>
-          <a:prstGeom prst="rect">
-            <a:avLst/>
-          </a:prstGeom>
-        </p:spPr>
-        <p:style>
-          <a:lnRef idx="2">
-            <a:schemeClr val="accent1">
-              <a:shade val="50000"/>
-            </a:schemeClr>
-          </a:lnRef>
-          <a:fillRef idx="1">
-            <a:schemeClr val="accent1"/>
-          </a:fillRef>
-          <a:effectRef idx="0">
-            <a:schemeClr val="accent1"/>
-          </a:effectRef>
-          <a:fontRef idx="minor">
-            <a:schemeClr val="lt1"/>
-          </a:fontRef>
-        </p:style>
-        <p:txBody>
-          <a:bodyPr rtlCol="0" anchor="ctr"/>
-          <a:lstStyle/>
-          <a:p>
-            <a:pPr algn="ctr"/>
-            <a:endParaRPr lang="pt-BR"/>
-          </a:p>
-        </p:txBody>
-      </p:sp>
-      <p:grpSp>
-        <p:nvGrpSpPr>
-          <p:cNvPr id="41" name="Agrupar 40"/>
-          <p:cNvGrpSpPr/>
-          <p:nvPr/>
-        </p:nvGrpSpPr>
-        <p:grpSpPr>
-          <a:xfrm>
-            <a:off x="3737791" y="3388233"/>
-            <a:ext cx="4320002" cy="1133796"/>
-            <a:chOff x="1847848" y="1405547"/>
-            <a:chExt cx="4320002" cy="1133796"/>
-          </a:xfrm>
-        </p:grpSpPr>
-        <p:sp>
-          <p:nvSpPr>
-            <p:cNvPr id="42" name="Retângulo 41"/>
-            <p:cNvSpPr/>
-            <p:nvPr/>
-          </p:nvSpPr>
-          <p:spPr>
-            <a:xfrm>
-              <a:off x="1847848" y="1729196"/>
-              <a:ext cx="3600001" cy="540291"/>
-            </a:xfrm>
-            <a:prstGeom prst="rect">
-              <a:avLst/>
-            </a:prstGeom>
-            <a:noFill/>
-            <a:ln>
-              <a:solidFill>
-                <a:schemeClr val="tx1"/>
-              </a:solidFill>
-            </a:ln>
-          </p:spPr>
-          <p:style>
-            <a:lnRef idx="2">
-              <a:schemeClr val="accent1">
-                <a:shade val="50000"/>
-              </a:schemeClr>
-            </a:lnRef>
-            <a:fillRef idx="1">
-              <a:schemeClr val="accent1"/>
-            </a:fillRef>
-            <a:effectRef idx="0">
-              <a:schemeClr val="accent1"/>
-            </a:effectRef>
-            <a:fontRef idx="minor">
-              <a:schemeClr val="lt1"/>
-            </a:fontRef>
-          </p:style>
-          <p:txBody>
-            <a:bodyPr rtlCol="0" anchor="ctr"/>
-            <a:lstStyle/>
-            <a:p>
-              <a:pPr algn="ctr"/>
-              <a:endParaRPr lang="pt-BR"/>
-            </a:p>
-          </p:txBody>
-        </p:sp>
-        <p:sp>
-          <p:nvSpPr>
-            <p:cNvPr id="43" name="Retângulo 42"/>
-            <p:cNvSpPr/>
-            <p:nvPr/>
-          </p:nvSpPr>
-          <p:spPr>
-            <a:xfrm>
-              <a:off x="5447850" y="1729195"/>
-              <a:ext cx="720000" cy="540291"/>
-            </a:xfrm>
-            <a:prstGeom prst="rect">
-              <a:avLst/>
-            </a:prstGeom>
-            <a:noFill/>
-            <a:ln>
-              <a:solidFill>
-                <a:schemeClr val="tx1"/>
-              </a:solidFill>
-            </a:ln>
-          </p:spPr>
-          <p:style>
-            <a:lnRef idx="2">
-              <a:schemeClr val="accent1">
-                <a:shade val="50000"/>
-              </a:schemeClr>
-            </a:lnRef>
-            <a:fillRef idx="1">
-              <a:schemeClr val="accent1"/>
-            </a:fillRef>
-            <a:effectRef idx="0">
-              <a:schemeClr val="accent1"/>
-            </a:effectRef>
-            <a:fontRef idx="minor">
-              <a:schemeClr val="lt1"/>
-            </a:fontRef>
-          </p:style>
-          <p:txBody>
-            <a:bodyPr rtlCol="0" anchor="ctr"/>
-            <a:lstStyle/>
-            <a:p>
-              <a:pPr algn="ctr"/>
-              <a:endParaRPr lang="pt-BR"/>
-            </a:p>
-          </p:txBody>
-        </p:sp>
-        <p:sp>
-          <p:nvSpPr>
-            <p:cNvPr id="44" name="Retângulo 43"/>
-            <p:cNvSpPr/>
-            <p:nvPr/>
-          </p:nvSpPr>
-          <p:spPr>
-            <a:xfrm>
-              <a:off x="1847849" y="1999342"/>
-              <a:ext cx="3600000" cy="540000"/>
-            </a:xfrm>
-            <a:prstGeom prst="rect">
-              <a:avLst/>
-            </a:prstGeom>
-          </p:spPr>
-          <p:style>
-            <a:lnRef idx="2">
-              <a:schemeClr val="accent6">
-                <a:shade val="50000"/>
-              </a:schemeClr>
-            </a:lnRef>
-            <a:fillRef idx="1">
-              <a:schemeClr val="accent6"/>
-            </a:fillRef>
-            <a:effectRef idx="0">
-              <a:schemeClr val="accent6"/>
-            </a:effectRef>
-            <a:fontRef idx="minor">
-              <a:schemeClr val="lt1"/>
-            </a:fontRef>
-          </p:style>
-          <p:txBody>
-            <a:bodyPr rtlCol="0" anchor="ctr"/>
-            <a:lstStyle/>
-            <a:p>
-              <a:pPr algn="ctr"/>
-              <a:r>
-                <a:rPr lang="pt-BR" sz="2000" dirty="0" smtClean="0"/>
-                <a:t>Treino</a:t>
-              </a:r>
-              <a:endParaRPr lang="pt-BR" sz="2000" dirty="0"/>
-            </a:p>
-          </p:txBody>
-        </p:sp>
-        <p:sp>
-          <p:nvSpPr>
-            <p:cNvPr id="45" name="Retângulo 44"/>
-            <p:cNvSpPr/>
-            <p:nvPr/>
-          </p:nvSpPr>
-          <p:spPr>
-            <a:xfrm>
-              <a:off x="5447849" y="1999343"/>
-              <a:ext cx="720000" cy="540000"/>
-            </a:xfrm>
-            <a:prstGeom prst="rect">
-              <a:avLst/>
-            </a:prstGeom>
-          </p:spPr>
-          <p:style>
-            <a:lnRef idx="2">
-              <a:schemeClr val="accent5">
-                <a:shade val="50000"/>
-              </a:schemeClr>
-            </a:lnRef>
-            <a:fillRef idx="1">
-              <a:schemeClr val="accent5"/>
-            </a:fillRef>
-            <a:effectRef idx="0">
-              <a:schemeClr val="accent5"/>
-            </a:effectRef>
-            <a:fontRef idx="minor">
-              <a:schemeClr val="lt1"/>
-            </a:fontRef>
-          </p:style>
-          <p:txBody>
-            <a:bodyPr rtlCol="0" anchor="ctr"/>
-            <a:lstStyle/>
-            <a:p>
-              <a:pPr algn="ctr"/>
-              <a:r>
-                <a:rPr lang="pt-BR" sz="2000" dirty="0" smtClean="0"/>
-                <a:t>teste</a:t>
-              </a:r>
-              <a:endParaRPr lang="pt-BR" sz="2000" dirty="0"/>
-            </a:p>
-          </p:txBody>
-        </p:sp>
-        <p:sp>
-          <p:nvSpPr>
-            <p:cNvPr id="46" name="CaixaDeTexto 45"/>
-            <p:cNvSpPr txBox="1"/>
-            <p:nvPr/>
-          </p:nvSpPr>
-          <p:spPr>
-            <a:xfrm>
-              <a:off x="3315312" y="1405547"/>
-              <a:ext cx="665071" cy="400110"/>
-            </a:xfrm>
-            <a:prstGeom prst="rect">
-              <a:avLst/>
-            </a:prstGeom>
-            <a:noFill/>
-          </p:spPr>
-          <p:txBody>
-            <a:bodyPr wrap="square" rtlCol="0">
-              <a:spAutoFit/>
-            </a:bodyPr>
-            <a:lstStyle/>
-            <a:p>
-              <a:r>
-                <a:rPr lang="pt-BR" sz="2000" dirty="0" smtClean="0"/>
-                <a:t>50%</a:t>
-              </a:r>
-              <a:endParaRPr lang="pt-BR" sz="2000" dirty="0"/>
-            </a:p>
-          </p:txBody>
-        </p:sp>
-        <p:sp>
-          <p:nvSpPr>
-            <p:cNvPr id="47" name="CaixaDeTexto 46"/>
-            <p:cNvSpPr txBox="1"/>
-            <p:nvPr/>
-          </p:nvSpPr>
-          <p:spPr>
-            <a:xfrm>
-              <a:off x="5491100" y="1410979"/>
-              <a:ext cx="633497" cy="400110"/>
-            </a:xfrm>
-            <a:prstGeom prst="rect">
-              <a:avLst/>
-            </a:prstGeom>
-            <a:noFill/>
-          </p:spPr>
-          <p:txBody>
-            <a:bodyPr wrap="square" rtlCol="0">
-              <a:spAutoFit/>
-            </a:bodyPr>
-            <a:lstStyle/>
-            <a:p>
-              <a:r>
-                <a:rPr lang="pt-BR" sz="2000" dirty="0" smtClean="0"/>
-                <a:t>10%</a:t>
-              </a:r>
-              <a:endParaRPr lang="pt-BR" sz="2000" dirty="0"/>
-            </a:p>
-          </p:txBody>
-        </p:sp>
-      </p:grpSp>
-      <p:sp>
-        <p:nvSpPr>
-          <p:cNvPr id="48" name="Retângulo 47"/>
-          <p:cNvSpPr/>
-          <p:nvPr/>
-        </p:nvSpPr>
-        <p:spPr>
-          <a:xfrm>
-            <a:off x="2297787" y="5054759"/>
-            <a:ext cx="2159990" cy="540000"/>
-          </a:xfrm>
-          <a:prstGeom prst="rect">
-            <a:avLst/>
-          </a:prstGeom>
-        </p:spPr>
-        <p:style>
-          <a:lnRef idx="2">
-            <a:schemeClr val="accent1">
-              <a:shade val="50000"/>
-            </a:schemeClr>
-          </a:lnRef>
-          <a:fillRef idx="1">
-            <a:schemeClr val="accent1"/>
-          </a:fillRef>
-          <a:effectRef idx="0">
-            <a:schemeClr val="accent1"/>
-          </a:effectRef>
-          <a:fontRef idx="minor">
-            <a:schemeClr val="lt1"/>
-          </a:fontRef>
-        </p:style>
-        <p:txBody>
-          <a:bodyPr rtlCol="0" anchor="ctr"/>
-          <a:lstStyle/>
-          <a:p>
-            <a:pPr algn="ctr"/>
-            <a:endParaRPr lang="pt-BR"/>
-          </a:p>
-        </p:txBody>
-      </p:sp>
-      <p:grpSp>
-        <p:nvGrpSpPr>
-          <p:cNvPr id="49" name="Agrupar 48"/>
-          <p:cNvGrpSpPr/>
-          <p:nvPr/>
-        </p:nvGrpSpPr>
-        <p:grpSpPr>
-          <a:xfrm>
-            <a:off x="4457778" y="4461049"/>
-            <a:ext cx="4320002" cy="1133796"/>
-            <a:chOff x="1847848" y="1405547"/>
-            <a:chExt cx="4320002" cy="1133796"/>
-          </a:xfrm>
-        </p:grpSpPr>
-        <p:sp>
-          <p:nvSpPr>
-            <p:cNvPr id="50" name="Retângulo 49"/>
-            <p:cNvSpPr/>
-            <p:nvPr/>
-          </p:nvSpPr>
-          <p:spPr>
-            <a:xfrm>
-              <a:off x="1847848" y="1729196"/>
-              <a:ext cx="3600001" cy="540291"/>
-            </a:xfrm>
-            <a:prstGeom prst="rect">
-              <a:avLst/>
-            </a:prstGeom>
-            <a:noFill/>
-            <a:ln>
-              <a:solidFill>
-                <a:schemeClr val="tx1"/>
-              </a:solidFill>
-            </a:ln>
-          </p:spPr>
-          <p:style>
-            <a:lnRef idx="2">
-              <a:schemeClr val="accent1">
-                <a:shade val="50000"/>
-              </a:schemeClr>
-            </a:lnRef>
-            <a:fillRef idx="1">
-              <a:schemeClr val="accent1"/>
-            </a:fillRef>
-            <a:effectRef idx="0">
-              <a:schemeClr val="accent1"/>
-            </a:effectRef>
-            <a:fontRef idx="minor">
-              <a:schemeClr val="lt1"/>
-            </a:fontRef>
-          </p:style>
-          <p:txBody>
-            <a:bodyPr rtlCol="0" anchor="ctr"/>
-            <a:lstStyle/>
-            <a:p>
-              <a:pPr algn="ctr"/>
-              <a:endParaRPr lang="pt-BR"/>
-            </a:p>
-          </p:txBody>
-        </p:sp>
-        <p:sp>
-          <p:nvSpPr>
-            <p:cNvPr id="51" name="Retângulo 50"/>
-            <p:cNvSpPr/>
-            <p:nvPr/>
-          </p:nvSpPr>
-          <p:spPr>
-            <a:xfrm>
-              <a:off x="5447850" y="1729195"/>
-              <a:ext cx="720000" cy="540291"/>
-            </a:xfrm>
-            <a:prstGeom prst="rect">
-              <a:avLst/>
-            </a:prstGeom>
-            <a:noFill/>
-            <a:ln>
-              <a:solidFill>
-                <a:schemeClr val="tx1"/>
-              </a:solidFill>
-            </a:ln>
-          </p:spPr>
-          <p:style>
-            <a:lnRef idx="2">
-              <a:schemeClr val="accent1">
-                <a:shade val="50000"/>
-              </a:schemeClr>
-            </a:lnRef>
-            <a:fillRef idx="1">
-              <a:schemeClr val="accent1"/>
-            </a:fillRef>
-            <a:effectRef idx="0">
-              <a:schemeClr val="accent1"/>
-            </a:effectRef>
-            <a:fontRef idx="minor">
-              <a:schemeClr val="lt1"/>
-            </a:fontRef>
-          </p:style>
-          <p:txBody>
-            <a:bodyPr rtlCol="0" anchor="ctr"/>
-            <a:lstStyle/>
-            <a:p>
-              <a:pPr algn="ctr"/>
-              <a:endParaRPr lang="pt-BR"/>
-            </a:p>
-          </p:txBody>
-        </p:sp>
-        <p:sp>
-          <p:nvSpPr>
-            <p:cNvPr id="52" name="Retângulo 51"/>
-            <p:cNvSpPr/>
-            <p:nvPr/>
-          </p:nvSpPr>
-          <p:spPr>
-            <a:xfrm>
-              <a:off x="1847849" y="1999342"/>
-              <a:ext cx="3600000" cy="540000"/>
-            </a:xfrm>
-            <a:prstGeom prst="rect">
-              <a:avLst/>
-            </a:prstGeom>
-          </p:spPr>
-          <p:style>
-            <a:lnRef idx="2">
-              <a:schemeClr val="accent6">
-                <a:shade val="50000"/>
-              </a:schemeClr>
-            </a:lnRef>
-            <a:fillRef idx="1">
-              <a:schemeClr val="accent6"/>
-            </a:fillRef>
-            <a:effectRef idx="0">
-              <a:schemeClr val="accent6"/>
-            </a:effectRef>
-            <a:fontRef idx="minor">
-              <a:schemeClr val="lt1"/>
-            </a:fontRef>
-          </p:style>
-          <p:txBody>
-            <a:bodyPr rtlCol="0" anchor="ctr"/>
-            <a:lstStyle/>
-            <a:p>
-              <a:pPr algn="ctr"/>
-              <a:r>
-                <a:rPr lang="pt-BR" sz="2000" dirty="0" smtClean="0"/>
-                <a:t>Treino</a:t>
-              </a:r>
-              <a:endParaRPr lang="pt-BR" sz="2000" dirty="0"/>
-            </a:p>
-          </p:txBody>
-        </p:sp>
-        <p:sp>
-          <p:nvSpPr>
-            <p:cNvPr id="53" name="Retângulo 52"/>
-            <p:cNvSpPr/>
-            <p:nvPr/>
-          </p:nvSpPr>
-          <p:spPr>
-            <a:xfrm>
-              <a:off x="5447849" y="1999343"/>
-              <a:ext cx="720000" cy="540000"/>
-            </a:xfrm>
-            <a:prstGeom prst="rect">
-              <a:avLst/>
-            </a:prstGeom>
-          </p:spPr>
-          <p:style>
-            <a:lnRef idx="2">
-              <a:schemeClr val="accent5">
-                <a:shade val="50000"/>
-              </a:schemeClr>
-            </a:lnRef>
-            <a:fillRef idx="1">
-              <a:schemeClr val="accent5"/>
-            </a:fillRef>
-            <a:effectRef idx="0">
-              <a:schemeClr val="accent5"/>
-            </a:effectRef>
-            <a:fontRef idx="minor">
-              <a:schemeClr val="lt1"/>
-            </a:fontRef>
-          </p:style>
-          <p:txBody>
-            <a:bodyPr rtlCol="0" anchor="ctr"/>
-            <a:lstStyle/>
-            <a:p>
-              <a:pPr algn="ctr"/>
-              <a:r>
-                <a:rPr lang="pt-BR" sz="2000" dirty="0" smtClean="0"/>
-                <a:t>teste</a:t>
-              </a:r>
-              <a:endParaRPr lang="pt-BR" sz="2000" dirty="0"/>
-            </a:p>
-          </p:txBody>
-        </p:sp>
-        <p:sp>
-          <p:nvSpPr>
-            <p:cNvPr id="54" name="CaixaDeTexto 53"/>
-            <p:cNvSpPr txBox="1"/>
-            <p:nvPr/>
-          </p:nvSpPr>
-          <p:spPr>
-            <a:xfrm>
-              <a:off x="3315312" y="1405547"/>
-              <a:ext cx="665071" cy="400110"/>
-            </a:xfrm>
-            <a:prstGeom prst="rect">
-              <a:avLst/>
-            </a:prstGeom>
-            <a:noFill/>
-          </p:spPr>
-          <p:txBody>
-            <a:bodyPr wrap="square" rtlCol="0">
-              <a:spAutoFit/>
-            </a:bodyPr>
-            <a:lstStyle/>
-            <a:p>
-              <a:r>
-                <a:rPr lang="pt-BR" sz="2000" dirty="0" smtClean="0"/>
-                <a:t>50%</a:t>
-              </a:r>
-              <a:endParaRPr lang="pt-BR" sz="2000" dirty="0"/>
-            </a:p>
-          </p:txBody>
-        </p:sp>
-        <p:sp>
-          <p:nvSpPr>
-            <p:cNvPr id="55" name="CaixaDeTexto 54"/>
-            <p:cNvSpPr txBox="1"/>
-            <p:nvPr/>
-          </p:nvSpPr>
-          <p:spPr>
-            <a:xfrm>
-              <a:off x="5491100" y="1410979"/>
-              <a:ext cx="633497" cy="400110"/>
-            </a:xfrm>
-            <a:prstGeom prst="rect">
-              <a:avLst/>
-            </a:prstGeom>
-            <a:noFill/>
-          </p:spPr>
-          <p:txBody>
-            <a:bodyPr wrap="square" rtlCol="0">
-              <a:spAutoFit/>
-            </a:bodyPr>
-            <a:lstStyle/>
-            <a:p>
-              <a:r>
-                <a:rPr lang="pt-BR" sz="2000" dirty="0" smtClean="0"/>
-                <a:t>10%</a:t>
-              </a:r>
-              <a:endParaRPr lang="pt-BR" sz="2000" dirty="0"/>
-            </a:p>
-          </p:txBody>
-        </p:sp>
-      </p:grpSp>
-      <p:sp>
-        <p:nvSpPr>
-          <p:cNvPr id="56" name="Retângulo 55"/>
-          <p:cNvSpPr/>
-          <p:nvPr/>
-        </p:nvSpPr>
-        <p:spPr>
-          <a:xfrm>
-            <a:off x="2297785" y="6134564"/>
-            <a:ext cx="2879997" cy="540000"/>
-          </a:xfrm>
-          <a:prstGeom prst="rect">
-            <a:avLst/>
-          </a:prstGeom>
-        </p:spPr>
-        <p:style>
-          <a:lnRef idx="2">
-            <a:schemeClr val="accent1">
-              <a:shade val="50000"/>
-            </a:schemeClr>
-          </a:lnRef>
-          <a:fillRef idx="1">
-            <a:schemeClr val="accent1"/>
-          </a:fillRef>
-          <a:effectRef idx="0">
-            <a:schemeClr val="accent1"/>
-          </a:effectRef>
-          <a:fontRef idx="minor">
-            <a:schemeClr val="lt1"/>
-          </a:fontRef>
-        </p:style>
-        <p:txBody>
-          <a:bodyPr rtlCol="0" anchor="ctr"/>
-          <a:lstStyle/>
-          <a:p>
-            <a:pPr algn="ctr"/>
-            <a:endParaRPr lang="pt-BR"/>
-          </a:p>
-        </p:txBody>
-      </p:sp>
-      <p:grpSp>
-        <p:nvGrpSpPr>
-          <p:cNvPr id="57" name="Agrupar 56"/>
-          <p:cNvGrpSpPr/>
-          <p:nvPr/>
-        </p:nvGrpSpPr>
-        <p:grpSpPr>
-          <a:xfrm>
-            <a:off x="5177783" y="5540769"/>
-            <a:ext cx="4320002" cy="1133796"/>
-            <a:chOff x="1847848" y="1405547"/>
-            <a:chExt cx="4320002" cy="1133796"/>
-          </a:xfrm>
-        </p:grpSpPr>
-        <p:sp>
-          <p:nvSpPr>
-            <p:cNvPr id="58" name="Retângulo 57"/>
-            <p:cNvSpPr/>
-            <p:nvPr/>
-          </p:nvSpPr>
-          <p:spPr>
-            <a:xfrm>
-              <a:off x="1847848" y="1729196"/>
-              <a:ext cx="3600001" cy="540291"/>
-            </a:xfrm>
-            <a:prstGeom prst="rect">
-              <a:avLst/>
-            </a:prstGeom>
-            <a:noFill/>
-            <a:ln>
-              <a:solidFill>
-                <a:schemeClr val="tx1"/>
-              </a:solidFill>
-            </a:ln>
-          </p:spPr>
-          <p:style>
-            <a:lnRef idx="2">
-              <a:schemeClr val="accent1">
-                <a:shade val="50000"/>
-              </a:schemeClr>
-            </a:lnRef>
-            <a:fillRef idx="1">
-              <a:schemeClr val="accent1"/>
-            </a:fillRef>
-            <a:effectRef idx="0">
-              <a:schemeClr val="accent1"/>
-            </a:effectRef>
-            <a:fontRef idx="minor">
-              <a:schemeClr val="lt1"/>
-            </a:fontRef>
-          </p:style>
-          <p:txBody>
-            <a:bodyPr rtlCol="0" anchor="ctr"/>
-            <a:lstStyle/>
-            <a:p>
-              <a:pPr algn="ctr"/>
-              <a:endParaRPr lang="pt-BR"/>
-            </a:p>
-          </p:txBody>
-        </p:sp>
-        <p:sp>
-          <p:nvSpPr>
-            <p:cNvPr id="59" name="Retângulo 58"/>
-            <p:cNvSpPr/>
-            <p:nvPr/>
-          </p:nvSpPr>
-          <p:spPr>
-            <a:xfrm>
-              <a:off x="5447850" y="1729195"/>
-              <a:ext cx="720000" cy="540291"/>
-            </a:xfrm>
-            <a:prstGeom prst="rect">
-              <a:avLst/>
-            </a:prstGeom>
-            <a:noFill/>
-            <a:ln>
-              <a:solidFill>
-                <a:schemeClr val="tx1"/>
-              </a:solidFill>
-            </a:ln>
-          </p:spPr>
-          <p:style>
-            <a:lnRef idx="2">
-              <a:schemeClr val="accent1">
-                <a:shade val="50000"/>
-              </a:schemeClr>
-            </a:lnRef>
-            <a:fillRef idx="1">
-              <a:schemeClr val="accent1"/>
-            </a:fillRef>
-            <a:effectRef idx="0">
-              <a:schemeClr val="accent1"/>
-            </a:effectRef>
-            <a:fontRef idx="minor">
-              <a:schemeClr val="lt1"/>
-            </a:fontRef>
-          </p:style>
-          <p:txBody>
-            <a:bodyPr rtlCol="0" anchor="ctr"/>
-            <a:lstStyle/>
-            <a:p>
-              <a:pPr algn="ctr"/>
-              <a:endParaRPr lang="pt-BR"/>
-            </a:p>
-          </p:txBody>
-        </p:sp>
-        <p:sp>
-          <p:nvSpPr>
-            <p:cNvPr id="60" name="Retângulo 59"/>
-            <p:cNvSpPr/>
-            <p:nvPr/>
-          </p:nvSpPr>
-          <p:spPr>
-            <a:xfrm>
-              <a:off x="1847849" y="1999342"/>
-              <a:ext cx="3600000" cy="540000"/>
-            </a:xfrm>
-            <a:prstGeom prst="rect">
-              <a:avLst/>
-            </a:prstGeom>
-          </p:spPr>
-          <p:style>
-            <a:lnRef idx="2">
-              <a:schemeClr val="accent6">
-                <a:shade val="50000"/>
-              </a:schemeClr>
-            </a:lnRef>
-            <a:fillRef idx="1">
-              <a:schemeClr val="accent6"/>
-            </a:fillRef>
-            <a:effectRef idx="0">
-              <a:schemeClr val="accent6"/>
-            </a:effectRef>
-            <a:fontRef idx="minor">
-              <a:schemeClr val="lt1"/>
-            </a:fontRef>
-          </p:style>
-          <p:txBody>
-            <a:bodyPr rtlCol="0" anchor="ctr"/>
-            <a:lstStyle/>
-            <a:p>
-              <a:pPr algn="ctr"/>
-              <a:r>
-                <a:rPr lang="pt-BR" sz="2000" dirty="0" smtClean="0"/>
-                <a:t>Treino</a:t>
-              </a:r>
-              <a:endParaRPr lang="pt-BR" sz="2000" dirty="0"/>
-            </a:p>
-          </p:txBody>
-        </p:sp>
-        <p:sp>
-          <p:nvSpPr>
-            <p:cNvPr id="61" name="Retângulo 60"/>
-            <p:cNvSpPr/>
-            <p:nvPr/>
-          </p:nvSpPr>
-          <p:spPr>
-            <a:xfrm>
-              <a:off x="5447849" y="1999343"/>
-              <a:ext cx="720000" cy="540000"/>
-            </a:xfrm>
-            <a:prstGeom prst="rect">
-              <a:avLst/>
-            </a:prstGeom>
-          </p:spPr>
-          <p:style>
-            <a:lnRef idx="2">
-              <a:schemeClr val="accent5">
-                <a:shade val="50000"/>
-              </a:schemeClr>
-            </a:lnRef>
-            <a:fillRef idx="1">
-              <a:schemeClr val="accent5"/>
-            </a:fillRef>
-            <a:effectRef idx="0">
-              <a:schemeClr val="accent5"/>
-            </a:effectRef>
-            <a:fontRef idx="minor">
-              <a:schemeClr val="lt1"/>
-            </a:fontRef>
-          </p:style>
-          <p:txBody>
-            <a:bodyPr rtlCol="0" anchor="ctr"/>
-            <a:lstStyle/>
-            <a:p>
-              <a:pPr algn="ctr"/>
-              <a:r>
-                <a:rPr lang="pt-BR" sz="2000" dirty="0" smtClean="0"/>
-                <a:t>teste</a:t>
-              </a:r>
-              <a:endParaRPr lang="pt-BR" sz="2000" dirty="0"/>
-            </a:p>
-          </p:txBody>
-        </p:sp>
-        <p:sp>
-          <p:nvSpPr>
-            <p:cNvPr id="62" name="CaixaDeTexto 61"/>
-            <p:cNvSpPr txBox="1"/>
-            <p:nvPr/>
-          </p:nvSpPr>
-          <p:spPr>
-            <a:xfrm>
-              <a:off x="3315312" y="1405547"/>
-              <a:ext cx="665071" cy="400110"/>
-            </a:xfrm>
-            <a:prstGeom prst="rect">
-              <a:avLst/>
-            </a:prstGeom>
-            <a:noFill/>
-          </p:spPr>
-          <p:txBody>
-            <a:bodyPr wrap="square" rtlCol="0">
-              <a:spAutoFit/>
-            </a:bodyPr>
-            <a:lstStyle/>
-            <a:p>
-              <a:r>
-                <a:rPr lang="pt-BR" sz="2000" dirty="0" smtClean="0"/>
-                <a:t>50%</a:t>
-              </a:r>
-              <a:endParaRPr lang="pt-BR" sz="2000" dirty="0"/>
-            </a:p>
-          </p:txBody>
-        </p:sp>
-        <p:sp>
-          <p:nvSpPr>
-            <p:cNvPr id="63" name="CaixaDeTexto 62"/>
-            <p:cNvSpPr txBox="1"/>
-            <p:nvPr/>
-          </p:nvSpPr>
-          <p:spPr>
-            <a:xfrm>
-              <a:off x="5491100" y="1410979"/>
-              <a:ext cx="633497" cy="400110"/>
-            </a:xfrm>
-            <a:prstGeom prst="rect">
-              <a:avLst/>
-            </a:prstGeom>
-            <a:noFill/>
-          </p:spPr>
-          <p:txBody>
-            <a:bodyPr wrap="square" rtlCol="0">
-              <a:spAutoFit/>
-            </a:bodyPr>
-            <a:lstStyle/>
-            <a:p>
-              <a:r>
-                <a:rPr lang="pt-BR" sz="2000" dirty="0" smtClean="0"/>
-                <a:t>10%</a:t>
-              </a:r>
-              <a:endParaRPr lang="pt-BR" sz="2000" dirty="0"/>
-            </a:p>
-          </p:txBody>
-        </p:sp>
-      </p:grpSp>
-      <p:sp>
-        <p:nvSpPr>
-          <p:cNvPr id="68" name="Retângulo 67"/>
-          <p:cNvSpPr/>
-          <p:nvPr/>
-        </p:nvSpPr>
-        <p:spPr>
-          <a:xfrm>
-            <a:off x="8777779" y="5054758"/>
-            <a:ext cx="720005" cy="539801"/>
-          </a:xfrm>
-          <a:prstGeom prst="rect">
-            <a:avLst/>
-          </a:prstGeom>
-        </p:spPr>
-        <p:style>
-          <a:lnRef idx="2">
-            <a:schemeClr val="accent1">
-              <a:shade val="50000"/>
-            </a:schemeClr>
-          </a:lnRef>
-          <a:fillRef idx="1">
-            <a:schemeClr val="accent1"/>
-          </a:fillRef>
-          <a:effectRef idx="0">
-            <a:schemeClr val="accent1"/>
-          </a:effectRef>
-          <a:fontRef idx="minor">
-            <a:schemeClr val="lt1"/>
-          </a:fontRef>
-        </p:style>
-        <p:txBody>
-          <a:bodyPr rtlCol="0" anchor="ctr"/>
-          <a:lstStyle/>
-          <a:p>
-            <a:pPr algn="ctr"/>
-            <a:endParaRPr lang="pt-BR"/>
-          </a:p>
-        </p:txBody>
-      </p:sp>
-      <p:sp>
-        <p:nvSpPr>
-          <p:cNvPr id="69" name="Retângulo 68"/>
-          <p:cNvSpPr/>
-          <p:nvPr/>
-        </p:nvSpPr>
-        <p:spPr>
-          <a:xfrm>
-            <a:off x="8057777" y="3987698"/>
-            <a:ext cx="1440012" cy="536237"/>
-          </a:xfrm>
-          <a:prstGeom prst="rect">
-            <a:avLst/>
-          </a:prstGeom>
-        </p:spPr>
-        <p:style>
-          <a:lnRef idx="2">
-            <a:schemeClr val="accent1">
-              <a:shade val="50000"/>
-            </a:schemeClr>
-          </a:lnRef>
-          <a:fillRef idx="1">
-            <a:schemeClr val="accent1"/>
-          </a:fillRef>
-          <a:effectRef idx="0">
-            <a:schemeClr val="accent1"/>
-          </a:effectRef>
-          <a:fontRef idx="minor">
-            <a:schemeClr val="lt1"/>
-          </a:fontRef>
-        </p:style>
-        <p:txBody>
-          <a:bodyPr rtlCol="0" anchor="ctr"/>
-          <a:lstStyle/>
-          <a:p>
-            <a:pPr algn="ctr"/>
-            <a:endParaRPr lang="pt-BR"/>
-          </a:p>
-        </p:txBody>
-      </p:sp>
-      <p:sp>
-        <p:nvSpPr>
-          <p:cNvPr id="70" name="Retângulo 69"/>
-          <p:cNvSpPr/>
-          <p:nvPr/>
-        </p:nvSpPr>
-        <p:spPr>
-          <a:xfrm>
-            <a:off x="7337791" y="2908762"/>
-            <a:ext cx="2159999" cy="536836"/>
-          </a:xfrm>
-          <a:prstGeom prst="rect">
-            <a:avLst/>
-          </a:prstGeom>
-        </p:spPr>
-        <p:style>
-          <a:lnRef idx="2">
-            <a:schemeClr val="accent1">
-              <a:shade val="50000"/>
-            </a:schemeClr>
-          </a:lnRef>
-          <a:fillRef idx="1">
-            <a:schemeClr val="accent1"/>
-          </a:fillRef>
-          <a:effectRef idx="0">
-            <a:schemeClr val="accent1"/>
-          </a:effectRef>
-          <a:fontRef idx="minor">
-            <a:schemeClr val="lt1"/>
-          </a:fontRef>
-        </p:style>
-        <p:txBody>
-          <a:bodyPr rtlCol="0" anchor="ctr"/>
-          <a:lstStyle/>
-          <a:p>
-            <a:pPr algn="ctr"/>
-            <a:endParaRPr lang="pt-BR"/>
-          </a:p>
-        </p:txBody>
-      </p:sp>
-      <p:sp>
-        <p:nvSpPr>
-          <p:cNvPr id="71" name="Seta para a Direita 70"/>
-          <p:cNvSpPr/>
-          <p:nvPr/>
-        </p:nvSpPr>
-        <p:spPr>
-          <a:xfrm>
-            <a:off x="2297785" y="408373"/>
-            <a:ext cx="7199999" cy="168676"/>
-          </a:xfrm>
-          <a:prstGeom prst="rightArrow">
-            <a:avLst/>
-          </a:prstGeom>
-        </p:spPr>
-        <p:style>
-          <a:lnRef idx="2">
-            <a:schemeClr val="accent1">
-              <a:shade val="50000"/>
-            </a:schemeClr>
-          </a:lnRef>
-          <a:fillRef idx="1">
-            <a:schemeClr val="accent1"/>
-          </a:fillRef>
-          <a:effectRef idx="0">
-            <a:schemeClr val="accent1"/>
-          </a:effectRef>
-          <a:fontRef idx="minor">
-            <a:schemeClr val="lt1"/>
-          </a:fontRef>
-        </p:style>
-        <p:txBody>
-          <a:bodyPr rtlCol="0" anchor="ctr"/>
-          <a:lstStyle/>
-          <a:p>
-            <a:pPr algn="ctr"/>
-            <a:endParaRPr lang="pt-BR"/>
-          </a:p>
-        </p:txBody>
-      </p:sp>
     </p:spTree>
     <p:extLst>
       <p:ext uri="{BB962C8B-B14F-4D97-AF65-F5344CB8AC3E}">
@@ -10385,8 +12665,8 @@
               <a:p>
                 <a:pPr algn="ctr"/>
                 <a:endParaRPr lang="pt-BR">
-                  <a:latin typeface="Arial" panose="020B0604020202020204" pitchFamily="34" charset="0"/>
-                  <a:cs typeface="Arial" panose="020B0604020202020204" pitchFamily="34" charset="0"/>
+                  <a:latin typeface="Times New Roman" panose="02020603050405020304" pitchFamily="18" charset="0"/>
+                  <a:cs typeface="Times New Roman" panose="02020603050405020304" pitchFamily="18" charset="0"/>
                 </a:endParaRPr>
               </a:p>
             </p:txBody>
@@ -10430,8 +12710,8 @@
               <a:p>
                 <a:pPr algn="ctr"/>
                 <a:endParaRPr lang="pt-BR">
-                  <a:latin typeface="Arial" panose="020B0604020202020204" pitchFamily="34" charset="0"/>
-                  <a:cs typeface="Arial" panose="020B0604020202020204" pitchFamily="34" charset="0"/>
+                  <a:latin typeface="Times New Roman" panose="02020603050405020304" pitchFamily="18" charset="0"/>
+                  <a:cs typeface="Times New Roman" panose="02020603050405020304" pitchFamily="18" charset="0"/>
                 </a:endParaRPr>
               </a:p>
             </p:txBody>
@@ -10475,8 +12755,8 @@
               <a:p>
                 <a:pPr algn="ctr"/>
                 <a:endParaRPr lang="pt-BR">
-                  <a:latin typeface="Arial" panose="020B0604020202020204" pitchFamily="34" charset="0"/>
-                  <a:cs typeface="Arial" panose="020B0604020202020204" pitchFamily="34" charset="0"/>
+                  <a:latin typeface="Times New Roman" panose="02020603050405020304" pitchFamily="18" charset="0"/>
+                  <a:cs typeface="Times New Roman" panose="02020603050405020304" pitchFamily="18" charset="0"/>
                 </a:endParaRPr>
               </a:p>
             </p:txBody>
@@ -10520,8 +12800,8 @@
               <a:p>
                 <a:pPr algn="ctr"/>
                 <a:endParaRPr lang="pt-BR">
-                  <a:latin typeface="Arial" panose="020B0604020202020204" pitchFamily="34" charset="0"/>
-                  <a:cs typeface="Arial" panose="020B0604020202020204" pitchFamily="34" charset="0"/>
+                  <a:latin typeface="Times New Roman" panose="02020603050405020304" pitchFamily="18" charset="0"/>
+                  <a:cs typeface="Times New Roman" panose="02020603050405020304" pitchFamily="18" charset="0"/>
                 </a:endParaRPr>
               </a:p>
             </p:txBody>
@@ -10565,8 +12845,8 @@
               <a:p>
                 <a:pPr algn="ctr"/>
                 <a:endParaRPr lang="pt-BR">
-                  <a:latin typeface="Arial" panose="020B0604020202020204" pitchFamily="34" charset="0"/>
-                  <a:cs typeface="Arial" panose="020B0604020202020204" pitchFamily="34" charset="0"/>
+                  <a:latin typeface="Times New Roman" panose="02020603050405020304" pitchFamily="18" charset="0"/>
+                  <a:cs typeface="Times New Roman" panose="02020603050405020304" pitchFamily="18" charset="0"/>
                 </a:endParaRPr>
               </a:p>
             </p:txBody>
@@ -10610,8 +12890,8 @@
               <a:p>
                 <a:pPr algn="ctr"/>
                 <a:endParaRPr lang="pt-BR">
-                  <a:latin typeface="Arial" panose="020B0604020202020204" pitchFamily="34" charset="0"/>
-                  <a:cs typeface="Arial" panose="020B0604020202020204" pitchFamily="34" charset="0"/>
+                  <a:latin typeface="Times New Roman" panose="02020603050405020304" pitchFamily="18" charset="0"/>
+                  <a:cs typeface="Times New Roman" panose="02020603050405020304" pitchFamily="18" charset="0"/>
                 </a:endParaRPr>
               </a:p>
             </p:txBody>
@@ -10670,8 +12950,8 @@
               <a:p>
                 <a:pPr algn="ctr"/>
                 <a:endParaRPr lang="pt-BR">
-                  <a:latin typeface="Arial" panose="020B0604020202020204" pitchFamily="34" charset="0"/>
-                  <a:cs typeface="Arial" panose="020B0604020202020204" pitchFamily="34" charset="0"/>
+                  <a:latin typeface="Times New Roman" panose="02020603050405020304" pitchFamily="18" charset="0"/>
+                  <a:cs typeface="Times New Roman" panose="02020603050405020304" pitchFamily="18" charset="0"/>
                 </a:endParaRPr>
               </a:p>
             </p:txBody>
@@ -10715,8 +12995,8 @@
               <a:p>
                 <a:pPr algn="ctr"/>
                 <a:endParaRPr lang="pt-BR">
-                  <a:latin typeface="Arial" panose="020B0604020202020204" pitchFamily="34" charset="0"/>
-                  <a:cs typeface="Arial" panose="020B0604020202020204" pitchFamily="34" charset="0"/>
+                  <a:latin typeface="Times New Roman" panose="02020603050405020304" pitchFamily="18" charset="0"/>
+                  <a:cs typeface="Times New Roman" panose="02020603050405020304" pitchFamily="18" charset="0"/>
                 </a:endParaRPr>
               </a:p>
             </p:txBody>
@@ -10760,8 +13040,8 @@
               <a:p>
                 <a:pPr algn="ctr"/>
                 <a:endParaRPr lang="pt-BR">
-                  <a:latin typeface="Arial" panose="020B0604020202020204" pitchFamily="34" charset="0"/>
-                  <a:cs typeface="Arial" panose="020B0604020202020204" pitchFamily="34" charset="0"/>
+                  <a:latin typeface="Times New Roman" panose="02020603050405020304" pitchFamily="18" charset="0"/>
+                  <a:cs typeface="Times New Roman" panose="02020603050405020304" pitchFamily="18" charset="0"/>
                 </a:endParaRPr>
               </a:p>
             </p:txBody>
@@ -10805,8 +13085,8 @@
               <a:p>
                 <a:pPr algn="ctr"/>
                 <a:endParaRPr lang="pt-BR">
-                  <a:latin typeface="Arial" panose="020B0604020202020204" pitchFamily="34" charset="0"/>
-                  <a:cs typeface="Arial" panose="020B0604020202020204" pitchFamily="34" charset="0"/>
+                  <a:latin typeface="Times New Roman" panose="02020603050405020304" pitchFamily="18" charset="0"/>
+                  <a:cs typeface="Times New Roman" panose="02020603050405020304" pitchFamily="18" charset="0"/>
                 </a:endParaRPr>
               </a:p>
             </p:txBody>
@@ -10850,8 +13130,8 @@
               <a:p>
                 <a:pPr algn="ctr"/>
                 <a:endParaRPr lang="pt-BR">
-                  <a:latin typeface="Arial" panose="020B0604020202020204" pitchFamily="34" charset="0"/>
-                  <a:cs typeface="Arial" panose="020B0604020202020204" pitchFamily="34" charset="0"/>
+                  <a:latin typeface="Times New Roman" panose="02020603050405020304" pitchFamily="18" charset="0"/>
+                  <a:cs typeface="Times New Roman" panose="02020603050405020304" pitchFamily="18" charset="0"/>
                 </a:endParaRPr>
               </a:p>
             </p:txBody>
@@ -10895,8 +13175,8 @@
               <a:p>
                 <a:pPr algn="ctr"/>
                 <a:endParaRPr lang="pt-BR">
-                  <a:latin typeface="Arial" panose="020B0604020202020204" pitchFamily="34" charset="0"/>
-                  <a:cs typeface="Arial" panose="020B0604020202020204" pitchFamily="34" charset="0"/>
+                  <a:latin typeface="Times New Roman" panose="02020603050405020304" pitchFamily="18" charset="0"/>
+                  <a:cs typeface="Times New Roman" panose="02020603050405020304" pitchFamily="18" charset="0"/>
                 </a:endParaRPr>
               </a:p>
             </p:txBody>
@@ -10955,8 +13235,8 @@
               <a:p>
                 <a:pPr algn="ctr"/>
                 <a:endParaRPr lang="pt-BR">
-                  <a:latin typeface="Arial" panose="020B0604020202020204" pitchFamily="34" charset="0"/>
-                  <a:cs typeface="Arial" panose="020B0604020202020204" pitchFamily="34" charset="0"/>
+                  <a:latin typeface="Times New Roman" panose="02020603050405020304" pitchFamily="18" charset="0"/>
+                  <a:cs typeface="Times New Roman" panose="02020603050405020304" pitchFamily="18" charset="0"/>
                 </a:endParaRPr>
               </a:p>
             </p:txBody>
@@ -11000,8 +13280,8 @@
               <a:p>
                 <a:pPr algn="ctr"/>
                 <a:endParaRPr lang="pt-BR">
-                  <a:latin typeface="Arial" panose="020B0604020202020204" pitchFamily="34" charset="0"/>
-                  <a:cs typeface="Arial" panose="020B0604020202020204" pitchFamily="34" charset="0"/>
+                  <a:latin typeface="Times New Roman" panose="02020603050405020304" pitchFamily="18" charset="0"/>
+                  <a:cs typeface="Times New Roman" panose="02020603050405020304" pitchFamily="18" charset="0"/>
                 </a:endParaRPr>
               </a:p>
             </p:txBody>
@@ -11045,8 +13325,8 @@
               <a:p>
                 <a:pPr algn="ctr"/>
                 <a:endParaRPr lang="pt-BR">
-                  <a:latin typeface="Arial" panose="020B0604020202020204" pitchFamily="34" charset="0"/>
-                  <a:cs typeface="Arial" panose="020B0604020202020204" pitchFamily="34" charset="0"/>
+                  <a:latin typeface="Times New Roman" panose="02020603050405020304" pitchFamily="18" charset="0"/>
+                  <a:cs typeface="Times New Roman" panose="02020603050405020304" pitchFamily="18" charset="0"/>
                 </a:endParaRPr>
               </a:p>
             </p:txBody>
@@ -11090,8 +13370,8 @@
               <a:p>
                 <a:pPr algn="ctr"/>
                 <a:endParaRPr lang="pt-BR">
-                  <a:latin typeface="Arial" panose="020B0604020202020204" pitchFamily="34" charset="0"/>
-                  <a:cs typeface="Arial" panose="020B0604020202020204" pitchFamily="34" charset="0"/>
+                  <a:latin typeface="Times New Roman" panose="02020603050405020304" pitchFamily="18" charset="0"/>
+                  <a:cs typeface="Times New Roman" panose="02020603050405020304" pitchFamily="18" charset="0"/>
                 </a:endParaRPr>
               </a:p>
             </p:txBody>
@@ -11135,8 +13415,8 @@
               <a:p>
                 <a:pPr algn="ctr"/>
                 <a:endParaRPr lang="pt-BR">
-                  <a:latin typeface="Arial" panose="020B0604020202020204" pitchFamily="34" charset="0"/>
-                  <a:cs typeface="Arial" panose="020B0604020202020204" pitchFamily="34" charset="0"/>
+                  <a:latin typeface="Times New Roman" panose="02020603050405020304" pitchFamily="18" charset="0"/>
+                  <a:cs typeface="Times New Roman" panose="02020603050405020304" pitchFamily="18" charset="0"/>
                 </a:endParaRPr>
               </a:p>
             </p:txBody>
@@ -11180,8 +13460,8 @@
               <a:p>
                 <a:pPr algn="ctr"/>
                 <a:endParaRPr lang="pt-BR">
-                  <a:latin typeface="Arial" panose="020B0604020202020204" pitchFamily="34" charset="0"/>
-                  <a:cs typeface="Arial" panose="020B0604020202020204" pitchFamily="34" charset="0"/>
+                  <a:latin typeface="Times New Roman" panose="02020603050405020304" pitchFamily="18" charset="0"/>
+                  <a:cs typeface="Times New Roman" panose="02020603050405020304" pitchFamily="18" charset="0"/>
                 </a:endParaRPr>
               </a:p>
             </p:txBody>
@@ -11240,8 +13520,8 @@
               <a:p>
                 <a:pPr algn="ctr"/>
                 <a:endParaRPr lang="pt-BR">
-                  <a:latin typeface="Arial" panose="020B0604020202020204" pitchFamily="34" charset="0"/>
-                  <a:cs typeface="Arial" panose="020B0604020202020204" pitchFamily="34" charset="0"/>
+                  <a:latin typeface="Times New Roman" panose="02020603050405020304" pitchFamily="18" charset="0"/>
+                  <a:cs typeface="Times New Roman" panose="02020603050405020304" pitchFamily="18" charset="0"/>
                 </a:endParaRPr>
               </a:p>
             </p:txBody>
@@ -11285,8 +13565,8 @@
               <a:p>
                 <a:pPr algn="ctr"/>
                 <a:endParaRPr lang="pt-BR">
-                  <a:latin typeface="Arial" panose="020B0604020202020204" pitchFamily="34" charset="0"/>
-                  <a:cs typeface="Arial" panose="020B0604020202020204" pitchFamily="34" charset="0"/>
+                  <a:latin typeface="Times New Roman" panose="02020603050405020304" pitchFamily="18" charset="0"/>
+                  <a:cs typeface="Times New Roman" panose="02020603050405020304" pitchFamily="18" charset="0"/>
                 </a:endParaRPr>
               </a:p>
             </p:txBody>
@@ -11330,8 +13610,8 @@
               <a:p>
                 <a:pPr algn="ctr"/>
                 <a:endParaRPr lang="pt-BR">
-                  <a:latin typeface="Arial" panose="020B0604020202020204" pitchFamily="34" charset="0"/>
-                  <a:cs typeface="Arial" panose="020B0604020202020204" pitchFamily="34" charset="0"/>
+                  <a:latin typeface="Times New Roman" panose="02020603050405020304" pitchFamily="18" charset="0"/>
+                  <a:cs typeface="Times New Roman" panose="02020603050405020304" pitchFamily="18" charset="0"/>
                 </a:endParaRPr>
               </a:p>
             </p:txBody>
@@ -11375,8 +13655,8 @@
               <a:p>
                 <a:pPr algn="ctr"/>
                 <a:endParaRPr lang="pt-BR">
-                  <a:latin typeface="Arial" panose="020B0604020202020204" pitchFamily="34" charset="0"/>
-                  <a:cs typeface="Arial" panose="020B0604020202020204" pitchFamily="34" charset="0"/>
+                  <a:latin typeface="Times New Roman" panose="02020603050405020304" pitchFamily="18" charset="0"/>
+                  <a:cs typeface="Times New Roman" panose="02020603050405020304" pitchFamily="18" charset="0"/>
                 </a:endParaRPr>
               </a:p>
             </p:txBody>
@@ -11420,8 +13700,8 @@
               <a:p>
                 <a:pPr algn="ctr"/>
                 <a:endParaRPr lang="pt-BR">
-                  <a:latin typeface="Arial" panose="020B0604020202020204" pitchFamily="34" charset="0"/>
-                  <a:cs typeface="Arial" panose="020B0604020202020204" pitchFamily="34" charset="0"/>
+                  <a:latin typeface="Times New Roman" panose="02020603050405020304" pitchFamily="18" charset="0"/>
+                  <a:cs typeface="Times New Roman" panose="02020603050405020304" pitchFamily="18" charset="0"/>
                 </a:endParaRPr>
               </a:p>
             </p:txBody>
@@ -11465,8 +13745,8 @@
               <a:p>
                 <a:pPr algn="ctr"/>
                 <a:endParaRPr lang="pt-BR">
-                  <a:latin typeface="Arial" panose="020B0604020202020204" pitchFamily="34" charset="0"/>
-                  <a:cs typeface="Arial" panose="020B0604020202020204" pitchFamily="34" charset="0"/>
+                  <a:latin typeface="Times New Roman" panose="02020603050405020304" pitchFamily="18" charset="0"/>
+                  <a:cs typeface="Times New Roman" panose="02020603050405020304" pitchFamily="18" charset="0"/>
                 </a:endParaRPr>
               </a:p>
             </p:txBody>
@@ -11535,8 +13815,8 @@
               <a:p>
                 <a:pPr algn="ctr"/>
                 <a:endParaRPr lang="pt-BR">
-                  <a:latin typeface="Arial" panose="020B0604020202020204" pitchFamily="34" charset="0"/>
-                  <a:cs typeface="Arial" panose="020B0604020202020204" pitchFamily="34" charset="0"/>
+                  <a:latin typeface="Times New Roman" panose="02020603050405020304" pitchFamily="18" charset="0"/>
+                  <a:cs typeface="Times New Roman" panose="02020603050405020304" pitchFamily="18" charset="0"/>
                 </a:endParaRPr>
               </a:p>
             </p:txBody>
@@ -11590,8 +13870,8 @@
               <a:p>
                 <a:pPr algn="ctr"/>
                 <a:endParaRPr lang="pt-BR">
-                  <a:latin typeface="Arial" panose="020B0604020202020204" pitchFamily="34" charset="0"/>
-                  <a:cs typeface="Arial" panose="020B0604020202020204" pitchFamily="34" charset="0"/>
+                  <a:latin typeface="Times New Roman" panose="02020603050405020304" pitchFamily="18" charset="0"/>
+                  <a:cs typeface="Times New Roman" panose="02020603050405020304" pitchFamily="18" charset="0"/>
                 </a:endParaRPr>
               </a:p>
             </p:txBody>
@@ -11645,8 +13925,8 @@
               <a:p>
                 <a:pPr algn="ctr"/>
                 <a:endParaRPr lang="pt-BR">
-                  <a:latin typeface="Arial" panose="020B0604020202020204" pitchFamily="34" charset="0"/>
-                  <a:cs typeface="Arial" panose="020B0604020202020204" pitchFamily="34" charset="0"/>
+                  <a:latin typeface="Times New Roman" panose="02020603050405020304" pitchFamily="18" charset="0"/>
+                  <a:cs typeface="Times New Roman" panose="02020603050405020304" pitchFamily="18" charset="0"/>
                 </a:endParaRPr>
               </a:p>
             </p:txBody>
@@ -11868,8 +14148,8 @@
                       <a:lumMod val="10000"/>
                     </a:schemeClr>
                   </a:solidFill>
-                  <a:latin typeface="Arial" panose="020B0604020202020204" pitchFamily="34" charset="0"/>
-                  <a:cs typeface="Arial" panose="020B0604020202020204" pitchFamily="34" charset="0"/>
+                  <a:latin typeface="Times New Roman" panose="02020603050405020304" pitchFamily="18" charset="0"/>
+                  <a:cs typeface="Times New Roman" panose="02020603050405020304" pitchFamily="18" charset="0"/>
                 </a:rPr>
                 <a:t>Seleção</a:t>
               </a:r>
@@ -11879,8 +14159,8 @@
                     <a:lumMod val="10000"/>
                   </a:schemeClr>
                 </a:solidFill>
-                <a:latin typeface="Arial" panose="020B0604020202020204" pitchFamily="34" charset="0"/>
-                <a:cs typeface="Arial" panose="020B0604020202020204" pitchFamily="34" charset="0"/>
+                <a:latin typeface="Times New Roman" panose="02020603050405020304" pitchFamily="18" charset="0"/>
+                <a:cs typeface="Times New Roman" panose="02020603050405020304" pitchFamily="18" charset="0"/>
               </a:endParaRPr>
             </a:p>
           </p:txBody>
@@ -11936,8 +14216,8 @@
                       <a:lumMod val="10000"/>
                     </a:schemeClr>
                   </a:solidFill>
-                  <a:latin typeface="Arial" panose="020B0604020202020204" pitchFamily="34" charset="0"/>
-                  <a:cs typeface="Arial" panose="020B0604020202020204" pitchFamily="34" charset="0"/>
+                  <a:latin typeface="Times New Roman" panose="02020603050405020304" pitchFamily="18" charset="0"/>
+                  <a:cs typeface="Times New Roman" panose="02020603050405020304" pitchFamily="18" charset="0"/>
                 </a:rPr>
                 <a:t>Pré-processamento</a:t>
               </a:r>
@@ -11947,8 +14227,8 @@
                     <a:lumMod val="10000"/>
                   </a:schemeClr>
                 </a:solidFill>
-                <a:latin typeface="Arial" panose="020B0604020202020204" pitchFamily="34" charset="0"/>
-                <a:cs typeface="Arial" panose="020B0604020202020204" pitchFamily="34" charset="0"/>
+                <a:latin typeface="Times New Roman" panose="02020603050405020304" pitchFamily="18" charset="0"/>
+                <a:cs typeface="Times New Roman" panose="02020603050405020304" pitchFamily="18" charset="0"/>
               </a:endParaRPr>
             </a:p>
           </p:txBody>
@@ -12004,8 +14284,8 @@
                       <a:lumMod val="10000"/>
                     </a:schemeClr>
                   </a:solidFill>
-                  <a:latin typeface="Arial" panose="020B0604020202020204" pitchFamily="34" charset="0"/>
-                  <a:cs typeface="Arial" panose="020B0604020202020204" pitchFamily="34" charset="0"/>
+                  <a:latin typeface="Times New Roman" panose="02020603050405020304" pitchFamily="18" charset="0"/>
+                  <a:cs typeface="Times New Roman" panose="02020603050405020304" pitchFamily="18" charset="0"/>
                 </a:rPr>
                 <a:t>Transformação</a:t>
               </a:r>
@@ -12015,8 +14295,8 @@
                     <a:lumMod val="10000"/>
                   </a:schemeClr>
                 </a:solidFill>
-                <a:latin typeface="Arial" panose="020B0604020202020204" pitchFamily="34" charset="0"/>
-                <a:cs typeface="Arial" panose="020B0604020202020204" pitchFamily="34" charset="0"/>
+                <a:latin typeface="Times New Roman" panose="02020603050405020304" pitchFamily="18" charset="0"/>
+                <a:cs typeface="Times New Roman" panose="02020603050405020304" pitchFamily="18" charset="0"/>
               </a:endParaRPr>
             </a:p>
           </p:txBody>
@@ -12072,8 +14352,8 @@
                       <a:lumMod val="10000"/>
                     </a:schemeClr>
                   </a:solidFill>
-                  <a:latin typeface="Arial" panose="020B0604020202020204" pitchFamily="34" charset="0"/>
-                  <a:cs typeface="Arial" panose="020B0604020202020204" pitchFamily="34" charset="0"/>
+                  <a:latin typeface="Times New Roman" panose="02020603050405020304" pitchFamily="18" charset="0"/>
+                  <a:cs typeface="Times New Roman" panose="02020603050405020304" pitchFamily="18" charset="0"/>
                 </a:rPr>
                 <a:t>Interpretação e avaliação</a:t>
               </a:r>
@@ -12083,8 +14363,8 @@
                     <a:lumMod val="10000"/>
                   </a:schemeClr>
                 </a:solidFill>
-                <a:latin typeface="Arial" panose="020B0604020202020204" pitchFamily="34" charset="0"/>
-                <a:cs typeface="Arial" panose="020B0604020202020204" pitchFamily="34" charset="0"/>
+                <a:latin typeface="Times New Roman" panose="02020603050405020304" pitchFamily="18" charset="0"/>
+                <a:cs typeface="Times New Roman" panose="02020603050405020304" pitchFamily="18" charset="0"/>
               </a:endParaRPr>
             </a:p>
           </p:txBody>
@@ -12140,8 +14420,8 @@
                       <a:lumMod val="10000"/>
                     </a:schemeClr>
                   </a:solidFill>
-                  <a:latin typeface="Arial" panose="020B0604020202020204" pitchFamily="34" charset="0"/>
-                  <a:cs typeface="Arial" panose="020B0604020202020204" pitchFamily="34" charset="0"/>
+                  <a:latin typeface="Times New Roman" panose="02020603050405020304" pitchFamily="18" charset="0"/>
+                  <a:cs typeface="Times New Roman" panose="02020603050405020304" pitchFamily="18" charset="0"/>
                 </a:rPr>
                 <a:t>Mineração de dados</a:t>
               </a:r>
@@ -12151,8 +14431,8 @@
                     <a:lumMod val="10000"/>
                   </a:schemeClr>
                 </a:solidFill>
-                <a:latin typeface="Arial" panose="020B0604020202020204" pitchFamily="34" charset="0"/>
-                <a:cs typeface="Arial" panose="020B0604020202020204" pitchFamily="34" charset="0"/>
+                <a:latin typeface="Times New Roman" panose="02020603050405020304" pitchFamily="18" charset="0"/>
+                <a:cs typeface="Times New Roman" panose="02020603050405020304" pitchFamily="18" charset="0"/>
               </a:endParaRPr>
             </a:p>
           </p:txBody>
@@ -12573,21 +14853,21 @@
               <a:pPr algn="ctr"/>
               <a:r>
                 <a:rPr lang="pt-BR" dirty="0">
-                  <a:latin typeface="Arial" panose="020B0604020202020204" pitchFamily="34" charset="0"/>
-                  <a:cs typeface="Arial" panose="020B0604020202020204" pitchFamily="34" charset="0"/>
+                  <a:latin typeface="Times New Roman" panose="02020603050405020304" pitchFamily="18" charset="0"/>
+                  <a:cs typeface="Times New Roman" panose="02020603050405020304" pitchFamily="18" charset="0"/>
                 </a:rPr>
                 <a:t>D</a:t>
               </a:r>
               <a:r>
                 <a:rPr lang="pt-BR" dirty="0" smtClean="0">
-                  <a:latin typeface="Arial" panose="020B0604020202020204" pitchFamily="34" charset="0"/>
-                  <a:cs typeface="Arial" panose="020B0604020202020204" pitchFamily="34" charset="0"/>
+                  <a:latin typeface="Times New Roman" panose="02020603050405020304" pitchFamily="18" charset="0"/>
+                  <a:cs typeface="Times New Roman" panose="02020603050405020304" pitchFamily="18" charset="0"/>
                 </a:rPr>
                 <a:t>ados</a:t>
               </a:r>
               <a:endParaRPr lang="pt-BR" dirty="0">
-                <a:latin typeface="Arial" panose="020B0604020202020204" pitchFamily="34" charset="0"/>
-                <a:cs typeface="Arial" panose="020B0604020202020204" pitchFamily="34" charset="0"/>
+                <a:latin typeface="Times New Roman" panose="02020603050405020304" pitchFamily="18" charset="0"/>
+                <a:cs typeface="Times New Roman" panose="02020603050405020304" pitchFamily="18" charset="0"/>
               </a:endParaRPr>
             </a:p>
           </p:txBody>
@@ -12617,14 +14897,14 @@
               <a:pPr algn="ctr"/>
               <a:r>
                 <a:rPr lang="pt-BR" dirty="0" smtClean="0">
-                  <a:latin typeface="Arial" panose="020B0604020202020204" pitchFamily="34" charset="0"/>
-                  <a:cs typeface="Arial" panose="020B0604020202020204" pitchFamily="34" charset="0"/>
+                  <a:latin typeface="Times New Roman" panose="02020603050405020304" pitchFamily="18" charset="0"/>
+                  <a:cs typeface="Times New Roman" panose="02020603050405020304" pitchFamily="18" charset="0"/>
                 </a:rPr>
                 <a:t>Dados selecionados</a:t>
               </a:r>
               <a:endParaRPr lang="pt-BR" dirty="0">
-                <a:latin typeface="Arial" panose="020B0604020202020204" pitchFamily="34" charset="0"/>
-                <a:cs typeface="Arial" panose="020B0604020202020204" pitchFamily="34" charset="0"/>
+                <a:latin typeface="Times New Roman" panose="02020603050405020304" pitchFamily="18" charset="0"/>
+                <a:cs typeface="Times New Roman" panose="02020603050405020304" pitchFamily="18" charset="0"/>
               </a:endParaRPr>
             </a:p>
           </p:txBody>
@@ -12654,8 +14934,8 @@
               <a:pPr algn="ctr"/>
               <a:r>
                 <a:rPr lang="pt-BR" dirty="0" smtClean="0">
-                  <a:latin typeface="Arial" panose="020B0604020202020204" pitchFamily="34" charset="0"/>
-                  <a:cs typeface="Arial" panose="020B0604020202020204" pitchFamily="34" charset="0"/>
+                  <a:latin typeface="Times New Roman" panose="02020603050405020304" pitchFamily="18" charset="0"/>
+                  <a:cs typeface="Times New Roman" panose="02020603050405020304" pitchFamily="18" charset="0"/>
                 </a:rPr>
                 <a:t>Dados </a:t>
               </a:r>
@@ -12664,21 +14944,21 @@
               <a:pPr algn="ctr"/>
               <a:r>
                 <a:rPr lang="pt-BR" dirty="0" err="1" smtClean="0">
-                  <a:latin typeface="Arial" panose="020B0604020202020204" pitchFamily="34" charset="0"/>
-                  <a:cs typeface="Arial" panose="020B0604020202020204" pitchFamily="34" charset="0"/>
+                  <a:latin typeface="Times New Roman" panose="02020603050405020304" pitchFamily="18" charset="0"/>
+                  <a:cs typeface="Times New Roman" panose="02020603050405020304" pitchFamily="18" charset="0"/>
                 </a:rPr>
                 <a:t>pré</a:t>
               </a:r>
               <a:r>
                 <a:rPr lang="pt-BR" dirty="0" smtClean="0">
-                  <a:latin typeface="Arial" panose="020B0604020202020204" pitchFamily="34" charset="0"/>
-                  <a:cs typeface="Arial" panose="020B0604020202020204" pitchFamily="34" charset="0"/>
+                  <a:latin typeface="Times New Roman" panose="02020603050405020304" pitchFamily="18" charset="0"/>
+                  <a:cs typeface="Times New Roman" panose="02020603050405020304" pitchFamily="18" charset="0"/>
                 </a:rPr>
                 <a:t>-processados</a:t>
               </a:r>
               <a:endParaRPr lang="pt-BR" dirty="0">
-                <a:latin typeface="Arial" panose="020B0604020202020204" pitchFamily="34" charset="0"/>
-                <a:cs typeface="Arial" panose="020B0604020202020204" pitchFamily="34" charset="0"/>
+                <a:latin typeface="Times New Roman" panose="02020603050405020304" pitchFamily="18" charset="0"/>
+                <a:cs typeface="Times New Roman" panose="02020603050405020304" pitchFamily="18" charset="0"/>
               </a:endParaRPr>
             </a:p>
           </p:txBody>
@@ -12708,8 +14988,8 @@
               <a:pPr algn="ctr"/>
               <a:r>
                 <a:rPr lang="pt-BR" dirty="0" smtClean="0">
-                  <a:latin typeface="Arial" panose="020B0604020202020204" pitchFamily="34" charset="0"/>
-                  <a:cs typeface="Arial" panose="020B0604020202020204" pitchFamily="34" charset="0"/>
+                  <a:latin typeface="Times New Roman" panose="02020603050405020304" pitchFamily="18" charset="0"/>
+                  <a:cs typeface="Times New Roman" panose="02020603050405020304" pitchFamily="18" charset="0"/>
                 </a:rPr>
                 <a:t>Dados </a:t>
               </a:r>
@@ -12718,14 +14998,14 @@
               <a:pPr algn="ctr"/>
               <a:r>
                 <a:rPr lang="pt-BR" dirty="0" smtClean="0">
-                  <a:latin typeface="Arial" panose="020B0604020202020204" pitchFamily="34" charset="0"/>
-                  <a:cs typeface="Arial" panose="020B0604020202020204" pitchFamily="34" charset="0"/>
+                  <a:latin typeface="Times New Roman" panose="02020603050405020304" pitchFamily="18" charset="0"/>
+                  <a:cs typeface="Times New Roman" panose="02020603050405020304" pitchFamily="18" charset="0"/>
                 </a:rPr>
                 <a:t>transformados</a:t>
               </a:r>
               <a:endParaRPr lang="pt-BR" dirty="0">
-                <a:latin typeface="Arial" panose="020B0604020202020204" pitchFamily="34" charset="0"/>
-                <a:cs typeface="Arial" panose="020B0604020202020204" pitchFamily="34" charset="0"/>
+                <a:latin typeface="Times New Roman" panose="02020603050405020304" pitchFamily="18" charset="0"/>
+                <a:cs typeface="Times New Roman" panose="02020603050405020304" pitchFamily="18" charset="0"/>
               </a:endParaRPr>
             </a:p>
           </p:txBody>
@@ -12755,21 +15035,21 @@
               <a:pPr algn="ctr"/>
               <a:r>
                 <a:rPr lang="pt-BR" dirty="0">
-                  <a:latin typeface="Arial" panose="020B0604020202020204" pitchFamily="34" charset="0"/>
-                  <a:cs typeface="Arial" panose="020B0604020202020204" pitchFamily="34" charset="0"/>
+                  <a:latin typeface="Times New Roman" panose="02020603050405020304" pitchFamily="18" charset="0"/>
+                  <a:cs typeface="Times New Roman" panose="02020603050405020304" pitchFamily="18" charset="0"/>
                 </a:rPr>
                 <a:t>P</a:t>
               </a:r>
               <a:r>
                 <a:rPr lang="pt-BR" dirty="0" smtClean="0">
-                  <a:latin typeface="Arial" panose="020B0604020202020204" pitchFamily="34" charset="0"/>
-                  <a:cs typeface="Arial" panose="020B0604020202020204" pitchFamily="34" charset="0"/>
+                  <a:latin typeface="Times New Roman" panose="02020603050405020304" pitchFamily="18" charset="0"/>
+                  <a:cs typeface="Times New Roman" panose="02020603050405020304" pitchFamily="18" charset="0"/>
                 </a:rPr>
                 <a:t>adrões</a:t>
               </a:r>
               <a:endParaRPr lang="pt-BR" dirty="0">
-                <a:latin typeface="Arial" panose="020B0604020202020204" pitchFamily="34" charset="0"/>
-                <a:cs typeface="Arial" panose="020B0604020202020204" pitchFamily="34" charset="0"/>
+                <a:latin typeface="Times New Roman" panose="02020603050405020304" pitchFamily="18" charset="0"/>
+                <a:cs typeface="Times New Roman" panose="02020603050405020304" pitchFamily="18" charset="0"/>
               </a:endParaRPr>
             </a:p>
           </p:txBody>
@@ -12799,14 +15079,14 @@
               <a:pPr algn="ctr"/>
               <a:r>
                 <a:rPr lang="pt-BR" dirty="0" smtClean="0">
-                  <a:latin typeface="Arial" panose="020B0604020202020204" pitchFamily="34" charset="0"/>
-                  <a:cs typeface="Arial" panose="020B0604020202020204" pitchFamily="34" charset="0"/>
+                  <a:latin typeface="Times New Roman" panose="02020603050405020304" pitchFamily="18" charset="0"/>
+                  <a:cs typeface="Times New Roman" panose="02020603050405020304" pitchFamily="18" charset="0"/>
                 </a:rPr>
                 <a:t>Conhecimento</a:t>
               </a:r>
               <a:endParaRPr lang="pt-BR" dirty="0">
-                <a:latin typeface="Arial" panose="020B0604020202020204" pitchFamily="34" charset="0"/>
-                <a:cs typeface="Arial" panose="020B0604020202020204" pitchFamily="34" charset="0"/>
+                <a:latin typeface="Times New Roman" panose="02020603050405020304" pitchFamily="18" charset="0"/>
+                <a:cs typeface="Times New Roman" panose="02020603050405020304" pitchFamily="18" charset="0"/>
               </a:endParaRPr>
             </a:p>
           </p:txBody>
@@ -13344,8 +15624,8 @@
                 <a:p>
                   <a:pPr algn="ctr"/>
                   <a:endParaRPr lang="pt-BR">
-                    <a:latin typeface="Arial" panose="020B0604020202020204" pitchFamily="34" charset="0"/>
-                    <a:cs typeface="Arial" panose="020B0604020202020204" pitchFamily="34" charset="0"/>
+                    <a:latin typeface="Times New Roman" panose="02020603050405020304" pitchFamily="18" charset="0"/>
+                    <a:cs typeface="Times New Roman" panose="02020603050405020304" pitchFamily="18" charset="0"/>
                   </a:endParaRPr>
                 </a:p>
               </p:txBody>
@@ -13389,8 +15669,8 @@
                 <a:p>
                   <a:pPr algn="ctr"/>
                   <a:endParaRPr lang="pt-BR">
-                    <a:latin typeface="Arial" panose="020B0604020202020204" pitchFamily="34" charset="0"/>
-                    <a:cs typeface="Arial" panose="020B0604020202020204" pitchFamily="34" charset="0"/>
+                    <a:latin typeface="Times New Roman" panose="02020603050405020304" pitchFamily="18" charset="0"/>
+                    <a:cs typeface="Times New Roman" panose="02020603050405020304" pitchFamily="18" charset="0"/>
                   </a:endParaRPr>
                 </a:p>
               </p:txBody>
@@ -13434,8 +15714,8 @@
                 <a:p>
                   <a:pPr algn="ctr"/>
                   <a:endParaRPr lang="pt-BR">
-                    <a:latin typeface="Arial" panose="020B0604020202020204" pitchFamily="34" charset="0"/>
-                    <a:cs typeface="Arial" panose="020B0604020202020204" pitchFamily="34" charset="0"/>
+                    <a:latin typeface="Times New Roman" panose="02020603050405020304" pitchFamily="18" charset="0"/>
+                    <a:cs typeface="Times New Roman" panose="02020603050405020304" pitchFamily="18" charset="0"/>
                   </a:endParaRPr>
                 </a:p>
               </p:txBody>
@@ -13479,8 +15759,8 @@
                 <a:p>
                   <a:pPr algn="ctr"/>
                   <a:endParaRPr lang="pt-BR">
-                    <a:latin typeface="Arial" panose="020B0604020202020204" pitchFamily="34" charset="0"/>
-                    <a:cs typeface="Arial" panose="020B0604020202020204" pitchFamily="34" charset="0"/>
+                    <a:latin typeface="Times New Roman" panose="02020603050405020304" pitchFamily="18" charset="0"/>
+                    <a:cs typeface="Times New Roman" panose="02020603050405020304" pitchFamily="18" charset="0"/>
                   </a:endParaRPr>
                 </a:p>
               </p:txBody>
@@ -13524,8 +15804,8 @@
                 <a:p>
                   <a:pPr algn="ctr"/>
                   <a:endParaRPr lang="pt-BR">
-                    <a:latin typeface="Arial" panose="020B0604020202020204" pitchFamily="34" charset="0"/>
-                    <a:cs typeface="Arial" panose="020B0604020202020204" pitchFamily="34" charset="0"/>
+                    <a:latin typeface="Times New Roman" panose="02020603050405020304" pitchFamily="18" charset="0"/>
+                    <a:cs typeface="Times New Roman" panose="02020603050405020304" pitchFamily="18" charset="0"/>
                   </a:endParaRPr>
                 </a:p>
               </p:txBody>
@@ -13569,8 +15849,8 @@
                 <a:p>
                   <a:pPr algn="ctr"/>
                   <a:endParaRPr lang="pt-BR">
-                    <a:latin typeface="Arial" panose="020B0604020202020204" pitchFamily="34" charset="0"/>
-                    <a:cs typeface="Arial" panose="020B0604020202020204" pitchFamily="34" charset="0"/>
+                    <a:latin typeface="Times New Roman" panose="02020603050405020304" pitchFamily="18" charset="0"/>
+                    <a:cs typeface="Times New Roman" panose="02020603050405020304" pitchFamily="18" charset="0"/>
                   </a:endParaRPr>
                 </a:p>
               </p:txBody>
